--- a/Vorstellung.pptx
+++ b/Vorstellung.pptx
@@ -124,702 +124,6 @@
     <p1510:client id="{62AFA320-9B9E-4927-8852-63FFD396E194}" v="17" dt="2024-12-17T08:42:27.887"/>
   </p1510:revLst>
 </p1510:revInfo>
-</file>
-
-<file path=ppt/changesInfos/changesInfo1.xml><?xml version="1.0" encoding="utf-8"?>
-<pc:chgInfo xmlns:a="http://schemas.openxmlformats.org/drawingml/2006/main" xmlns:r="http://schemas.openxmlformats.org/officeDocument/2006/relationships" xmlns:ac="http://schemas.microsoft.com/office/drawing/2013/main/command" xmlns:pc="http://schemas.microsoft.com/office/powerpoint/2013/main/command">
-  <pc:docChgLst>
-    <pc:chgData name="Schranzhofer Daniel Benjamin" userId="896aed5a-a90e-49ae-b044-096ef6952a5d" providerId="ADAL" clId="{62AFA320-9B9E-4927-8852-63FFD396E194}"/>
-    <pc:docChg chg="undo redo custSel addSld delSld modSld sldOrd">
-      <pc:chgData name="Schranzhofer Daniel Benjamin" userId="896aed5a-a90e-49ae-b044-096ef6952a5d" providerId="ADAL" clId="{62AFA320-9B9E-4927-8852-63FFD396E194}" dt="2024-12-17T09:02:34.088" v="1795" actId="20577"/>
-      <pc:docMkLst>
-        <pc:docMk/>
-      </pc:docMkLst>
-      <pc:sldChg chg="addSp delSp modSp mod ord modClrScheme chgLayout">
-        <pc:chgData name="Schranzhofer Daniel Benjamin" userId="896aed5a-a90e-49ae-b044-096ef6952a5d" providerId="ADAL" clId="{62AFA320-9B9E-4927-8852-63FFD396E194}" dt="2024-12-17T08:37:11.582" v="1548" actId="20577"/>
-        <pc:sldMkLst>
-          <pc:docMk/>
-          <pc:sldMk cId="61744048" sldId="256"/>
-        </pc:sldMkLst>
-        <pc:spChg chg="del mod ord">
-          <ac:chgData name="Schranzhofer Daniel Benjamin" userId="896aed5a-a90e-49ae-b044-096ef6952a5d" providerId="ADAL" clId="{62AFA320-9B9E-4927-8852-63FFD396E194}" dt="2024-12-17T07:18:28.925" v="26" actId="700"/>
-          <ac:spMkLst>
-            <pc:docMk/>
-            <pc:sldMk cId="61744048" sldId="256"/>
-            <ac:spMk id="2" creationId="{99985D14-CE2E-30E5-0949-C52F0956F5DC}"/>
-          </ac:spMkLst>
-        </pc:spChg>
-        <pc:spChg chg="del mod ord">
-          <ac:chgData name="Schranzhofer Daniel Benjamin" userId="896aed5a-a90e-49ae-b044-096ef6952a5d" providerId="ADAL" clId="{62AFA320-9B9E-4927-8852-63FFD396E194}" dt="2024-12-17T07:18:28.925" v="26" actId="700"/>
-          <ac:spMkLst>
-            <pc:docMk/>
-            <pc:sldMk cId="61744048" sldId="256"/>
-            <ac:spMk id="3" creationId="{BE07EFA6-4638-E89A-219A-7B5CAE6C4D15}"/>
-          </ac:spMkLst>
-        </pc:spChg>
-        <pc:spChg chg="add del mod ord">
-          <ac:chgData name="Schranzhofer Daniel Benjamin" userId="896aed5a-a90e-49ae-b044-096ef6952a5d" providerId="ADAL" clId="{62AFA320-9B9E-4927-8852-63FFD396E194}" dt="2024-12-17T07:46:10.391" v="700" actId="478"/>
-          <ac:spMkLst>
-            <pc:docMk/>
-            <pc:sldMk cId="61744048" sldId="256"/>
-            <ac:spMk id="4" creationId="{6CE32E54-89B3-3BEB-59F8-8608750B0B2D}"/>
-          </ac:spMkLst>
-        </pc:spChg>
-        <pc:spChg chg="add del mod ord">
-          <ac:chgData name="Schranzhofer Daniel Benjamin" userId="896aed5a-a90e-49ae-b044-096ef6952a5d" providerId="ADAL" clId="{62AFA320-9B9E-4927-8852-63FFD396E194}" dt="2024-12-17T07:32:51.988" v="311" actId="700"/>
-          <ac:spMkLst>
-            <pc:docMk/>
-            <pc:sldMk cId="61744048" sldId="256"/>
-            <ac:spMk id="5" creationId="{CCA2927E-44DE-AE6E-BBE0-C4AB5BD6DF1D}"/>
-          </ac:spMkLst>
-        </pc:spChg>
-        <pc:spChg chg="add del mod ord">
-          <ac:chgData name="Schranzhofer Daniel Benjamin" userId="896aed5a-a90e-49ae-b044-096ef6952a5d" providerId="ADAL" clId="{62AFA320-9B9E-4927-8852-63FFD396E194}" dt="2024-12-17T07:46:08.492" v="699" actId="478"/>
-          <ac:spMkLst>
-            <pc:docMk/>
-            <pc:sldMk cId="61744048" sldId="256"/>
-            <ac:spMk id="6" creationId="{01B9E23E-F564-968F-88F0-080B44EE3D6D}"/>
-          </ac:spMkLst>
-        </pc:spChg>
-        <pc:spChg chg="add del mod ord">
-          <ac:chgData name="Schranzhofer Daniel Benjamin" userId="896aed5a-a90e-49ae-b044-096ef6952a5d" providerId="ADAL" clId="{62AFA320-9B9E-4927-8852-63FFD396E194}" dt="2024-12-17T07:35:16.899" v="478" actId="478"/>
-          <ac:spMkLst>
-            <pc:docMk/>
-            <pc:sldMk cId="61744048" sldId="256"/>
-            <ac:spMk id="7" creationId="{F4B6EBD3-8450-94E4-AFCD-17264605E71A}"/>
-          </ac:spMkLst>
-        </pc:spChg>
-        <pc:spChg chg="del">
-          <ac:chgData name="Schranzhofer Daniel Benjamin" userId="896aed5a-a90e-49ae-b044-096ef6952a5d" providerId="ADAL" clId="{62AFA320-9B9E-4927-8852-63FFD396E194}" dt="2024-12-17T07:46:10.391" v="700" actId="478"/>
-          <ac:spMkLst>
-            <pc:docMk/>
-            <pc:sldMk cId="61744048" sldId="256"/>
-            <ac:spMk id="8" creationId="{E1A2D20D-7C3C-7D71-4622-36796DD29BF7}"/>
-          </ac:spMkLst>
-        </pc:spChg>
-        <pc:spChg chg="del">
-          <ac:chgData name="Schranzhofer Daniel Benjamin" userId="896aed5a-a90e-49ae-b044-096ef6952a5d" providerId="ADAL" clId="{62AFA320-9B9E-4927-8852-63FFD396E194}" dt="2024-12-17T07:46:10.391" v="700" actId="478"/>
-          <ac:spMkLst>
-            <pc:docMk/>
-            <pc:sldMk cId="61744048" sldId="256"/>
-            <ac:spMk id="9" creationId="{4A2B1975-890A-7A47-AB8E-70C811A9B810}"/>
-          </ac:spMkLst>
-        </pc:spChg>
-        <pc:spChg chg="del">
-          <ac:chgData name="Schranzhofer Daniel Benjamin" userId="896aed5a-a90e-49ae-b044-096ef6952a5d" providerId="ADAL" clId="{62AFA320-9B9E-4927-8852-63FFD396E194}" dt="2024-12-17T07:46:10.391" v="700" actId="478"/>
-          <ac:spMkLst>
-            <pc:docMk/>
-            <pc:sldMk cId="61744048" sldId="256"/>
-            <ac:spMk id="10" creationId="{0AAF902A-ED6F-003E-DC4D-D372F54C7600}"/>
-          </ac:spMkLst>
-        </pc:spChg>
-        <pc:spChg chg="del">
-          <ac:chgData name="Schranzhofer Daniel Benjamin" userId="896aed5a-a90e-49ae-b044-096ef6952a5d" providerId="ADAL" clId="{62AFA320-9B9E-4927-8852-63FFD396E194}" dt="2024-12-17T07:46:10.391" v="700" actId="478"/>
-          <ac:spMkLst>
-            <pc:docMk/>
-            <pc:sldMk cId="61744048" sldId="256"/>
-            <ac:spMk id="12" creationId="{8D5B4120-C70F-986C-1AB8-99BDC13B2502}"/>
-          </ac:spMkLst>
-        </pc:spChg>
-        <pc:spChg chg="add del mod">
-          <ac:chgData name="Schranzhofer Daniel Benjamin" userId="896aed5a-a90e-49ae-b044-096ef6952a5d" providerId="ADAL" clId="{62AFA320-9B9E-4927-8852-63FFD396E194}" dt="2024-12-17T07:46:12.561" v="701" actId="478"/>
-          <ac:spMkLst>
-            <pc:docMk/>
-            <pc:sldMk cId="61744048" sldId="256"/>
-            <ac:spMk id="14" creationId="{8908B300-A7AB-4823-6B22-B84E10449B03}"/>
-          </ac:spMkLst>
-        </pc:spChg>
-        <pc:spChg chg="add mod">
-          <ac:chgData name="Schranzhofer Daniel Benjamin" userId="896aed5a-a90e-49ae-b044-096ef6952a5d" providerId="ADAL" clId="{62AFA320-9B9E-4927-8852-63FFD396E194}" dt="2024-12-17T07:46:12.885" v="702"/>
-          <ac:spMkLst>
-            <pc:docMk/>
-            <pc:sldMk cId="61744048" sldId="256"/>
-            <ac:spMk id="15" creationId="{7A31EF79-59DA-D68A-A542-0252D688B018}"/>
-          </ac:spMkLst>
-        </pc:spChg>
-        <pc:spChg chg="add mod">
-          <ac:chgData name="Schranzhofer Daniel Benjamin" userId="896aed5a-a90e-49ae-b044-096ef6952a5d" providerId="ADAL" clId="{62AFA320-9B9E-4927-8852-63FFD396E194}" dt="2024-12-17T07:46:17.284" v="708" actId="20577"/>
-          <ac:spMkLst>
-            <pc:docMk/>
-            <pc:sldMk cId="61744048" sldId="256"/>
-            <ac:spMk id="16" creationId="{26DAC35D-FA00-FB83-1572-CE21B0142A8C}"/>
-          </ac:spMkLst>
-        </pc:spChg>
-        <pc:spChg chg="add mod">
-          <ac:chgData name="Schranzhofer Daniel Benjamin" userId="896aed5a-a90e-49ae-b044-096ef6952a5d" providerId="ADAL" clId="{62AFA320-9B9E-4927-8852-63FFD396E194}" dt="2024-12-17T07:49:02.032" v="769" actId="20577"/>
-          <ac:spMkLst>
-            <pc:docMk/>
-            <pc:sldMk cId="61744048" sldId="256"/>
-            <ac:spMk id="17" creationId="{31F6B00F-72B9-3F4B-BC8C-8BBAB035F0B1}"/>
-          </ac:spMkLst>
-        </pc:spChg>
-        <pc:spChg chg="add mod">
-          <ac:chgData name="Schranzhofer Daniel Benjamin" userId="896aed5a-a90e-49ae-b044-096ef6952a5d" providerId="ADAL" clId="{62AFA320-9B9E-4927-8852-63FFD396E194}" dt="2024-12-17T08:37:11.582" v="1548" actId="20577"/>
-          <ac:spMkLst>
-            <pc:docMk/>
-            <pc:sldMk cId="61744048" sldId="256"/>
-            <ac:spMk id="19" creationId="{961C55BD-6B58-EBB9-BCBB-080AE4A18C36}"/>
-          </ac:spMkLst>
-        </pc:spChg>
-        <pc:spChg chg="mod">
-          <ac:chgData name="Schranzhofer Daniel Benjamin" userId="896aed5a-a90e-49ae-b044-096ef6952a5d" providerId="ADAL" clId="{62AFA320-9B9E-4927-8852-63FFD396E194}" dt="2024-12-17T07:46:23.842" v="709"/>
-          <ac:spMkLst>
-            <pc:docMk/>
-            <pc:sldMk cId="61744048" sldId="256"/>
-            <ac:spMk id="21" creationId="{801914E6-C55F-934F-D5D8-8E973249880B}"/>
-          </ac:spMkLst>
-        </pc:spChg>
-        <pc:spChg chg="mod">
-          <ac:chgData name="Schranzhofer Daniel Benjamin" userId="896aed5a-a90e-49ae-b044-096ef6952a5d" providerId="ADAL" clId="{62AFA320-9B9E-4927-8852-63FFD396E194}" dt="2024-12-17T07:46:23.842" v="709"/>
-          <ac:spMkLst>
-            <pc:docMk/>
-            <pc:sldMk cId="61744048" sldId="256"/>
-            <ac:spMk id="22" creationId="{8ED2B74A-BFDD-B153-BF71-1CD2BA52A880}"/>
-          </ac:spMkLst>
-        </pc:spChg>
-        <pc:cxnChg chg="del">
-          <ac:chgData name="Schranzhofer Daniel Benjamin" userId="896aed5a-a90e-49ae-b044-096ef6952a5d" providerId="ADAL" clId="{62AFA320-9B9E-4927-8852-63FFD396E194}" dt="2024-12-17T07:46:10.391" v="700" actId="478"/>
-          <ac:cxnSpMkLst>
-            <pc:docMk/>
-            <pc:sldMk cId="61744048" sldId="256"/>
-            <ac:cxnSpMk id="11" creationId="{73067B83-0A70-CF9F-0BBD-331E99C81966}"/>
-          </ac:cxnSpMkLst>
-        </pc:cxnChg>
-        <pc:cxnChg chg="add mod">
-          <ac:chgData name="Schranzhofer Daniel Benjamin" userId="896aed5a-a90e-49ae-b044-096ef6952a5d" providerId="ADAL" clId="{62AFA320-9B9E-4927-8852-63FFD396E194}" dt="2024-12-17T07:46:12.885" v="702"/>
-          <ac:cxnSpMkLst>
-            <pc:docMk/>
-            <pc:sldMk cId="61744048" sldId="256"/>
-            <ac:cxnSpMk id="18" creationId="{E7D65A43-0D16-FB60-06D7-D8A3134FC8E6}"/>
-          </ac:cxnSpMkLst>
-        </pc:cxnChg>
-      </pc:sldChg>
-      <pc:sldChg chg="addSp delSp modSp new mod ord setBg">
-        <pc:chgData name="Schranzhofer Daniel Benjamin" userId="896aed5a-a90e-49ae-b044-096ef6952a5d" providerId="ADAL" clId="{62AFA320-9B9E-4927-8852-63FFD396E194}" dt="2024-12-17T07:49:39.553" v="773" actId="26606"/>
-        <pc:sldMkLst>
-          <pc:docMk/>
-          <pc:sldMk cId="1021443358" sldId="257"/>
-        </pc:sldMkLst>
-        <pc:spChg chg="mod">
-          <ac:chgData name="Schranzhofer Daniel Benjamin" userId="896aed5a-a90e-49ae-b044-096ef6952a5d" providerId="ADAL" clId="{62AFA320-9B9E-4927-8852-63FFD396E194}" dt="2024-12-17T07:49:39.553" v="773" actId="26606"/>
-          <ac:spMkLst>
-            <pc:docMk/>
-            <pc:sldMk cId="1021443358" sldId="257"/>
-            <ac:spMk id="2" creationId="{3C4242E6-FB36-47B5-3312-2CF1F955B0B7}"/>
-          </ac:spMkLst>
-        </pc:spChg>
-        <pc:spChg chg="add del">
-          <ac:chgData name="Schranzhofer Daniel Benjamin" userId="896aed5a-a90e-49ae-b044-096ef6952a5d" providerId="ADAL" clId="{62AFA320-9B9E-4927-8852-63FFD396E194}" dt="2024-12-17T07:49:39.553" v="773" actId="26606"/>
-          <ac:spMkLst>
-            <pc:docMk/>
-            <pc:sldMk cId="1021443358" sldId="257"/>
-            <ac:spMk id="7" creationId="{943CAA20-3569-4189-9E48-239A229A86CA}"/>
-          </ac:spMkLst>
-        </pc:spChg>
-        <pc:spChg chg="add del">
-          <ac:chgData name="Schranzhofer Daniel Benjamin" userId="896aed5a-a90e-49ae-b044-096ef6952a5d" providerId="ADAL" clId="{62AFA320-9B9E-4927-8852-63FFD396E194}" dt="2024-12-17T07:49:39.553" v="773" actId="26606"/>
-          <ac:spMkLst>
-            <pc:docMk/>
-            <pc:sldMk cId="1021443358" sldId="257"/>
-            <ac:spMk id="9" creationId="{DA542B6D-E775-4832-91DC-2D20F857813A}"/>
-          </ac:spMkLst>
-        </pc:spChg>
-        <pc:spChg chg="add">
-          <ac:chgData name="Schranzhofer Daniel Benjamin" userId="896aed5a-a90e-49ae-b044-096ef6952a5d" providerId="ADAL" clId="{62AFA320-9B9E-4927-8852-63FFD396E194}" dt="2024-12-17T07:49:39.553" v="773" actId="26606"/>
-          <ac:spMkLst>
-            <pc:docMk/>
-            <pc:sldMk cId="1021443358" sldId="257"/>
-            <ac:spMk id="14" creationId="{5A292AEA-2528-46C0-B426-95822B6141FB}"/>
-          </ac:spMkLst>
-        </pc:spChg>
-        <pc:spChg chg="add">
-          <ac:chgData name="Schranzhofer Daniel Benjamin" userId="896aed5a-a90e-49ae-b044-096ef6952a5d" providerId="ADAL" clId="{62AFA320-9B9E-4927-8852-63FFD396E194}" dt="2024-12-17T07:49:39.553" v="773" actId="26606"/>
-          <ac:spMkLst>
-            <pc:docMk/>
-            <pc:sldMk cId="1021443358" sldId="257"/>
-            <ac:spMk id="16" creationId="{D8B7B198-E4DF-43CD-AD8C-199884323745}"/>
-          </ac:spMkLst>
-        </pc:spChg>
-        <pc:spChg chg="add">
-          <ac:chgData name="Schranzhofer Daniel Benjamin" userId="896aed5a-a90e-49ae-b044-096ef6952a5d" providerId="ADAL" clId="{62AFA320-9B9E-4927-8852-63FFD396E194}" dt="2024-12-17T07:49:39.553" v="773" actId="26606"/>
-          <ac:spMkLst>
-            <pc:docMk/>
-            <pc:sldMk cId="1021443358" sldId="257"/>
-            <ac:spMk id="18" creationId="{2BE67753-EA0E-4819-8D22-0B6600CF7231}"/>
-          </ac:spMkLst>
-        </pc:spChg>
-        <pc:grpChg chg="add">
-          <ac:chgData name="Schranzhofer Daniel Benjamin" userId="896aed5a-a90e-49ae-b044-096ef6952a5d" providerId="ADAL" clId="{62AFA320-9B9E-4927-8852-63FFD396E194}" dt="2024-12-17T07:49:39.553" v="773" actId="26606"/>
-          <ac:grpSpMkLst>
-            <pc:docMk/>
-            <pc:sldMk cId="1021443358" sldId="257"/>
-            <ac:grpSpMk id="20" creationId="{D76D63AC-0421-45EC-B383-E79A61A78C6B}"/>
-          </ac:grpSpMkLst>
-        </pc:grpChg>
-        <pc:grpChg chg="add">
-          <ac:chgData name="Schranzhofer Daniel Benjamin" userId="896aed5a-a90e-49ae-b044-096ef6952a5d" providerId="ADAL" clId="{62AFA320-9B9E-4927-8852-63FFD396E194}" dt="2024-12-17T07:49:39.553" v="773" actId="26606"/>
-          <ac:grpSpMkLst>
-            <pc:docMk/>
-            <pc:sldMk cId="1021443358" sldId="257"/>
-            <ac:grpSpMk id="29" creationId="{87F87F1B-42BA-4AC7-A4E2-41544DDB2CE3}"/>
-          </ac:grpSpMkLst>
-        </pc:grpChg>
-        <pc:grpChg chg="add">
-          <ac:chgData name="Schranzhofer Daniel Benjamin" userId="896aed5a-a90e-49ae-b044-096ef6952a5d" providerId="ADAL" clId="{62AFA320-9B9E-4927-8852-63FFD396E194}" dt="2024-12-17T07:49:39.553" v="773" actId="26606"/>
-          <ac:grpSpMkLst>
-            <pc:docMk/>
-            <pc:sldMk cId="1021443358" sldId="257"/>
-            <ac:grpSpMk id="35" creationId="{967346A5-7569-4F15-AB5D-BE3DADF192C0}"/>
-          </ac:grpSpMkLst>
-        </pc:grpChg>
-      </pc:sldChg>
-      <pc:sldChg chg="addSp modSp add del mod setBg modClrScheme chgLayout">
-        <pc:chgData name="Schranzhofer Daniel Benjamin" userId="896aed5a-a90e-49ae-b044-096ef6952a5d" providerId="ADAL" clId="{62AFA320-9B9E-4927-8852-63FFD396E194}" dt="2024-12-17T09:02:34.088" v="1795" actId="20577"/>
-        <pc:sldMkLst>
-          <pc:docMk/>
-          <pc:sldMk cId="1272570971" sldId="258"/>
-        </pc:sldMkLst>
-        <pc:spChg chg="add mod ord">
-          <ac:chgData name="Schranzhofer Daniel Benjamin" userId="896aed5a-a90e-49ae-b044-096ef6952a5d" providerId="ADAL" clId="{62AFA320-9B9E-4927-8852-63FFD396E194}" dt="2024-12-17T07:48:24.582" v="747" actId="20577"/>
-          <ac:spMkLst>
-            <pc:docMk/>
-            <pc:sldMk cId="1272570971" sldId="258"/>
-            <ac:spMk id="2" creationId="{77C0FBE6-3A73-32DF-055C-458B34C16060}"/>
-          </ac:spMkLst>
-        </pc:spChg>
-        <pc:spChg chg="add mod">
-          <ac:chgData name="Schranzhofer Daniel Benjamin" userId="896aed5a-a90e-49ae-b044-096ef6952a5d" providerId="ADAL" clId="{62AFA320-9B9E-4927-8852-63FFD396E194}" dt="2024-12-17T09:02:34.088" v="1795" actId="20577"/>
-          <ac:spMkLst>
-            <pc:docMk/>
-            <pc:sldMk cId="1272570971" sldId="258"/>
-            <ac:spMk id="3" creationId="{E9627B73-AD5A-D4AD-79E2-410C2663C736}"/>
-          </ac:spMkLst>
-        </pc:spChg>
-        <pc:spChg chg="mod ord">
-          <ac:chgData name="Schranzhofer Daniel Benjamin" userId="896aed5a-a90e-49ae-b044-096ef6952a5d" providerId="ADAL" clId="{62AFA320-9B9E-4927-8852-63FFD396E194}" dt="2024-12-17T07:44:27.211" v="655" actId="122"/>
-          <ac:spMkLst>
-            <pc:docMk/>
-            <pc:sldMk cId="1272570971" sldId="258"/>
-            <ac:spMk id="4" creationId="{69B80579-79A6-46E9-6667-09624969B3DA}"/>
-          </ac:spMkLst>
-        </pc:spChg>
-        <pc:spChg chg="mod ord">
-          <ac:chgData name="Schranzhofer Daniel Benjamin" userId="896aed5a-a90e-49ae-b044-096ef6952a5d" providerId="ADAL" clId="{62AFA320-9B9E-4927-8852-63FFD396E194}" dt="2024-12-17T07:48:32.188" v="749" actId="14100"/>
-          <ac:spMkLst>
-            <pc:docMk/>
-            <pc:sldMk cId="1272570971" sldId="258"/>
-            <ac:spMk id="5" creationId="{D8DC8B67-1785-E6E1-D308-DCC85BFD665C}"/>
-          </ac:spMkLst>
-        </pc:spChg>
-        <pc:spChg chg="add">
-          <ac:chgData name="Schranzhofer Daniel Benjamin" userId="896aed5a-a90e-49ae-b044-096ef6952a5d" providerId="ADAL" clId="{62AFA320-9B9E-4927-8852-63FFD396E194}" dt="2024-12-17T07:44:18.446" v="652" actId="26606"/>
-          <ac:spMkLst>
-            <pc:docMk/>
-            <pc:sldMk cId="1272570971" sldId="258"/>
-            <ac:spMk id="10" creationId="{4C608BEB-860E-4094-8511-78603564A75E}"/>
-          </ac:spMkLst>
-        </pc:spChg>
-        <pc:cxnChg chg="add">
-          <ac:chgData name="Schranzhofer Daniel Benjamin" userId="896aed5a-a90e-49ae-b044-096ef6952a5d" providerId="ADAL" clId="{62AFA320-9B9E-4927-8852-63FFD396E194}" dt="2024-12-17T07:44:18.446" v="652" actId="26606"/>
-          <ac:cxnSpMkLst>
-            <pc:docMk/>
-            <pc:sldMk cId="1272570971" sldId="258"/>
-            <ac:cxnSpMk id="12" creationId="{1F16A8D4-FE87-4604-88B2-394B5D1EB437}"/>
-          </ac:cxnSpMkLst>
-        </pc:cxnChg>
-      </pc:sldChg>
-      <pc:sldChg chg="new del">
-        <pc:chgData name="Schranzhofer Daniel Benjamin" userId="896aed5a-a90e-49ae-b044-096ef6952a5d" providerId="ADAL" clId="{62AFA320-9B9E-4927-8852-63FFD396E194}" dt="2024-12-17T07:18:16.600" v="24" actId="2696"/>
-        <pc:sldMkLst>
-          <pc:docMk/>
-          <pc:sldMk cId="1818520741" sldId="258"/>
-        </pc:sldMkLst>
-      </pc:sldChg>
-      <pc:sldChg chg="new del">
-        <pc:chgData name="Schranzhofer Daniel Benjamin" userId="896aed5a-a90e-49ae-b044-096ef6952a5d" providerId="ADAL" clId="{62AFA320-9B9E-4927-8852-63FFD396E194}" dt="2024-12-17T07:18:20.038" v="25" actId="2696"/>
-        <pc:sldMkLst>
-          <pc:docMk/>
-          <pc:sldMk cId="2624492684" sldId="259"/>
-        </pc:sldMkLst>
-      </pc:sldChg>
-      <pc:sldChg chg="modSp new mod">
-        <pc:chgData name="Schranzhofer Daniel Benjamin" userId="896aed5a-a90e-49ae-b044-096ef6952a5d" providerId="ADAL" clId="{62AFA320-9B9E-4927-8852-63FFD396E194}" dt="2024-12-17T07:43:46.484" v="648" actId="113"/>
-        <pc:sldMkLst>
-          <pc:docMk/>
-          <pc:sldMk cId="3495461466" sldId="259"/>
-        </pc:sldMkLst>
-        <pc:spChg chg="mod">
-          <ac:chgData name="Schranzhofer Daniel Benjamin" userId="896aed5a-a90e-49ae-b044-096ef6952a5d" providerId="ADAL" clId="{62AFA320-9B9E-4927-8852-63FFD396E194}" dt="2024-12-17T07:43:46.484" v="648" actId="113"/>
-          <ac:spMkLst>
-            <pc:docMk/>
-            <pc:sldMk cId="3495461466" sldId="259"/>
-            <ac:spMk id="2" creationId="{75CBCCD9-D2DF-DE01-EC57-3CEF21C37657}"/>
-          </ac:spMkLst>
-        </pc:spChg>
-      </pc:sldChg>
-      <pc:sldChg chg="addSp delSp modSp new mod modClrScheme chgLayout">
-        <pc:chgData name="Schranzhofer Daniel Benjamin" userId="896aed5a-a90e-49ae-b044-096ef6952a5d" providerId="ADAL" clId="{62AFA320-9B9E-4927-8852-63FFD396E194}" dt="2024-12-17T08:37:05.854" v="1547" actId="12"/>
-        <pc:sldMkLst>
-          <pc:docMk/>
-          <pc:sldMk cId="2500380370" sldId="260"/>
-        </pc:sldMkLst>
-        <pc:spChg chg="del mod ord">
-          <ac:chgData name="Schranzhofer Daniel Benjamin" userId="896aed5a-a90e-49ae-b044-096ef6952a5d" providerId="ADAL" clId="{62AFA320-9B9E-4927-8852-63FFD396E194}" dt="2024-12-17T07:35:32.097" v="493" actId="700"/>
-          <ac:spMkLst>
-            <pc:docMk/>
-            <pc:sldMk cId="2500380370" sldId="260"/>
-            <ac:spMk id="2" creationId="{D5B952D4-DB40-13FF-9E5A-031D9675D776}"/>
-          </ac:spMkLst>
-        </pc:spChg>
-        <pc:spChg chg="del mod ord">
-          <ac:chgData name="Schranzhofer Daniel Benjamin" userId="896aed5a-a90e-49ae-b044-096ef6952a5d" providerId="ADAL" clId="{62AFA320-9B9E-4927-8852-63FFD396E194}" dt="2024-12-17T07:35:32.097" v="493" actId="700"/>
-          <ac:spMkLst>
-            <pc:docMk/>
-            <pc:sldMk cId="2500380370" sldId="260"/>
-            <ac:spMk id="3" creationId="{2A3C1548-39C0-2F17-3929-D17B9B283118}"/>
-          </ac:spMkLst>
-        </pc:spChg>
-        <pc:spChg chg="del">
-          <ac:chgData name="Schranzhofer Daniel Benjamin" userId="896aed5a-a90e-49ae-b044-096ef6952a5d" providerId="ADAL" clId="{62AFA320-9B9E-4927-8852-63FFD396E194}" dt="2024-12-17T07:35:32.097" v="493" actId="700"/>
-          <ac:spMkLst>
-            <pc:docMk/>
-            <pc:sldMk cId="2500380370" sldId="260"/>
-            <ac:spMk id="4" creationId="{0775FA73-D2EC-F428-FB01-7B8490A1BA8E}"/>
-          </ac:spMkLst>
-        </pc:spChg>
-        <pc:spChg chg="add del mod ord">
-          <ac:chgData name="Schranzhofer Daniel Benjamin" userId="896aed5a-a90e-49ae-b044-096ef6952a5d" providerId="ADAL" clId="{62AFA320-9B9E-4927-8852-63FFD396E194}" dt="2024-12-17T07:45:33.009" v="670" actId="478"/>
-          <ac:spMkLst>
-            <pc:docMk/>
-            <pc:sldMk cId="2500380370" sldId="260"/>
-            <ac:spMk id="5" creationId="{AD45E7E9-303E-73E3-A3D8-0A0D92C4ADCC}"/>
-          </ac:spMkLst>
-        </pc:spChg>
-        <pc:spChg chg="add del mod ord">
-          <ac:chgData name="Schranzhofer Daniel Benjamin" userId="896aed5a-a90e-49ae-b044-096ef6952a5d" providerId="ADAL" clId="{62AFA320-9B9E-4927-8852-63FFD396E194}" dt="2024-12-17T07:45:33.009" v="670" actId="478"/>
-          <ac:spMkLst>
-            <pc:docMk/>
-            <pc:sldMk cId="2500380370" sldId="260"/>
-            <ac:spMk id="6" creationId="{4D48D931-774F-821B-54AB-3BEBE136ECF2}"/>
-          </ac:spMkLst>
-        </pc:spChg>
-        <pc:spChg chg="add del mod">
-          <ac:chgData name="Schranzhofer Daniel Benjamin" userId="896aed5a-a90e-49ae-b044-096ef6952a5d" providerId="ADAL" clId="{62AFA320-9B9E-4927-8852-63FFD396E194}" dt="2024-12-17T07:45:33.009" v="670" actId="478"/>
-          <ac:spMkLst>
-            <pc:docMk/>
-            <pc:sldMk cId="2500380370" sldId="260"/>
-            <ac:spMk id="7" creationId="{72BE049D-E26E-69E3-1317-FB7AC69A0D58}"/>
-          </ac:spMkLst>
-        </pc:spChg>
-        <pc:spChg chg="add del mod">
-          <ac:chgData name="Schranzhofer Daniel Benjamin" userId="896aed5a-a90e-49ae-b044-096ef6952a5d" providerId="ADAL" clId="{62AFA320-9B9E-4927-8852-63FFD396E194}" dt="2024-12-17T07:45:33.009" v="670" actId="478"/>
-          <ac:spMkLst>
-            <pc:docMk/>
-            <pc:sldMk cId="2500380370" sldId="260"/>
-            <ac:spMk id="8" creationId="{9E936A1B-3FE1-5B5E-AB6D-94E2CF31E606}"/>
-          </ac:spMkLst>
-        </pc:spChg>
-        <pc:spChg chg="add del mod">
-          <ac:chgData name="Schranzhofer Daniel Benjamin" userId="896aed5a-a90e-49ae-b044-096ef6952a5d" providerId="ADAL" clId="{62AFA320-9B9E-4927-8852-63FFD396E194}" dt="2024-12-17T07:45:33.009" v="670" actId="478"/>
-          <ac:spMkLst>
-            <pc:docMk/>
-            <pc:sldMk cId="2500380370" sldId="260"/>
-            <ac:spMk id="9" creationId="{7C965CBE-E471-AA77-1F4D-6113165382E2}"/>
-          </ac:spMkLst>
-        </pc:spChg>
-        <pc:spChg chg="add del mod">
-          <ac:chgData name="Schranzhofer Daniel Benjamin" userId="896aed5a-a90e-49ae-b044-096ef6952a5d" providerId="ADAL" clId="{62AFA320-9B9E-4927-8852-63FFD396E194}" dt="2024-12-17T07:45:33.009" v="670" actId="478"/>
-          <ac:spMkLst>
-            <pc:docMk/>
-            <pc:sldMk cId="2500380370" sldId="260"/>
-            <ac:spMk id="11" creationId="{4C533FCD-3711-CC8C-A2F9-2BD5210119CF}"/>
-          </ac:spMkLst>
-        </pc:spChg>
-        <pc:spChg chg="add del mod">
-          <ac:chgData name="Schranzhofer Daniel Benjamin" userId="896aed5a-a90e-49ae-b044-096ef6952a5d" providerId="ADAL" clId="{62AFA320-9B9E-4927-8852-63FFD396E194}" dt="2024-12-17T07:45:35.653" v="671" actId="478"/>
-          <ac:spMkLst>
-            <pc:docMk/>
-            <pc:sldMk cId="2500380370" sldId="260"/>
-            <ac:spMk id="13" creationId="{B54B029E-5D4B-4B32-9600-49B65A04F16F}"/>
-          </ac:spMkLst>
-        </pc:spChg>
-        <pc:spChg chg="add mod">
-          <ac:chgData name="Schranzhofer Daniel Benjamin" userId="896aed5a-a90e-49ae-b044-096ef6952a5d" providerId="ADAL" clId="{62AFA320-9B9E-4927-8852-63FFD396E194}" dt="2024-12-17T07:45:36.458" v="672"/>
-          <ac:spMkLst>
-            <pc:docMk/>
-            <pc:sldMk cId="2500380370" sldId="260"/>
-            <ac:spMk id="14" creationId="{A3C4E87F-6C57-776E-D414-F361ED65E477}"/>
-          </ac:spMkLst>
-        </pc:spChg>
-        <pc:spChg chg="add mod">
-          <ac:chgData name="Schranzhofer Daniel Benjamin" userId="896aed5a-a90e-49ae-b044-096ef6952a5d" providerId="ADAL" clId="{62AFA320-9B9E-4927-8852-63FFD396E194}" dt="2024-12-17T07:45:50.703" v="695" actId="20577"/>
-          <ac:spMkLst>
-            <pc:docMk/>
-            <pc:sldMk cId="2500380370" sldId="260"/>
-            <ac:spMk id="15" creationId="{C909CB2F-5E0B-AFE9-6073-4044D1DE43AA}"/>
-          </ac:spMkLst>
-        </pc:spChg>
-        <pc:spChg chg="add mod">
-          <ac:chgData name="Schranzhofer Daniel Benjamin" userId="896aed5a-a90e-49ae-b044-096ef6952a5d" providerId="ADAL" clId="{62AFA320-9B9E-4927-8852-63FFD396E194}" dt="2024-12-17T07:48:46.462" v="761" actId="20577"/>
-          <ac:spMkLst>
-            <pc:docMk/>
-            <pc:sldMk cId="2500380370" sldId="260"/>
-            <ac:spMk id="16" creationId="{D5C76C9B-2E3A-1CC2-FC51-9E760209AB52}"/>
-          </ac:spMkLst>
-        </pc:spChg>
-        <pc:spChg chg="add mod">
-          <ac:chgData name="Schranzhofer Daniel Benjamin" userId="896aed5a-a90e-49ae-b044-096ef6952a5d" providerId="ADAL" clId="{62AFA320-9B9E-4927-8852-63FFD396E194}" dt="2024-12-17T08:37:05.854" v="1547" actId="12"/>
-          <ac:spMkLst>
-            <pc:docMk/>
-            <pc:sldMk cId="2500380370" sldId="260"/>
-            <ac:spMk id="18" creationId="{F9ED096D-D4D2-AB3E-1E31-0DCDBDF8BA73}"/>
-          </ac:spMkLst>
-        </pc:spChg>
-        <pc:cxnChg chg="add del mod">
-          <ac:chgData name="Schranzhofer Daniel Benjamin" userId="896aed5a-a90e-49ae-b044-096ef6952a5d" providerId="ADAL" clId="{62AFA320-9B9E-4927-8852-63FFD396E194}" dt="2024-12-17T07:45:33.009" v="670" actId="478"/>
-          <ac:cxnSpMkLst>
-            <pc:docMk/>
-            <pc:sldMk cId="2500380370" sldId="260"/>
-            <ac:cxnSpMk id="10" creationId="{84AAB81A-2461-F1C6-5B18-FD8D083120DA}"/>
-          </ac:cxnSpMkLst>
-        </pc:cxnChg>
-        <pc:cxnChg chg="add mod">
-          <ac:chgData name="Schranzhofer Daniel Benjamin" userId="896aed5a-a90e-49ae-b044-096ef6952a5d" providerId="ADAL" clId="{62AFA320-9B9E-4927-8852-63FFD396E194}" dt="2024-12-17T07:45:36.458" v="672"/>
-          <ac:cxnSpMkLst>
-            <pc:docMk/>
-            <pc:sldMk cId="2500380370" sldId="260"/>
-            <ac:cxnSpMk id="17" creationId="{7E34CF4B-A292-B140-A900-D50EE8BEACE7}"/>
-          </ac:cxnSpMkLst>
-        </pc:cxnChg>
-      </pc:sldChg>
-      <pc:sldChg chg="modSp add del mod ord">
-        <pc:chgData name="Schranzhofer Daniel Benjamin" userId="896aed5a-a90e-49ae-b044-096ef6952a5d" providerId="ADAL" clId="{62AFA320-9B9E-4927-8852-63FFD396E194}" dt="2024-12-17T07:49:07.812" v="772" actId="2696"/>
-        <pc:sldMkLst>
-          <pc:docMk/>
-          <pc:sldMk cId="3530671909" sldId="261"/>
-        </pc:sldMkLst>
-        <pc:spChg chg="mod">
-          <ac:chgData name="Schranzhofer Daniel Benjamin" userId="896aed5a-a90e-49ae-b044-096ef6952a5d" providerId="ADAL" clId="{62AFA320-9B9E-4927-8852-63FFD396E194}" dt="2024-12-17T07:43:43.054" v="647" actId="113"/>
-          <ac:spMkLst>
-            <pc:docMk/>
-            <pc:sldMk cId="3530671909" sldId="261"/>
-            <ac:spMk id="5" creationId="{EBAB0FD6-7DC2-C77A-B94A-C35DCAB9AEB1}"/>
-          </ac:spMkLst>
-        </pc:spChg>
-        <pc:spChg chg="mod">
-          <ac:chgData name="Schranzhofer Daniel Benjamin" userId="896aed5a-a90e-49ae-b044-096ef6952a5d" providerId="ADAL" clId="{62AFA320-9B9E-4927-8852-63FFD396E194}" dt="2024-12-17T07:40:06.726" v="616" actId="20577"/>
-          <ac:spMkLst>
-            <pc:docMk/>
-            <pc:sldMk cId="3530671909" sldId="261"/>
-            <ac:spMk id="6" creationId="{AC1CFF33-B55E-EEE7-A582-2D90BA009423}"/>
-          </ac:spMkLst>
-        </pc:spChg>
-      </pc:sldChg>
-      <pc:sldChg chg="delSp add del ord setBg delDesignElem">
-        <pc:chgData name="Schranzhofer Daniel Benjamin" userId="896aed5a-a90e-49ae-b044-096ef6952a5d" providerId="ADAL" clId="{62AFA320-9B9E-4927-8852-63FFD396E194}" dt="2024-12-17T07:46:51.359" v="720" actId="2696"/>
-        <pc:sldMkLst>
-          <pc:docMk/>
-          <pc:sldMk cId="1847907401" sldId="262"/>
-        </pc:sldMkLst>
-        <pc:spChg chg="del">
-          <ac:chgData name="Schranzhofer Daniel Benjamin" userId="896aed5a-a90e-49ae-b044-096ef6952a5d" providerId="ADAL" clId="{62AFA320-9B9E-4927-8852-63FFD396E194}" dt="2024-12-17T07:45:14.598" v="662"/>
-          <ac:spMkLst>
-            <pc:docMk/>
-            <pc:sldMk cId="1847907401" sldId="262"/>
-            <ac:spMk id="10" creationId="{7AEE77D5-D0F6-D36B-6CCF-F01A133E136E}"/>
-          </ac:spMkLst>
-        </pc:spChg>
-        <pc:cxnChg chg="del">
-          <ac:chgData name="Schranzhofer Daniel Benjamin" userId="896aed5a-a90e-49ae-b044-096ef6952a5d" providerId="ADAL" clId="{62AFA320-9B9E-4927-8852-63FFD396E194}" dt="2024-12-17T07:45:14.598" v="662"/>
-          <ac:cxnSpMkLst>
-            <pc:docMk/>
-            <pc:sldMk cId="1847907401" sldId="262"/>
-            <ac:cxnSpMk id="12" creationId="{C1C5A346-BEBC-07A4-1EA9-C70D43EE47AF}"/>
-          </ac:cxnSpMkLst>
-        </pc:cxnChg>
-      </pc:sldChg>
-      <pc:sldChg chg="delSp add del setBg delDesignElem">
-        <pc:chgData name="Schranzhofer Daniel Benjamin" userId="896aed5a-a90e-49ae-b044-096ef6952a5d" providerId="ADAL" clId="{62AFA320-9B9E-4927-8852-63FFD396E194}" dt="2024-12-17T07:44:51.685" v="658" actId="2696"/>
-        <pc:sldMkLst>
-          <pc:docMk/>
-          <pc:sldMk cId="4058010848" sldId="262"/>
-        </pc:sldMkLst>
-        <pc:spChg chg="del">
-          <ac:chgData name="Schranzhofer Daniel Benjamin" userId="896aed5a-a90e-49ae-b044-096ef6952a5d" providerId="ADAL" clId="{62AFA320-9B9E-4927-8852-63FFD396E194}" dt="2024-12-17T07:44:45.850" v="657"/>
-          <ac:spMkLst>
-            <pc:docMk/>
-            <pc:sldMk cId="4058010848" sldId="262"/>
-            <ac:spMk id="10" creationId="{1D945535-EB8F-F0A4-E390-4CCA8B00703A}"/>
-          </ac:spMkLst>
-        </pc:spChg>
-        <pc:cxnChg chg="del">
-          <ac:chgData name="Schranzhofer Daniel Benjamin" userId="896aed5a-a90e-49ae-b044-096ef6952a5d" providerId="ADAL" clId="{62AFA320-9B9E-4927-8852-63FFD396E194}" dt="2024-12-17T07:44:45.850" v="657"/>
-          <ac:cxnSpMkLst>
-            <pc:docMk/>
-            <pc:sldMk cId="4058010848" sldId="262"/>
-            <ac:cxnSpMk id="12" creationId="{88625E6F-1D8A-3CFC-750F-59E73CD727B1}"/>
-          </ac:cxnSpMkLst>
-        </pc:cxnChg>
-      </pc:sldChg>
-      <pc:sldChg chg="addSp delSp modSp new mod ord modClrScheme chgLayout">
-        <pc:chgData name="Schranzhofer Daniel Benjamin" userId="896aed5a-a90e-49ae-b044-096ef6952a5d" providerId="ADAL" clId="{62AFA320-9B9E-4927-8852-63FFD396E194}" dt="2024-12-17T08:43:18.860" v="1771" actId="1076"/>
-        <pc:sldMkLst>
-          <pc:docMk/>
-          <pc:sldMk cId="2610884737" sldId="263"/>
-        </pc:sldMkLst>
-        <pc:spChg chg="del">
-          <ac:chgData name="Schranzhofer Daniel Benjamin" userId="896aed5a-a90e-49ae-b044-096ef6952a5d" providerId="ADAL" clId="{62AFA320-9B9E-4927-8852-63FFD396E194}" dt="2024-12-17T07:46:29.392" v="711" actId="700"/>
-          <ac:spMkLst>
-            <pc:docMk/>
-            <pc:sldMk cId="2610884737" sldId="263"/>
-            <ac:spMk id="2" creationId="{B829E570-3D3E-6973-57B3-C3F277F34A1E}"/>
-          </ac:spMkLst>
-        </pc:spChg>
-        <pc:spChg chg="del">
-          <ac:chgData name="Schranzhofer Daniel Benjamin" userId="896aed5a-a90e-49ae-b044-096ef6952a5d" providerId="ADAL" clId="{62AFA320-9B9E-4927-8852-63FFD396E194}" dt="2024-12-17T07:46:29.392" v="711" actId="700"/>
-          <ac:spMkLst>
-            <pc:docMk/>
-            <pc:sldMk cId="2610884737" sldId="263"/>
-            <ac:spMk id="3" creationId="{BB81A78F-8E52-4EEB-DD32-590CE7B6A5F9}"/>
-          </ac:spMkLst>
-        </pc:spChg>
-        <pc:spChg chg="add del mod">
-          <ac:chgData name="Schranzhofer Daniel Benjamin" userId="896aed5a-a90e-49ae-b044-096ef6952a5d" providerId="ADAL" clId="{62AFA320-9B9E-4927-8852-63FFD396E194}" dt="2024-12-17T07:55:04.916" v="795" actId="14100"/>
-          <ac:spMkLst>
-            <pc:docMk/>
-            <pc:sldMk cId="2610884737" sldId="263"/>
-            <ac:spMk id="4" creationId="{77E5C038-C919-680F-1F9D-1E85C868FEF1}"/>
-          </ac:spMkLst>
-        </pc:spChg>
-        <pc:spChg chg="add del mod">
-          <ac:chgData name="Schranzhofer Daniel Benjamin" userId="896aed5a-a90e-49ae-b044-096ef6952a5d" providerId="ADAL" clId="{62AFA320-9B9E-4927-8852-63FFD396E194}" dt="2024-12-17T07:55:04.916" v="795" actId="14100"/>
-          <ac:spMkLst>
-            <pc:docMk/>
-            <pc:sldMk cId="2610884737" sldId="263"/>
-            <ac:spMk id="5" creationId="{1322140A-AF04-86A9-21AF-5A7189C810CE}"/>
-          </ac:spMkLst>
-        </pc:spChg>
-        <pc:spChg chg="add del mod">
-          <ac:chgData name="Schranzhofer Daniel Benjamin" userId="896aed5a-a90e-49ae-b044-096ef6952a5d" providerId="ADAL" clId="{62AFA320-9B9E-4927-8852-63FFD396E194}" dt="2024-12-17T07:54:08.295" v="779" actId="478"/>
-          <ac:spMkLst>
-            <pc:docMk/>
-            <pc:sldMk cId="2610884737" sldId="263"/>
-            <ac:spMk id="6" creationId="{D60E2A8B-0649-B50D-9686-227CA86E7666}"/>
-          </ac:spMkLst>
-        </pc:spChg>
-        <pc:spChg chg="add del mod">
-          <ac:chgData name="Schranzhofer Daniel Benjamin" userId="896aed5a-a90e-49ae-b044-096ef6952a5d" providerId="ADAL" clId="{62AFA320-9B9E-4927-8852-63FFD396E194}" dt="2024-12-17T08:42:20.719" v="1712" actId="27636"/>
-          <ac:spMkLst>
-            <pc:docMk/>
-            <pc:sldMk cId="2610884737" sldId="263"/>
-            <ac:spMk id="8" creationId="{FB98F0C2-2352-D588-A51C-B6B2F63F8986}"/>
-          </ac:spMkLst>
-        </pc:spChg>
-        <pc:spChg chg="add mod">
-          <ac:chgData name="Schranzhofer Daniel Benjamin" userId="896aed5a-a90e-49ae-b044-096ef6952a5d" providerId="ADAL" clId="{62AFA320-9B9E-4927-8852-63FFD396E194}" dt="2024-12-17T08:43:18.860" v="1771" actId="1076"/>
-          <ac:spMkLst>
-            <pc:docMk/>
-            <pc:sldMk cId="2610884737" sldId="263"/>
-            <ac:spMk id="13" creationId="{539B70CF-1BA7-2B83-6DE5-68726A3078D0}"/>
-          </ac:spMkLst>
-        </pc:spChg>
-        <pc:cxnChg chg="add del mod">
-          <ac:chgData name="Schranzhofer Daniel Benjamin" userId="896aed5a-a90e-49ae-b044-096ef6952a5d" providerId="ADAL" clId="{62AFA320-9B9E-4927-8852-63FFD396E194}" dt="2024-12-17T07:55:04.916" v="795" actId="14100"/>
-          <ac:cxnSpMkLst>
-            <pc:docMk/>
-            <pc:sldMk cId="2610884737" sldId="263"/>
-            <ac:cxnSpMk id="7" creationId="{184A7C9E-E1C1-2C1D-D36E-8AF622416B83}"/>
-          </ac:cxnSpMkLst>
-        </pc:cxnChg>
-      </pc:sldChg>
-      <pc:sldChg chg="delSp add del setBg delDesignElem">
-        <pc:chgData name="Schranzhofer Daniel Benjamin" userId="896aed5a-a90e-49ae-b044-096ef6952a5d" providerId="ADAL" clId="{62AFA320-9B9E-4927-8852-63FFD396E194}" dt="2024-12-17T07:45:25.845" v="668" actId="47"/>
-        <pc:sldMkLst>
-          <pc:docMk/>
-          <pc:sldMk cId="3980766998" sldId="263"/>
-        </pc:sldMkLst>
-        <pc:spChg chg="del">
-          <ac:chgData name="Schranzhofer Daniel Benjamin" userId="896aed5a-a90e-49ae-b044-096ef6952a5d" providerId="ADAL" clId="{62AFA320-9B9E-4927-8852-63FFD396E194}" dt="2024-12-17T07:45:21.929" v="667"/>
-          <ac:spMkLst>
-            <pc:docMk/>
-            <pc:sldMk cId="3980766998" sldId="263"/>
-            <ac:spMk id="10" creationId="{0290E7EB-B647-1720-F7FA-B44D16CF8E6A}"/>
-          </ac:spMkLst>
-        </pc:spChg>
-        <pc:cxnChg chg="del">
-          <ac:chgData name="Schranzhofer Daniel Benjamin" userId="896aed5a-a90e-49ae-b044-096ef6952a5d" providerId="ADAL" clId="{62AFA320-9B9E-4927-8852-63FFD396E194}" dt="2024-12-17T07:45:21.929" v="667"/>
-          <ac:cxnSpMkLst>
-            <pc:docMk/>
-            <pc:sldMk cId="3980766998" sldId="263"/>
-            <ac:cxnSpMk id="12" creationId="{4F772141-5C03-2EC3-14BB-9AB14178634E}"/>
-          </ac:cxnSpMkLst>
-        </pc:cxnChg>
-      </pc:sldChg>
-      <pc:sldChg chg="new del">
-        <pc:chgData name="Schranzhofer Daniel Benjamin" userId="896aed5a-a90e-49ae-b044-096ef6952a5d" providerId="ADAL" clId="{62AFA320-9B9E-4927-8852-63FFD396E194}" dt="2024-12-17T08:29:41.023" v="1525" actId="47"/>
-        <pc:sldMkLst>
-          <pc:docMk/>
-          <pc:sldMk cId="2095769094" sldId="264"/>
-        </pc:sldMkLst>
-      </pc:sldChg>
-      <pc:sldChg chg="addSp delSp modSp new mod ord modClrScheme chgLayout">
-        <pc:chgData name="Schranzhofer Daniel Benjamin" userId="896aed5a-a90e-49ae-b044-096ef6952a5d" providerId="ADAL" clId="{62AFA320-9B9E-4927-8852-63FFD396E194}" dt="2024-12-17T08:29:37.796" v="1524"/>
-        <pc:sldMkLst>
-          <pc:docMk/>
-          <pc:sldMk cId="3791225581" sldId="265"/>
-        </pc:sldMkLst>
-        <pc:spChg chg="del">
-          <ac:chgData name="Schranzhofer Daniel Benjamin" userId="896aed5a-a90e-49ae-b044-096ef6952a5d" providerId="ADAL" clId="{62AFA320-9B9E-4927-8852-63FFD396E194}" dt="2024-12-17T08:11:25.864" v="843" actId="700"/>
-          <ac:spMkLst>
-            <pc:docMk/>
-            <pc:sldMk cId="3791225581" sldId="265"/>
-            <ac:spMk id="2" creationId="{5398C599-A83C-1503-94C4-F0194A380FD2}"/>
-          </ac:spMkLst>
-        </pc:spChg>
-        <pc:spChg chg="del">
-          <ac:chgData name="Schranzhofer Daniel Benjamin" userId="896aed5a-a90e-49ae-b044-096ef6952a5d" providerId="ADAL" clId="{62AFA320-9B9E-4927-8852-63FFD396E194}" dt="2024-12-17T08:11:25.864" v="843" actId="700"/>
-          <ac:spMkLst>
-            <pc:docMk/>
-            <pc:sldMk cId="3791225581" sldId="265"/>
-            <ac:spMk id="3" creationId="{5E86A1B3-0DD4-B6CB-3825-EC3EE26CA7DA}"/>
-          </ac:spMkLst>
-        </pc:spChg>
-        <pc:spChg chg="add mod">
-          <ac:chgData name="Schranzhofer Daniel Benjamin" userId="896aed5a-a90e-49ae-b044-096ef6952a5d" providerId="ADAL" clId="{62AFA320-9B9E-4927-8852-63FFD396E194}" dt="2024-12-17T08:11:26.314" v="844"/>
-          <ac:spMkLst>
-            <pc:docMk/>
-            <pc:sldMk cId="3791225581" sldId="265"/>
-            <ac:spMk id="4" creationId="{FAAF5FDC-CF01-E0B5-7DC8-64191E2A3A60}"/>
-          </ac:spMkLst>
-        </pc:spChg>
-        <pc:spChg chg="add mod">
-          <ac:chgData name="Schranzhofer Daniel Benjamin" userId="896aed5a-a90e-49ae-b044-096ef6952a5d" providerId="ADAL" clId="{62AFA320-9B9E-4927-8852-63FFD396E194}" dt="2024-12-17T08:17:13.271" v="959" actId="313"/>
-          <ac:spMkLst>
-            <pc:docMk/>
-            <pc:sldMk cId="3791225581" sldId="265"/>
-            <ac:spMk id="5" creationId="{C6FD9AE7-0439-967F-C46C-547786D0CDF0}"/>
-          </ac:spMkLst>
-        </pc:spChg>
-        <pc:spChg chg="add mod">
-          <ac:chgData name="Schranzhofer Daniel Benjamin" userId="896aed5a-a90e-49ae-b044-096ef6952a5d" providerId="ADAL" clId="{62AFA320-9B9E-4927-8852-63FFD396E194}" dt="2024-12-17T08:24:56.367" v="1522" actId="20577"/>
-          <ac:spMkLst>
-            <pc:docMk/>
-            <pc:sldMk cId="3791225581" sldId="265"/>
-            <ac:spMk id="7" creationId="{E7A2FAD0-A01E-29E8-A071-D8648FF93774}"/>
-          </ac:spMkLst>
-        </pc:spChg>
-        <pc:cxnChg chg="add mod">
-          <ac:chgData name="Schranzhofer Daniel Benjamin" userId="896aed5a-a90e-49ae-b044-096ef6952a5d" providerId="ADAL" clId="{62AFA320-9B9E-4927-8852-63FFD396E194}" dt="2024-12-17T08:11:26.314" v="844"/>
-          <ac:cxnSpMkLst>
-            <pc:docMk/>
-            <pc:sldMk cId="3791225581" sldId="265"/>
-            <ac:cxnSpMk id="6" creationId="{E9F7E56F-2A6F-FC0A-3084-AF6D63F5E4A7}"/>
-          </ac:cxnSpMkLst>
-        </pc:cxnChg>
-      </pc:sldChg>
-    </pc:docChg>
-  </pc:docChgLst>
-</pc:chgInfo>
 </file>
 
 <file path=ppt/slideLayouts/slideLayout1.xml><?xml version="1.0" encoding="utf-8"?>
@@ -969,7 +273,7 @@
           <a:p>
             <a:fld id="{909B4A3A-50F4-477C-A08F-9FEFB53D43FF}" type="datetimeFigureOut">
               <a:rPr lang="de-DE" smtClean="0"/>
-              <a:t>17.12.2024</a:t>
+              <a:t>17.12.24</a:t>
             </a:fld>
             <a:endParaRPr lang="de-DE"/>
           </a:p>
@@ -1167,7 +471,7 @@
           <a:p>
             <a:fld id="{909B4A3A-50F4-477C-A08F-9FEFB53D43FF}" type="datetimeFigureOut">
               <a:rPr lang="de-DE" smtClean="0"/>
-              <a:t>17.12.2024</a:t>
+              <a:t>17.12.24</a:t>
             </a:fld>
             <a:endParaRPr lang="de-DE"/>
           </a:p>
@@ -1375,7 +679,7 @@
           <a:p>
             <a:fld id="{909B4A3A-50F4-477C-A08F-9FEFB53D43FF}" type="datetimeFigureOut">
               <a:rPr lang="de-DE" smtClean="0"/>
-              <a:t>17.12.2024</a:t>
+              <a:t>17.12.24</a:t>
             </a:fld>
             <a:endParaRPr lang="de-DE"/>
           </a:p>
@@ -1573,7 +877,7 @@
           <a:p>
             <a:fld id="{909B4A3A-50F4-477C-A08F-9FEFB53D43FF}" type="datetimeFigureOut">
               <a:rPr lang="de-DE" smtClean="0"/>
-              <a:t>17.12.2024</a:t>
+              <a:t>17.12.24</a:t>
             </a:fld>
             <a:endParaRPr lang="de-DE"/>
           </a:p>
@@ -1848,7 +1152,7 @@
           <a:p>
             <a:fld id="{909B4A3A-50F4-477C-A08F-9FEFB53D43FF}" type="datetimeFigureOut">
               <a:rPr lang="de-DE" smtClean="0"/>
-              <a:t>17.12.2024</a:t>
+              <a:t>17.12.24</a:t>
             </a:fld>
             <a:endParaRPr lang="de-DE"/>
           </a:p>
@@ -2113,7 +1417,7 @@
           <a:p>
             <a:fld id="{909B4A3A-50F4-477C-A08F-9FEFB53D43FF}" type="datetimeFigureOut">
               <a:rPr lang="de-DE" smtClean="0"/>
-              <a:t>17.12.2024</a:t>
+              <a:t>17.12.24</a:t>
             </a:fld>
             <a:endParaRPr lang="de-DE"/>
           </a:p>
@@ -2525,7 +1829,7 @@
           <a:p>
             <a:fld id="{909B4A3A-50F4-477C-A08F-9FEFB53D43FF}" type="datetimeFigureOut">
               <a:rPr lang="de-DE" smtClean="0"/>
-              <a:t>17.12.2024</a:t>
+              <a:t>17.12.24</a:t>
             </a:fld>
             <a:endParaRPr lang="de-DE"/>
           </a:p>
@@ -2666,7 +1970,7 @@
           <a:p>
             <a:fld id="{909B4A3A-50F4-477C-A08F-9FEFB53D43FF}" type="datetimeFigureOut">
               <a:rPr lang="de-DE" smtClean="0"/>
-              <a:t>17.12.2024</a:t>
+              <a:t>17.12.24</a:t>
             </a:fld>
             <a:endParaRPr lang="de-DE"/>
           </a:p>
@@ -2779,7 +2083,7 @@
           <a:p>
             <a:fld id="{909B4A3A-50F4-477C-A08F-9FEFB53D43FF}" type="datetimeFigureOut">
               <a:rPr lang="de-DE" smtClean="0"/>
-              <a:t>17.12.2024</a:t>
+              <a:t>17.12.24</a:t>
             </a:fld>
             <a:endParaRPr lang="de-DE"/>
           </a:p>
@@ -3090,7 +2394,7 @@
           <a:p>
             <a:fld id="{909B4A3A-50F4-477C-A08F-9FEFB53D43FF}" type="datetimeFigureOut">
               <a:rPr lang="de-DE" smtClean="0"/>
-              <a:t>17.12.2024</a:t>
+              <a:t>17.12.24</a:t>
             </a:fld>
             <a:endParaRPr lang="de-DE"/>
           </a:p>
@@ -3378,7 +2682,7 @@
           <a:p>
             <a:fld id="{909B4A3A-50F4-477C-A08F-9FEFB53D43FF}" type="datetimeFigureOut">
               <a:rPr lang="de-DE" smtClean="0"/>
-              <a:t>17.12.2024</a:t>
+              <a:t>17.12.24</a:t>
             </a:fld>
             <a:endParaRPr lang="de-DE"/>
           </a:p>
@@ -3619,7 +2923,7 @@
           <a:p>
             <a:fld id="{909B4A3A-50F4-477C-A08F-9FEFB53D43FF}" type="datetimeFigureOut">
               <a:rPr lang="de-DE" smtClean="0"/>
-              <a:t>17.12.2024</a:t>
+              <a:t>17.12.24</a:t>
             </a:fld>
             <a:endParaRPr lang="de-DE"/>
           </a:p>
@@ -16219,6 +15523,14 @@
 <file path=ppt/slides/slide7.xml><?xml version="1.0" encoding="utf-8"?>
 <p:sld xmlns:a="http://schemas.openxmlformats.org/drawingml/2006/main" xmlns:r="http://schemas.openxmlformats.org/officeDocument/2006/relationships" xmlns:p="http://schemas.openxmlformats.org/presentationml/2006/main">
   <p:cSld>
+    <p:bg>
+      <p:bgPr>
+        <a:solidFill>
+          <a:schemeClr val="bg1"/>
+        </a:solidFill>
+        <a:effectLst/>
+      </p:bgPr>
+    </p:bg>
     <p:spTree>
       <p:nvGrpSpPr>
         <p:cNvPr id="1" name=""/>
@@ -16235,6 +15547,132 @@
       </p:grpSpPr>
       <p:sp>
         <p:nvSpPr>
+          <p:cNvPr id="10" name="Rectangle 9">
+            <a:extLst>
+              <a:ext uri="{FF2B5EF4-FFF2-40B4-BE49-F238E27FC236}">
+                <a16:creationId xmlns:a16="http://schemas.microsoft.com/office/drawing/2014/main" id="{6753252F-4873-4F63-801D-CC719279A7D5}"/>
+              </a:ext>
+              <a:ext uri="{C183D7F6-B498-43B3-948B-1728B52AA6E4}">
+                <adec:decorative xmlns:adec="http://schemas.microsoft.com/office/drawing/2017/decorative" val="1"/>
+              </a:ext>
+            </a:extLst>
+          </p:cNvPr>
+          <p:cNvSpPr>
+            <a:spLocks noGrp="1" noRot="1" noChangeAspect="1" noMove="1" noResize="1" noEditPoints="1" noAdjustHandles="1" noChangeArrowheads="1" noChangeShapeType="1" noTextEdit="1"/>
+          </p:cNvSpPr>
+          <p:nvPr>
+            <p:extLst>
+              <p:ext uri="{386F3935-93C4-4BCD-93E2-E3B085C9AB24}">
+                <p16:designElem xmlns:p16="http://schemas.microsoft.com/office/powerpoint/2015/main" val="1"/>
+              </p:ext>
+            </p:extLst>
+          </p:nvPr>
+        </p:nvSpPr>
+        <p:spPr>
+          <a:xfrm>
+            <a:off x="0" y="0"/>
+            <a:ext cx="12192000" cy="6858000"/>
+          </a:xfrm>
+          <a:prstGeom prst="rect">
+            <a:avLst/>
+          </a:prstGeom>
+          <a:solidFill>
+            <a:srgbClr val="FFFFFF"/>
+          </a:solidFill>
+          <a:ln>
+            <a:noFill/>
+          </a:ln>
+        </p:spPr>
+        <p:style>
+          <a:lnRef idx="2">
+            <a:schemeClr val="accent1">
+              <a:shade val="50000"/>
+            </a:schemeClr>
+          </a:lnRef>
+          <a:fillRef idx="1">
+            <a:schemeClr val="accent1"/>
+          </a:fillRef>
+          <a:effectRef idx="0">
+            <a:schemeClr val="accent1"/>
+          </a:effectRef>
+          <a:fontRef idx="minor">
+            <a:schemeClr val="lt1"/>
+          </a:fontRef>
+        </p:style>
+        <p:txBody>
+          <a:bodyPr rtlCol="0" anchor="ctr"/>
+          <a:lstStyle/>
+          <a:p>
+            <a:pPr algn="ctr"/>
+            <a:endParaRPr lang="en-US"/>
+          </a:p>
+        </p:txBody>
+      </p:sp>
+      <p:sp>
+        <p:nvSpPr>
+          <p:cNvPr id="12" name="Rectangle 11">
+            <a:extLst>
+              <a:ext uri="{FF2B5EF4-FFF2-40B4-BE49-F238E27FC236}">
+                <a16:creationId xmlns:a16="http://schemas.microsoft.com/office/drawing/2014/main" id="{047C8CCB-F95D-4249-92DD-651249D3535A}"/>
+              </a:ext>
+              <a:ext uri="{C183D7F6-B498-43B3-948B-1728B52AA6E4}">
+                <adec:decorative xmlns:adec="http://schemas.microsoft.com/office/drawing/2017/decorative" val="1"/>
+              </a:ext>
+            </a:extLst>
+          </p:cNvPr>
+          <p:cNvSpPr>
+            <a:spLocks noGrp="1" noRot="1" noChangeAspect="1" noMove="1" noResize="1" noEditPoints="1" noAdjustHandles="1" noChangeArrowheads="1" noChangeShapeType="1" noTextEdit="1"/>
+          </p:cNvSpPr>
+          <p:nvPr>
+            <p:extLst>
+              <p:ext uri="{386F3935-93C4-4BCD-93E2-E3B085C9AB24}">
+                <p16:designElem xmlns:p16="http://schemas.microsoft.com/office/powerpoint/2015/main" val="1"/>
+              </p:ext>
+            </p:extLst>
+          </p:nvPr>
+        </p:nvSpPr>
+        <p:spPr>
+          <a:xfrm>
+            <a:off x="0" y="0"/>
+            <a:ext cx="2013557" cy="6858000"/>
+          </a:xfrm>
+          <a:prstGeom prst="rect">
+            <a:avLst/>
+          </a:prstGeom>
+          <a:solidFill>
+            <a:srgbClr val="7F7F7F"/>
+          </a:solidFill>
+          <a:ln>
+            <a:noFill/>
+          </a:ln>
+        </p:spPr>
+        <p:style>
+          <a:lnRef idx="2">
+            <a:schemeClr val="accent1">
+              <a:shade val="50000"/>
+            </a:schemeClr>
+          </a:lnRef>
+          <a:fillRef idx="1">
+            <a:schemeClr val="accent1"/>
+          </a:fillRef>
+          <a:effectRef idx="0">
+            <a:schemeClr val="accent1"/>
+          </a:effectRef>
+          <a:fontRef idx="minor">
+            <a:schemeClr val="lt1"/>
+          </a:fontRef>
+        </p:style>
+        <p:txBody>
+          <a:bodyPr rtlCol="0" anchor="ctr"/>
+          <a:lstStyle/>
+          <a:p>
+            <a:pPr algn="ctr"/>
+            <a:endParaRPr lang="en-US"/>
+          </a:p>
+        </p:txBody>
+      </p:sp>
+      <p:sp>
+        <p:nvSpPr>
           <p:cNvPr id="2" name="Titel 1">
             <a:extLst>
               <a:ext uri="{FF2B5EF4-FFF2-40B4-BE49-F238E27FC236}">
@@ -16249,43 +15687,73 @@
             <p:ph type="title"/>
           </p:nvPr>
         </p:nvSpPr>
-        <p:spPr/>
+        <p:spPr>
+          <a:xfrm>
+            <a:off x="640080" y="2074363"/>
+            <a:ext cx="2752354" cy="2709275"/>
+          </a:xfrm>
+          <a:prstGeom prst="ellipse">
+            <a:avLst/>
+          </a:prstGeom>
+          <a:solidFill>
+            <a:srgbClr val="262626"/>
+          </a:solidFill>
+          <a:ln w="174625" cmpd="thinThick">
+            <a:solidFill>
+              <a:srgbClr val="262626"/>
+            </a:solidFill>
+          </a:ln>
+        </p:spPr>
         <p:txBody>
-          <a:bodyPr/>
+          <a:bodyPr vert="horz" lIns="91440" tIns="45720" rIns="91440" bIns="45720" rtlCol="0" anchor="ctr">
+            <a:normAutofit/>
+          </a:bodyPr>
           <a:lstStyle/>
           <a:p>
+            <a:pPr algn="ctr"/>
             <a:r>
-              <a:rPr lang="de-DE" b="1" dirty="0"/>
+              <a:rPr lang="en-US" sz="2000" b="1" kern="1200">
+                <a:solidFill>
+                  <a:srgbClr val="FFFFFF"/>
+                </a:solidFill>
+                <a:latin typeface="+mj-lt"/>
+                <a:ea typeface="+mj-ea"/>
+                <a:cs typeface="+mj-cs"/>
+              </a:rPr>
               <a:t>Blockschaltbild</a:t>
             </a:r>
           </a:p>
         </p:txBody>
       </p:sp>
-      <p:sp>
-        <p:nvSpPr>
-          <p:cNvPr id="3" name="Inhaltsplatzhalter 2">
+      <p:pic>
+        <p:nvPicPr>
+          <p:cNvPr id="5" name="Grafik 4">
             <a:extLst>
               <a:ext uri="{FF2B5EF4-FFF2-40B4-BE49-F238E27FC236}">
-                <a16:creationId xmlns:a16="http://schemas.microsoft.com/office/drawing/2014/main" id="{DB182687-3412-8E8A-EB79-0ABFBC6CA8F0}"/>
+                <a16:creationId xmlns:a16="http://schemas.microsoft.com/office/drawing/2014/main" id="{A0486A4E-2756-B40D-020B-AC4698F0FBAB}"/>
               </a:ext>
             </a:extLst>
           </p:cNvPr>
-          <p:cNvSpPr>
-            <a:spLocks noGrp="1"/>
-          </p:cNvSpPr>
-          <p:nvPr>
-            <p:ph idx="1"/>
-          </p:nvPr>
-        </p:nvSpPr>
-        <p:spPr/>
-        <p:txBody>
-          <a:bodyPr/>
-          <a:lstStyle/>
-          <a:p>
-            <a:endParaRPr lang="de-DE"/>
-          </a:p>
-        </p:txBody>
-      </p:sp>
+          <p:cNvPicPr>
+            <a:picLocks noChangeAspect="1"/>
+          </p:cNvPicPr>
+          <p:nvPr/>
+        </p:nvPicPr>
+        <p:blipFill>
+          <a:blip r:embed="rId2"/>
+          <a:srcRect l="7490" t="5779" r="16712" b="11423"/>
+          <a:stretch/>
+        </p:blipFill>
+        <p:spPr>
+          <a:xfrm>
+            <a:off x="3392434" y="502920"/>
+            <a:ext cx="8453119" cy="5852160"/>
+          </a:xfrm>
+          <a:prstGeom prst="rect">
+            <a:avLst/>
+          </a:prstGeom>
+        </p:spPr>
+      </p:pic>
     </p:spTree>
     <p:extLst>
       <p:ext uri="{BB962C8B-B14F-4D97-AF65-F5344CB8AC3E}">

--- a/Vorstellung.pptx
+++ b/Vorstellung.pptx
@@ -12,6 +12,7 @@
     <p:sldId id="256" r:id="rId6"/>
     <p:sldId id="265" r:id="rId7"/>
     <p:sldId id="259" r:id="rId8"/>
+    <p:sldId id="266" r:id="rId9"/>
   </p:sldIdLst>
   <p:sldSz cx="12192000" cy="6858000"/>
   <p:notesSz cx="6858000" cy="9144000"/>
@@ -273,7 +274,7 @@
           <a:p>
             <a:fld id="{909B4A3A-50F4-477C-A08F-9FEFB53D43FF}" type="datetimeFigureOut">
               <a:rPr lang="de-DE" smtClean="0"/>
-              <a:t>17.12.24</a:t>
+              <a:t>17.12.2024</a:t>
             </a:fld>
             <a:endParaRPr lang="de-DE"/>
           </a:p>
@@ -471,7 +472,7 @@
           <a:p>
             <a:fld id="{909B4A3A-50F4-477C-A08F-9FEFB53D43FF}" type="datetimeFigureOut">
               <a:rPr lang="de-DE" smtClean="0"/>
-              <a:t>17.12.24</a:t>
+              <a:t>17.12.2024</a:t>
             </a:fld>
             <a:endParaRPr lang="de-DE"/>
           </a:p>
@@ -679,7 +680,7 @@
           <a:p>
             <a:fld id="{909B4A3A-50F4-477C-A08F-9FEFB53D43FF}" type="datetimeFigureOut">
               <a:rPr lang="de-DE" smtClean="0"/>
-              <a:t>17.12.24</a:t>
+              <a:t>17.12.2024</a:t>
             </a:fld>
             <a:endParaRPr lang="de-DE"/>
           </a:p>
@@ -877,7 +878,7 @@
           <a:p>
             <a:fld id="{909B4A3A-50F4-477C-A08F-9FEFB53D43FF}" type="datetimeFigureOut">
               <a:rPr lang="de-DE" smtClean="0"/>
-              <a:t>17.12.24</a:t>
+              <a:t>17.12.2024</a:t>
             </a:fld>
             <a:endParaRPr lang="de-DE"/>
           </a:p>
@@ -1152,7 +1153,7 @@
           <a:p>
             <a:fld id="{909B4A3A-50F4-477C-A08F-9FEFB53D43FF}" type="datetimeFigureOut">
               <a:rPr lang="de-DE" smtClean="0"/>
-              <a:t>17.12.24</a:t>
+              <a:t>17.12.2024</a:t>
             </a:fld>
             <a:endParaRPr lang="de-DE"/>
           </a:p>
@@ -1417,7 +1418,7 @@
           <a:p>
             <a:fld id="{909B4A3A-50F4-477C-A08F-9FEFB53D43FF}" type="datetimeFigureOut">
               <a:rPr lang="de-DE" smtClean="0"/>
-              <a:t>17.12.24</a:t>
+              <a:t>17.12.2024</a:t>
             </a:fld>
             <a:endParaRPr lang="de-DE"/>
           </a:p>
@@ -1829,7 +1830,7 @@
           <a:p>
             <a:fld id="{909B4A3A-50F4-477C-A08F-9FEFB53D43FF}" type="datetimeFigureOut">
               <a:rPr lang="de-DE" smtClean="0"/>
-              <a:t>17.12.24</a:t>
+              <a:t>17.12.2024</a:t>
             </a:fld>
             <a:endParaRPr lang="de-DE"/>
           </a:p>
@@ -1970,7 +1971,7 @@
           <a:p>
             <a:fld id="{909B4A3A-50F4-477C-A08F-9FEFB53D43FF}" type="datetimeFigureOut">
               <a:rPr lang="de-DE" smtClean="0"/>
-              <a:t>17.12.24</a:t>
+              <a:t>17.12.2024</a:t>
             </a:fld>
             <a:endParaRPr lang="de-DE"/>
           </a:p>
@@ -2083,7 +2084,7 @@
           <a:p>
             <a:fld id="{909B4A3A-50F4-477C-A08F-9FEFB53D43FF}" type="datetimeFigureOut">
               <a:rPr lang="de-DE" smtClean="0"/>
-              <a:t>17.12.24</a:t>
+              <a:t>17.12.2024</a:t>
             </a:fld>
             <a:endParaRPr lang="de-DE"/>
           </a:p>
@@ -2394,7 +2395,7 @@
           <a:p>
             <a:fld id="{909B4A3A-50F4-477C-A08F-9FEFB53D43FF}" type="datetimeFigureOut">
               <a:rPr lang="de-DE" smtClean="0"/>
-              <a:t>17.12.24</a:t>
+              <a:t>17.12.2024</a:t>
             </a:fld>
             <a:endParaRPr lang="de-DE"/>
           </a:p>
@@ -2682,7 +2683,7 @@
           <a:p>
             <a:fld id="{909B4A3A-50F4-477C-A08F-9FEFB53D43FF}" type="datetimeFigureOut">
               <a:rPr lang="de-DE" smtClean="0"/>
-              <a:t>17.12.24</a:t>
+              <a:t>17.12.2024</a:t>
             </a:fld>
             <a:endParaRPr lang="de-DE"/>
           </a:p>
@@ -2923,7 +2924,7 @@
           <a:p>
             <a:fld id="{909B4A3A-50F4-477C-A08F-9FEFB53D43FF}" type="datetimeFigureOut">
               <a:rPr lang="de-DE" smtClean="0"/>
-              <a:t>17.12.24</a:t>
+              <a:t>17.12.2024</a:t>
             </a:fld>
             <a:endParaRPr lang="de-DE"/>
           </a:p>
@@ -15767,6 +15768,543 @@
 </p:sld>
 </file>
 
+<file path=ppt/slides/slide8.xml><?xml version="1.0" encoding="utf-8"?>
+<p:sld xmlns:a="http://schemas.openxmlformats.org/drawingml/2006/main" xmlns:r="http://schemas.openxmlformats.org/officeDocument/2006/relationships" xmlns:p="http://schemas.openxmlformats.org/presentationml/2006/main">
+  <p:cSld>
+    <p:bg>
+      <p:bgPr>
+        <a:solidFill>
+          <a:schemeClr val="bg1"/>
+        </a:solidFill>
+        <a:effectLst/>
+      </p:bgPr>
+    </p:bg>
+    <p:spTree>
+      <p:nvGrpSpPr>
+        <p:cNvPr id="1" name=""/>
+        <p:cNvGrpSpPr/>
+        <p:nvPr/>
+      </p:nvGrpSpPr>
+      <p:grpSpPr>
+        <a:xfrm>
+          <a:off x="0" y="0"/>
+          <a:ext cx="0" cy="0"/>
+          <a:chOff x="0" y="0"/>
+          <a:chExt cx="0" cy="0"/>
+        </a:xfrm>
+      </p:grpSpPr>
+      <p:sp>
+        <p:nvSpPr>
+          <p:cNvPr id="10" name="Rectangle 9">
+            <a:extLst>
+              <a:ext uri="{FF2B5EF4-FFF2-40B4-BE49-F238E27FC236}">
+                <a16:creationId xmlns:a16="http://schemas.microsoft.com/office/drawing/2014/main" id="{E35A04CF-97D4-4FF7-B359-C546B1F62E54}"/>
+              </a:ext>
+              <a:ext uri="{C183D7F6-B498-43B3-948B-1728B52AA6E4}">
+                <adec:decorative xmlns:adec="http://schemas.microsoft.com/office/drawing/2017/decorative" val="1"/>
+              </a:ext>
+            </a:extLst>
+          </p:cNvPr>
+          <p:cNvSpPr>
+            <a:spLocks noGrp="1" noRot="1" noChangeAspect="1" noMove="1" noResize="1" noEditPoints="1" noAdjustHandles="1" noChangeArrowheads="1" noChangeShapeType="1" noTextEdit="1"/>
+          </p:cNvSpPr>
+          <p:nvPr>
+            <p:extLst>
+              <p:ext uri="{386F3935-93C4-4BCD-93E2-E3B085C9AB24}">
+                <p16:designElem xmlns:p16="http://schemas.microsoft.com/office/powerpoint/2015/main" val="1"/>
+              </p:ext>
+            </p:extLst>
+          </p:nvPr>
+        </p:nvSpPr>
+        <p:spPr>
+          <a:xfrm>
+            <a:off x="0" y="0"/>
+            <a:ext cx="12191999" cy="6858000"/>
+          </a:xfrm>
+          <a:prstGeom prst="rect">
+            <a:avLst/>
+          </a:prstGeom>
+          <a:solidFill>
+            <a:schemeClr val="bg1">
+              <a:lumMod val="85000"/>
+            </a:schemeClr>
+          </a:solidFill>
+          <a:ln>
+            <a:noFill/>
+          </a:ln>
+        </p:spPr>
+        <p:style>
+          <a:lnRef idx="2">
+            <a:schemeClr val="accent1">
+              <a:shade val="50000"/>
+            </a:schemeClr>
+          </a:lnRef>
+          <a:fillRef idx="1">
+            <a:schemeClr val="accent1"/>
+          </a:fillRef>
+          <a:effectRef idx="0">
+            <a:schemeClr val="accent1"/>
+          </a:effectRef>
+          <a:fontRef idx="minor">
+            <a:schemeClr val="lt1"/>
+          </a:fontRef>
+        </p:style>
+        <p:txBody>
+          <a:bodyPr rtlCol="0" anchor="ctr"/>
+          <a:lstStyle/>
+          <a:p>
+            <a:pPr algn="ctr"/>
+            <a:endParaRPr lang="en-US"/>
+          </a:p>
+        </p:txBody>
+      </p:sp>
+      <p:sp>
+        <p:nvSpPr>
+          <p:cNvPr id="12" name="Freeform: Shape 11">
+            <a:extLst>
+              <a:ext uri="{FF2B5EF4-FFF2-40B4-BE49-F238E27FC236}">
+                <a16:creationId xmlns:a16="http://schemas.microsoft.com/office/drawing/2014/main" id="{1DE7243B-5109-444B-8FAF-7437C66BC0E9}"/>
+              </a:ext>
+              <a:ext uri="{C183D7F6-B498-43B3-948B-1728B52AA6E4}">
+                <adec:decorative xmlns:adec="http://schemas.microsoft.com/office/drawing/2017/decorative" val="1"/>
+              </a:ext>
+            </a:extLst>
+          </p:cNvPr>
+          <p:cNvSpPr>
+            <a:spLocks noGrp="1" noRot="1" noChangeAspect="1" noMove="1" noResize="1" noEditPoints="1" noAdjustHandles="1" noChangeArrowheads="1" noChangeShapeType="1" noTextEdit="1"/>
+          </p:cNvSpPr>
+          <p:nvPr>
+            <p:extLst>
+              <p:ext uri="{386F3935-93C4-4BCD-93E2-E3B085C9AB24}">
+                <p16:designElem xmlns:p16="http://schemas.microsoft.com/office/powerpoint/2015/main" val="1"/>
+              </p:ext>
+            </p:extLst>
+          </p:nvPr>
+        </p:nvSpPr>
+        <p:spPr>
+          <a:xfrm flipH="1">
+            <a:off x="0" y="0"/>
+            <a:ext cx="4421332" cy="6858000"/>
+          </a:xfrm>
+          <a:custGeom>
+            <a:avLst/>
+            <a:gdLst>
+              <a:gd name="connsiteX0" fmla="*/ 4421332 w 4421332"/>
+              <a:gd name="connsiteY0" fmla="*/ 0 h 6858000"/>
+              <a:gd name="connsiteX1" fmla="*/ 69075 w 4421332"/>
+              <a:gd name="connsiteY1" fmla="*/ 0 h 6858000"/>
+              <a:gd name="connsiteX2" fmla="*/ 35131 w 4421332"/>
+              <a:gd name="connsiteY2" fmla="*/ 267128 h 6858000"/>
+              <a:gd name="connsiteX3" fmla="*/ 0 w 4421332"/>
+              <a:gd name="connsiteY3" fmla="*/ 962845 h 6858000"/>
+              <a:gd name="connsiteX4" fmla="*/ 3276103 w 4421332"/>
+              <a:gd name="connsiteY4" fmla="*/ 6782205 h 6858000"/>
+              <a:gd name="connsiteX5" fmla="*/ 3407923 w 4421332"/>
+              <a:gd name="connsiteY5" fmla="*/ 6858000 h 6858000"/>
+              <a:gd name="connsiteX6" fmla="*/ 4421332 w 4421332"/>
+              <a:gd name="connsiteY6" fmla="*/ 6858000 h 6858000"/>
+            </a:gdLst>
+            <a:ahLst/>
+            <a:cxnLst>
+              <a:cxn ang="0">
+                <a:pos x="connsiteX0" y="connsiteY0"/>
+              </a:cxn>
+              <a:cxn ang="0">
+                <a:pos x="connsiteX1" y="connsiteY1"/>
+              </a:cxn>
+              <a:cxn ang="0">
+                <a:pos x="connsiteX2" y="connsiteY2"/>
+              </a:cxn>
+              <a:cxn ang="0">
+                <a:pos x="connsiteX3" y="connsiteY3"/>
+              </a:cxn>
+              <a:cxn ang="0">
+                <a:pos x="connsiteX4" y="connsiteY4"/>
+              </a:cxn>
+              <a:cxn ang="0">
+                <a:pos x="connsiteX5" y="connsiteY5"/>
+              </a:cxn>
+              <a:cxn ang="0">
+                <a:pos x="connsiteX6" y="connsiteY6"/>
+              </a:cxn>
+            </a:cxnLst>
+            <a:rect l="l" t="t" r="r" b="b"/>
+            <a:pathLst>
+              <a:path w="4421332" h="6858000">
+                <a:moveTo>
+                  <a:pt x="4421332" y="0"/>
+                </a:moveTo>
+                <a:lnTo>
+                  <a:pt x="69075" y="0"/>
+                </a:lnTo>
+                <a:lnTo>
+                  <a:pt x="35131" y="267128"/>
+                </a:lnTo>
+                <a:cubicBezTo>
+                  <a:pt x="11901" y="495874"/>
+                  <a:pt x="0" y="727970"/>
+                  <a:pt x="0" y="962845"/>
+                </a:cubicBezTo>
+                <a:cubicBezTo>
+                  <a:pt x="0" y="3429034"/>
+                  <a:pt x="1312002" y="5588789"/>
+                  <a:pt x="3276103" y="6782205"/>
+                </a:cubicBezTo>
+                <a:lnTo>
+                  <a:pt x="3407923" y="6858000"/>
+                </a:lnTo>
+                <a:lnTo>
+                  <a:pt x="4421332" y="6858000"/>
+                </a:lnTo>
+                <a:close/>
+              </a:path>
+            </a:pathLst>
+          </a:custGeom>
+          <a:solidFill>
+            <a:srgbClr val="FFFFFF">
+              <a:alpha val="80000"/>
+            </a:srgbClr>
+          </a:solidFill>
+          <a:ln>
+            <a:noFill/>
+          </a:ln>
+        </p:spPr>
+        <p:style>
+          <a:lnRef idx="2">
+            <a:schemeClr val="accent1">
+              <a:shade val="50000"/>
+            </a:schemeClr>
+          </a:lnRef>
+          <a:fillRef idx="1">
+            <a:schemeClr val="accent1"/>
+          </a:fillRef>
+          <a:effectRef idx="0">
+            <a:schemeClr val="accent1"/>
+          </a:effectRef>
+          <a:fontRef idx="minor">
+            <a:schemeClr val="lt1"/>
+          </a:fontRef>
+        </p:style>
+        <p:txBody>
+          <a:bodyPr wrap="square" rtlCol="0" anchor="ctr">
+            <a:noAutofit/>
+          </a:bodyPr>
+          <a:lstStyle/>
+          <a:p>
+            <a:pPr marL="0" marR="0" lvl="0" indent="0" algn="ctr" defTabSz="914400" rtl="0" eaLnBrk="1" fontAlgn="auto" latinLnBrk="0" hangingPunct="1">
+              <a:lnSpc>
+                <a:spcPct val="100000"/>
+              </a:lnSpc>
+              <a:spcBef>
+                <a:spcPts val="0"/>
+              </a:spcBef>
+              <a:spcAft>
+                <a:spcPts val="0"/>
+              </a:spcAft>
+              <a:buClrTx/>
+              <a:buSzTx/>
+              <a:buFontTx/>
+              <a:buNone/>
+              <a:tabLst/>
+              <a:defRPr/>
+            </a:pPr>
+            <a:endParaRPr kumimoji="0" lang="en-US" sz="1800" b="0" i="0" u="none" strike="noStrike" kern="1200" cap="none" spc="0" normalizeH="0" baseline="0" noProof="0">
+              <a:ln>
+                <a:noFill/>
+              </a:ln>
+              <a:solidFill>
+                <a:prstClr val="white"/>
+              </a:solidFill>
+              <a:effectLst/>
+              <a:uLnTx/>
+              <a:uFillTx/>
+              <a:latin typeface="Calibri" panose="020F0502020204030204"/>
+              <a:ea typeface="+mn-ea"/>
+              <a:cs typeface="+mn-cs"/>
+            </a:endParaRPr>
+          </a:p>
+        </p:txBody>
+      </p:sp>
+      <p:sp>
+        <p:nvSpPr>
+          <p:cNvPr id="14" name="Freeform: Shape 13">
+            <a:extLst>
+              <a:ext uri="{FF2B5EF4-FFF2-40B4-BE49-F238E27FC236}">
+                <a16:creationId xmlns:a16="http://schemas.microsoft.com/office/drawing/2014/main" id="{4C5D6221-DA7B-4611-AA26-7D8E349FDE96}"/>
+              </a:ext>
+              <a:ext uri="{C183D7F6-B498-43B3-948B-1728B52AA6E4}">
+                <adec:decorative xmlns:adec="http://schemas.microsoft.com/office/drawing/2017/decorative" val="1"/>
+              </a:ext>
+            </a:extLst>
+          </p:cNvPr>
+          <p:cNvSpPr>
+            <a:spLocks noGrp="1" noRot="1" noChangeAspect="1" noMove="1" noResize="1" noEditPoints="1" noAdjustHandles="1" noChangeArrowheads="1" noChangeShapeType="1" noTextEdit="1"/>
+          </p:cNvSpPr>
+          <p:nvPr>
+            <p:extLst>
+              <p:ext uri="{386F3935-93C4-4BCD-93E2-E3B085C9AB24}">
+                <p16:designElem xmlns:p16="http://schemas.microsoft.com/office/powerpoint/2015/main" val="1"/>
+              </p:ext>
+            </p:extLst>
+          </p:nvPr>
+        </p:nvSpPr>
+        <p:spPr>
+          <a:xfrm>
+            <a:off x="1" y="0"/>
+            <a:ext cx="4232227" cy="6858000"/>
+          </a:xfrm>
+          <a:custGeom>
+            <a:avLst/>
+            <a:gdLst>
+              <a:gd name="connsiteX0" fmla="*/ 0 w 4232227"/>
+              <a:gd name="connsiteY0" fmla="*/ 0 h 6858000"/>
+              <a:gd name="connsiteX1" fmla="*/ 4161853 w 4232227"/>
+              <a:gd name="connsiteY1" fmla="*/ 0 h 6858000"/>
+              <a:gd name="connsiteX2" fmla="*/ 4197953 w 4232227"/>
+              <a:gd name="connsiteY2" fmla="*/ 284091 h 6858000"/>
+              <a:gd name="connsiteX3" fmla="*/ 4232227 w 4232227"/>
+              <a:gd name="connsiteY3" fmla="*/ 962844 h 6858000"/>
+              <a:gd name="connsiteX4" fmla="*/ 758007 w 4232227"/>
+              <a:gd name="connsiteY4" fmla="*/ 6800152 h 6858000"/>
+              <a:gd name="connsiteX5" fmla="*/ 645060 w 4232227"/>
+              <a:gd name="connsiteY5" fmla="*/ 6858000 h 6858000"/>
+              <a:gd name="connsiteX6" fmla="*/ 0 w 4232227"/>
+              <a:gd name="connsiteY6" fmla="*/ 6858000 h 6858000"/>
+            </a:gdLst>
+            <a:ahLst/>
+            <a:cxnLst>
+              <a:cxn ang="0">
+                <a:pos x="connsiteX0" y="connsiteY0"/>
+              </a:cxn>
+              <a:cxn ang="0">
+                <a:pos x="connsiteX1" y="connsiteY1"/>
+              </a:cxn>
+              <a:cxn ang="0">
+                <a:pos x="connsiteX2" y="connsiteY2"/>
+              </a:cxn>
+              <a:cxn ang="0">
+                <a:pos x="connsiteX3" y="connsiteY3"/>
+              </a:cxn>
+              <a:cxn ang="0">
+                <a:pos x="connsiteX4" y="connsiteY4"/>
+              </a:cxn>
+              <a:cxn ang="0">
+                <a:pos x="connsiteX5" y="connsiteY5"/>
+              </a:cxn>
+              <a:cxn ang="0">
+                <a:pos x="connsiteX6" y="connsiteY6"/>
+              </a:cxn>
+            </a:cxnLst>
+            <a:rect l="l" t="t" r="r" b="b"/>
+            <a:pathLst>
+              <a:path w="4232227" h="6858000">
+                <a:moveTo>
+                  <a:pt x="0" y="0"/>
+                </a:moveTo>
+                <a:lnTo>
+                  <a:pt x="4161853" y="0"/>
+                </a:lnTo>
+                <a:lnTo>
+                  <a:pt x="4197953" y="284091"/>
+                </a:lnTo>
+                <a:cubicBezTo>
+                  <a:pt x="4220617" y="507260"/>
+                  <a:pt x="4232227" y="733696"/>
+                  <a:pt x="4232227" y="962844"/>
+                </a:cubicBezTo>
+                <a:cubicBezTo>
+                  <a:pt x="4232227" y="3483472"/>
+                  <a:pt x="2827409" y="5675986"/>
+                  <a:pt x="758007" y="6800152"/>
+                </a:cubicBezTo>
+                <a:lnTo>
+                  <a:pt x="645060" y="6858000"/>
+                </a:lnTo>
+                <a:lnTo>
+                  <a:pt x="0" y="6858000"/>
+                </a:lnTo>
+                <a:close/>
+              </a:path>
+            </a:pathLst>
+          </a:custGeom>
+          <a:solidFill>
+            <a:srgbClr val="404040"/>
+          </a:solidFill>
+          <a:ln>
+            <a:noFill/>
+          </a:ln>
+        </p:spPr>
+        <p:style>
+          <a:lnRef idx="2">
+            <a:schemeClr val="accent1">
+              <a:shade val="50000"/>
+            </a:schemeClr>
+          </a:lnRef>
+          <a:fillRef idx="1">
+            <a:schemeClr val="accent1"/>
+          </a:fillRef>
+          <a:effectRef idx="0">
+            <a:schemeClr val="accent1"/>
+          </a:effectRef>
+          <a:fontRef idx="minor">
+            <a:schemeClr val="lt1"/>
+          </a:fontRef>
+        </p:style>
+        <p:txBody>
+          <a:bodyPr wrap="square" rtlCol="0" anchor="ctr">
+            <a:noAutofit/>
+          </a:bodyPr>
+          <a:lstStyle/>
+          <a:p>
+            <a:pPr marL="0" marR="0" lvl="0" indent="0" algn="ctr" defTabSz="914400" rtl="0" eaLnBrk="1" fontAlgn="auto" latinLnBrk="0" hangingPunct="1">
+              <a:lnSpc>
+                <a:spcPct val="100000"/>
+              </a:lnSpc>
+              <a:spcBef>
+                <a:spcPts val="0"/>
+              </a:spcBef>
+              <a:spcAft>
+                <a:spcPts val="0"/>
+              </a:spcAft>
+              <a:buClrTx/>
+              <a:buSzTx/>
+              <a:buFontTx/>
+              <a:buNone/>
+              <a:tabLst/>
+              <a:defRPr/>
+            </a:pPr>
+            <a:endParaRPr kumimoji="0" lang="en-US" sz="1800" b="0" i="0" u="none" strike="noStrike" kern="1200" cap="none" spc="0" normalizeH="0" baseline="0" noProof="0">
+              <a:ln>
+                <a:noFill/>
+              </a:ln>
+              <a:solidFill>
+                <a:prstClr val="white"/>
+              </a:solidFill>
+              <a:effectLst/>
+              <a:uLnTx/>
+              <a:uFillTx/>
+              <a:latin typeface="Calibri" panose="020F0502020204030204"/>
+              <a:ea typeface="+mn-ea"/>
+              <a:cs typeface="+mn-cs"/>
+            </a:endParaRPr>
+          </a:p>
+        </p:txBody>
+      </p:sp>
+      <p:sp>
+        <p:nvSpPr>
+          <p:cNvPr id="2" name="Titel 1">
+            <a:extLst>
+              <a:ext uri="{FF2B5EF4-FFF2-40B4-BE49-F238E27FC236}">
+                <a16:creationId xmlns:a16="http://schemas.microsoft.com/office/drawing/2014/main" id="{D60E8E75-EAE8-4B7C-BC77-B944EAC41998}"/>
+              </a:ext>
+            </a:extLst>
+          </p:cNvPr>
+          <p:cNvSpPr>
+            <a:spLocks noGrp="1"/>
+          </p:cNvSpPr>
+          <p:nvPr>
+            <p:ph type="title"/>
+          </p:nvPr>
+        </p:nvSpPr>
+        <p:spPr>
+          <a:xfrm>
+            <a:off x="804672" y="1412489"/>
+            <a:ext cx="2871095" cy="2156621"/>
+          </a:xfrm>
+        </p:spPr>
+        <p:txBody>
+          <a:bodyPr vert="horz" lIns="91440" tIns="45720" rIns="91440" bIns="45720" rtlCol="0" anchor="t">
+            <a:normAutofit/>
+          </a:bodyPr>
+          <a:lstStyle/>
+          <a:p>
+            <a:r>
+              <a:rPr lang="en-US" sz="3600" kern="1200">
+                <a:solidFill>
+                  <a:srgbClr val="FFFFFF"/>
+                </a:solidFill>
+                <a:latin typeface="+mj-lt"/>
+                <a:ea typeface="+mj-ea"/>
+                <a:cs typeface="+mj-cs"/>
+              </a:rPr>
+              <a:t>Bauteil Übersicht</a:t>
+            </a:r>
+          </a:p>
+        </p:txBody>
+      </p:sp>
+      <p:sp>
+        <p:nvSpPr>
+          <p:cNvPr id="3" name="Inhaltsplatzhalter 2">
+            <a:extLst>
+              <a:ext uri="{FF2B5EF4-FFF2-40B4-BE49-F238E27FC236}">
+                <a16:creationId xmlns:a16="http://schemas.microsoft.com/office/drawing/2014/main" id="{CEEA0397-6373-A44A-3183-062C109C5E09}"/>
+              </a:ext>
+            </a:extLst>
+          </p:cNvPr>
+          <p:cNvSpPr>
+            <a:spLocks noGrp="1"/>
+          </p:cNvSpPr>
+          <p:nvPr>
+            <p:ph idx="1"/>
+          </p:nvPr>
+        </p:nvSpPr>
+        <p:spPr>
+          <a:xfrm>
+            <a:off x="5198992" y="1412489"/>
+            <a:ext cx="6728847" cy="4363844"/>
+          </a:xfrm>
+        </p:spPr>
+        <p:txBody>
+          <a:bodyPr vert="horz" lIns="91440" tIns="45720" rIns="91440" bIns="45720" rtlCol="0">
+            <a:normAutofit/>
+          </a:bodyPr>
+          <a:lstStyle/>
+          <a:p>
+            <a:r>
+              <a:rPr lang="en-US" sz="2000" dirty="0" err="1"/>
+              <a:t>Gehäuse</a:t>
+            </a:r>
+            <a:r>
+              <a:rPr lang="en-US" sz="2000" dirty="0"/>
+              <a:t>: 3D </a:t>
+            </a:r>
+            <a:r>
+              <a:rPr lang="en-US" sz="2000" dirty="0" err="1"/>
+              <a:t>druck</a:t>
+            </a:r>
+            <a:r>
+              <a:rPr lang="en-US" sz="2000" dirty="0"/>
+              <a:t> </a:t>
+            </a:r>
+            <a:r>
+              <a:rPr lang="en-US" sz="2000" dirty="0" err="1"/>
+              <a:t>oder</a:t>
+            </a:r>
+            <a:r>
+              <a:rPr lang="en-US" sz="2000" dirty="0"/>
+              <a:t> CNC </a:t>
+            </a:r>
+            <a:r>
+              <a:rPr lang="en-US" sz="2000" dirty="0" err="1"/>
+              <a:t>gefräst</a:t>
+            </a:r>
+            <a:endParaRPr lang="en-US" sz="2000" dirty="0"/>
+          </a:p>
+        </p:txBody>
+      </p:sp>
+    </p:spTree>
+    <p:extLst>
+      <p:ext uri="{BB962C8B-B14F-4D97-AF65-F5344CB8AC3E}">
+        <p14:creationId xmlns:p14="http://schemas.microsoft.com/office/powerpoint/2010/main" val="2206358031"/>
+      </p:ext>
+    </p:extLst>
+  </p:cSld>
+  <p:clrMapOvr>
+    <a:masterClrMapping/>
+  </p:clrMapOvr>
+</p:sld>
+</file>
+
 <file path=ppt/theme/theme1.xml><?xml version="1.0" encoding="utf-8"?>
 <a:theme xmlns:a="http://schemas.openxmlformats.org/drawingml/2006/main" name="Office">
   <a:themeElements>

--- a/Vorstellung.pptx
+++ b/Vorstellung.pptx
@@ -6,13 +6,14 @@
   </p:sldMasterIdLst>
   <p:sldIdLst>
     <p:sldId id="257" r:id="rId2"/>
-    <p:sldId id="258" r:id="rId3"/>
-    <p:sldId id="260" r:id="rId4"/>
-    <p:sldId id="263" r:id="rId5"/>
-    <p:sldId id="256" r:id="rId6"/>
-    <p:sldId id="265" r:id="rId7"/>
-    <p:sldId id="259" r:id="rId8"/>
-    <p:sldId id="266" r:id="rId9"/>
+    <p:sldId id="267" r:id="rId3"/>
+    <p:sldId id="259" r:id="rId4"/>
+    <p:sldId id="258" r:id="rId5"/>
+    <p:sldId id="260" r:id="rId6"/>
+    <p:sldId id="263" r:id="rId7"/>
+    <p:sldId id="269" r:id="rId8"/>
+    <p:sldId id="256" r:id="rId9"/>
+    <p:sldId id="265" r:id="rId10"/>
   </p:sldIdLst>
   <p:sldSz cx="12192000" cy="6858000"/>
   <p:notesSz cx="6858000" cy="9144000"/>
@@ -123,8 +124,628 @@
 <p1510:revInfo xmlns:a="http://schemas.openxmlformats.org/drawingml/2006/main" xmlns:r="http://schemas.openxmlformats.org/officeDocument/2006/relationships" xmlns:p1510="http://schemas.microsoft.com/office/powerpoint/2015/10/main">
   <p1510:revLst>
     <p1510:client id="{62AFA320-9B9E-4927-8852-63FFD396E194}" v="17" dt="2024-12-17T08:42:27.887"/>
+    <p1510:client id="{F285D1C5-361E-465F-986D-CAD6C187740B}" v="10" dt="2024-12-17T10:14:51.360"/>
   </p1510:revLst>
 </p1510:revInfo>
+</file>
+
+<file path=ppt/changesInfos/changesInfo1.xml><?xml version="1.0" encoding="utf-8"?>
+<pc:chgInfo xmlns:a="http://schemas.openxmlformats.org/drawingml/2006/main" xmlns:r="http://schemas.openxmlformats.org/officeDocument/2006/relationships" xmlns:ac="http://schemas.microsoft.com/office/drawing/2013/main/command" xmlns:pc="http://schemas.microsoft.com/office/powerpoint/2013/main/command">
+  <pc:docChgLst>
+    <pc:chgData name="Schranzhofer Daniel Benjamin" userId="896aed5a-a90e-49ae-b044-096ef6952a5d" providerId="ADAL" clId="{F285D1C5-361E-465F-986D-CAD6C187740B}"/>
+    <pc:docChg chg="undo custSel addSld delSld modSld sldOrd">
+      <pc:chgData name="Schranzhofer Daniel Benjamin" userId="896aed5a-a90e-49ae-b044-096ef6952a5d" providerId="ADAL" clId="{F285D1C5-361E-465F-986D-CAD6C187740B}" dt="2024-12-17T10:16:42.823" v="376" actId="20577"/>
+      <pc:docMkLst>
+        <pc:docMk/>
+      </pc:docMkLst>
+      <pc:sldChg chg="modSp mod">
+        <pc:chgData name="Schranzhofer Daniel Benjamin" userId="896aed5a-a90e-49ae-b044-096ef6952a5d" providerId="ADAL" clId="{F285D1C5-361E-465F-986D-CAD6C187740B}" dt="2024-12-17T10:04:54.927" v="103" actId="790"/>
+        <pc:sldMkLst>
+          <pc:docMk/>
+          <pc:sldMk cId="61744048" sldId="256"/>
+        </pc:sldMkLst>
+        <pc:spChg chg="mod">
+          <ac:chgData name="Schranzhofer Daniel Benjamin" userId="896aed5a-a90e-49ae-b044-096ef6952a5d" providerId="ADAL" clId="{F285D1C5-361E-465F-986D-CAD6C187740B}" dt="2024-12-17T10:04:54.927" v="103" actId="790"/>
+          <ac:spMkLst>
+            <pc:docMk/>
+            <pc:sldMk cId="61744048" sldId="256"/>
+            <ac:spMk id="15" creationId="{7A31EF79-59DA-D68A-A542-0252D688B018}"/>
+          </ac:spMkLst>
+        </pc:spChg>
+        <pc:spChg chg="mod">
+          <ac:chgData name="Schranzhofer Daniel Benjamin" userId="896aed5a-a90e-49ae-b044-096ef6952a5d" providerId="ADAL" clId="{F285D1C5-361E-465F-986D-CAD6C187740B}" dt="2024-12-17T10:04:54.927" v="103" actId="790"/>
+          <ac:spMkLst>
+            <pc:docMk/>
+            <pc:sldMk cId="61744048" sldId="256"/>
+            <ac:spMk id="16" creationId="{26DAC35D-FA00-FB83-1572-CE21B0142A8C}"/>
+          </ac:spMkLst>
+        </pc:spChg>
+        <pc:spChg chg="mod">
+          <ac:chgData name="Schranzhofer Daniel Benjamin" userId="896aed5a-a90e-49ae-b044-096ef6952a5d" providerId="ADAL" clId="{F285D1C5-361E-465F-986D-CAD6C187740B}" dt="2024-12-17T10:04:54.927" v="103" actId="790"/>
+          <ac:spMkLst>
+            <pc:docMk/>
+            <pc:sldMk cId="61744048" sldId="256"/>
+            <ac:spMk id="17" creationId="{31F6B00F-72B9-3F4B-BC8C-8BBAB035F0B1}"/>
+          </ac:spMkLst>
+        </pc:spChg>
+        <pc:spChg chg="mod">
+          <ac:chgData name="Schranzhofer Daniel Benjamin" userId="896aed5a-a90e-49ae-b044-096ef6952a5d" providerId="ADAL" clId="{F285D1C5-361E-465F-986D-CAD6C187740B}" dt="2024-12-17T10:04:54.927" v="103" actId="790"/>
+          <ac:spMkLst>
+            <pc:docMk/>
+            <pc:sldMk cId="61744048" sldId="256"/>
+            <ac:spMk id="19" creationId="{961C55BD-6B58-EBB9-BCBB-080AE4A18C36}"/>
+          </ac:spMkLst>
+        </pc:spChg>
+      </pc:sldChg>
+      <pc:sldChg chg="modSp mod">
+        <pc:chgData name="Schranzhofer Daniel Benjamin" userId="896aed5a-a90e-49ae-b044-096ef6952a5d" providerId="ADAL" clId="{F285D1C5-361E-465F-986D-CAD6C187740B}" dt="2024-12-17T10:04:54.927" v="103" actId="790"/>
+        <pc:sldMkLst>
+          <pc:docMk/>
+          <pc:sldMk cId="1021443358" sldId="257"/>
+        </pc:sldMkLst>
+        <pc:spChg chg="mod">
+          <ac:chgData name="Schranzhofer Daniel Benjamin" userId="896aed5a-a90e-49ae-b044-096ef6952a5d" providerId="ADAL" clId="{F285D1C5-361E-465F-986D-CAD6C187740B}" dt="2024-12-17T10:04:54.927" v="103" actId="790"/>
+          <ac:spMkLst>
+            <pc:docMk/>
+            <pc:sldMk cId="1021443358" sldId="257"/>
+            <ac:spMk id="2" creationId="{3C4242E6-FB36-47B5-3312-2CF1F955B0B7}"/>
+          </ac:spMkLst>
+        </pc:spChg>
+        <pc:spChg chg="mod">
+          <ac:chgData name="Schranzhofer Daniel Benjamin" userId="896aed5a-a90e-49ae-b044-096ef6952a5d" providerId="ADAL" clId="{F285D1C5-361E-465F-986D-CAD6C187740B}" dt="2024-12-17T10:04:54.927" v="103" actId="790"/>
+          <ac:spMkLst>
+            <pc:docMk/>
+            <pc:sldMk cId="1021443358" sldId="257"/>
+            <ac:spMk id="14" creationId="{5A292AEA-2528-46C0-B426-95822B6141FB}"/>
+          </ac:spMkLst>
+        </pc:spChg>
+        <pc:spChg chg="mod">
+          <ac:chgData name="Schranzhofer Daniel Benjamin" userId="896aed5a-a90e-49ae-b044-096ef6952a5d" providerId="ADAL" clId="{F285D1C5-361E-465F-986D-CAD6C187740B}" dt="2024-12-17T10:04:54.927" v="103" actId="790"/>
+          <ac:spMkLst>
+            <pc:docMk/>
+            <pc:sldMk cId="1021443358" sldId="257"/>
+            <ac:spMk id="16" creationId="{D8B7B198-E4DF-43CD-AD8C-199884323745}"/>
+          </ac:spMkLst>
+        </pc:spChg>
+        <pc:spChg chg="mod">
+          <ac:chgData name="Schranzhofer Daniel Benjamin" userId="896aed5a-a90e-49ae-b044-096ef6952a5d" providerId="ADAL" clId="{F285D1C5-361E-465F-986D-CAD6C187740B}" dt="2024-12-17T10:04:54.927" v="103" actId="790"/>
+          <ac:spMkLst>
+            <pc:docMk/>
+            <pc:sldMk cId="1021443358" sldId="257"/>
+            <ac:spMk id="18" creationId="{2BE67753-EA0E-4819-8D22-0B6600CF7231}"/>
+          </ac:spMkLst>
+        </pc:spChg>
+        <pc:spChg chg="mod">
+          <ac:chgData name="Schranzhofer Daniel Benjamin" userId="896aed5a-a90e-49ae-b044-096ef6952a5d" providerId="ADAL" clId="{F285D1C5-361E-465F-986D-CAD6C187740B}" dt="2024-12-17T10:04:54.927" v="103" actId="790"/>
+          <ac:spMkLst>
+            <pc:docMk/>
+            <pc:sldMk cId="1021443358" sldId="257"/>
+            <ac:spMk id="21" creationId="{B997A32E-7032-4107-9C8B-99DB59EDD525}"/>
+          </ac:spMkLst>
+        </pc:spChg>
+        <pc:spChg chg="mod">
+          <ac:chgData name="Schranzhofer Daniel Benjamin" userId="896aed5a-a90e-49ae-b044-096ef6952a5d" providerId="ADAL" clId="{F285D1C5-361E-465F-986D-CAD6C187740B}" dt="2024-12-17T10:04:54.927" v="103" actId="790"/>
+          <ac:spMkLst>
+            <pc:docMk/>
+            <pc:sldMk cId="1021443358" sldId="257"/>
+            <ac:spMk id="22" creationId="{943BB27F-1470-42CA-91FF-D94BC691C8F2}"/>
+          </ac:spMkLst>
+        </pc:spChg>
+        <pc:spChg chg="mod">
+          <ac:chgData name="Schranzhofer Daniel Benjamin" userId="896aed5a-a90e-49ae-b044-096ef6952a5d" providerId="ADAL" clId="{F285D1C5-361E-465F-986D-CAD6C187740B}" dt="2024-12-17T10:04:54.927" v="103" actId="790"/>
+          <ac:spMkLst>
+            <pc:docMk/>
+            <pc:sldMk cId="1021443358" sldId="257"/>
+            <ac:spMk id="23" creationId="{E997B002-17FD-47B3-A06A-76802FE15CE7}"/>
+          </ac:spMkLst>
+        </pc:spChg>
+        <pc:spChg chg="mod">
+          <ac:chgData name="Schranzhofer Daniel Benjamin" userId="896aed5a-a90e-49ae-b044-096ef6952a5d" providerId="ADAL" clId="{F285D1C5-361E-465F-986D-CAD6C187740B}" dt="2024-12-17T10:04:54.927" v="103" actId="790"/>
+          <ac:spMkLst>
+            <pc:docMk/>
+            <pc:sldMk cId="1021443358" sldId="257"/>
+            <ac:spMk id="24" creationId="{E401EA35-9D2E-43B7-860F-EBB8A6C3E081}"/>
+          </ac:spMkLst>
+        </pc:spChg>
+        <pc:spChg chg="mod">
+          <ac:chgData name="Schranzhofer Daniel Benjamin" userId="896aed5a-a90e-49ae-b044-096ef6952a5d" providerId="ADAL" clId="{F285D1C5-361E-465F-986D-CAD6C187740B}" dt="2024-12-17T10:04:54.927" v="103" actId="790"/>
+          <ac:spMkLst>
+            <pc:docMk/>
+            <pc:sldMk cId="1021443358" sldId="257"/>
+            <ac:spMk id="25" creationId="{F8C44827-3D81-4FF9-B4A5-5650D1B20A29}"/>
+          </ac:spMkLst>
+        </pc:spChg>
+        <pc:spChg chg="mod">
+          <ac:chgData name="Schranzhofer Daniel Benjamin" userId="896aed5a-a90e-49ae-b044-096ef6952a5d" providerId="ADAL" clId="{F285D1C5-361E-465F-986D-CAD6C187740B}" dt="2024-12-17T10:04:54.927" v="103" actId="790"/>
+          <ac:spMkLst>
+            <pc:docMk/>
+            <pc:sldMk cId="1021443358" sldId="257"/>
+            <ac:spMk id="26" creationId="{F613D97F-F6DF-4D32-AD91-209A80E7A23C}"/>
+          </ac:spMkLst>
+        </pc:spChg>
+        <pc:spChg chg="mod">
+          <ac:chgData name="Schranzhofer Daniel Benjamin" userId="896aed5a-a90e-49ae-b044-096ef6952a5d" providerId="ADAL" clId="{F285D1C5-361E-465F-986D-CAD6C187740B}" dt="2024-12-17T10:04:54.927" v="103" actId="790"/>
+          <ac:spMkLst>
+            <pc:docMk/>
+            <pc:sldMk cId="1021443358" sldId="257"/>
+            <ac:spMk id="27" creationId="{82B0ED5C-927D-4C5F-8F27-1B403820B975}"/>
+          </ac:spMkLst>
+        </pc:spChg>
+        <pc:spChg chg="mod">
+          <ac:chgData name="Schranzhofer Daniel Benjamin" userId="896aed5a-a90e-49ae-b044-096ef6952a5d" providerId="ADAL" clId="{F285D1C5-361E-465F-986D-CAD6C187740B}" dt="2024-12-17T10:04:54.927" v="103" actId="790"/>
+          <ac:spMkLst>
+            <pc:docMk/>
+            <pc:sldMk cId="1021443358" sldId="257"/>
+            <ac:spMk id="30" creationId="{68B53067-4E48-4E71-A6A9-A8CAABAFBF69}"/>
+          </ac:spMkLst>
+        </pc:spChg>
+        <pc:spChg chg="mod">
+          <ac:chgData name="Schranzhofer Daniel Benjamin" userId="896aed5a-a90e-49ae-b044-096ef6952a5d" providerId="ADAL" clId="{F285D1C5-361E-465F-986D-CAD6C187740B}" dt="2024-12-17T10:04:54.927" v="103" actId="790"/>
+          <ac:spMkLst>
+            <pc:docMk/>
+            <pc:sldMk cId="1021443358" sldId="257"/>
+            <ac:spMk id="31" creationId="{06D1A0D3-4BB8-41D9-9CE7-2884C83F448B}"/>
+          </ac:spMkLst>
+        </pc:spChg>
+        <pc:spChg chg="mod">
+          <ac:chgData name="Schranzhofer Daniel Benjamin" userId="896aed5a-a90e-49ae-b044-096ef6952a5d" providerId="ADAL" clId="{F285D1C5-361E-465F-986D-CAD6C187740B}" dt="2024-12-17T10:04:54.927" v="103" actId="790"/>
+          <ac:spMkLst>
+            <pc:docMk/>
+            <pc:sldMk cId="1021443358" sldId="257"/>
+            <ac:spMk id="32" creationId="{81E20F06-3B09-4B89-A36B-AB8BFBCCA5D9}"/>
+          </ac:spMkLst>
+        </pc:spChg>
+        <pc:spChg chg="mod">
+          <ac:chgData name="Schranzhofer Daniel Benjamin" userId="896aed5a-a90e-49ae-b044-096ef6952a5d" providerId="ADAL" clId="{F285D1C5-361E-465F-986D-CAD6C187740B}" dt="2024-12-17T10:04:54.927" v="103" actId="790"/>
+          <ac:spMkLst>
+            <pc:docMk/>
+            <pc:sldMk cId="1021443358" sldId="257"/>
+            <ac:spMk id="33" creationId="{DAE6C3D7-7D5B-4926-877D-45F117BB6BF0}"/>
+          </ac:spMkLst>
+        </pc:spChg>
+        <pc:spChg chg="mod">
+          <ac:chgData name="Schranzhofer Daniel Benjamin" userId="896aed5a-a90e-49ae-b044-096ef6952a5d" providerId="ADAL" clId="{F285D1C5-361E-465F-986D-CAD6C187740B}" dt="2024-12-17T10:04:54.927" v="103" actId="790"/>
+          <ac:spMkLst>
+            <pc:docMk/>
+            <pc:sldMk cId="1021443358" sldId="257"/>
+            <ac:spMk id="36" creationId="{E1951533-A568-4765-AB1F-F71D9AFDEA9F}"/>
+          </ac:spMkLst>
+        </pc:spChg>
+        <pc:spChg chg="mod">
+          <ac:chgData name="Schranzhofer Daniel Benjamin" userId="896aed5a-a90e-49ae-b044-096ef6952a5d" providerId="ADAL" clId="{F285D1C5-361E-465F-986D-CAD6C187740B}" dt="2024-12-17T10:04:54.927" v="103" actId="790"/>
+          <ac:spMkLst>
+            <pc:docMk/>
+            <pc:sldMk cId="1021443358" sldId="257"/>
+            <ac:spMk id="37" creationId="{A7214F52-4F3F-4C96-A62E-F1401D6C04FA}"/>
+          </ac:spMkLst>
+        </pc:spChg>
+        <pc:spChg chg="mod">
+          <ac:chgData name="Schranzhofer Daniel Benjamin" userId="896aed5a-a90e-49ae-b044-096ef6952a5d" providerId="ADAL" clId="{F285D1C5-361E-465F-986D-CAD6C187740B}" dt="2024-12-17T10:04:54.927" v="103" actId="790"/>
+          <ac:spMkLst>
+            <pc:docMk/>
+            <pc:sldMk cId="1021443358" sldId="257"/>
+            <ac:spMk id="38" creationId="{023146A1-291C-4FA0-AB5B-EB04D4239812}"/>
+          </ac:spMkLst>
+        </pc:spChg>
+        <pc:spChg chg="mod">
+          <ac:chgData name="Schranzhofer Daniel Benjamin" userId="896aed5a-a90e-49ae-b044-096ef6952a5d" providerId="ADAL" clId="{F285D1C5-361E-465F-986D-CAD6C187740B}" dt="2024-12-17T10:04:54.927" v="103" actId="790"/>
+          <ac:spMkLst>
+            <pc:docMk/>
+            <pc:sldMk cId="1021443358" sldId="257"/>
+            <ac:spMk id="39" creationId="{62977932-2B03-4899-8306-5002CEE68E2C}"/>
+          </ac:spMkLst>
+        </pc:spChg>
+      </pc:sldChg>
+      <pc:sldChg chg="delSp modSp mod">
+        <pc:chgData name="Schranzhofer Daniel Benjamin" userId="896aed5a-a90e-49ae-b044-096ef6952a5d" providerId="ADAL" clId="{F285D1C5-361E-465F-986D-CAD6C187740B}" dt="2024-12-17T10:07:27.990" v="104" actId="478"/>
+        <pc:sldMkLst>
+          <pc:docMk/>
+          <pc:sldMk cId="1272570971" sldId="258"/>
+        </pc:sldMkLst>
+        <pc:spChg chg="mod">
+          <ac:chgData name="Schranzhofer Daniel Benjamin" userId="896aed5a-a90e-49ae-b044-096ef6952a5d" providerId="ADAL" clId="{F285D1C5-361E-465F-986D-CAD6C187740B}" dt="2024-12-17T10:04:54.927" v="103" actId="790"/>
+          <ac:spMkLst>
+            <pc:docMk/>
+            <pc:sldMk cId="1272570971" sldId="258"/>
+            <ac:spMk id="2" creationId="{77C0FBE6-3A73-32DF-055C-458B34C16060}"/>
+          </ac:spMkLst>
+        </pc:spChg>
+        <pc:spChg chg="del mod">
+          <ac:chgData name="Schranzhofer Daniel Benjamin" userId="896aed5a-a90e-49ae-b044-096ef6952a5d" providerId="ADAL" clId="{F285D1C5-361E-465F-986D-CAD6C187740B}" dt="2024-12-17T10:07:27.990" v="104" actId="478"/>
+          <ac:spMkLst>
+            <pc:docMk/>
+            <pc:sldMk cId="1272570971" sldId="258"/>
+            <ac:spMk id="3" creationId="{E9627B73-AD5A-D4AD-79E2-410C2663C736}"/>
+          </ac:spMkLst>
+        </pc:spChg>
+        <pc:spChg chg="mod">
+          <ac:chgData name="Schranzhofer Daniel Benjamin" userId="896aed5a-a90e-49ae-b044-096ef6952a5d" providerId="ADAL" clId="{F285D1C5-361E-465F-986D-CAD6C187740B}" dt="2024-12-17T10:04:54.927" v="103" actId="790"/>
+          <ac:spMkLst>
+            <pc:docMk/>
+            <pc:sldMk cId="1272570971" sldId="258"/>
+            <ac:spMk id="4" creationId="{69B80579-79A6-46E9-6667-09624969B3DA}"/>
+          </ac:spMkLst>
+        </pc:spChg>
+        <pc:spChg chg="mod">
+          <ac:chgData name="Schranzhofer Daniel Benjamin" userId="896aed5a-a90e-49ae-b044-096ef6952a5d" providerId="ADAL" clId="{F285D1C5-361E-465F-986D-CAD6C187740B}" dt="2024-12-17T10:04:54.927" v="103" actId="790"/>
+          <ac:spMkLst>
+            <pc:docMk/>
+            <pc:sldMk cId="1272570971" sldId="258"/>
+            <ac:spMk id="5" creationId="{D8DC8B67-1785-E6E1-D308-DCC85BFD665C}"/>
+          </ac:spMkLst>
+        </pc:spChg>
+        <pc:spChg chg="mod">
+          <ac:chgData name="Schranzhofer Daniel Benjamin" userId="896aed5a-a90e-49ae-b044-096ef6952a5d" providerId="ADAL" clId="{F285D1C5-361E-465F-986D-CAD6C187740B}" dt="2024-12-17T10:04:54.927" v="103" actId="790"/>
+          <ac:spMkLst>
+            <pc:docMk/>
+            <pc:sldMk cId="1272570971" sldId="258"/>
+            <ac:spMk id="10" creationId="{4C608BEB-860E-4094-8511-78603564A75E}"/>
+          </ac:spMkLst>
+        </pc:spChg>
+      </pc:sldChg>
+      <pc:sldChg chg="addSp delSp modSp mod ord">
+        <pc:chgData name="Schranzhofer Daniel Benjamin" userId="896aed5a-a90e-49ae-b044-096ef6952a5d" providerId="ADAL" clId="{F285D1C5-361E-465F-986D-CAD6C187740B}" dt="2024-12-17T10:04:54.927" v="103" actId="790"/>
+        <pc:sldMkLst>
+          <pc:docMk/>
+          <pc:sldMk cId="3495461466" sldId="259"/>
+        </pc:sldMkLst>
+        <pc:spChg chg="mod">
+          <ac:chgData name="Schranzhofer Daniel Benjamin" userId="896aed5a-a90e-49ae-b044-096ef6952a5d" providerId="ADAL" clId="{F285D1C5-361E-465F-986D-CAD6C187740B}" dt="2024-12-17T10:04:54.927" v="103" actId="790"/>
+          <ac:spMkLst>
+            <pc:docMk/>
+            <pc:sldMk cId="3495461466" sldId="259"/>
+            <ac:spMk id="2" creationId="{75CBCCD9-D2DF-DE01-EC57-3CEF21C37657}"/>
+          </ac:spMkLst>
+        </pc:spChg>
+        <pc:spChg chg="add del">
+          <ac:chgData name="Schranzhofer Daniel Benjamin" userId="896aed5a-a90e-49ae-b044-096ef6952a5d" providerId="ADAL" clId="{F285D1C5-361E-465F-986D-CAD6C187740B}" dt="2024-12-17T10:03:10.108" v="84" actId="22"/>
+          <ac:spMkLst>
+            <pc:docMk/>
+            <pc:sldMk cId="3495461466" sldId="259"/>
+            <ac:spMk id="4" creationId="{A9B9C816-B835-665E-B61D-6E3385258B4B}"/>
+          </ac:spMkLst>
+        </pc:spChg>
+        <pc:spChg chg="mod">
+          <ac:chgData name="Schranzhofer Daniel Benjamin" userId="896aed5a-a90e-49ae-b044-096ef6952a5d" providerId="ADAL" clId="{F285D1C5-361E-465F-986D-CAD6C187740B}" dt="2024-12-17T10:04:54.927" v="103" actId="790"/>
+          <ac:spMkLst>
+            <pc:docMk/>
+            <pc:sldMk cId="3495461466" sldId="259"/>
+            <ac:spMk id="10" creationId="{6753252F-4873-4F63-801D-CC719279A7D5}"/>
+          </ac:spMkLst>
+        </pc:spChg>
+        <pc:spChg chg="mod">
+          <ac:chgData name="Schranzhofer Daniel Benjamin" userId="896aed5a-a90e-49ae-b044-096ef6952a5d" providerId="ADAL" clId="{F285D1C5-361E-465F-986D-CAD6C187740B}" dt="2024-12-17T10:04:54.927" v="103" actId="790"/>
+          <ac:spMkLst>
+            <pc:docMk/>
+            <pc:sldMk cId="3495461466" sldId="259"/>
+            <ac:spMk id="12" creationId="{047C8CCB-F95D-4249-92DD-651249D3535A}"/>
+          </ac:spMkLst>
+        </pc:spChg>
+        <pc:picChg chg="del">
+          <ac:chgData name="Schranzhofer Daniel Benjamin" userId="896aed5a-a90e-49ae-b044-096ef6952a5d" providerId="ADAL" clId="{F285D1C5-361E-465F-986D-CAD6C187740B}" dt="2024-12-17T10:04:21.339" v="102" actId="478"/>
+          <ac:picMkLst>
+            <pc:docMk/>
+            <pc:sldMk cId="3495461466" sldId="259"/>
+            <ac:picMk id="5" creationId="{A0486A4E-2756-B40D-020B-AC4698F0FBAB}"/>
+          </ac:picMkLst>
+        </pc:picChg>
+      </pc:sldChg>
+      <pc:sldChg chg="modSp mod">
+        <pc:chgData name="Schranzhofer Daniel Benjamin" userId="896aed5a-a90e-49ae-b044-096ef6952a5d" providerId="ADAL" clId="{F285D1C5-361E-465F-986D-CAD6C187740B}" dt="2024-12-17T10:04:54.927" v="103" actId="790"/>
+        <pc:sldMkLst>
+          <pc:docMk/>
+          <pc:sldMk cId="2500380370" sldId="260"/>
+        </pc:sldMkLst>
+        <pc:spChg chg="mod">
+          <ac:chgData name="Schranzhofer Daniel Benjamin" userId="896aed5a-a90e-49ae-b044-096ef6952a5d" providerId="ADAL" clId="{F285D1C5-361E-465F-986D-CAD6C187740B}" dt="2024-12-17T10:04:54.927" v="103" actId="790"/>
+          <ac:spMkLst>
+            <pc:docMk/>
+            <pc:sldMk cId="2500380370" sldId="260"/>
+            <ac:spMk id="14" creationId="{A3C4E87F-6C57-776E-D414-F361ED65E477}"/>
+          </ac:spMkLst>
+        </pc:spChg>
+        <pc:spChg chg="mod">
+          <ac:chgData name="Schranzhofer Daniel Benjamin" userId="896aed5a-a90e-49ae-b044-096ef6952a5d" providerId="ADAL" clId="{F285D1C5-361E-465F-986D-CAD6C187740B}" dt="2024-12-17T10:04:54.927" v="103" actId="790"/>
+          <ac:spMkLst>
+            <pc:docMk/>
+            <pc:sldMk cId="2500380370" sldId="260"/>
+            <ac:spMk id="15" creationId="{C909CB2F-5E0B-AFE9-6073-4044D1DE43AA}"/>
+          </ac:spMkLst>
+        </pc:spChg>
+        <pc:spChg chg="mod">
+          <ac:chgData name="Schranzhofer Daniel Benjamin" userId="896aed5a-a90e-49ae-b044-096ef6952a5d" providerId="ADAL" clId="{F285D1C5-361E-465F-986D-CAD6C187740B}" dt="2024-12-17T10:04:54.927" v="103" actId="790"/>
+          <ac:spMkLst>
+            <pc:docMk/>
+            <pc:sldMk cId="2500380370" sldId="260"/>
+            <ac:spMk id="16" creationId="{D5C76C9B-2E3A-1CC2-FC51-9E760209AB52}"/>
+          </ac:spMkLst>
+        </pc:spChg>
+        <pc:spChg chg="mod">
+          <ac:chgData name="Schranzhofer Daniel Benjamin" userId="896aed5a-a90e-49ae-b044-096ef6952a5d" providerId="ADAL" clId="{F285D1C5-361E-465F-986D-CAD6C187740B}" dt="2024-12-17T10:04:54.927" v="103" actId="790"/>
+          <ac:spMkLst>
+            <pc:docMk/>
+            <pc:sldMk cId="2500380370" sldId="260"/>
+            <ac:spMk id="18" creationId="{F9ED096D-D4D2-AB3E-1E31-0DCDBDF8BA73}"/>
+          </ac:spMkLst>
+        </pc:spChg>
+      </pc:sldChg>
+      <pc:sldChg chg="modSp mod">
+        <pc:chgData name="Schranzhofer Daniel Benjamin" userId="896aed5a-a90e-49ae-b044-096ef6952a5d" providerId="ADAL" clId="{F285D1C5-361E-465F-986D-CAD6C187740B}" dt="2024-12-17T10:08:47.421" v="128" actId="14100"/>
+        <pc:sldMkLst>
+          <pc:docMk/>
+          <pc:sldMk cId="2610884737" sldId="263"/>
+        </pc:sldMkLst>
+        <pc:spChg chg="mod">
+          <ac:chgData name="Schranzhofer Daniel Benjamin" userId="896aed5a-a90e-49ae-b044-096ef6952a5d" providerId="ADAL" clId="{F285D1C5-361E-465F-986D-CAD6C187740B}" dt="2024-12-17T10:04:54.927" v="103" actId="790"/>
+          <ac:spMkLst>
+            <pc:docMk/>
+            <pc:sldMk cId="2610884737" sldId="263"/>
+            <ac:spMk id="4" creationId="{77E5C038-C919-680F-1F9D-1E85C868FEF1}"/>
+          </ac:spMkLst>
+        </pc:spChg>
+        <pc:spChg chg="mod">
+          <ac:chgData name="Schranzhofer Daniel Benjamin" userId="896aed5a-a90e-49ae-b044-096ef6952a5d" providerId="ADAL" clId="{F285D1C5-361E-465F-986D-CAD6C187740B}" dt="2024-12-17T10:04:54.927" v="103" actId="790"/>
+          <ac:spMkLst>
+            <pc:docMk/>
+            <pc:sldMk cId="2610884737" sldId="263"/>
+            <ac:spMk id="5" creationId="{1322140A-AF04-86A9-21AF-5A7189C810CE}"/>
+          </ac:spMkLst>
+        </pc:spChg>
+        <pc:spChg chg="mod">
+          <ac:chgData name="Schranzhofer Daniel Benjamin" userId="896aed5a-a90e-49ae-b044-096ef6952a5d" providerId="ADAL" clId="{F285D1C5-361E-465F-986D-CAD6C187740B}" dt="2024-12-17T10:08:47.421" v="128" actId="14100"/>
+          <ac:spMkLst>
+            <pc:docMk/>
+            <pc:sldMk cId="2610884737" sldId="263"/>
+            <ac:spMk id="8" creationId="{FB98F0C2-2352-D588-A51C-B6B2F63F8986}"/>
+          </ac:spMkLst>
+        </pc:spChg>
+        <pc:spChg chg="mod">
+          <ac:chgData name="Schranzhofer Daniel Benjamin" userId="896aed5a-a90e-49ae-b044-096ef6952a5d" providerId="ADAL" clId="{F285D1C5-361E-465F-986D-CAD6C187740B}" dt="2024-12-17T10:04:54.927" v="103" actId="790"/>
+          <ac:spMkLst>
+            <pc:docMk/>
+            <pc:sldMk cId="2610884737" sldId="263"/>
+            <ac:spMk id="13" creationId="{539B70CF-1BA7-2B83-6DE5-68726A3078D0}"/>
+          </ac:spMkLst>
+        </pc:spChg>
+      </pc:sldChg>
+      <pc:sldChg chg="modSp mod">
+        <pc:chgData name="Schranzhofer Daniel Benjamin" userId="896aed5a-a90e-49ae-b044-096ef6952a5d" providerId="ADAL" clId="{F285D1C5-361E-465F-986D-CAD6C187740B}" dt="2024-12-17T10:12:08.949" v="215" actId="20577"/>
+        <pc:sldMkLst>
+          <pc:docMk/>
+          <pc:sldMk cId="3791225581" sldId="265"/>
+        </pc:sldMkLst>
+        <pc:spChg chg="mod">
+          <ac:chgData name="Schranzhofer Daniel Benjamin" userId="896aed5a-a90e-49ae-b044-096ef6952a5d" providerId="ADAL" clId="{F285D1C5-361E-465F-986D-CAD6C187740B}" dt="2024-12-17T10:04:54.927" v="103" actId="790"/>
+          <ac:spMkLst>
+            <pc:docMk/>
+            <pc:sldMk cId="3791225581" sldId="265"/>
+            <ac:spMk id="4" creationId="{FAAF5FDC-CF01-E0B5-7DC8-64191E2A3A60}"/>
+          </ac:spMkLst>
+        </pc:spChg>
+        <pc:spChg chg="mod">
+          <ac:chgData name="Schranzhofer Daniel Benjamin" userId="896aed5a-a90e-49ae-b044-096ef6952a5d" providerId="ADAL" clId="{F285D1C5-361E-465F-986D-CAD6C187740B}" dt="2024-12-17T10:12:08.949" v="215" actId="20577"/>
+          <ac:spMkLst>
+            <pc:docMk/>
+            <pc:sldMk cId="3791225581" sldId="265"/>
+            <ac:spMk id="5" creationId="{C6FD9AE7-0439-967F-C46C-547786D0CDF0}"/>
+          </ac:spMkLst>
+        </pc:spChg>
+        <pc:spChg chg="mod">
+          <ac:chgData name="Schranzhofer Daniel Benjamin" userId="896aed5a-a90e-49ae-b044-096ef6952a5d" providerId="ADAL" clId="{F285D1C5-361E-465F-986D-CAD6C187740B}" dt="2024-12-17T10:04:54.927" v="103" actId="790"/>
+          <ac:spMkLst>
+            <pc:docMk/>
+            <pc:sldMk cId="3791225581" sldId="265"/>
+            <ac:spMk id="7" creationId="{E7A2FAD0-A01E-29E8-A071-D8648FF93774}"/>
+          </ac:spMkLst>
+        </pc:spChg>
+      </pc:sldChg>
+      <pc:sldChg chg="modSp del mod">
+        <pc:chgData name="Schranzhofer Daniel Benjamin" userId="896aed5a-a90e-49ae-b044-096ef6952a5d" providerId="ADAL" clId="{F285D1C5-361E-465F-986D-CAD6C187740B}" dt="2024-12-17T10:15:50.943" v="344" actId="2696"/>
+        <pc:sldMkLst>
+          <pc:docMk/>
+          <pc:sldMk cId="2206358031" sldId="266"/>
+        </pc:sldMkLst>
+        <pc:spChg chg="mod">
+          <ac:chgData name="Schranzhofer Daniel Benjamin" userId="896aed5a-a90e-49ae-b044-096ef6952a5d" providerId="ADAL" clId="{F285D1C5-361E-465F-986D-CAD6C187740B}" dt="2024-12-17T10:04:54.927" v="103" actId="790"/>
+          <ac:spMkLst>
+            <pc:docMk/>
+            <pc:sldMk cId="2206358031" sldId="266"/>
+            <ac:spMk id="2" creationId="{D60E8E75-EAE8-4B7C-BC77-B944EAC41998}"/>
+          </ac:spMkLst>
+        </pc:spChg>
+        <pc:spChg chg="mod">
+          <ac:chgData name="Schranzhofer Daniel Benjamin" userId="896aed5a-a90e-49ae-b044-096ef6952a5d" providerId="ADAL" clId="{F285D1C5-361E-465F-986D-CAD6C187740B}" dt="2024-12-17T10:04:54.927" v="103" actId="790"/>
+          <ac:spMkLst>
+            <pc:docMk/>
+            <pc:sldMk cId="2206358031" sldId="266"/>
+            <ac:spMk id="3" creationId="{CEEA0397-6373-A44A-3183-062C109C5E09}"/>
+          </ac:spMkLst>
+        </pc:spChg>
+        <pc:spChg chg="mod">
+          <ac:chgData name="Schranzhofer Daniel Benjamin" userId="896aed5a-a90e-49ae-b044-096ef6952a5d" providerId="ADAL" clId="{F285D1C5-361E-465F-986D-CAD6C187740B}" dt="2024-12-17T10:04:54.927" v="103" actId="790"/>
+          <ac:spMkLst>
+            <pc:docMk/>
+            <pc:sldMk cId="2206358031" sldId="266"/>
+            <ac:spMk id="10" creationId="{E35A04CF-97D4-4FF7-B359-C546B1F62E54}"/>
+          </ac:spMkLst>
+        </pc:spChg>
+        <pc:spChg chg="mod">
+          <ac:chgData name="Schranzhofer Daniel Benjamin" userId="896aed5a-a90e-49ae-b044-096ef6952a5d" providerId="ADAL" clId="{F285D1C5-361E-465F-986D-CAD6C187740B}" dt="2024-12-17T10:04:54.927" v="103" actId="790"/>
+          <ac:spMkLst>
+            <pc:docMk/>
+            <pc:sldMk cId="2206358031" sldId="266"/>
+            <ac:spMk id="12" creationId="{1DE7243B-5109-444B-8FAF-7437C66BC0E9}"/>
+          </ac:spMkLst>
+        </pc:spChg>
+        <pc:spChg chg="mod">
+          <ac:chgData name="Schranzhofer Daniel Benjamin" userId="896aed5a-a90e-49ae-b044-096ef6952a5d" providerId="ADAL" clId="{F285D1C5-361E-465F-986D-CAD6C187740B}" dt="2024-12-17T10:04:54.927" v="103" actId="790"/>
+          <ac:spMkLst>
+            <pc:docMk/>
+            <pc:sldMk cId="2206358031" sldId="266"/>
+            <ac:spMk id="14" creationId="{4C5D6221-DA7B-4611-AA26-7D8E349FDE96}"/>
+          </ac:spMkLst>
+        </pc:spChg>
+      </pc:sldChg>
+      <pc:sldChg chg="addSp delSp modSp new mod ord modClrScheme chgLayout">
+        <pc:chgData name="Schranzhofer Daniel Benjamin" userId="896aed5a-a90e-49ae-b044-096ef6952a5d" providerId="ADAL" clId="{F285D1C5-361E-465F-986D-CAD6C187740B}" dt="2024-12-17T10:04:54.927" v="103" actId="790"/>
+        <pc:sldMkLst>
+          <pc:docMk/>
+          <pc:sldMk cId="3608403467" sldId="267"/>
+        </pc:sldMkLst>
+        <pc:spChg chg="del">
+          <ac:chgData name="Schranzhofer Daniel Benjamin" userId="896aed5a-a90e-49ae-b044-096ef6952a5d" providerId="ADAL" clId="{F285D1C5-361E-465F-986D-CAD6C187740B}" dt="2024-12-17T10:03:16.482" v="86" actId="700"/>
+          <ac:spMkLst>
+            <pc:docMk/>
+            <pc:sldMk cId="3608403467" sldId="267"/>
+            <ac:spMk id="2" creationId="{A194FEE7-C4A0-E8D8-8B26-761AFDF20553}"/>
+          </ac:spMkLst>
+        </pc:spChg>
+        <pc:spChg chg="del">
+          <ac:chgData name="Schranzhofer Daniel Benjamin" userId="896aed5a-a90e-49ae-b044-096ef6952a5d" providerId="ADAL" clId="{F285D1C5-361E-465F-986D-CAD6C187740B}" dt="2024-12-17T10:03:16.482" v="86" actId="700"/>
+          <ac:spMkLst>
+            <pc:docMk/>
+            <pc:sldMk cId="3608403467" sldId="267"/>
+            <ac:spMk id="3" creationId="{4CDC247E-BDF1-20A3-2DAF-76787CDACB83}"/>
+          </ac:spMkLst>
+        </pc:spChg>
+        <pc:spChg chg="add mod">
+          <ac:chgData name="Schranzhofer Daniel Benjamin" userId="896aed5a-a90e-49ae-b044-096ef6952a5d" providerId="ADAL" clId="{F285D1C5-361E-465F-986D-CAD6C187740B}" dt="2024-12-17T10:04:54.927" v="103" actId="790"/>
+          <ac:spMkLst>
+            <pc:docMk/>
+            <pc:sldMk cId="3608403467" sldId="267"/>
+            <ac:spMk id="4" creationId="{3082BE1C-F9E0-7979-5571-F168D5B8C62A}"/>
+          </ac:spMkLst>
+        </pc:spChg>
+        <pc:spChg chg="add mod">
+          <ac:chgData name="Schranzhofer Daniel Benjamin" userId="896aed5a-a90e-49ae-b044-096ef6952a5d" providerId="ADAL" clId="{F285D1C5-361E-465F-986D-CAD6C187740B}" dt="2024-12-17T10:04:54.927" v="103" actId="790"/>
+          <ac:spMkLst>
+            <pc:docMk/>
+            <pc:sldMk cId="3608403467" sldId="267"/>
+            <ac:spMk id="5" creationId="{0D052B66-91DF-E73B-E565-5586234527EE}"/>
+          </ac:spMkLst>
+        </pc:spChg>
+        <pc:spChg chg="add mod">
+          <ac:chgData name="Schranzhofer Daniel Benjamin" userId="896aed5a-a90e-49ae-b044-096ef6952a5d" providerId="ADAL" clId="{F285D1C5-361E-465F-986D-CAD6C187740B}" dt="2024-12-17T10:04:54.927" v="103" actId="790"/>
+          <ac:spMkLst>
+            <pc:docMk/>
+            <pc:sldMk cId="3608403467" sldId="267"/>
+            <ac:spMk id="6" creationId="{1230AD92-5B5F-D54B-FB73-B9F4390B32CD}"/>
+          </ac:spMkLst>
+        </pc:spChg>
+        <pc:picChg chg="add del mod">
+          <ac:chgData name="Schranzhofer Daniel Benjamin" userId="896aed5a-a90e-49ae-b044-096ef6952a5d" providerId="ADAL" clId="{F285D1C5-361E-465F-986D-CAD6C187740B}" dt="2024-12-17T10:03:23.877" v="97" actId="478"/>
+          <ac:picMkLst>
+            <pc:docMk/>
+            <pc:sldMk cId="3608403467" sldId="267"/>
+            <ac:picMk id="7" creationId="{DABD408A-188D-73EC-4584-75BCC3B1511F}"/>
+          </ac:picMkLst>
+        </pc:picChg>
+      </pc:sldChg>
+      <pc:sldChg chg="addSp delSp modSp new del mod modClrScheme chgLayout">
+        <pc:chgData name="Schranzhofer Daniel Benjamin" userId="896aed5a-a90e-49ae-b044-096ef6952a5d" providerId="ADAL" clId="{F285D1C5-361E-465F-986D-CAD6C187740B}" dt="2024-12-17T10:15:40.870" v="343" actId="47"/>
+        <pc:sldMkLst>
+          <pc:docMk/>
+          <pc:sldMk cId="2811300541" sldId="268"/>
+        </pc:sldMkLst>
+        <pc:spChg chg="add del mod">
+          <ac:chgData name="Schranzhofer Daniel Benjamin" userId="896aed5a-a90e-49ae-b044-096ef6952a5d" providerId="ADAL" clId="{F285D1C5-361E-465F-986D-CAD6C187740B}" dt="2024-12-17T10:10:06.639" v="131" actId="478"/>
+          <ac:spMkLst>
+            <pc:docMk/>
+            <pc:sldMk cId="2811300541" sldId="268"/>
+            <ac:spMk id="2" creationId="{EE5AAF10-0BC2-A53A-E1C8-E032DF7DE67D}"/>
+          </ac:spMkLst>
+        </pc:spChg>
+        <pc:spChg chg="add del mod">
+          <ac:chgData name="Schranzhofer Daniel Benjamin" userId="896aed5a-a90e-49ae-b044-096ef6952a5d" providerId="ADAL" clId="{F285D1C5-361E-465F-986D-CAD6C187740B}" dt="2024-12-17T10:14:49.748" v="322" actId="21"/>
+          <ac:spMkLst>
+            <pc:docMk/>
+            <pc:sldMk cId="2811300541" sldId="268"/>
+            <ac:spMk id="3" creationId="{2CEB745C-8AD7-31A0-A4CC-BA83E78A166A}"/>
+          </ac:spMkLst>
+        </pc:spChg>
+        <pc:spChg chg="add del mod">
+          <ac:chgData name="Schranzhofer Daniel Benjamin" userId="896aed5a-a90e-49ae-b044-096ef6952a5d" providerId="ADAL" clId="{F285D1C5-361E-465F-986D-CAD6C187740B}" dt="2024-12-17T10:14:16.383" v="247" actId="21"/>
+          <ac:spMkLst>
+            <pc:docMk/>
+            <pc:sldMk cId="2811300541" sldId="268"/>
+            <ac:spMk id="4" creationId="{5F99C5C3-2029-E437-CEFD-37DF65AE1C22}"/>
+          </ac:spMkLst>
+        </pc:spChg>
+        <pc:spChg chg="add mod">
+          <ac:chgData name="Schranzhofer Daniel Benjamin" userId="896aed5a-a90e-49ae-b044-096ef6952a5d" providerId="ADAL" clId="{F285D1C5-361E-465F-986D-CAD6C187740B}" dt="2024-12-17T10:14:49.748" v="322" actId="21"/>
+          <ac:spMkLst>
+            <pc:docMk/>
+            <pc:sldMk cId="2811300541" sldId="268"/>
+            <ac:spMk id="6" creationId="{102E6A8D-E794-FEB8-2C72-23789C531D12}"/>
+          </ac:spMkLst>
+        </pc:spChg>
+      </pc:sldChg>
+      <pc:sldChg chg="addSp delSp modSp new mod">
+        <pc:chgData name="Schranzhofer Daniel Benjamin" userId="896aed5a-a90e-49ae-b044-096ef6952a5d" providerId="ADAL" clId="{F285D1C5-361E-465F-986D-CAD6C187740B}" dt="2024-12-17T10:16:42.823" v="376" actId="20577"/>
+        <pc:sldMkLst>
+          <pc:docMk/>
+          <pc:sldMk cId="2958476914" sldId="269"/>
+        </pc:sldMkLst>
+        <pc:spChg chg="add mod">
+          <ac:chgData name="Schranzhofer Daniel Benjamin" userId="896aed5a-a90e-49ae-b044-096ef6952a5d" providerId="ADAL" clId="{F285D1C5-361E-465F-986D-CAD6C187740B}" dt="2024-12-17T10:14:07.619" v="244"/>
+          <ac:spMkLst>
+            <pc:docMk/>
+            <pc:sldMk cId="2958476914" sldId="269"/>
+            <ac:spMk id="2" creationId="{527A7A93-C50F-D2B7-8F44-B39B2F161A37}"/>
+          </ac:spMkLst>
+        </pc:spChg>
+        <pc:spChg chg="add mod">
+          <ac:chgData name="Schranzhofer Daniel Benjamin" userId="896aed5a-a90e-49ae-b044-096ef6952a5d" providerId="ADAL" clId="{F285D1C5-361E-465F-986D-CAD6C187740B}" dt="2024-12-17T10:14:07.619" v="244"/>
+          <ac:spMkLst>
+            <pc:docMk/>
+            <pc:sldMk cId="2958476914" sldId="269"/>
+            <ac:spMk id="3" creationId="{CB3DD32B-773B-3004-D4A9-9A74FD8EB78C}"/>
+          </ac:spMkLst>
+        </pc:spChg>
+        <pc:spChg chg="add del mod">
+          <ac:chgData name="Schranzhofer Daniel Benjamin" userId="896aed5a-a90e-49ae-b044-096ef6952a5d" providerId="ADAL" clId="{F285D1C5-361E-465F-986D-CAD6C187740B}" dt="2024-12-17T10:14:10.523" v="245" actId="478"/>
+          <ac:spMkLst>
+            <pc:docMk/>
+            <pc:sldMk cId="2958476914" sldId="269"/>
+            <ac:spMk id="5" creationId="{0EC0FC5C-A3DC-ECED-826F-D95FC210B027}"/>
+          </ac:spMkLst>
+        </pc:spChg>
+        <pc:spChg chg="add del mod">
+          <ac:chgData name="Schranzhofer Daniel Benjamin" userId="896aed5a-a90e-49ae-b044-096ef6952a5d" providerId="ADAL" clId="{F285D1C5-361E-465F-986D-CAD6C187740B}" dt="2024-12-17T10:14:11.865" v="246" actId="478"/>
+          <ac:spMkLst>
+            <pc:docMk/>
+            <pc:sldMk cId="2958476914" sldId="269"/>
+            <ac:spMk id="6" creationId="{60FCB94A-323F-FE78-743B-2D4AD8221141}"/>
+          </ac:spMkLst>
+        </pc:spChg>
+        <pc:spChg chg="add mod">
+          <ac:chgData name="Schranzhofer Daniel Benjamin" userId="896aed5a-a90e-49ae-b044-096ef6952a5d" providerId="ADAL" clId="{F285D1C5-361E-465F-986D-CAD6C187740B}" dt="2024-12-17T10:16:42.823" v="376" actId="20577"/>
+          <ac:spMkLst>
+            <pc:docMk/>
+            <pc:sldMk cId="2958476914" sldId="269"/>
+            <ac:spMk id="7" creationId="{5F99C5C3-2029-E437-CEFD-37DF65AE1C22}"/>
+          </ac:spMkLst>
+        </pc:spChg>
+        <pc:spChg chg="add mod">
+          <ac:chgData name="Schranzhofer Daniel Benjamin" userId="896aed5a-a90e-49ae-b044-096ef6952a5d" providerId="ADAL" clId="{F285D1C5-361E-465F-986D-CAD6C187740B}" dt="2024-12-17T10:15:24.465" v="340" actId="113"/>
+          <ac:spMkLst>
+            <pc:docMk/>
+            <pc:sldMk cId="2958476914" sldId="269"/>
+            <ac:spMk id="8" creationId="{2CEB745C-8AD7-31A0-A4CC-BA83E78A166A}"/>
+          </ac:spMkLst>
+        </pc:spChg>
+        <pc:cxnChg chg="add mod">
+          <ac:chgData name="Schranzhofer Daniel Benjamin" userId="896aed5a-a90e-49ae-b044-096ef6952a5d" providerId="ADAL" clId="{F285D1C5-361E-465F-986D-CAD6C187740B}" dt="2024-12-17T10:14:07.619" v="244"/>
+          <ac:cxnSpMkLst>
+            <pc:docMk/>
+            <pc:sldMk cId="2958476914" sldId="269"/>
+            <ac:cxnSpMk id="4" creationId="{18E2F1B2-E1F9-A7B3-24D9-9A28C89170B8}"/>
+          </ac:cxnSpMkLst>
+        </pc:cxnChg>
+      </pc:sldChg>
+    </pc:docChg>
+  </pc:docChgLst>
+</pc:chgInfo>
 </file>
 
 <file path=ppt/slideLayouts/slideLayout1.xml><?xml version="1.0" encoding="utf-8"?>
@@ -3405,7 +4026,7 @@
           <a:lstStyle/>
           <a:p>
             <a:pPr algn="ctr"/>
-            <a:endParaRPr lang="en-US"/>
+            <a:endParaRPr lang="de-DE" noProof="0" dirty="0"/>
           </a:p>
         </p:txBody>
       </p:sp>
@@ -3468,7 +4089,7 @@
           <a:lstStyle/>
           <a:p>
             <a:pPr algn="ctr"/>
-            <a:endParaRPr lang="en-US" sz="800"/>
+            <a:endParaRPr lang="de-DE" sz="800" noProof="0" dirty="0"/>
           </a:p>
         </p:txBody>
       </p:sp>
@@ -3643,7 +4264,7 @@
           <a:lstStyle/>
           <a:p>
             <a:pPr algn="ctr"/>
-            <a:endParaRPr lang="en-US"/>
+            <a:endParaRPr lang="de-DE" noProof="0" dirty="0"/>
           </a:p>
         </p:txBody>
       </p:sp>
@@ -4430,7 +5051,7 @@
             <a:lstStyle/>
             <a:p>
               <a:pPr algn="ctr"/>
-              <a:endParaRPr lang="en-US" dirty="0"/>
+              <a:endParaRPr lang="de-DE" noProof="0" dirty="0"/>
             </a:p>
           </p:txBody>
         </p:sp>
@@ -4794,7 +5415,7 @@
             <a:lstStyle/>
             <a:p>
               <a:pPr algn="ctr"/>
-              <a:endParaRPr lang="en-US" dirty="0"/>
+              <a:endParaRPr lang="de-DE" noProof="0" dirty="0"/>
             </a:p>
           </p:txBody>
         </p:sp>
@@ -5173,7 +5794,7 @@
             <a:lstStyle/>
             <a:p>
               <a:pPr algn="ctr"/>
-              <a:endParaRPr lang="en-US" dirty="0"/>
+              <a:endParaRPr lang="de-DE" noProof="0" dirty="0"/>
             </a:p>
           </p:txBody>
         </p:sp>
@@ -6060,7 +6681,7 @@
             <a:lstStyle/>
             <a:p>
               <a:pPr algn="ctr"/>
-              <a:endParaRPr lang="en-US" dirty="0"/>
+              <a:endParaRPr lang="de-DE" noProof="0" dirty="0"/>
             </a:p>
           </p:txBody>
         </p:sp>
@@ -8157,7 +8778,7 @@
             <a:lstStyle/>
             <a:p>
               <a:pPr algn="ctr"/>
-              <a:endParaRPr lang="en-US" dirty="0"/>
+              <a:endParaRPr lang="de-DE" noProof="0" dirty="0"/>
             </a:p>
           </p:txBody>
         </p:sp>
@@ -9346,7 +9967,7 @@
             <a:lstStyle/>
             <a:p>
               <a:pPr algn="ctr"/>
-              <a:endParaRPr lang="en-US" dirty="0"/>
+              <a:endParaRPr lang="de-DE" noProof="0" dirty="0"/>
             </a:p>
           </p:txBody>
         </p:sp>
@@ -10525,7 +11146,7 @@
             <a:lstStyle/>
             <a:p>
               <a:pPr algn="ctr"/>
-              <a:endParaRPr lang="en-US" dirty="0">
+              <a:endParaRPr lang="de-DE" noProof="0" dirty="0">
                 <a:solidFill>
                   <a:schemeClr val="lt1"/>
                 </a:solidFill>
@@ -10564,7 +11185,7 @@
           <a:p>
             <a:pPr algn="ctr"/>
             <a:r>
-              <a:rPr lang="en-US" sz="5200" b="1" kern="1200">
+              <a:rPr lang="de-DE" sz="5200" b="1" kern="1200" noProof="0" dirty="0">
                 <a:solidFill>
                   <a:schemeClr val="tx2"/>
                 </a:solidFill>
@@ -11002,7 +11623,7 @@
             <a:lstStyle/>
             <a:p>
               <a:pPr algn="ctr"/>
-              <a:endParaRPr lang="en-US"/>
+              <a:endParaRPr lang="de-DE" noProof="0" dirty="0"/>
             </a:p>
           </p:txBody>
         </p:sp>
@@ -11194,7 +11815,7 @@
             <a:lstStyle/>
             <a:p>
               <a:pPr algn="ctr"/>
-              <a:endParaRPr lang="en-US"/>
+              <a:endParaRPr lang="de-DE" noProof="0" dirty="0"/>
             </a:p>
           </p:txBody>
         </p:sp>
@@ -11448,7 +12069,7 @@
             <a:lstStyle/>
             <a:p>
               <a:pPr algn="ctr"/>
-              <a:endParaRPr lang="en-US" sz="800"/>
+              <a:endParaRPr lang="de-DE" sz="800" noProof="0" dirty="0"/>
             </a:p>
           </p:txBody>
         </p:sp>
@@ -11640,7 +12261,7 @@
             <a:lstStyle/>
             <a:p>
               <a:pPr algn="ctr"/>
-              <a:endParaRPr lang="en-US" dirty="0"/>
+              <a:endParaRPr lang="de-DE" noProof="0" dirty="0"/>
             </a:p>
           </p:txBody>
         </p:sp>
@@ -12070,7 +12691,7 @@
             <a:lstStyle/>
             <a:p>
               <a:pPr algn="ctr"/>
-              <a:endParaRPr lang="en-US"/>
+              <a:endParaRPr lang="de-DE" noProof="0" dirty="0"/>
             </a:p>
           </p:txBody>
         </p:sp>
@@ -12262,7 +12883,7 @@
             <a:lstStyle/>
             <a:p>
               <a:pPr algn="ctr"/>
-              <a:endParaRPr lang="en-US"/>
+              <a:endParaRPr lang="de-DE" noProof="0" dirty="0"/>
             </a:p>
           </p:txBody>
         </p:sp>
@@ -12516,7 +13137,7 @@
             <a:lstStyle/>
             <a:p>
               <a:pPr algn="ctr"/>
-              <a:endParaRPr lang="en-US" sz="800"/>
+              <a:endParaRPr lang="de-DE" sz="800" noProof="0" dirty="0"/>
             </a:p>
           </p:txBody>
         </p:sp>
@@ -12708,7 +13329,7 @@
             <a:lstStyle/>
             <a:p>
               <a:pPr algn="ctr"/>
-              <a:endParaRPr lang="en-US" dirty="0"/>
+              <a:endParaRPr lang="de-DE" noProof="0" dirty="0"/>
             </a:p>
           </p:txBody>
         </p:sp>
@@ -12727,6 +13348,479 @@
 </file>
 
 <file path=ppt/slides/slide2.xml><?xml version="1.0" encoding="utf-8"?>
+<p:sld xmlns:a="http://schemas.openxmlformats.org/drawingml/2006/main" xmlns:r="http://schemas.openxmlformats.org/officeDocument/2006/relationships" xmlns:p="http://schemas.openxmlformats.org/presentationml/2006/main">
+  <p:cSld>
+    <p:spTree>
+      <p:nvGrpSpPr>
+        <p:cNvPr id="1" name=""/>
+        <p:cNvGrpSpPr/>
+        <p:nvPr/>
+      </p:nvGrpSpPr>
+      <p:grpSpPr>
+        <a:xfrm>
+          <a:off x="0" y="0"/>
+          <a:ext cx="0" cy="0"/>
+          <a:chOff x="0" y="0"/>
+          <a:chExt cx="0" cy="0"/>
+        </a:xfrm>
+      </p:grpSpPr>
+      <p:sp>
+        <p:nvSpPr>
+          <p:cNvPr id="4" name="Rectangle 9">
+            <a:extLst>
+              <a:ext uri="{FF2B5EF4-FFF2-40B4-BE49-F238E27FC236}">
+                <a16:creationId xmlns:a16="http://schemas.microsoft.com/office/drawing/2014/main" id="{3082BE1C-F9E0-7979-5571-F168D5B8C62A}"/>
+              </a:ext>
+              <a:ext uri="{C183D7F6-B498-43B3-948B-1728B52AA6E4}">
+                <adec:decorative xmlns:adec="http://schemas.microsoft.com/office/drawing/2017/decorative" val="1"/>
+              </a:ext>
+            </a:extLst>
+          </p:cNvPr>
+          <p:cNvSpPr/>
+          <p:nvPr>
+            <p:extLst>
+              <p:ext uri="{386F3935-93C4-4BCD-93E2-E3B085C9AB24}">
+                <p16:designElem xmlns:p16="http://schemas.microsoft.com/office/powerpoint/2015/main" val="1"/>
+              </p:ext>
+            </p:extLst>
+          </p:nvPr>
+        </p:nvSpPr>
+        <p:spPr>
+          <a:xfrm>
+            <a:off x="0" y="0"/>
+            <a:ext cx="12192000" cy="6858000"/>
+          </a:xfrm>
+          <a:prstGeom prst="rect">
+            <a:avLst/>
+          </a:prstGeom>
+          <a:solidFill>
+            <a:srgbClr val="FFFFFF"/>
+          </a:solidFill>
+          <a:ln>
+            <a:noFill/>
+          </a:ln>
+        </p:spPr>
+        <p:style>
+          <a:lnRef idx="2">
+            <a:schemeClr val="accent1">
+              <a:shade val="50000"/>
+            </a:schemeClr>
+          </a:lnRef>
+          <a:fillRef idx="1">
+            <a:schemeClr val="accent1"/>
+          </a:fillRef>
+          <a:effectRef idx="0">
+            <a:schemeClr val="accent1"/>
+          </a:effectRef>
+          <a:fontRef idx="minor">
+            <a:schemeClr val="lt1"/>
+          </a:fontRef>
+        </p:style>
+        <p:txBody>
+          <a:bodyPr rtlCol="0" anchor="ctr"/>
+          <a:lstStyle/>
+          <a:p>
+            <a:pPr algn="ctr"/>
+            <a:endParaRPr lang="de-DE" noProof="0" dirty="0"/>
+          </a:p>
+        </p:txBody>
+      </p:sp>
+      <p:sp>
+        <p:nvSpPr>
+          <p:cNvPr id="5" name="Rectangle 11">
+            <a:extLst>
+              <a:ext uri="{FF2B5EF4-FFF2-40B4-BE49-F238E27FC236}">
+                <a16:creationId xmlns:a16="http://schemas.microsoft.com/office/drawing/2014/main" id="{0D052B66-91DF-E73B-E565-5586234527EE}"/>
+              </a:ext>
+              <a:ext uri="{C183D7F6-B498-43B3-948B-1728B52AA6E4}">
+                <adec:decorative xmlns:adec="http://schemas.microsoft.com/office/drawing/2017/decorative" val="1"/>
+              </a:ext>
+            </a:extLst>
+          </p:cNvPr>
+          <p:cNvSpPr/>
+          <p:nvPr>
+            <p:extLst>
+              <p:ext uri="{386F3935-93C4-4BCD-93E2-E3B085C9AB24}">
+                <p16:designElem xmlns:p16="http://schemas.microsoft.com/office/powerpoint/2015/main" val="1"/>
+              </p:ext>
+            </p:extLst>
+          </p:nvPr>
+        </p:nvSpPr>
+        <p:spPr>
+          <a:xfrm>
+            <a:off x="0" y="0"/>
+            <a:ext cx="2013557" cy="6858000"/>
+          </a:xfrm>
+          <a:prstGeom prst="rect">
+            <a:avLst/>
+          </a:prstGeom>
+          <a:solidFill>
+            <a:srgbClr val="7F7F7F"/>
+          </a:solidFill>
+          <a:ln>
+            <a:noFill/>
+          </a:ln>
+        </p:spPr>
+        <p:style>
+          <a:lnRef idx="2">
+            <a:schemeClr val="accent1">
+              <a:shade val="50000"/>
+            </a:schemeClr>
+          </a:lnRef>
+          <a:fillRef idx="1">
+            <a:schemeClr val="accent1"/>
+          </a:fillRef>
+          <a:effectRef idx="0">
+            <a:schemeClr val="accent1"/>
+          </a:effectRef>
+          <a:fontRef idx="minor">
+            <a:schemeClr val="lt1"/>
+          </a:fontRef>
+        </p:style>
+        <p:txBody>
+          <a:bodyPr rtlCol="0" anchor="ctr"/>
+          <a:lstStyle/>
+          <a:p>
+            <a:pPr algn="ctr"/>
+            <a:endParaRPr lang="de-DE" noProof="0" dirty="0"/>
+          </a:p>
+        </p:txBody>
+      </p:sp>
+      <p:sp>
+        <p:nvSpPr>
+          <p:cNvPr id="6" name="Titel 1">
+            <a:extLst>
+              <a:ext uri="{FF2B5EF4-FFF2-40B4-BE49-F238E27FC236}">
+                <a16:creationId xmlns:a16="http://schemas.microsoft.com/office/drawing/2014/main" id="{1230AD92-5B5F-D54B-FB73-B9F4390B32CD}"/>
+              </a:ext>
+            </a:extLst>
+          </p:cNvPr>
+          <p:cNvSpPr txBox="1">
+            <a:spLocks/>
+          </p:cNvSpPr>
+          <p:nvPr/>
+        </p:nvSpPr>
+        <p:spPr>
+          <a:xfrm>
+            <a:off x="132080" y="1910941"/>
+            <a:ext cx="3139440" cy="3036117"/>
+          </a:xfrm>
+          <a:prstGeom prst="ellipse">
+            <a:avLst/>
+          </a:prstGeom>
+          <a:solidFill>
+            <a:srgbClr val="262626"/>
+          </a:solidFill>
+          <a:ln w="174625" cmpd="thinThick">
+            <a:solidFill>
+              <a:srgbClr val="262626"/>
+            </a:solidFill>
+          </a:ln>
+        </p:spPr>
+        <p:txBody>
+          <a:bodyPr vert="horz" lIns="91440" tIns="45720" rIns="91440" bIns="45720" rtlCol="0" anchor="ctr">
+            <a:normAutofit/>
+          </a:bodyPr>
+          <a:lstStyle>
+            <a:lvl1pPr algn="l" defTabSz="914400" rtl="0" eaLnBrk="1" latinLnBrk="0" hangingPunct="1">
+              <a:lnSpc>
+                <a:spcPct val="90000"/>
+              </a:lnSpc>
+              <a:spcBef>
+                <a:spcPct val="0"/>
+              </a:spcBef>
+              <a:buNone/>
+              <a:defRPr sz="4400" kern="1200">
+                <a:solidFill>
+                  <a:schemeClr val="tx1"/>
+                </a:solidFill>
+                <a:latin typeface="+mj-lt"/>
+                <a:ea typeface="+mj-ea"/>
+                <a:cs typeface="+mj-cs"/>
+              </a:defRPr>
+            </a:lvl1pPr>
+          </a:lstStyle>
+          <a:p>
+            <a:pPr algn="ctr"/>
+            <a:r>
+              <a:rPr lang="de-DE" sz="2000" b="1" noProof="0" dirty="0">
+                <a:solidFill>
+                  <a:srgbClr val="FFFFFF"/>
+                </a:solidFill>
+              </a:rPr>
+              <a:t>Blockschaltbild</a:t>
+            </a:r>
+            <a:br>
+              <a:rPr lang="de-DE" sz="2000" b="1" noProof="0" dirty="0">
+                <a:solidFill>
+                  <a:srgbClr val="FFFFFF"/>
+                </a:solidFill>
+              </a:rPr>
+            </a:br>
+            <a:r>
+              <a:rPr lang="de-DE" sz="2000" b="1" noProof="0" dirty="0">
+                <a:solidFill>
+                  <a:srgbClr val="FFFFFF"/>
+                </a:solidFill>
+              </a:rPr>
+              <a:t>Minimaler Ausbau</a:t>
+            </a:r>
+          </a:p>
+        </p:txBody>
+      </p:sp>
+    </p:spTree>
+    <p:extLst>
+      <p:ext uri="{BB962C8B-B14F-4D97-AF65-F5344CB8AC3E}">
+        <p14:creationId xmlns:p14="http://schemas.microsoft.com/office/powerpoint/2010/main" val="3608403467"/>
+      </p:ext>
+    </p:extLst>
+  </p:cSld>
+  <p:clrMapOvr>
+    <a:masterClrMapping/>
+  </p:clrMapOvr>
+</p:sld>
+</file>
+
+<file path=ppt/slides/slide3.xml><?xml version="1.0" encoding="utf-8"?>
+<p:sld xmlns:a="http://schemas.openxmlformats.org/drawingml/2006/main" xmlns:r="http://schemas.openxmlformats.org/officeDocument/2006/relationships" xmlns:p="http://schemas.openxmlformats.org/presentationml/2006/main">
+  <p:cSld>
+    <p:bg>
+      <p:bgPr>
+        <a:solidFill>
+          <a:schemeClr val="bg1"/>
+        </a:solidFill>
+        <a:effectLst/>
+      </p:bgPr>
+    </p:bg>
+    <p:spTree>
+      <p:nvGrpSpPr>
+        <p:cNvPr id="1" name=""/>
+        <p:cNvGrpSpPr/>
+        <p:nvPr/>
+      </p:nvGrpSpPr>
+      <p:grpSpPr>
+        <a:xfrm>
+          <a:off x="0" y="0"/>
+          <a:ext cx="0" cy="0"/>
+          <a:chOff x="0" y="0"/>
+          <a:chExt cx="0" cy="0"/>
+        </a:xfrm>
+      </p:grpSpPr>
+      <p:sp>
+        <p:nvSpPr>
+          <p:cNvPr id="10" name="Rectangle 9">
+            <a:extLst>
+              <a:ext uri="{FF2B5EF4-FFF2-40B4-BE49-F238E27FC236}">
+                <a16:creationId xmlns:a16="http://schemas.microsoft.com/office/drawing/2014/main" id="{6753252F-4873-4F63-801D-CC719279A7D5}"/>
+              </a:ext>
+              <a:ext uri="{C183D7F6-B498-43B3-948B-1728B52AA6E4}">
+                <adec:decorative xmlns:adec="http://schemas.microsoft.com/office/drawing/2017/decorative" val="1"/>
+              </a:ext>
+            </a:extLst>
+          </p:cNvPr>
+          <p:cNvSpPr>
+            <a:spLocks noGrp="1" noRot="1" noChangeAspect="1" noMove="1" noResize="1" noEditPoints="1" noAdjustHandles="1" noChangeArrowheads="1" noChangeShapeType="1" noTextEdit="1"/>
+          </p:cNvSpPr>
+          <p:nvPr>
+            <p:extLst>
+              <p:ext uri="{386F3935-93C4-4BCD-93E2-E3B085C9AB24}">
+                <p16:designElem xmlns:p16="http://schemas.microsoft.com/office/powerpoint/2015/main" val="1"/>
+              </p:ext>
+            </p:extLst>
+          </p:nvPr>
+        </p:nvSpPr>
+        <p:spPr>
+          <a:xfrm>
+            <a:off x="0" y="0"/>
+            <a:ext cx="12192000" cy="6858000"/>
+          </a:xfrm>
+          <a:prstGeom prst="rect">
+            <a:avLst/>
+          </a:prstGeom>
+          <a:solidFill>
+            <a:srgbClr val="FFFFFF"/>
+          </a:solidFill>
+          <a:ln>
+            <a:noFill/>
+          </a:ln>
+        </p:spPr>
+        <p:style>
+          <a:lnRef idx="2">
+            <a:schemeClr val="accent1">
+              <a:shade val="50000"/>
+            </a:schemeClr>
+          </a:lnRef>
+          <a:fillRef idx="1">
+            <a:schemeClr val="accent1"/>
+          </a:fillRef>
+          <a:effectRef idx="0">
+            <a:schemeClr val="accent1"/>
+          </a:effectRef>
+          <a:fontRef idx="minor">
+            <a:schemeClr val="lt1"/>
+          </a:fontRef>
+        </p:style>
+        <p:txBody>
+          <a:bodyPr rtlCol="0" anchor="ctr"/>
+          <a:lstStyle/>
+          <a:p>
+            <a:pPr algn="ctr"/>
+            <a:endParaRPr lang="de-DE" noProof="0" dirty="0"/>
+          </a:p>
+        </p:txBody>
+      </p:sp>
+      <p:sp>
+        <p:nvSpPr>
+          <p:cNvPr id="12" name="Rectangle 11">
+            <a:extLst>
+              <a:ext uri="{FF2B5EF4-FFF2-40B4-BE49-F238E27FC236}">
+                <a16:creationId xmlns:a16="http://schemas.microsoft.com/office/drawing/2014/main" id="{047C8CCB-F95D-4249-92DD-651249D3535A}"/>
+              </a:ext>
+              <a:ext uri="{C183D7F6-B498-43B3-948B-1728B52AA6E4}">
+                <adec:decorative xmlns:adec="http://schemas.microsoft.com/office/drawing/2017/decorative" val="1"/>
+              </a:ext>
+            </a:extLst>
+          </p:cNvPr>
+          <p:cNvSpPr>
+            <a:spLocks noGrp="1" noRot="1" noChangeAspect="1" noMove="1" noResize="1" noEditPoints="1" noAdjustHandles="1" noChangeArrowheads="1" noChangeShapeType="1" noTextEdit="1"/>
+          </p:cNvSpPr>
+          <p:nvPr>
+            <p:extLst>
+              <p:ext uri="{386F3935-93C4-4BCD-93E2-E3B085C9AB24}">
+                <p16:designElem xmlns:p16="http://schemas.microsoft.com/office/powerpoint/2015/main" val="1"/>
+              </p:ext>
+            </p:extLst>
+          </p:nvPr>
+        </p:nvSpPr>
+        <p:spPr>
+          <a:xfrm>
+            <a:off x="0" y="0"/>
+            <a:ext cx="2013557" cy="6858000"/>
+          </a:xfrm>
+          <a:prstGeom prst="rect">
+            <a:avLst/>
+          </a:prstGeom>
+          <a:solidFill>
+            <a:srgbClr val="7F7F7F"/>
+          </a:solidFill>
+          <a:ln>
+            <a:noFill/>
+          </a:ln>
+        </p:spPr>
+        <p:style>
+          <a:lnRef idx="2">
+            <a:schemeClr val="accent1">
+              <a:shade val="50000"/>
+            </a:schemeClr>
+          </a:lnRef>
+          <a:fillRef idx="1">
+            <a:schemeClr val="accent1"/>
+          </a:fillRef>
+          <a:effectRef idx="0">
+            <a:schemeClr val="accent1"/>
+          </a:effectRef>
+          <a:fontRef idx="minor">
+            <a:schemeClr val="lt1"/>
+          </a:fontRef>
+        </p:style>
+        <p:txBody>
+          <a:bodyPr rtlCol="0" anchor="ctr"/>
+          <a:lstStyle/>
+          <a:p>
+            <a:pPr algn="ctr"/>
+            <a:endParaRPr lang="de-DE" noProof="0" dirty="0"/>
+          </a:p>
+        </p:txBody>
+      </p:sp>
+      <p:sp>
+        <p:nvSpPr>
+          <p:cNvPr id="2" name="Titel 1">
+            <a:extLst>
+              <a:ext uri="{FF2B5EF4-FFF2-40B4-BE49-F238E27FC236}">
+                <a16:creationId xmlns:a16="http://schemas.microsoft.com/office/drawing/2014/main" id="{75CBCCD9-D2DF-DE01-EC57-3CEF21C37657}"/>
+              </a:ext>
+            </a:extLst>
+          </p:cNvPr>
+          <p:cNvSpPr>
+            <a:spLocks noGrp="1"/>
+          </p:cNvSpPr>
+          <p:nvPr>
+            <p:ph type="title"/>
+          </p:nvPr>
+        </p:nvSpPr>
+        <p:spPr>
+          <a:xfrm>
+            <a:off x="132080" y="1910941"/>
+            <a:ext cx="3139440" cy="3036117"/>
+          </a:xfrm>
+          <a:prstGeom prst="ellipse">
+            <a:avLst/>
+          </a:prstGeom>
+          <a:solidFill>
+            <a:srgbClr val="262626"/>
+          </a:solidFill>
+          <a:ln w="174625" cmpd="thinThick">
+            <a:solidFill>
+              <a:srgbClr val="262626"/>
+            </a:solidFill>
+          </a:ln>
+        </p:spPr>
+        <p:txBody>
+          <a:bodyPr vert="horz" lIns="91440" tIns="45720" rIns="91440" bIns="45720" rtlCol="0" anchor="ctr">
+            <a:normAutofit/>
+          </a:bodyPr>
+          <a:lstStyle/>
+          <a:p>
+            <a:pPr algn="ctr"/>
+            <a:r>
+              <a:rPr lang="de-DE" sz="2000" b="1" kern="1200" noProof="0" dirty="0">
+                <a:solidFill>
+                  <a:srgbClr val="FFFFFF"/>
+                </a:solidFill>
+                <a:latin typeface="+mj-lt"/>
+                <a:ea typeface="+mj-ea"/>
+                <a:cs typeface="+mj-cs"/>
+              </a:rPr>
+              <a:t>Blockschaltbild</a:t>
+            </a:r>
+            <a:br>
+              <a:rPr lang="de-DE" sz="2000" b="1" kern="1200" noProof="0" dirty="0">
+                <a:solidFill>
+                  <a:srgbClr val="FFFFFF"/>
+                </a:solidFill>
+                <a:latin typeface="+mj-lt"/>
+                <a:ea typeface="+mj-ea"/>
+                <a:cs typeface="+mj-cs"/>
+              </a:rPr>
+            </a:br>
+            <a:r>
+              <a:rPr lang="de-DE" sz="2000" b="1" kern="1200" noProof="0" dirty="0">
+                <a:solidFill>
+                  <a:srgbClr val="FFFFFF"/>
+                </a:solidFill>
+                <a:latin typeface="+mj-lt"/>
+                <a:ea typeface="+mj-ea"/>
+                <a:cs typeface="+mj-cs"/>
+              </a:rPr>
+              <a:t>Maximaler Ausbau</a:t>
+            </a:r>
+          </a:p>
+        </p:txBody>
+      </p:sp>
+    </p:spTree>
+    <p:extLst>
+      <p:ext uri="{BB962C8B-B14F-4D97-AF65-F5344CB8AC3E}">
+        <p14:creationId xmlns:p14="http://schemas.microsoft.com/office/powerpoint/2010/main" val="3495461466"/>
+      </p:ext>
+    </p:extLst>
+  </p:cSld>
+  <p:clrMapOvr>
+    <a:masterClrMapping/>
+  </p:clrMapOvr>
+</p:sld>
+</file>
+
+<file path=ppt/slides/slide4.xml><?xml version="1.0" encoding="utf-8"?>
 <p:sld xmlns:a="http://schemas.openxmlformats.org/drawingml/2006/main" xmlns:r="http://schemas.openxmlformats.org/officeDocument/2006/relationships" xmlns:p="http://schemas.openxmlformats.org/presentationml/2006/main">
   <p:cSld>
     <p:bg>
@@ -12832,7 +13926,7 @@
               <a:tabLst/>
               <a:defRPr/>
             </a:pPr>
-            <a:endParaRPr kumimoji="0" lang="en-US" sz="1800" b="0" i="0" u="none" strike="noStrike" kern="1200" cap="none" spc="0" normalizeH="0" baseline="0" noProof="0">
+            <a:endParaRPr kumimoji="0" lang="de-DE" sz="1800" b="0" i="0" u="none" strike="noStrike" kern="1200" cap="none" spc="0" normalizeH="0" baseline="0" noProof="0" dirty="0">
               <a:ln>
                 <a:noFill/>
               </a:ln>
@@ -12879,7 +13973,7 @@
           <a:p>
             <a:pPr algn="ctr"/>
             <a:r>
-              <a:rPr lang="de-DE" sz="4000" b="1" dirty="0">
+              <a:rPr lang="de-DE" sz="4000" b="1" noProof="0" dirty="0">
                 <a:solidFill>
                   <a:srgbClr val="FFFFFF"/>
                 </a:solidFill>
@@ -12921,31 +14015,31 @@
               <a:buNone/>
             </a:pPr>
             <a:r>
-              <a:rPr lang="de-DE" sz="2000" b="1" dirty="0"/>
+              <a:rPr lang="de-DE" sz="2000" b="1" noProof="0" dirty="0"/>
               <a:t>Indoor:</a:t>
             </a:r>
           </a:p>
           <a:p>
             <a:r>
-              <a:rPr lang="de-DE" sz="2000" dirty="0"/>
+              <a:rPr lang="de-DE" sz="2000" noProof="0" dirty="0"/>
               <a:t>Luftfeuchtigkeit</a:t>
             </a:r>
           </a:p>
           <a:p>
             <a:r>
-              <a:rPr lang="de-DE" sz="2000" dirty="0"/>
+              <a:rPr lang="de-DE" sz="2000" noProof="0" dirty="0"/>
               <a:t>Luftdruck</a:t>
             </a:r>
           </a:p>
           <a:p>
             <a:r>
-              <a:rPr lang="de-DE" sz="2000" dirty="0"/>
+              <a:rPr lang="de-DE" sz="2000" noProof="0" dirty="0"/>
               <a:t>Temperatur</a:t>
             </a:r>
           </a:p>
           <a:p>
             <a:r>
-              <a:rPr lang="de-DE" sz="2000" dirty="0"/>
+              <a:rPr lang="de-DE" sz="2000" noProof="0" dirty="0"/>
               <a:t>CO2</a:t>
             </a:r>
           </a:p>
@@ -13038,255 +14132,45 @@
               <a:buNone/>
             </a:pPr>
             <a:r>
-              <a:rPr lang="de-DE" sz="2000" b="1" dirty="0"/>
+              <a:rPr lang="de-DE" sz="2000" b="1" noProof="0" dirty="0"/>
               <a:t>Outdoor:</a:t>
             </a:r>
           </a:p>
           <a:p>
             <a:r>
-              <a:rPr lang="de-DE" sz="2000" dirty="0"/>
+              <a:rPr lang="de-DE" sz="2000" noProof="0" dirty="0"/>
               <a:t>Luftfeuchtigkeit</a:t>
             </a:r>
           </a:p>
           <a:p>
             <a:r>
-              <a:rPr lang="de-DE" sz="2000" dirty="0"/>
+              <a:rPr lang="de-DE" sz="2000" noProof="0" dirty="0"/>
               <a:t>Luftdruck</a:t>
             </a:r>
           </a:p>
           <a:p>
             <a:r>
-              <a:rPr lang="de-DE" sz="2000" dirty="0"/>
+              <a:rPr lang="de-DE" sz="2000" noProof="0" dirty="0"/>
               <a:t>Temperatur</a:t>
             </a:r>
           </a:p>
           <a:p>
             <a:r>
-              <a:rPr lang="de-DE" sz="2000" dirty="0"/>
+              <a:rPr lang="de-DE" sz="2000" noProof="0" dirty="0"/>
               <a:t>Regenmenge</a:t>
             </a:r>
           </a:p>
           <a:p>
             <a:r>
-              <a:rPr lang="de-DE" sz="2000" dirty="0"/>
+              <a:rPr lang="de-DE" sz="2000" noProof="0" dirty="0"/>
               <a:t>Windrichtung</a:t>
             </a:r>
           </a:p>
           <a:p>
             <a:r>
-              <a:rPr lang="de-DE" sz="2000" dirty="0"/>
+              <a:rPr lang="de-DE" sz="2000" noProof="0" dirty="0"/>
               <a:t>Windgeschwindigkeit</a:t>
             </a:r>
-          </a:p>
-        </p:txBody>
-      </p:sp>
-      <p:sp>
-        <p:nvSpPr>
-          <p:cNvPr id="3" name="Inhaltsplatzhalter 4">
-            <a:extLst>
-              <a:ext uri="{FF2B5EF4-FFF2-40B4-BE49-F238E27FC236}">
-                <a16:creationId xmlns:a16="http://schemas.microsoft.com/office/drawing/2014/main" id="{E9627B73-AD5A-D4AD-79E2-410C2663C736}"/>
-              </a:ext>
-            </a:extLst>
-          </p:cNvPr>
-          <p:cNvSpPr txBox="1">
-            <a:spLocks/>
-          </p:cNvSpPr>
-          <p:nvPr/>
-        </p:nvSpPr>
-        <p:spPr>
-          <a:xfrm>
-            <a:off x="4380855" y="4368799"/>
-            <a:ext cx="3427283" cy="2489201"/>
-          </a:xfrm>
-          <a:prstGeom prst="rect">
-            <a:avLst/>
-          </a:prstGeom>
-        </p:spPr>
-        <p:txBody>
-          <a:bodyPr vert="horz" lIns="91440" tIns="45720" rIns="91440" bIns="45720" rtlCol="0">
-            <a:normAutofit/>
-          </a:bodyPr>
-          <a:lstStyle>
-            <a:lvl1pPr marL="228600" indent="-228600" algn="l" defTabSz="914400" rtl="0" eaLnBrk="1" latinLnBrk="0" hangingPunct="1">
-              <a:lnSpc>
-                <a:spcPct val="90000"/>
-              </a:lnSpc>
-              <a:spcBef>
-                <a:spcPts val="1000"/>
-              </a:spcBef>
-              <a:buFont typeface="Arial" panose="020B0604020202020204" pitchFamily="34" charset="0"/>
-              <a:buChar char="•"/>
-              <a:defRPr sz="2800" kern="1200">
-                <a:solidFill>
-                  <a:schemeClr val="tx1"/>
-                </a:solidFill>
-                <a:latin typeface="+mn-lt"/>
-                <a:ea typeface="+mn-ea"/>
-                <a:cs typeface="+mn-cs"/>
-              </a:defRPr>
-            </a:lvl1pPr>
-            <a:lvl2pPr marL="685800" indent="-228600" algn="l" defTabSz="914400" rtl="0" eaLnBrk="1" latinLnBrk="0" hangingPunct="1">
-              <a:lnSpc>
-                <a:spcPct val="90000"/>
-              </a:lnSpc>
-              <a:spcBef>
-                <a:spcPts val="500"/>
-              </a:spcBef>
-              <a:buFont typeface="Arial" panose="020B0604020202020204" pitchFamily="34" charset="0"/>
-              <a:buChar char="•"/>
-              <a:defRPr sz="2400" kern="1200">
-                <a:solidFill>
-                  <a:schemeClr val="tx1"/>
-                </a:solidFill>
-                <a:latin typeface="+mn-lt"/>
-                <a:ea typeface="+mn-ea"/>
-                <a:cs typeface="+mn-cs"/>
-              </a:defRPr>
-            </a:lvl2pPr>
-            <a:lvl3pPr marL="1143000" indent="-228600" algn="l" defTabSz="914400" rtl="0" eaLnBrk="1" latinLnBrk="0" hangingPunct="1">
-              <a:lnSpc>
-                <a:spcPct val="90000"/>
-              </a:lnSpc>
-              <a:spcBef>
-                <a:spcPts val="500"/>
-              </a:spcBef>
-              <a:buFont typeface="Arial" panose="020B0604020202020204" pitchFamily="34" charset="0"/>
-              <a:buChar char="•"/>
-              <a:defRPr sz="2000" kern="1200">
-                <a:solidFill>
-                  <a:schemeClr val="tx1"/>
-                </a:solidFill>
-                <a:latin typeface="+mn-lt"/>
-                <a:ea typeface="+mn-ea"/>
-                <a:cs typeface="+mn-cs"/>
-              </a:defRPr>
-            </a:lvl3pPr>
-            <a:lvl4pPr marL="1600200" indent="-228600" algn="l" defTabSz="914400" rtl="0" eaLnBrk="1" latinLnBrk="0" hangingPunct="1">
-              <a:lnSpc>
-                <a:spcPct val="90000"/>
-              </a:lnSpc>
-              <a:spcBef>
-                <a:spcPts val="500"/>
-              </a:spcBef>
-              <a:buFont typeface="Arial" panose="020B0604020202020204" pitchFamily="34" charset="0"/>
-              <a:buChar char="•"/>
-              <a:defRPr sz="1800" kern="1200">
-                <a:solidFill>
-                  <a:schemeClr val="tx1"/>
-                </a:solidFill>
-                <a:latin typeface="+mn-lt"/>
-                <a:ea typeface="+mn-ea"/>
-                <a:cs typeface="+mn-cs"/>
-              </a:defRPr>
-            </a:lvl4pPr>
-            <a:lvl5pPr marL="2057400" indent="-228600" algn="l" defTabSz="914400" rtl="0" eaLnBrk="1" latinLnBrk="0" hangingPunct="1">
-              <a:lnSpc>
-                <a:spcPct val="90000"/>
-              </a:lnSpc>
-              <a:spcBef>
-                <a:spcPts val="500"/>
-              </a:spcBef>
-              <a:buFont typeface="Arial" panose="020B0604020202020204" pitchFamily="34" charset="0"/>
-              <a:buChar char="•"/>
-              <a:defRPr sz="1800" kern="1200">
-                <a:solidFill>
-                  <a:schemeClr val="tx1"/>
-                </a:solidFill>
-                <a:latin typeface="+mn-lt"/>
-                <a:ea typeface="+mn-ea"/>
-                <a:cs typeface="+mn-cs"/>
-              </a:defRPr>
-            </a:lvl5pPr>
-            <a:lvl6pPr marL="2514600" indent="-228600" algn="l" defTabSz="914400" rtl="0" eaLnBrk="1" latinLnBrk="0" hangingPunct="1">
-              <a:lnSpc>
-                <a:spcPct val="90000"/>
-              </a:lnSpc>
-              <a:spcBef>
-                <a:spcPts val="500"/>
-              </a:spcBef>
-              <a:buFont typeface="Arial" panose="020B0604020202020204" pitchFamily="34" charset="0"/>
-              <a:buChar char="•"/>
-              <a:defRPr sz="1800" kern="1200">
-                <a:solidFill>
-                  <a:schemeClr val="tx1"/>
-                </a:solidFill>
-                <a:latin typeface="+mn-lt"/>
-                <a:ea typeface="+mn-ea"/>
-                <a:cs typeface="+mn-cs"/>
-              </a:defRPr>
-            </a:lvl6pPr>
-            <a:lvl7pPr marL="2971800" indent="-228600" algn="l" defTabSz="914400" rtl="0" eaLnBrk="1" latinLnBrk="0" hangingPunct="1">
-              <a:lnSpc>
-                <a:spcPct val="90000"/>
-              </a:lnSpc>
-              <a:spcBef>
-                <a:spcPts val="500"/>
-              </a:spcBef>
-              <a:buFont typeface="Arial" panose="020B0604020202020204" pitchFamily="34" charset="0"/>
-              <a:buChar char="•"/>
-              <a:defRPr sz="1800" kern="1200">
-                <a:solidFill>
-                  <a:schemeClr val="tx1"/>
-                </a:solidFill>
-                <a:latin typeface="+mn-lt"/>
-                <a:ea typeface="+mn-ea"/>
-                <a:cs typeface="+mn-cs"/>
-              </a:defRPr>
-            </a:lvl7pPr>
-            <a:lvl8pPr marL="3429000" indent="-228600" algn="l" defTabSz="914400" rtl="0" eaLnBrk="1" latinLnBrk="0" hangingPunct="1">
-              <a:lnSpc>
-                <a:spcPct val="90000"/>
-              </a:lnSpc>
-              <a:spcBef>
-                <a:spcPts val="500"/>
-              </a:spcBef>
-              <a:buFont typeface="Arial" panose="020B0604020202020204" pitchFamily="34" charset="0"/>
-              <a:buChar char="•"/>
-              <a:defRPr sz="1800" kern="1200">
-                <a:solidFill>
-                  <a:schemeClr val="tx1"/>
-                </a:solidFill>
-                <a:latin typeface="+mn-lt"/>
-                <a:ea typeface="+mn-ea"/>
-                <a:cs typeface="+mn-cs"/>
-              </a:defRPr>
-            </a:lvl8pPr>
-            <a:lvl9pPr marL="3886200" indent="-228600" algn="l" defTabSz="914400" rtl="0" eaLnBrk="1" latinLnBrk="0" hangingPunct="1">
-              <a:lnSpc>
-                <a:spcPct val="90000"/>
-              </a:lnSpc>
-              <a:spcBef>
-                <a:spcPts val="500"/>
-              </a:spcBef>
-              <a:buFont typeface="Arial" panose="020B0604020202020204" pitchFamily="34" charset="0"/>
-              <a:buChar char="•"/>
-              <a:defRPr sz="1800" kern="1200">
-                <a:solidFill>
-                  <a:schemeClr val="tx1"/>
-                </a:solidFill>
-                <a:latin typeface="+mn-lt"/>
-                <a:ea typeface="+mn-ea"/>
-                <a:cs typeface="+mn-cs"/>
-              </a:defRPr>
-            </a:lvl9pPr>
-          </a:lstStyle>
-          <a:p>
-            <a:pPr marL="0" indent="0">
-              <a:buFont typeface="Arial" panose="020B0604020202020204" pitchFamily="34" charset="0"/>
-              <a:buNone/>
-            </a:pPr>
-            <a:r>
-              <a:rPr lang="de-DE" sz="2000" b="1" dirty="0"/>
-              <a:t>HUB:</a:t>
-            </a:r>
-          </a:p>
-          <a:p>
-            <a:r>
-              <a:rPr lang="de-DE" sz="2000"/>
-              <a:t>LAN</a:t>
-            </a:r>
-            <a:endParaRPr lang="de-DE" sz="2000" dirty="0"/>
           </a:p>
         </p:txBody>
       </p:sp>
@@ -13303,7 +14187,7 @@
 </p:sld>
 </file>
 
-<file path=ppt/slides/slide3.xml><?xml version="1.0" encoding="utf-8"?>
+<file path=ppt/slides/slide5.xml><?xml version="1.0" encoding="utf-8"?>
 <p:sld xmlns:a="http://schemas.openxmlformats.org/drawingml/2006/main" xmlns:r="http://schemas.openxmlformats.org/officeDocument/2006/relationships" xmlns:p="http://schemas.openxmlformats.org/presentationml/2006/main">
   <p:cSld>
     <p:spTree>
@@ -13393,7 +14277,7 @@
               <a:tabLst/>
               <a:defRPr/>
             </a:pPr>
-            <a:endParaRPr kumimoji="0" lang="en-US" sz="1800" b="0" i="0" u="none" strike="noStrike" kern="1200" cap="none" spc="0" normalizeH="0" baseline="0" noProof="0">
+            <a:endParaRPr kumimoji="0" lang="de-DE" sz="1800" b="0" i="0" u="none" strike="noStrike" kern="1200" cap="none" spc="0" normalizeH="0" baseline="0" noProof="0" dirty="0">
               <a:ln>
                 <a:noFill/>
               </a:ln>
@@ -13440,7 +14324,7 @@
           <a:p>
             <a:pPr algn="ctr"/>
             <a:r>
-              <a:rPr lang="de-DE" sz="4000" b="1" dirty="0">
+              <a:rPr lang="de-DE" sz="4000" b="1" noProof="0" dirty="0">
                 <a:solidFill>
                   <a:srgbClr val="FFFFFF"/>
                 </a:solidFill>
@@ -13448,14 +14332,14 @@
               <a:t>Must2Haves</a:t>
             </a:r>
             <a:br>
-              <a:rPr lang="de-DE" sz="4000" b="1" dirty="0">
+              <a:rPr lang="de-DE" sz="4000" b="1" noProof="0" dirty="0">
                 <a:solidFill>
                   <a:srgbClr val="FFFFFF"/>
                 </a:solidFill>
               </a:rPr>
             </a:br>
             <a:r>
-              <a:rPr lang="de-DE" sz="4000" b="1" dirty="0">
+              <a:rPr lang="de-DE" sz="4000" b="1" noProof="0" dirty="0">
                 <a:solidFill>
                   <a:srgbClr val="FFFFFF"/>
                 </a:solidFill>
@@ -13497,7 +14381,7 @@
               <a:buNone/>
             </a:pPr>
             <a:r>
-              <a:rPr lang="de-DE" sz="2000" b="1" dirty="0"/>
+              <a:rPr lang="de-DE" sz="2000" b="1" noProof="0" dirty="0"/>
               <a:t>Indoor:</a:t>
             </a:r>
           </a:p>
@@ -13752,13 +14636,13 @@
               <a:buNone/>
             </a:pPr>
             <a:r>
-              <a:rPr lang="de-DE" sz="2000" b="1" dirty="0"/>
+              <a:rPr lang="de-DE" sz="2000" b="1" noProof="0" dirty="0"/>
               <a:t>Outdoor:</a:t>
             </a:r>
           </a:p>
           <a:p>
             <a:r>
-              <a:rPr lang="de-DE" sz="2000" dirty="0"/>
+              <a:rPr lang="de-DE" sz="2000" noProof="0" dirty="0"/>
               <a:t>Gefühlte Temperatur</a:t>
             </a:r>
           </a:p>
@@ -13777,7 +14661,7 @@
 </p:sld>
 </file>
 
-<file path=ppt/slides/slide4.xml><?xml version="1.0" encoding="utf-8"?>
+<file path=ppt/slides/slide6.xml><?xml version="1.0" encoding="utf-8"?>
 <p:sld xmlns:a="http://schemas.openxmlformats.org/drawingml/2006/main" xmlns:r="http://schemas.openxmlformats.org/officeDocument/2006/relationships" xmlns:p="http://schemas.openxmlformats.org/presentationml/2006/main">
   <p:cSld>
     <p:spTree>
@@ -13867,7 +14751,7 @@
               <a:tabLst/>
               <a:defRPr/>
             </a:pPr>
-            <a:endParaRPr kumimoji="0" lang="en-US" sz="1800" b="0" i="0" u="none" strike="noStrike" kern="1200" cap="none" spc="0" normalizeH="0" baseline="0" noProof="0">
+            <a:endParaRPr kumimoji="0" lang="de-DE" sz="1800" b="0" i="0" u="none" strike="noStrike" kern="1200" cap="none" spc="0" normalizeH="0" baseline="0" noProof="0" dirty="0">
               <a:ln>
                 <a:noFill/>
               </a:ln>
@@ -13933,7 +14817,7 @@
           <a:p>
             <a:pPr algn="ctr"/>
             <a:r>
-              <a:rPr lang="de-DE" sz="4000" b="1" dirty="0">
+              <a:rPr lang="de-DE" sz="4000" b="1" noProof="0" dirty="0">
                 <a:solidFill>
                   <a:srgbClr val="FFFFFF"/>
                 </a:solidFill>
@@ -14014,8 +14898,8 @@
         </p:nvSpPr>
         <p:spPr>
           <a:xfrm>
-            <a:off x="4383530" y="1412488"/>
-            <a:ext cx="7808470" cy="3677672"/>
+            <a:off x="4383530" y="1117600"/>
+            <a:ext cx="7808470" cy="4531360"/>
           </a:xfrm>
           <a:prstGeom prst="rect">
             <a:avLst/>
@@ -14023,7 +14907,7 @@
         </p:spPr>
         <p:txBody>
           <a:bodyPr>
-            <a:normAutofit lnSpcReduction="10000"/>
+            <a:normAutofit fontScale="92500" lnSpcReduction="10000"/>
           </a:bodyPr>
           <a:lstStyle>
             <a:lvl1pPr marL="228600" indent="-228600" algn="l" defTabSz="914400" rtl="0" eaLnBrk="1" latinLnBrk="0" hangingPunct="1">
@@ -14194,79 +15078,95 @@
               <a:buNone/>
             </a:pPr>
             <a:r>
-              <a:rPr lang="de-DE" sz="2000" b="1" dirty="0"/>
+              <a:rPr lang="de-DE" sz="2000" b="1" noProof="0" dirty="0"/>
               <a:t>Für alle Geräte:</a:t>
             </a:r>
+          </a:p>
+          <a:p>
+            <a:r>
+              <a:rPr lang="de-DE" sz="2000" noProof="0" dirty="0"/>
+              <a:t>OTA				</a:t>
+            </a:r>
+            <a:r>
+              <a:rPr lang="de-DE" sz="2000" noProof="0" dirty="0">
+                <a:sym typeface="Wingdings" panose="05000000000000000000" pitchFamily="2" charset="2"/>
+              </a:rPr>
+              <a:t>	</a:t>
+            </a:r>
+            <a:r>
+              <a:rPr lang="de-DE" sz="2000" noProof="0" dirty="0"/>
+              <a:t>ermöglicht Updates von 						Anwendungen, Diensten 						und Konfigurationen über 						das Mobilfunknetz – ohne 						physischen Kontakt, also 						</a:t>
+            </a:r>
+            <a:r>
+              <a:rPr lang="de-DE" sz="2000" noProof="0" dirty="0" err="1"/>
+              <a:t>over</a:t>
+            </a:r>
+            <a:r>
+              <a:rPr lang="de-DE" sz="2000" noProof="0" dirty="0"/>
+              <a:t> </a:t>
+            </a:r>
+            <a:r>
+              <a:rPr lang="de-DE" sz="2000" noProof="0" dirty="0" err="1"/>
+              <a:t>the</a:t>
+            </a:r>
+            <a:r>
+              <a:rPr lang="de-DE" sz="2000" noProof="0" dirty="0"/>
+              <a:t> </a:t>
+            </a:r>
+            <a:r>
+              <a:rPr lang="de-DE" sz="2000" noProof="0" dirty="0" err="1"/>
+              <a:t>air</a:t>
+            </a:r>
+            <a:endParaRPr lang="de-DE" sz="2000" noProof="0" dirty="0"/>
+          </a:p>
+          <a:p>
+            <a:pPr marL="0" indent="0">
+              <a:buNone/>
+            </a:pPr>
+            <a:endParaRPr lang="de-DE" sz="2000" b="1" noProof="0" dirty="0"/>
           </a:p>
           <a:p>
             <a:pPr marL="0" indent="0">
               <a:buNone/>
             </a:pPr>
             <a:r>
-              <a:rPr lang="de-DE" sz="2000" dirty="0"/>
-              <a:t>OTA				</a:t>
+              <a:rPr lang="de-DE" sz="2000" b="1" noProof="0" dirty="0"/>
+              <a:t>HUB:</a:t>
+            </a:r>
+          </a:p>
+          <a:p>
+            <a:r>
+              <a:rPr lang="de-DE" sz="2000" noProof="0" dirty="0"/>
+              <a:t>Power </a:t>
             </a:r>
             <a:r>
-              <a:rPr lang="de-DE" sz="2000" dirty="0">
-                <a:sym typeface="Wingdings" panose="05000000000000000000" pitchFamily="2" charset="2"/>
-              </a:rPr>
-              <a:t>	</a:t>
-            </a:r>
-            <a:r>
-              <a:rPr lang="de-DE" sz="2000" dirty="0"/>
-              <a:t>ermöglicht Updates von 						Anwendungen, Diensten 						und Konfigurationen über 					das Mobilfunknetz – ohne 					physischen Kontakt, also 					</a:t>
-            </a:r>
-            <a:r>
-              <a:rPr lang="de-DE" sz="2000" dirty="0" err="1"/>
+              <a:rPr lang="de-DE" sz="2000" noProof="0" dirty="0" err="1"/>
               <a:t>over</a:t>
             </a:r>
             <a:r>
-              <a:rPr lang="de-DE" sz="2000" dirty="0"/>
-              <a:t> </a:t>
-            </a:r>
-            <a:r>
-              <a:rPr lang="de-DE" sz="2000" dirty="0" err="1"/>
-              <a:t>the</a:t>
-            </a:r>
-            <a:r>
-              <a:rPr lang="de-DE" sz="2000" dirty="0"/>
-              <a:t> </a:t>
-            </a:r>
-            <a:r>
-              <a:rPr lang="de-DE" sz="2000" dirty="0" err="1"/>
-              <a:t>air</a:t>
-            </a:r>
-            <a:endParaRPr lang="de-DE" sz="2000" dirty="0"/>
-          </a:p>
-          <a:p>
-            <a:pPr marL="0" indent="0">
-              <a:buNone/>
-            </a:pPr>
-            <a:endParaRPr lang="de-DE" sz="2000" dirty="0"/>
-          </a:p>
-          <a:p>
-            <a:pPr marL="0" indent="0">
-              <a:buNone/>
-            </a:pPr>
-            <a:r>
-              <a:rPr lang="de-DE" sz="2000" dirty="0"/>
-              <a:t>Power </a:t>
-            </a:r>
-            <a:r>
-              <a:rPr lang="de-DE" sz="2000" dirty="0" err="1"/>
-              <a:t>over</a:t>
-            </a:r>
-            <a:r>
-              <a:rPr lang="de-DE" sz="2000" dirty="0"/>
+              <a:rPr lang="de-DE" sz="2000" noProof="0" dirty="0"/>
               <a:t> Ethernet (POE)	</a:t>
             </a:r>
             <a:r>
-              <a:rPr lang="de-DE" sz="2000" dirty="0">
+              <a:rPr lang="de-DE" sz="2000" noProof="0" dirty="0">
                 <a:sym typeface="Wingdings" panose="05000000000000000000" pitchFamily="2" charset="2"/>
               </a:rPr>
               <a:t>	Ermöglicht es Daten und 						elektrische Energie über 						einen RJ-45 Kabel zu 						transportieren</a:t>
             </a:r>
-            <a:endParaRPr lang="de-DE" sz="2000" dirty="0"/>
+          </a:p>
+          <a:p>
+            <a:endParaRPr lang="de-DE" sz="2000" noProof="0" dirty="0">
+              <a:sym typeface="Wingdings" panose="05000000000000000000" pitchFamily="2" charset="2"/>
+            </a:endParaRPr>
+          </a:p>
+          <a:p>
+            <a:r>
+              <a:rPr lang="de-DE" sz="2000" noProof="0" dirty="0">
+                <a:sym typeface="Wingdings" panose="05000000000000000000" pitchFamily="2" charset="2"/>
+              </a:rPr>
+              <a:t>Datenspeicherung über längere Zeit</a:t>
+            </a:r>
+            <a:endParaRPr lang="de-DE" sz="2000" noProof="0" dirty="0"/>
           </a:p>
         </p:txBody>
       </p:sp>
@@ -14286,7 +15186,7 @@
         </p:nvSpPr>
         <p:spPr>
           <a:xfrm>
-            <a:off x="4383530" y="5361940"/>
+            <a:off x="4383530" y="5776332"/>
             <a:ext cx="7047642" cy="1046480"/>
           </a:xfrm>
           <a:prstGeom prst="rect">
@@ -14467,13 +15367,13 @@
               <a:buNone/>
             </a:pPr>
             <a:r>
-              <a:rPr lang="de-DE" sz="2000" b="1" dirty="0"/>
+              <a:rPr lang="de-DE" sz="2000" b="1" noProof="0" dirty="0"/>
               <a:t>Nice Nice2Haves für Outdoor:</a:t>
             </a:r>
           </a:p>
           <a:p>
             <a:r>
-              <a:rPr lang="de-DE" sz="2000" dirty="0"/>
+              <a:rPr lang="de-DE" sz="2000" noProof="0" dirty="0"/>
               <a:t>Bodenfeuchtigkeit</a:t>
             </a:r>
           </a:p>
@@ -14492,7 +15392,746 @@
 </p:sld>
 </file>
 
-<file path=ppt/slides/slide5.xml><?xml version="1.0" encoding="utf-8"?>
+<file path=ppt/slides/slide7.xml><?xml version="1.0" encoding="utf-8"?>
+<p:sld xmlns:a="http://schemas.openxmlformats.org/drawingml/2006/main" xmlns:r="http://schemas.openxmlformats.org/officeDocument/2006/relationships" xmlns:p="http://schemas.openxmlformats.org/presentationml/2006/main">
+  <p:cSld>
+    <p:spTree>
+      <p:nvGrpSpPr>
+        <p:cNvPr id="1" name=""/>
+        <p:cNvGrpSpPr/>
+        <p:nvPr/>
+      </p:nvGrpSpPr>
+      <p:grpSpPr>
+        <a:xfrm>
+          <a:off x="0" y="0"/>
+          <a:ext cx="0" cy="0"/>
+          <a:chOff x="0" y="0"/>
+          <a:chExt cx="0" cy="0"/>
+        </a:xfrm>
+      </p:grpSpPr>
+      <p:sp>
+        <p:nvSpPr>
+          <p:cNvPr id="2" name="Rectangle 9">
+            <a:extLst>
+              <a:ext uri="{FF2B5EF4-FFF2-40B4-BE49-F238E27FC236}">
+                <a16:creationId xmlns:a16="http://schemas.microsoft.com/office/drawing/2014/main" id="{527A7A93-C50F-D2B7-8F44-B39B2F161A37}"/>
+              </a:ext>
+              <a:ext uri="{C183D7F6-B498-43B3-948B-1728B52AA6E4}">
+                <adec:decorative xmlns:adec="http://schemas.microsoft.com/office/drawing/2017/decorative" val="1"/>
+              </a:ext>
+            </a:extLst>
+          </p:cNvPr>
+          <p:cNvSpPr/>
+          <p:nvPr>
+            <p:extLst>
+              <p:ext uri="{386F3935-93C4-4BCD-93E2-E3B085C9AB24}">
+                <p16:designElem xmlns:p16="http://schemas.microsoft.com/office/powerpoint/2015/main" val="1"/>
+              </p:ext>
+            </p:extLst>
+          </p:nvPr>
+        </p:nvSpPr>
+        <p:spPr>
+          <a:xfrm>
+            <a:off x="0" y="0"/>
+            <a:ext cx="3489218" cy="6858000"/>
+          </a:xfrm>
+          <a:prstGeom prst="rect">
+            <a:avLst/>
+          </a:prstGeom>
+          <a:solidFill>
+            <a:srgbClr val="404040"/>
+          </a:solidFill>
+          <a:ln>
+            <a:noFill/>
+          </a:ln>
+        </p:spPr>
+        <p:style>
+          <a:lnRef idx="2">
+            <a:schemeClr val="accent1">
+              <a:shade val="50000"/>
+            </a:schemeClr>
+          </a:lnRef>
+          <a:fillRef idx="1">
+            <a:schemeClr val="accent1"/>
+          </a:fillRef>
+          <a:effectRef idx="0">
+            <a:schemeClr val="accent1"/>
+          </a:effectRef>
+          <a:fontRef idx="minor">
+            <a:schemeClr val="lt1"/>
+          </a:fontRef>
+        </p:style>
+        <p:txBody>
+          <a:bodyPr rtlCol="0" anchor="ctr"/>
+          <a:lstStyle/>
+          <a:p>
+            <a:pPr marL="0" marR="0" lvl="0" indent="0" algn="ctr" defTabSz="914400" rtl="0" eaLnBrk="1" fontAlgn="auto" latinLnBrk="0" hangingPunct="1">
+              <a:lnSpc>
+                <a:spcPct val="100000"/>
+              </a:lnSpc>
+              <a:spcBef>
+                <a:spcPts val="0"/>
+              </a:spcBef>
+              <a:spcAft>
+                <a:spcPts val="0"/>
+              </a:spcAft>
+              <a:buClrTx/>
+              <a:buSzTx/>
+              <a:buFontTx/>
+              <a:buNone/>
+              <a:tabLst/>
+              <a:defRPr/>
+            </a:pPr>
+            <a:endParaRPr kumimoji="0" lang="de-DE" sz="1800" b="0" i="0" u="none" strike="noStrike" kern="1200" cap="none" spc="0" normalizeH="0" baseline="0" noProof="0" dirty="0">
+              <a:ln>
+                <a:noFill/>
+              </a:ln>
+              <a:solidFill>
+                <a:prstClr val="white"/>
+              </a:solidFill>
+              <a:effectLst/>
+              <a:uLnTx/>
+              <a:uFillTx/>
+              <a:latin typeface="Calibri" panose="020F0502020204030204"/>
+              <a:ea typeface="+mn-ea"/>
+              <a:cs typeface="+mn-cs"/>
+            </a:endParaRPr>
+          </a:p>
+        </p:txBody>
+      </p:sp>
+      <p:sp>
+        <p:nvSpPr>
+          <p:cNvPr id="3" name="Titel 3">
+            <a:extLst>
+              <a:ext uri="{FF2B5EF4-FFF2-40B4-BE49-F238E27FC236}">
+                <a16:creationId xmlns:a16="http://schemas.microsoft.com/office/drawing/2014/main" id="{CB3DD32B-773B-3004-D4A9-9A74FD8EB78C}"/>
+              </a:ext>
+            </a:extLst>
+          </p:cNvPr>
+          <p:cNvSpPr txBox="1">
+            <a:spLocks/>
+          </p:cNvSpPr>
+          <p:nvPr/>
+        </p:nvSpPr>
+        <p:spPr>
+          <a:xfrm>
+            <a:off x="0" y="1412488"/>
+            <a:ext cx="3489218" cy="4363844"/>
+          </a:xfrm>
+          <a:prstGeom prst="rect">
+            <a:avLst/>
+          </a:prstGeom>
+        </p:spPr>
+        <p:txBody>
+          <a:bodyPr anchor="t">
+            <a:normAutofit/>
+          </a:bodyPr>
+          <a:lstStyle>
+            <a:lvl1pPr algn="l" defTabSz="914400" rtl="0" eaLnBrk="1" latinLnBrk="0" hangingPunct="1">
+              <a:lnSpc>
+                <a:spcPct val="90000"/>
+              </a:lnSpc>
+              <a:spcBef>
+                <a:spcPct val="0"/>
+              </a:spcBef>
+              <a:buNone/>
+              <a:defRPr sz="4400" kern="1200">
+                <a:solidFill>
+                  <a:schemeClr val="tx1"/>
+                </a:solidFill>
+                <a:latin typeface="+mj-lt"/>
+                <a:ea typeface="+mj-ea"/>
+                <a:cs typeface="+mj-cs"/>
+              </a:defRPr>
+            </a:lvl1pPr>
+          </a:lstStyle>
+          <a:p>
+            <a:pPr algn="ctr"/>
+            <a:r>
+              <a:rPr lang="de-DE" sz="4000" b="1" noProof="0" dirty="0">
+                <a:solidFill>
+                  <a:srgbClr val="FFFFFF"/>
+                </a:solidFill>
+              </a:rPr>
+              <a:t>Nice2Haves</a:t>
+            </a:r>
+          </a:p>
+        </p:txBody>
+      </p:sp>
+      <p:cxnSp>
+        <p:nvCxnSpPr>
+          <p:cNvPr id="4" name="Straight Connector 11">
+            <a:extLst>
+              <a:ext uri="{FF2B5EF4-FFF2-40B4-BE49-F238E27FC236}">
+                <a16:creationId xmlns:a16="http://schemas.microsoft.com/office/drawing/2014/main" id="{18E2F1B2-E1F9-A7B3-24D9-9A28C89170B8}"/>
+              </a:ext>
+              <a:ext uri="{C183D7F6-B498-43B3-948B-1728B52AA6E4}">
+                <adec:decorative xmlns:adec="http://schemas.microsoft.com/office/drawing/2017/decorative" val="1"/>
+              </a:ext>
+            </a:extLst>
+          </p:cNvPr>
+          <p:cNvCxnSpPr>
+            <a:cxnSpLocks/>
+          </p:cNvCxnSpPr>
+          <p:nvPr>
+            <p:extLst>
+              <p:ext uri="{386F3935-93C4-4BCD-93E2-E3B085C9AB24}">
+                <p16:designElem xmlns:p16="http://schemas.microsoft.com/office/powerpoint/2015/main" val="1"/>
+              </p:ext>
+            </p:extLst>
+          </p:nvPr>
+        </p:nvCxnSpPr>
+        <p:spPr>
+          <a:xfrm flipH="1">
+            <a:off x="7696200" y="7726680"/>
+            <a:ext cx="1889760" cy="0"/>
+          </a:xfrm>
+          <a:prstGeom prst="line">
+            <a:avLst/>
+          </a:prstGeom>
+          <a:ln w="12700">
+            <a:solidFill>
+              <a:schemeClr val="tx1">
+                <a:lumMod val="50000"/>
+                <a:lumOff val="50000"/>
+              </a:schemeClr>
+            </a:solidFill>
+          </a:ln>
+        </p:spPr>
+        <p:style>
+          <a:lnRef idx="1">
+            <a:schemeClr val="accent1"/>
+          </a:lnRef>
+          <a:fillRef idx="0">
+            <a:schemeClr val="accent1"/>
+          </a:fillRef>
+          <a:effectRef idx="0">
+            <a:schemeClr val="accent1"/>
+          </a:effectRef>
+          <a:fontRef idx="minor">
+            <a:schemeClr val="tx1"/>
+          </a:fontRef>
+        </p:style>
+      </p:cxnSp>
+      <p:sp>
+        <p:nvSpPr>
+          <p:cNvPr id="7" name="Inhaltsplatzhalter 2">
+            <a:extLst>
+              <a:ext uri="{FF2B5EF4-FFF2-40B4-BE49-F238E27FC236}">
+                <a16:creationId xmlns:a16="http://schemas.microsoft.com/office/drawing/2014/main" id="{5F99C5C3-2029-E437-CEFD-37DF65AE1C22}"/>
+              </a:ext>
+            </a:extLst>
+          </p:cNvPr>
+          <p:cNvSpPr txBox="1">
+            <a:spLocks/>
+          </p:cNvSpPr>
+          <p:nvPr/>
+        </p:nvSpPr>
+        <p:spPr>
+          <a:xfrm>
+            <a:off x="3804178" y="728345"/>
+            <a:ext cx="8387080" cy="2116455"/>
+          </a:xfrm>
+          <a:prstGeom prst="rect">
+            <a:avLst/>
+          </a:prstGeom>
+        </p:spPr>
+        <p:txBody>
+          <a:bodyPr vert="horz" lIns="91440" tIns="45720" rIns="91440" bIns="45720" rtlCol="0">
+            <a:normAutofit/>
+          </a:bodyPr>
+          <a:lstStyle>
+            <a:lvl1pPr marL="228600" indent="-228600" algn="l" defTabSz="914400" rtl="0" eaLnBrk="1" latinLnBrk="0" hangingPunct="1">
+              <a:lnSpc>
+                <a:spcPct val="90000"/>
+              </a:lnSpc>
+              <a:spcBef>
+                <a:spcPts val="1000"/>
+              </a:spcBef>
+              <a:buFont typeface="Arial" panose="020B0604020202020204" pitchFamily="34" charset="0"/>
+              <a:buChar char="•"/>
+              <a:defRPr sz="2800" kern="1200">
+                <a:solidFill>
+                  <a:schemeClr val="tx1"/>
+                </a:solidFill>
+                <a:latin typeface="+mn-lt"/>
+                <a:ea typeface="+mn-ea"/>
+                <a:cs typeface="+mn-cs"/>
+              </a:defRPr>
+            </a:lvl1pPr>
+            <a:lvl2pPr marL="685800" indent="-228600" algn="l" defTabSz="914400" rtl="0" eaLnBrk="1" latinLnBrk="0" hangingPunct="1">
+              <a:lnSpc>
+                <a:spcPct val="90000"/>
+              </a:lnSpc>
+              <a:spcBef>
+                <a:spcPts val="500"/>
+              </a:spcBef>
+              <a:buFont typeface="Arial" panose="020B0604020202020204" pitchFamily="34" charset="0"/>
+              <a:buChar char="•"/>
+              <a:defRPr sz="2400" kern="1200">
+                <a:solidFill>
+                  <a:schemeClr val="tx1"/>
+                </a:solidFill>
+                <a:latin typeface="+mn-lt"/>
+                <a:ea typeface="+mn-ea"/>
+                <a:cs typeface="+mn-cs"/>
+              </a:defRPr>
+            </a:lvl2pPr>
+            <a:lvl3pPr marL="1143000" indent="-228600" algn="l" defTabSz="914400" rtl="0" eaLnBrk="1" latinLnBrk="0" hangingPunct="1">
+              <a:lnSpc>
+                <a:spcPct val="90000"/>
+              </a:lnSpc>
+              <a:spcBef>
+                <a:spcPts val="500"/>
+              </a:spcBef>
+              <a:buFont typeface="Arial" panose="020B0604020202020204" pitchFamily="34" charset="0"/>
+              <a:buChar char="•"/>
+              <a:defRPr sz="2000" kern="1200">
+                <a:solidFill>
+                  <a:schemeClr val="tx1"/>
+                </a:solidFill>
+                <a:latin typeface="+mn-lt"/>
+                <a:ea typeface="+mn-ea"/>
+                <a:cs typeface="+mn-cs"/>
+              </a:defRPr>
+            </a:lvl3pPr>
+            <a:lvl4pPr marL="1600200" indent="-228600" algn="l" defTabSz="914400" rtl="0" eaLnBrk="1" latinLnBrk="0" hangingPunct="1">
+              <a:lnSpc>
+                <a:spcPct val="90000"/>
+              </a:lnSpc>
+              <a:spcBef>
+                <a:spcPts val="500"/>
+              </a:spcBef>
+              <a:buFont typeface="Arial" panose="020B0604020202020204" pitchFamily="34" charset="0"/>
+              <a:buChar char="•"/>
+              <a:defRPr sz="1800" kern="1200">
+                <a:solidFill>
+                  <a:schemeClr val="tx1"/>
+                </a:solidFill>
+                <a:latin typeface="+mn-lt"/>
+                <a:ea typeface="+mn-ea"/>
+                <a:cs typeface="+mn-cs"/>
+              </a:defRPr>
+            </a:lvl4pPr>
+            <a:lvl5pPr marL="2057400" indent="-228600" algn="l" defTabSz="914400" rtl="0" eaLnBrk="1" latinLnBrk="0" hangingPunct="1">
+              <a:lnSpc>
+                <a:spcPct val="90000"/>
+              </a:lnSpc>
+              <a:spcBef>
+                <a:spcPts val="500"/>
+              </a:spcBef>
+              <a:buFont typeface="Arial" panose="020B0604020202020204" pitchFamily="34" charset="0"/>
+              <a:buChar char="•"/>
+              <a:defRPr sz="1800" kern="1200">
+                <a:solidFill>
+                  <a:schemeClr val="tx1"/>
+                </a:solidFill>
+                <a:latin typeface="+mn-lt"/>
+                <a:ea typeface="+mn-ea"/>
+                <a:cs typeface="+mn-cs"/>
+              </a:defRPr>
+            </a:lvl5pPr>
+            <a:lvl6pPr marL="2514600" indent="-228600" algn="l" defTabSz="914400" rtl="0" eaLnBrk="1" latinLnBrk="0" hangingPunct="1">
+              <a:lnSpc>
+                <a:spcPct val="90000"/>
+              </a:lnSpc>
+              <a:spcBef>
+                <a:spcPts val="500"/>
+              </a:spcBef>
+              <a:buFont typeface="Arial" panose="020B0604020202020204" pitchFamily="34" charset="0"/>
+              <a:buChar char="•"/>
+              <a:defRPr sz="1800" kern="1200">
+                <a:solidFill>
+                  <a:schemeClr val="tx1"/>
+                </a:solidFill>
+                <a:latin typeface="+mn-lt"/>
+                <a:ea typeface="+mn-ea"/>
+                <a:cs typeface="+mn-cs"/>
+              </a:defRPr>
+            </a:lvl6pPr>
+            <a:lvl7pPr marL="2971800" indent="-228600" algn="l" defTabSz="914400" rtl="0" eaLnBrk="1" latinLnBrk="0" hangingPunct="1">
+              <a:lnSpc>
+                <a:spcPct val="90000"/>
+              </a:lnSpc>
+              <a:spcBef>
+                <a:spcPts val="500"/>
+              </a:spcBef>
+              <a:buFont typeface="Arial" panose="020B0604020202020204" pitchFamily="34" charset="0"/>
+              <a:buChar char="•"/>
+              <a:defRPr sz="1800" kern="1200">
+                <a:solidFill>
+                  <a:schemeClr val="tx1"/>
+                </a:solidFill>
+                <a:latin typeface="+mn-lt"/>
+                <a:ea typeface="+mn-ea"/>
+                <a:cs typeface="+mn-cs"/>
+              </a:defRPr>
+            </a:lvl7pPr>
+            <a:lvl8pPr marL="3429000" indent="-228600" algn="l" defTabSz="914400" rtl="0" eaLnBrk="1" latinLnBrk="0" hangingPunct="1">
+              <a:lnSpc>
+                <a:spcPct val="90000"/>
+              </a:lnSpc>
+              <a:spcBef>
+                <a:spcPts val="500"/>
+              </a:spcBef>
+              <a:buFont typeface="Arial" panose="020B0604020202020204" pitchFamily="34" charset="0"/>
+              <a:buChar char="•"/>
+              <a:defRPr sz="1800" kern="1200">
+                <a:solidFill>
+                  <a:schemeClr val="tx1"/>
+                </a:solidFill>
+                <a:latin typeface="+mn-lt"/>
+                <a:ea typeface="+mn-ea"/>
+                <a:cs typeface="+mn-cs"/>
+              </a:defRPr>
+            </a:lvl8pPr>
+            <a:lvl9pPr marL="3886200" indent="-228600" algn="l" defTabSz="914400" rtl="0" eaLnBrk="1" latinLnBrk="0" hangingPunct="1">
+              <a:lnSpc>
+                <a:spcPct val="90000"/>
+              </a:lnSpc>
+              <a:spcBef>
+                <a:spcPts val="500"/>
+              </a:spcBef>
+              <a:buFont typeface="Arial" panose="020B0604020202020204" pitchFamily="34" charset="0"/>
+              <a:buChar char="•"/>
+              <a:defRPr sz="1800" kern="1200">
+                <a:solidFill>
+                  <a:schemeClr val="tx1"/>
+                </a:solidFill>
+                <a:latin typeface="+mn-lt"/>
+                <a:ea typeface="+mn-ea"/>
+                <a:cs typeface="+mn-cs"/>
+              </a:defRPr>
+            </a:lvl9pPr>
+          </a:lstStyle>
+          <a:p>
+            <a:pPr marL="0" indent="0">
+              <a:buNone/>
+            </a:pPr>
+            <a:r>
+              <a:rPr lang="de-DE" sz="1900" b="1" dirty="0"/>
+              <a:t>Outdoor:</a:t>
+            </a:r>
+          </a:p>
+          <a:p>
+            <a:r>
+              <a:rPr lang="de-DE" sz="1900" dirty="0">
+                <a:sym typeface="Wingdings" panose="05000000000000000000" pitchFamily="2" charset="2"/>
+              </a:rPr>
+              <a:t>Luftpartikelsensor</a:t>
+            </a:r>
+          </a:p>
+          <a:p>
+            <a:r>
+              <a:rPr lang="de-DE" sz="1900" dirty="0">
+                <a:sym typeface="Wingdings" panose="05000000000000000000" pitchFamily="2" charset="2"/>
+              </a:rPr>
+              <a:t>Sonnenlichtabhängige Sensoren</a:t>
+            </a:r>
+          </a:p>
+          <a:p>
+            <a:r>
+              <a:rPr lang="de-DE" sz="1900">
+                <a:sym typeface="Wingdings" panose="05000000000000000000" pitchFamily="2" charset="2"/>
+              </a:rPr>
+              <a:t>Windmessung </a:t>
+            </a:r>
+            <a:r>
+              <a:rPr lang="de-DE" sz="1900" dirty="0">
+                <a:sym typeface="Wingdings" panose="05000000000000000000" pitchFamily="2" charset="2"/>
+              </a:rPr>
+              <a:t>über Ultraschall</a:t>
+            </a:r>
+          </a:p>
+          <a:p>
+            <a:endParaRPr lang="de-DE" dirty="0">
+              <a:sym typeface="Wingdings" panose="05000000000000000000" pitchFamily="2" charset="2"/>
+            </a:endParaRPr>
+          </a:p>
+          <a:p>
+            <a:endParaRPr lang="de-DE" dirty="0"/>
+          </a:p>
+          <a:p>
+            <a:endParaRPr lang="de-DE" dirty="0"/>
+          </a:p>
+        </p:txBody>
+      </p:sp>
+      <p:sp>
+        <p:nvSpPr>
+          <p:cNvPr id="8" name="Inhaltsplatzhalter 2">
+            <a:extLst>
+              <a:ext uri="{FF2B5EF4-FFF2-40B4-BE49-F238E27FC236}">
+                <a16:creationId xmlns:a16="http://schemas.microsoft.com/office/drawing/2014/main" id="{2CEB745C-8AD7-31A0-A4CC-BA83E78A166A}"/>
+              </a:ext>
+            </a:extLst>
+          </p:cNvPr>
+          <p:cNvSpPr txBox="1">
+            <a:spLocks/>
+          </p:cNvSpPr>
+          <p:nvPr/>
+        </p:nvSpPr>
+        <p:spPr>
+          <a:xfrm>
+            <a:off x="3804178" y="3525521"/>
+            <a:ext cx="10515600" cy="1009015"/>
+          </a:xfrm>
+          <a:prstGeom prst="rect">
+            <a:avLst/>
+          </a:prstGeom>
+        </p:spPr>
+        <p:txBody>
+          <a:bodyPr>
+            <a:normAutofit fontScale="70000" lnSpcReduction="20000"/>
+          </a:bodyPr>
+          <a:lstStyle>
+            <a:lvl1pPr marL="228600" indent="-228600" algn="l" defTabSz="914400" rtl="0" eaLnBrk="1" latinLnBrk="0" hangingPunct="1">
+              <a:lnSpc>
+                <a:spcPct val="90000"/>
+              </a:lnSpc>
+              <a:spcBef>
+                <a:spcPts val="1000"/>
+              </a:spcBef>
+              <a:buFont typeface="Arial" panose="020B0604020202020204" pitchFamily="34" charset="0"/>
+              <a:buChar char="•"/>
+              <a:defRPr sz="2800" kern="1200">
+                <a:solidFill>
+                  <a:schemeClr val="tx1"/>
+                </a:solidFill>
+                <a:latin typeface="+mn-lt"/>
+                <a:ea typeface="+mn-ea"/>
+                <a:cs typeface="+mn-cs"/>
+              </a:defRPr>
+            </a:lvl1pPr>
+            <a:lvl2pPr marL="685800" indent="-228600" algn="l" defTabSz="914400" rtl="0" eaLnBrk="1" latinLnBrk="0" hangingPunct="1">
+              <a:lnSpc>
+                <a:spcPct val="90000"/>
+              </a:lnSpc>
+              <a:spcBef>
+                <a:spcPts val="500"/>
+              </a:spcBef>
+              <a:buFont typeface="Arial" panose="020B0604020202020204" pitchFamily="34" charset="0"/>
+              <a:buChar char="•"/>
+              <a:defRPr sz="2400" kern="1200">
+                <a:solidFill>
+                  <a:schemeClr val="tx1"/>
+                </a:solidFill>
+                <a:latin typeface="+mn-lt"/>
+                <a:ea typeface="+mn-ea"/>
+                <a:cs typeface="+mn-cs"/>
+              </a:defRPr>
+            </a:lvl2pPr>
+            <a:lvl3pPr marL="1143000" indent="-228600" algn="l" defTabSz="914400" rtl="0" eaLnBrk="1" latinLnBrk="0" hangingPunct="1">
+              <a:lnSpc>
+                <a:spcPct val="90000"/>
+              </a:lnSpc>
+              <a:spcBef>
+                <a:spcPts val="500"/>
+              </a:spcBef>
+              <a:buFont typeface="Arial" panose="020B0604020202020204" pitchFamily="34" charset="0"/>
+              <a:buChar char="•"/>
+              <a:defRPr sz="2000" kern="1200">
+                <a:solidFill>
+                  <a:schemeClr val="tx1"/>
+                </a:solidFill>
+                <a:latin typeface="+mn-lt"/>
+                <a:ea typeface="+mn-ea"/>
+                <a:cs typeface="+mn-cs"/>
+              </a:defRPr>
+            </a:lvl3pPr>
+            <a:lvl4pPr marL="1600200" indent="-228600" algn="l" defTabSz="914400" rtl="0" eaLnBrk="1" latinLnBrk="0" hangingPunct="1">
+              <a:lnSpc>
+                <a:spcPct val="90000"/>
+              </a:lnSpc>
+              <a:spcBef>
+                <a:spcPts val="500"/>
+              </a:spcBef>
+              <a:buFont typeface="Arial" panose="020B0604020202020204" pitchFamily="34" charset="0"/>
+              <a:buChar char="•"/>
+              <a:defRPr sz="1800" kern="1200">
+                <a:solidFill>
+                  <a:schemeClr val="tx1"/>
+                </a:solidFill>
+                <a:latin typeface="+mn-lt"/>
+                <a:ea typeface="+mn-ea"/>
+                <a:cs typeface="+mn-cs"/>
+              </a:defRPr>
+            </a:lvl4pPr>
+            <a:lvl5pPr marL="2057400" indent="-228600" algn="l" defTabSz="914400" rtl="0" eaLnBrk="1" latinLnBrk="0" hangingPunct="1">
+              <a:lnSpc>
+                <a:spcPct val="90000"/>
+              </a:lnSpc>
+              <a:spcBef>
+                <a:spcPts val="500"/>
+              </a:spcBef>
+              <a:buFont typeface="Arial" panose="020B0604020202020204" pitchFamily="34" charset="0"/>
+              <a:buChar char="•"/>
+              <a:defRPr sz="1800" kern="1200">
+                <a:solidFill>
+                  <a:schemeClr val="tx1"/>
+                </a:solidFill>
+                <a:latin typeface="+mn-lt"/>
+                <a:ea typeface="+mn-ea"/>
+                <a:cs typeface="+mn-cs"/>
+              </a:defRPr>
+            </a:lvl5pPr>
+            <a:lvl6pPr marL="2514600" indent="-228600" algn="l" defTabSz="914400" rtl="0" eaLnBrk="1" latinLnBrk="0" hangingPunct="1">
+              <a:lnSpc>
+                <a:spcPct val="90000"/>
+              </a:lnSpc>
+              <a:spcBef>
+                <a:spcPts val="500"/>
+              </a:spcBef>
+              <a:buFont typeface="Arial" panose="020B0604020202020204" pitchFamily="34" charset="0"/>
+              <a:buChar char="•"/>
+              <a:defRPr sz="1800" kern="1200">
+                <a:solidFill>
+                  <a:schemeClr val="tx1"/>
+                </a:solidFill>
+                <a:latin typeface="+mn-lt"/>
+                <a:ea typeface="+mn-ea"/>
+                <a:cs typeface="+mn-cs"/>
+              </a:defRPr>
+            </a:lvl6pPr>
+            <a:lvl7pPr marL="2971800" indent="-228600" algn="l" defTabSz="914400" rtl="0" eaLnBrk="1" latinLnBrk="0" hangingPunct="1">
+              <a:lnSpc>
+                <a:spcPct val="90000"/>
+              </a:lnSpc>
+              <a:spcBef>
+                <a:spcPts val="500"/>
+              </a:spcBef>
+              <a:buFont typeface="Arial" panose="020B0604020202020204" pitchFamily="34" charset="0"/>
+              <a:buChar char="•"/>
+              <a:defRPr sz="1800" kern="1200">
+                <a:solidFill>
+                  <a:schemeClr val="tx1"/>
+                </a:solidFill>
+                <a:latin typeface="+mn-lt"/>
+                <a:ea typeface="+mn-ea"/>
+                <a:cs typeface="+mn-cs"/>
+              </a:defRPr>
+            </a:lvl7pPr>
+            <a:lvl8pPr marL="3429000" indent="-228600" algn="l" defTabSz="914400" rtl="0" eaLnBrk="1" latinLnBrk="0" hangingPunct="1">
+              <a:lnSpc>
+                <a:spcPct val="90000"/>
+              </a:lnSpc>
+              <a:spcBef>
+                <a:spcPts val="500"/>
+              </a:spcBef>
+              <a:buFont typeface="Arial" panose="020B0604020202020204" pitchFamily="34" charset="0"/>
+              <a:buChar char="•"/>
+              <a:defRPr sz="1800" kern="1200">
+                <a:solidFill>
+                  <a:schemeClr val="tx1"/>
+                </a:solidFill>
+                <a:latin typeface="+mn-lt"/>
+                <a:ea typeface="+mn-ea"/>
+                <a:cs typeface="+mn-cs"/>
+              </a:defRPr>
+            </a:lvl8pPr>
+            <a:lvl9pPr marL="3886200" indent="-228600" algn="l" defTabSz="914400" rtl="0" eaLnBrk="1" latinLnBrk="0" hangingPunct="1">
+              <a:lnSpc>
+                <a:spcPct val="90000"/>
+              </a:lnSpc>
+              <a:spcBef>
+                <a:spcPts val="500"/>
+              </a:spcBef>
+              <a:buFont typeface="Arial" panose="020B0604020202020204" pitchFamily="34" charset="0"/>
+              <a:buChar char="•"/>
+              <a:defRPr sz="1800" kern="1200">
+                <a:solidFill>
+                  <a:schemeClr val="tx1"/>
+                </a:solidFill>
+                <a:latin typeface="+mn-lt"/>
+                <a:ea typeface="+mn-ea"/>
+                <a:cs typeface="+mn-cs"/>
+              </a:defRPr>
+            </a:lvl9pPr>
+          </a:lstStyle>
+          <a:p>
+            <a:pPr marL="0" indent="0">
+              <a:buNone/>
+            </a:pPr>
+            <a:r>
+              <a:rPr lang="de-DE" sz="2700" b="1" dirty="0"/>
+              <a:t>Indoor:</a:t>
+            </a:r>
+          </a:p>
+          <a:p>
+            <a:r>
+              <a:rPr lang="de-DE" sz="2700" dirty="0"/>
+              <a:t>WS2812 (</a:t>
+            </a:r>
+            <a:r>
+              <a:rPr lang="de-DE" sz="2700" dirty="0" err="1"/>
+              <a:t>Wled</a:t>
+            </a:r>
+            <a:r>
+              <a:rPr lang="de-DE" sz="2700" dirty="0"/>
+              <a:t>)	</a:t>
+            </a:r>
+            <a:r>
+              <a:rPr lang="de-DE" sz="2700" dirty="0">
+                <a:sym typeface="Wingdings" panose="05000000000000000000" pitchFamily="2" charset="2"/>
+              </a:rPr>
+              <a:t> </a:t>
+            </a:r>
+            <a:r>
+              <a:rPr lang="de-DE" sz="2700" dirty="0" err="1">
+                <a:sym typeface="Wingdings" panose="05000000000000000000" pitchFamily="2" charset="2"/>
+              </a:rPr>
+              <a:t>visiulasierung</a:t>
+            </a:r>
+            <a:r>
+              <a:rPr lang="de-DE" sz="2700" dirty="0">
+                <a:sym typeface="Wingdings" panose="05000000000000000000" pitchFamily="2" charset="2"/>
+              </a:rPr>
+              <a:t> von ideal </a:t>
+            </a:r>
+            <a:r>
+              <a:rPr lang="de-DE" sz="2700" dirty="0" err="1">
+                <a:sym typeface="Wingdings" panose="05000000000000000000" pitchFamily="2" charset="2"/>
+              </a:rPr>
+              <a:t>status</a:t>
+            </a:r>
+            <a:endParaRPr lang="de-DE" sz="2700" dirty="0">
+              <a:sym typeface="Wingdings" panose="05000000000000000000" pitchFamily="2" charset="2"/>
+            </a:endParaRPr>
+          </a:p>
+          <a:p>
+            <a:r>
+              <a:rPr lang="de-DE" sz="2700" dirty="0">
+                <a:sym typeface="Wingdings" panose="05000000000000000000" pitchFamily="2" charset="2"/>
+              </a:rPr>
+              <a:t>Luftpartikel</a:t>
+            </a:r>
+          </a:p>
+          <a:p>
+            <a:endParaRPr lang="de-DE" dirty="0">
+              <a:sym typeface="Wingdings" panose="05000000000000000000" pitchFamily="2" charset="2"/>
+            </a:endParaRPr>
+          </a:p>
+          <a:p>
+            <a:endParaRPr lang="de-DE" dirty="0"/>
+          </a:p>
+          <a:p>
+            <a:endParaRPr lang="de-DE" dirty="0"/>
+          </a:p>
+        </p:txBody>
+      </p:sp>
+    </p:spTree>
+    <p:extLst>
+      <p:ext uri="{BB962C8B-B14F-4D97-AF65-F5344CB8AC3E}">
+        <p14:creationId xmlns:p14="http://schemas.microsoft.com/office/powerpoint/2010/main" val="2958476914"/>
+      </p:ext>
+    </p:extLst>
+  </p:cSld>
+  <p:clrMapOvr>
+    <a:masterClrMapping/>
+  </p:clrMapOvr>
+</p:sld>
+</file>
+
+<file path=ppt/slides/slide8.xml><?xml version="1.0" encoding="utf-8"?>
 <p:sld xmlns:a="http://schemas.openxmlformats.org/drawingml/2006/main" xmlns:r="http://schemas.openxmlformats.org/officeDocument/2006/relationships" xmlns:p="http://schemas.openxmlformats.org/presentationml/2006/main">
   <p:cSld>
     <p:spTree>
@@ -14582,7 +16221,7 @@
               <a:tabLst/>
               <a:defRPr/>
             </a:pPr>
-            <a:endParaRPr kumimoji="0" lang="en-US" sz="1800" b="0" i="0" u="none" strike="noStrike" kern="1200" cap="none" spc="0" normalizeH="0" baseline="0" noProof="0">
+            <a:endParaRPr kumimoji="0" lang="de-DE" sz="1800" b="0" i="0" u="none" strike="noStrike" kern="1200" cap="none" spc="0" normalizeH="0" baseline="0" noProof="0" dirty="0">
               <a:ln>
                 <a:noFill/>
               </a:ln>
@@ -14629,7 +16268,7 @@
           <a:p>
             <a:pPr algn="ctr"/>
             <a:r>
-              <a:rPr lang="de-DE" sz="4000" b="1" dirty="0">
+              <a:rPr lang="de-DE" sz="4000" b="1" noProof="0" dirty="0">
                 <a:solidFill>
                   <a:srgbClr val="FFFFFF"/>
                 </a:solidFill>
@@ -14637,14 +16276,14 @@
               <a:t>Nice2Haves</a:t>
             </a:r>
             <a:br>
-              <a:rPr lang="de-DE" sz="4000" b="1" dirty="0">
+              <a:rPr lang="de-DE" sz="4000" b="1" noProof="0" dirty="0">
                 <a:solidFill>
                   <a:srgbClr val="FFFFFF"/>
                 </a:solidFill>
               </a:rPr>
             </a:br>
             <a:r>
-              <a:rPr lang="de-DE" sz="4000" b="1" dirty="0">
+              <a:rPr lang="de-DE" sz="4000" b="1" noProof="0" dirty="0">
                 <a:solidFill>
                   <a:srgbClr val="FFFFFF"/>
                 </a:solidFill>
@@ -14686,7 +16325,7 @@
               <a:buNone/>
             </a:pPr>
             <a:r>
-              <a:rPr lang="de-DE" sz="2000" b="1" dirty="0"/>
+              <a:rPr lang="de-DE" sz="2000" b="1" noProof="0" dirty="0"/>
               <a:t>Indoor:</a:t>
             </a:r>
           </a:p>
@@ -14941,48 +16580,48 @@
               <a:buNone/>
             </a:pPr>
             <a:r>
-              <a:rPr lang="de-DE" sz="2000" b="1" dirty="0"/>
+              <a:rPr lang="de-DE" sz="2000" b="1" noProof="0" dirty="0"/>
               <a:t>Outdoor:</a:t>
             </a:r>
           </a:p>
           <a:p>
             <a:r>
-              <a:rPr lang="de-DE" sz="2000" dirty="0"/>
+              <a:rPr lang="de-DE" sz="2000" noProof="0" dirty="0"/>
               <a:t>Sichtweite</a:t>
             </a:r>
           </a:p>
           <a:p>
             <a:r>
-              <a:rPr lang="de-DE" sz="2000" dirty="0"/>
+              <a:rPr lang="de-DE" sz="2000" noProof="0" dirty="0"/>
               <a:t>Einstrahlungsenergie pro m</a:t>
             </a:r>
             <a:r>
-              <a:rPr lang="de-DE" sz="2000" baseline="30000" dirty="0"/>
+              <a:rPr lang="de-DE" sz="2000" baseline="30000" noProof="0" dirty="0"/>
               <a:t>2</a:t>
             </a:r>
           </a:p>
           <a:p>
             <a:r>
-              <a:rPr lang="de-DE" sz="2000" dirty="0"/>
+              <a:rPr lang="de-DE" sz="2000" noProof="0" dirty="0"/>
               <a:t>kWh/m</a:t>
             </a:r>
             <a:r>
-              <a:rPr lang="de-DE" sz="2000" baseline="30000" dirty="0"/>
+              <a:rPr lang="de-DE" sz="2000" baseline="30000" noProof="0" dirty="0"/>
               <a:t>2</a:t>
             </a:r>
             <a:r>
-              <a:rPr lang="de-DE" sz="2000" dirty="0"/>
+              <a:rPr lang="de-DE" sz="2000" noProof="0" dirty="0"/>
               <a:t> (Sonneneinstrahlung)</a:t>
             </a:r>
           </a:p>
           <a:p>
             <a:r>
-              <a:rPr lang="de-DE" sz="2000" dirty="0"/>
+              <a:rPr lang="de-DE" sz="2000" noProof="0" dirty="0"/>
               <a:t>Taupunkt</a:t>
             </a:r>
           </a:p>
           <a:p>
-            <a:endParaRPr lang="de-DE" sz="2000" b="1" dirty="0"/>
+            <a:endParaRPr lang="de-DE" sz="2000" b="1" noProof="0" dirty="0"/>
           </a:p>
         </p:txBody>
       </p:sp>
@@ -14999,7 +16638,7 @@
 </p:sld>
 </file>
 
-<file path=ppt/slides/slide6.xml><?xml version="1.0" encoding="utf-8"?>
+<file path=ppt/slides/slide9.xml><?xml version="1.0" encoding="utf-8"?>
 <p:sld xmlns:a="http://schemas.openxmlformats.org/drawingml/2006/main" xmlns:r="http://schemas.openxmlformats.org/officeDocument/2006/relationships" xmlns:p="http://schemas.openxmlformats.org/presentationml/2006/main">
   <p:cSld>
     <p:spTree>
@@ -15089,7 +16728,7 @@
               <a:tabLst/>
               <a:defRPr/>
             </a:pPr>
-            <a:endParaRPr kumimoji="0" lang="en-US" sz="1800" b="0" i="0" u="none" strike="noStrike" kern="1200" cap="none" spc="0" normalizeH="0" baseline="0" noProof="0">
+            <a:endParaRPr kumimoji="0" lang="de-DE" sz="1800" b="0" i="0" u="none" strike="noStrike" kern="1200" cap="none" spc="0" normalizeH="0" baseline="0" noProof="0" dirty="0">
               <a:ln>
                 <a:noFill/>
               </a:ln>
@@ -15155,22 +16794,22 @@
           <a:p>
             <a:pPr algn="ctr"/>
             <a:r>
-              <a:rPr lang="de-DE" sz="4000" b="1" dirty="0">
+              <a:rPr lang="de-DE" sz="4000" b="1" noProof="0" dirty="0">
                 <a:solidFill>
                   <a:srgbClr val="FFFFFF"/>
                 </a:solidFill>
               </a:rPr>
-              <a:t>Genutztes</a:t>
+              <a:t>Nice2Have</a:t>
             </a:r>
             <a:br>
-              <a:rPr lang="de-DE" sz="4000" b="1" dirty="0">
+              <a:rPr lang="de-DE" sz="4000" b="1" noProof="0" dirty="0">
                 <a:solidFill>
                   <a:srgbClr val="FFFFFF"/>
                 </a:solidFill>
               </a:rPr>
             </a:br>
             <a:r>
-              <a:rPr lang="de-DE" sz="4000" b="1" dirty="0">
+              <a:rPr lang="de-DE" sz="4000" b="1" noProof="0" dirty="0">
                 <a:solidFill>
                   <a:srgbClr val="FFFFFF"/>
                 </a:solidFill>
@@ -15181,7 +16820,7 @@
           <a:p>
             <a:pPr algn="ctr"/>
             <a:r>
-              <a:rPr lang="de-DE" sz="4000" b="1" dirty="0">
+              <a:rPr lang="de-DE" sz="4000" b="1" noProof="0" dirty="0">
                 <a:solidFill>
                   <a:srgbClr val="FFFFFF"/>
                 </a:solidFill>
@@ -15442,23 +17081,23 @@
               <a:buNone/>
             </a:pPr>
             <a:r>
-              <a:rPr lang="de-DE" sz="2000" b="1" dirty="0"/>
+              <a:rPr lang="de-DE" sz="2000" b="1" noProof="0" dirty="0"/>
               <a:t>Vorteile gegenüber WLAN:</a:t>
             </a:r>
           </a:p>
           <a:p>
             <a:r>
-              <a:rPr lang="de-DE" sz="2000" dirty="0"/>
+              <a:rPr lang="de-DE" sz="2000" noProof="0" dirty="0"/>
               <a:t>Geringer Stromverbrauch</a:t>
             </a:r>
           </a:p>
           <a:p>
             <a:r>
-              <a:rPr lang="de-DE" sz="2000" dirty="0"/>
+              <a:rPr lang="de-DE" sz="2000" noProof="0" dirty="0"/>
               <a:t>Unterstützt Mesh-Netzwerke	</a:t>
             </a:r>
             <a:r>
-              <a:rPr lang="de-DE" sz="2000" dirty="0">
+              <a:rPr lang="de-DE" sz="2000" noProof="0" dirty="0">
                 <a:sym typeface="Wingdings" panose="05000000000000000000" pitchFamily="2" charset="2"/>
               </a:rPr>
               <a:t> 	Geräte können direkt 						miteinander kommunizieren 					und Signale weiterleiten</a:t>
@@ -15466,7 +17105,7 @@
           </a:p>
           <a:p>
             <a:r>
-              <a:rPr lang="de-DE" sz="2000" dirty="0">
+              <a:rPr lang="de-DE" sz="2000" noProof="0" dirty="0">
                 <a:sym typeface="Wingdings" panose="05000000000000000000" pitchFamily="2" charset="2"/>
               </a:rPr>
               <a:t>Ist besser für Smart-Home Geräte ausgelegt</a:t>
@@ -15474,7 +17113,7 @@
           </a:p>
           <a:p>
             <a:r>
-              <a:rPr lang="de-DE" sz="2000" dirty="0">
+              <a:rPr lang="de-DE" sz="2000" noProof="0" dirty="0">
                 <a:sym typeface="Wingdings" panose="05000000000000000000" pitchFamily="2" charset="2"/>
               </a:rPr>
               <a:t>Thread-Netzwerke können Tausende von Geräten effizient verbinden</a:t>
@@ -15482,7 +17121,7 @@
           </a:p>
           <a:p>
             <a:r>
-              <a:rPr lang="de-DE" sz="2000" dirty="0">
+              <a:rPr lang="de-DE" sz="2000" noProof="0" dirty="0">
                 <a:sym typeface="Wingdings" panose="05000000000000000000" pitchFamily="2" charset="2"/>
               </a:rPr>
               <a:t>IEEE 802.15.4 basiert			arbeitet in einem 						Frequenzbereich der weniger 					überlastet ist</a:t>
@@ -15490,13 +17129,13 @@
           </a:p>
           <a:p>
             <a:r>
-              <a:rPr lang="de-DE" sz="2000" dirty="0"/>
+              <a:rPr lang="de-DE" sz="2000" noProof="0" dirty="0"/>
               <a:t>Beinhaltet integrierte Sicherheitsfunktionen</a:t>
             </a:r>
           </a:p>
           <a:p>
             <a:r>
-              <a:rPr lang="de-DE" sz="2000" dirty="0"/>
+              <a:rPr lang="de-DE" sz="2000" noProof="0" dirty="0"/>
               <a:t>Es gibt keinen zentralen Router</a:t>
             </a:r>
           </a:p>
@@ -15504,7 +17143,7 @@
             <a:pPr marL="0" indent="0">
               <a:buNone/>
             </a:pPr>
-            <a:endParaRPr lang="de-DE" sz="2000" dirty="0"/>
+            <a:endParaRPr lang="de-DE" sz="2000" noProof="0" dirty="0"/>
           </a:p>
         </p:txBody>
       </p:sp>
@@ -15512,790 +17151,6 @@
     <p:extLst>
       <p:ext uri="{BB962C8B-B14F-4D97-AF65-F5344CB8AC3E}">
         <p14:creationId xmlns:p14="http://schemas.microsoft.com/office/powerpoint/2010/main" val="3791225581"/>
-      </p:ext>
-    </p:extLst>
-  </p:cSld>
-  <p:clrMapOvr>
-    <a:masterClrMapping/>
-  </p:clrMapOvr>
-</p:sld>
-</file>
-
-<file path=ppt/slides/slide7.xml><?xml version="1.0" encoding="utf-8"?>
-<p:sld xmlns:a="http://schemas.openxmlformats.org/drawingml/2006/main" xmlns:r="http://schemas.openxmlformats.org/officeDocument/2006/relationships" xmlns:p="http://schemas.openxmlformats.org/presentationml/2006/main">
-  <p:cSld>
-    <p:bg>
-      <p:bgPr>
-        <a:solidFill>
-          <a:schemeClr val="bg1"/>
-        </a:solidFill>
-        <a:effectLst/>
-      </p:bgPr>
-    </p:bg>
-    <p:spTree>
-      <p:nvGrpSpPr>
-        <p:cNvPr id="1" name=""/>
-        <p:cNvGrpSpPr/>
-        <p:nvPr/>
-      </p:nvGrpSpPr>
-      <p:grpSpPr>
-        <a:xfrm>
-          <a:off x="0" y="0"/>
-          <a:ext cx="0" cy="0"/>
-          <a:chOff x="0" y="0"/>
-          <a:chExt cx="0" cy="0"/>
-        </a:xfrm>
-      </p:grpSpPr>
-      <p:sp>
-        <p:nvSpPr>
-          <p:cNvPr id="10" name="Rectangle 9">
-            <a:extLst>
-              <a:ext uri="{FF2B5EF4-FFF2-40B4-BE49-F238E27FC236}">
-                <a16:creationId xmlns:a16="http://schemas.microsoft.com/office/drawing/2014/main" id="{6753252F-4873-4F63-801D-CC719279A7D5}"/>
-              </a:ext>
-              <a:ext uri="{C183D7F6-B498-43B3-948B-1728B52AA6E4}">
-                <adec:decorative xmlns:adec="http://schemas.microsoft.com/office/drawing/2017/decorative" val="1"/>
-              </a:ext>
-            </a:extLst>
-          </p:cNvPr>
-          <p:cNvSpPr>
-            <a:spLocks noGrp="1" noRot="1" noChangeAspect="1" noMove="1" noResize="1" noEditPoints="1" noAdjustHandles="1" noChangeArrowheads="1" noChangeShapeType="1" noTextEdit="1"/>
-          </p:cNvSpPr>
-          <p:nvPr>
-            <p:extLst>
-              <p:ext uri="{386F3935-93C4-4BCD-93E2-E3B085C9AB24}">
-                <p16:designElem xmlns:p16="http://schemas.microsoft.com/office/powerpoint/2015/main" val="1"/>
-              </p:ext>
-            </p:extLst>
-          </p:nvPr>
-        </p:nvSpPr>
-        <p:spPr>
-          <a:xfrm>
-            <a:off x="0" y="0"/>
-            <a:ext cx="12192000" cy="6858000"/>
-          </a:xfrm>
-          <a:prstGeom prst="rect">
-            <a:avLst/>
-          </a:prstGeom>
-          <a:solidFill>
-            <a:srgbClr val="FFFFFF"/>
-          </a:solidFill>
-          <a:ln>
-            <a:noFill/>
-          </a:ln>
-        </p:spPr>
-        <p:style>
-          <a:lnRef idx="2">
-            <a:schemeClr val="accent1">
-              <a:shade val="50000"/>
-            </a:schemeClr>
-          </a:lnRef>
-          <a:fillRef idx="1">
-            <a:schemeClr val="accent1"/>
-          </a:fillRef>
-          <a:effectRef idx="0">
-            <a:schemeClr val="accent1"/>
-          </a:effectRef>
-          <a:fontRef idx="minor">
-            <a:schemeClr val="lt1"/>
-          </a:fontRef>
-        </p:style>
-        <p:txBody>
-          <a:bodyPr rtlCol="0" anchor="ctr"/>
-          <a:lstStyle/>
-          <a:p>
-            <a:pPr algn="ctr"/>
-            <a:endParaRPr lang="en-US"/>
-          </a:p>
-        </p:txBody>
-      </p:sp>
-      <p:sp>
-        <p:nvSpPr>
-          <p:cNvPr id="12" name="Rectangle 11">
-            <a:extLst>
-              <a:ext uri="{FF2B5EF4-FFF2-40B4-BE49-F238E27FC236}">
-                <a16:creationId xmlns:a16="http://schemas.microsoft.com/office/drawing/2014/main" id="{047C8CCB-F95D-4249-92DD-651249D3535A}"/>
-              </a:ext>
-              <a:ext uri="{C183D7F6-B498-43B3-948B-1728B52AA6E4}">
-                <adec:decorative xmlns:adec="http://schemas.microsoft.com/office/drawing/2017/decorative" val="1"/>
-              </a:ext>
-            </a:extLst>
-          </p:cNvPr>
-          <p:cNvSpPr>
-            <a:spLocks noGrp="1" noRot="1" noChangeAspect="1" noMove="1" noResize="1" noEditPoints="1" noAdjustHandles="1" noChangeArrowheads="1" noChangeShapeType="1" noTextEdit="1"/>
-          </p:cNvSpPr>
-          <p:nvPr>
-            <p:extLst>
-              <p:ext uri="{386F3935-93C4-4BCD-93E2-E3B085C9AB24}">
-                <p16:designElem xmlns:p16="http://schemas.microsoft.com/office/powerpoint/2015/main" val="1"/>
-              </p:ext>
-            </p:extLst>
-          </p:nvPr>
-        </p:nvSpPr>
-        <p:spPr>
-          <a:xfrm>
-            <a:off x="0" y="0"/>
-            <a:ext cx="2013557" cy="6858000"/>
-          </a:xfrm>
-          <a:prstGeom prst="rect">
-            <a:avLst/>
-          </a:prstGeom>
-          <a:solidFill>
-            <a:srgbClr val="7F7F7F"/>
-          </a:solidFill>
-          <a:ln>
-            <a:noFill/>
-          </a:ln>
-        </p:spPr>
-        <p:style>
-          <a:lnRef idx="2">
-            <a:schemeClr val="accent1">
-              <a:shade val="50000"/>
-            </a:schemeClr>
-          </a:lnRef>
-          <a:fillRef idx="1">
-            <a:schemeClr val="accent1"/>
-          </a:fillRef>
-          <a:effectRef idx="0">
-            <a:schemeClr val="accent1"/>
-          </a:effectRef>
-          <a:fontRef idx="minor">
-            <a:schemeClr val="lt1"/>
-          </a:fontRef>
-        </p:style>
-        <p:txBody>
-          <a:bodyPr rtlCol="0" anchor="ctr"/>
-          <a:lstStyle/>
-          <a:p>
-            <a:pPr algn="ctr"/>
-            <a:endParaRPr lang="en-US"/>
-          </a:p>
-        </p:txBody>
-      </p:sp>
-      <p:sp>
-        <p:nvSpPr>
-          <p:cNvPr id="2" name="Titel 1">
-            <a:extLst>
-              <a:ext uri="{FF2B5EF4-FFF2-40B4-BE49-F238E27FC236}">
-                <a16:creationId xmlns:a16="http://schemas.microsoft.com/office/drawing/2014/main" id="{75CBCCD9-D2DF-DE01-EC57-3CEF21C37657}"/>
-              </a:ext>
-            </a:extLst>
-          </p:cNvPr>
-          <p:cNvSpPr>
-            <a:spLocks noGrp="1"/>
-          </p:cNvSpPr>
-          <p:nvPr>
-            <p:ph type="title"/>
-          </p:nvPr>
-        </p:nvSpPr>
-        <p:spPr>
-          <a:xfrm>
-            <a:off x="640080" y="2074363"/>
-            <a:ext cx="2752354" cy="2709275"/>
-          </a:xfrm>
-          <a:prstGeom prst="ellipse">
-            <a:avLst/>
-          </a:prstGeom>
-          <a:solidFill>
-            <a:srgbClr val="262626"/>
-          </a:solidFill>
-          <a:ln w="174625" cmpd="thinThick">
-            <a:solidFill>
-              <a:srgbClr val="262626"/>
-            </a:solidFill>
-          </a:ln>
-        </p:spPr>
-        <p:txBody>
-          <a:bodyPr vert="horz" lIns="91440" tIns="45720" rIns="91440" bIns="45720" rtlCol="0" anchor="ctr">
-            <a:normAutofit/>
-          </a:bodyPr>
-          <a:lstStyle/>
-          <a:p>
-            <a:pPr algn="ctr"/>
-            <a:r>
-              <a:rPr lang="en-US" sz="2000" b="1" kern="1200">
-                <a:solidFill>
-                  <a:srgbClr val="FFFFFF"/>
-                </a:solidFill>
-                <a:latin typeface="+mj-lt"/>
-                <a:ea typeface="+mj-ea"/>
-                <a:cs typeface="+mj-cs"/>
-              </a:rPr>
-              <a:t>Blockschaltbild</a:t>
-            </a:r>
-          </a:p>
-        </p:txBody>
-      </p:sp>
-      <p:pic>
-        <p:nvPicPr>
-          <p:cNvPr id="5" name="Grafik 4">
-            <a:extLst>
-              <a:ext uri="{FF2B5EF4-FFF2-40B4-BE49-F238E27FC236}">
-                <a16:creationId xmlns:a16="http://schemas.microsoft.com/office/drawing/2014/main" id="{A0486A4E-2756-B40D-020B-AC4698F0FBAB}"/>
-              </a:ext>
-            </a:extLst>
-          </p:cNvPr>
-          <p:cNvPicPr>
-            <a:picLocks noChangeAspect="1"/>
-          </p:cNvPicPr>
-          <p:nvPr/>
-        </p:nvPicPr>
-        <p:blipFill>
-          <a:blip r:embed="rId2"/>
-          <a:srcRect l="7490" t="5779" r="16712" b="11423"/>
-          <a:stretch/>
-        </p:blipFill>
-        <p:spPr>
-          <a:xfrm>
-            <a:off x="3392434" y="502920"/>
-            <a:ext cx="8453119" cy="5852160"/>
-          </a:xfrm>
-          <a:prstGeom prst="rect">
-            <a:avLst/>
-          </a:prstGeom>
-        </p:spPr>
-      </p:pic>
-    </p:spTree>
-    <p:extLst>
-      <p:ext uri="{BB962C8B-B14F-4D97-AF65-F5344CB8AC3E}">
-        <p14:creationId xmlns:p14="http://schemas.microsoft.com/office/powerpoint/2010/main" val="3495461466"/>
-      </p:ext>
-    </p:extLst>
-  </p:cSld>
-  <p:clrMapOvr>
-    <a:masterClrMapping/>
-  </p:clrMapOvr>
-</p:sld>
-</file>
-
-<file path=ppt/slides/slide8.xml><?xml version="1.0" encoding="utf-8"?>
-<p:sld xmlns:a="http://schemas.openxmlformats.org/drawingml/2006/main" xmlns:r="http://schemas.openxmlformats.org/officeDocument/2006/relationships" xmlns:p="http://schemas.openxmlformats.org/presentationml/2006/main">
-  <p:cSld>
-    <p:bg>
-      <p:bgPr>
-        <a:solidFill>
-          <a:schemeClr val="bg1"/>
-        </a:solidFill>
-        <a:effectLst/>
-      </p:bgPr>
-    </p:bg>
-    <p:spTree>
-      <p:nvGrpSpPr>
-        <p:cNvPr id="1" name=""/>
-        <p:cNvGrpSpPr/>
-        <p:nvPr/>
-      </p:nvGrpSpPr>
-      <p:grpSpPr>
-        <a:xfrm>
-          <a:off x="0" y="0"/>
-          <a:ext cx="0" cy="0"/>
-          <a:chOff x="0" y="0"/>
-          <a:chExt cx="0" cy="0"/>
-        </a:xfrm>
-      </p:grpSpPr>
-      <p:sp>
-        <p:nvSpPr>
-          <p:cNvPr id="10" name="Rectangle 9">
-            <a:extLst>
-              <a:ext uri="{FF2B5EF4-FFF2-40B4-BE49-F238E27FC236}">
-                <a16:creationId xmlns:a16="http://schemas.microsoft.com/office/drawing/2014/main" id="{E35A04CF-97D4-4FF7-B359-C546B1F62E54}"/>
-              </a:ext>
-              <a:ext uri="{C183D7F6-B498-43B3-948B-1728B52AA6E4}">
-                <adec:decorative xmlns:adec="http://schemas.microsoft.com/office/drawing/2017/decorative" val="1"/>
-              </a:ext>
-            </a:extLst>
-          </p:cNvPr>
-          <p:cNvSpPr>
-            <a:spLocks noGrp="1" noRot="1" noChangeAspect="1" noMove="1" noResize="1" noEditPoints="1" noAdjustHandles="1" noChangeArrowheads="1" noChangeShapeType="1" noTextEdit="1"/>
-          </p:cNvSpPr>
-          <p:nvPr>
-            <p:extLst>
-              <p:ext uri="{386F3935-93C4-4BCD-93E2-E3B085C9AB24}">
-                <p16:designElem xmlns:p16="http://schemas.microsoft.com/office/powerpoint/2015/main" val="1"/>
-              </p:ext>
-            </p:extLst>
-          </p:nvPr>
-        </p:nvSpPr>
-        <p:spPr>
-          <a:xfrm>
-            <a:off x="0" y="0"/>
-            <a:ext cx="12191999" cy="6858000"/>
-          </a:xfrm>
-          <a:prstGeom prst="rect">
-            <a:avLst/>
-          </a:prstGeom>
-          <a:solidFill>
-            <a:schemeClr val="bg1">
-              <a:lumMod val="85000"/>
-            </a:schemeClr>
-          </a:solidFill>
-          <a:ln>
-            <a:noFill/>
-          </a:ln>
-        </p:spPr>
-        <p:style>
-          <a:lnRef idx="2">
-            <a:schemeClr val="accent1">
-              <a:shade val="50000"/>
-            </a:schemeClr>
-          </a:lnRef>
-          <a:fillRef idx="1">
-            <a:schemeClr val="accent1"/>
-          </a:fillRef>
-          <a:effectRef idx="0">
-            <a:schemeClr val="accent1"/>
-          </a:effectRef>
-          <a:fontRef idx="minor">
-            <a:schemeClr val="lt1"/>
-          </a:fontRef>
-        </p:style>
-        <p:txBody>
-          <a:bodyPr rtlCol="0" anchor="ctr"/>
-          <a:lstStyle/>
-          <a:p>
-            <a:pPr algn="ctr"/>
-            <a:endParaRPr lang="en-US"/>
-          </a:p>
-        </p:txBody>
-      </p:sp>
-      <p:sp>
-        <p:nvSpPr>
-          <p:cNvPr id="12" name="Freeform: Shape 11">
-            <a:extLst>
-              <a:ext uri="{FF2B5EF4-FFF2-40B4-BE49-F238E27FC236}">
-                <a16:creationId xmlns:a16="http://schemas.microsoft.com/office/drawing/2014/main" id="{1DE7243B-5109-444B-8FAF-7437C66BC0E9}"/>
-              </a:ext>
-              <a:ext uri="{C183D7F6-B498-43B3-948B-1728B52AA6E4}">
-                <adec:decorative xmlns:adec="http://schemas.microsoft.com/office/drawing/2017/decorative" val="1"/>
-              </a:ext>
-            </a:extLst>
-          </p:cNvPr>
-          <p:cNvSpPr>
-            <a:spLocks noGrp="1" noRot="1" noChangeAspect="1" noMove="1" noResize="1" noEditPoints="1" noAdjustHandles="1" noChangeArrowheads="1" noChangeShapeType="1" noTextEdit="1"/>
-          </p:cNvSpPr>
-          <p:nvPr>
-            <p:extLst>
-              <p:ext uri="{386F3935-93C4-4BCD-93E2-E3B085C9AB24}">
-                <p16:designElem xmlns:p16="http://schemas.microsoft.com/office/powerpoint/2015/main" val="1"/>
-              </p:ext>
-            </p:extLst>
-          </p:nvPr>
-        </p:nvSpPr>
-        <p:spPr>
-          <a:xfrm flipH="1">
-            <a:off x="0" y="0"/>
-            <a:ext cx="4421332" cy="6858000"/>
-          </a:xfrm>
-          <a:custGeom>
-            <a:avLst/>
-            <a:gdLst>
-              <a:gd name="connsiteX0" fmla="*/ 4421332 w 4421332"/>
-              <a:gd name="connsiteY0" fmla="*/ 0 h 6858000"/>
-              <a:gd name="connsiteX1" fmla="*/ 69075 w 4421332"/>
-              <a:gd name="connsiteY1" fmla="*/ 0 h 6858000"/>
-              <a:gd name="connsiteX2" fmla="*/ 35131 w 4421332"/>
-              <a:gd name="connsiteY2" fmla="*/ 267128 h 6858000"/>
-              <a:gd name="connsiteX3" fmla="*/ 0 w 4421332"/>
-              <a:gd name="connsiteY3" fmla="*/ 962845 h 6858000"/>
-              <a:gd name="connsiteX4" fmla="*/ 3276103 w 4421332"/>
-              <a:gd name="connsiteY4" fmla="*/ 6782205 h 6858000"/>
-              <a:gd name="connsiteX5" fmla="*/ 3407923 w 4421332"/>
-              <a:gd name="connsiteY5" fmla="*/ 6858000 h 6858000"/>
-              <a:gd name="connsiteX6" fmla="*/ 4421332 w 4421332"/>
-              <a:gd name="connsiteY6" fmla="*/ 6858000 h 6858000"/>
-            </a:gdLst>
-            <a:ahLst/>
-            <a:cxnLst>
-              <a:cxn ang="0">
-                <a:pos x="connsiteX0" y="connsiteY0"/>
-              </a:cxn>
-              <a:cxn ang="0">
-                <a:pos x="connsiteX1" y="connsiteY1"/>
-              </a:cxn>
-              <a:cxn ang="0">
-                <a:pos x="connsiteX2" y="connsiteY2"/>
-              </a:cxn>
-              <a:cxn ang="0">
-                <a:pos x="connsiteX3" y="connsiteY3"/>
-              </a:cxn>
-              <a:cxn ang="0">
-                <a:pos x="connsiteX4" y="connsiteY4"/>
-              </a:cxn>
-              <a:cxn ang="0">
-                <a:pos x="connsiteX5" y="connsiteY5"/>
-              </a:cxn>
-              <a:cxn ang="0">
-                <a:pos x="connsiteX6" y="connsiteY6"/>
-              </a:cxn>
-            </a:cxnLst>
-            <a:rect l="l" t="t" r="r" b="b"/>
-            <a:pathLst>
-              <a:path w="4421332" h="6858000">
-                <a:moveTo>
-                  <a:pt x="4421332" y="0"/>
-                </a:moveTo>
-                <a:lnTo>
-                  <a:pt x="69075" y="0"/>
-                </a:lnTo>
-                <a:lnTo>
-                  <a:pt x="35131" y="267128"/>
-                </a:lnTo>
-                <a:cubicBezTo>
-                  <a:pt x="11901" y="495874"/>
-                  <a:pt x="0" y="727970"/>
-                  <a:pt x="0" y="962845"/>
-                </a:cubicBezTo>
-                <a:cubicBezTo>
-                  <a:pt x="0" y="3429034"/>
-                  <a:pt x="1312002" y="5588789"/>
-                  <a:pt x="3276103" y="6782205"/>
-                </a:cubicBezTo>
-                <a:lnTo>
-                  <a:pt x="3407923" y="6858000"/>
-                </a:lnTo>
-                <a:lnTo>
-                  <a:pt x="4421332" y="6858000"/>
-                </a:lnTo>
-                <a:close/>
-              </a:path>
-            </a:pathLst>
-          </a:custGeom>
-          <a:solidFill>
-            <a:srgbClr val="FFFFFF">
-              <a:alpha val="80000"/>
-            </a:srgbClr>
-          </a:solidFill>
-          <a:ln>
-            <a:noFill/>
-          </a:ln>
-        </p:spPr>
-        <p:style>
-          <a:lnRef idx="2">
-            <a:schemeClr val="accent1">
-              <a:shade val="50000"/>
-            </a:schemeClr>
-          </a:lnRef>
-          <a:fillRef idx="1">
-            <a:schemeClr val="accent1"/>
-          </a:fillRef>
-          <a:effectRef idx="0">
-            <a:schemeClr val="accent1"/>
-          </a:effectRef>
-          <a:fontRef idx="minor">
-            <a:schemeClr val="lt1"/>
-          </a:fontRef>
-        </p:style>
-        <p:txBody>
-          <a:bodyPr wrap="square" rtlCol="0" anchor="ctr">
-            <a:noAutofit/>
-          </a:bodyPr>
-          <a:lstStyle/>
-          <a:p>
-            <a:pPr marL="0" marR="0" lvl="0" indent="0" algn="ctr" defTabSz="914400" rtl="0" eaLnBrk="1" fontAlgn="auto" latinLnBrk="0" hangingPunct="1">
-              <a:lnSpc>
-                <a:spcPct val="100000"/>
-              </a:lnSpc>
-              <a:spcBef>
-                <a:spcPts val="0"/>
-              </a:spcBef>
-              <a:spcAft>
-                <a:spcPts val="0"/>
-              </a:spcAft>
-              <a:buClrTx/>
-              <a:buSzTx/>
-              <a:buFontTx/>
-              <a:buNone/>
-              <a:tabLst/>
-              <a:defRPr/>
-            </a:pPr>
-            <a:endParaRPr kumimoji="0" lang="en-US" sz="1800" b="0" i="0" u="none" strike="noStrike" kern="1200" cap="none" spc="0" normalizeH="0" baseline="0" noProof="0">
-              <a:ln>
-                <a:noFill/>
-              </a:ln>
-              <a:solidFill>
-                <a:prstClr val="white"/>
-              </a:solidFill>
-              <a:effectLst/>
-              <a:uLnTx/>
-              <a:uFillTx/>
-              <a:latin typeface="Calibri" panose="020F0502020204030204"/>
-              <a:ea typeface="+mn-ea"/>
-              <a:cs typeface="+mn-cs"/>
-            </a:endParaRPr>
-          </a:p>
-        </p:txBody>
-      </p:sp>
-      <p:sp>
-        <p:nvSpPr>
-          <p:cNvPr id="14" name="Freeform: Shape 13">
-            <a:extLst>
-              <a:ext uri="{FF2B5EF4-FFF2-40B4-BE49-F238E27FC236}">
-                <a16:creationId xmlns:a16="http://schemas.microsoft.com/office/drawing/2014/main" id="{4C5D6221-DA7B-4611-AA26-7D8E349FDE96}"/>
-              </a:ext>
-              <a:ext uri="{C183D7F6-B498-43B3-948B-1728B52AA6E4}">
-                <adec:decorative xmlns:adec="http://schemas.microsoft.com/office/drawing/2017/decorative" val="1"/>
-              </a:ext>
-            </a:extLst>
-          </p:cNvPr>
-          <p:cNvSpPr>
-            <a:spLocks noGrp="1" noRot="1" noChangeAspect="1" noMove="1" noResize="1" noEditPoints="1" noAdjustHandles="1" noChangeArrowheads="1" noChangeShapeType="1" noTextEdit="1"/>
-          </p:cNvSpPr>
-          <p:nvPr>
-            <p:extLst>
-              <p:ext uri="{386F3935-93C4-4BCD-93E2-E3B085C9AB24}">
-                <p16:designElem xmlns:p16="http://schemas.microsoft.com/office/powerpoint/2015/main" val="1"/>
-              </p:ext>
-            </p:extLst>
-          </p:nvPr>
-        </p:nvSpPr>
-        <p:spPr>
-          <a:xfrm>
-            <a:off x="1" y="0"/>
-            <a:ext cx="4232227" cy="6858000"/>
-          </a:xfrm>
-          <a:custGeom>
-            <a:avLst/>
-            <a:gdLst>
-              <a:gd name="connsiteX0" fmla="*/ 0 w 4232227"/>
-              <a:gd name="connsiteY0" fmla="*/ 0 h 6858000"/>
-              <a:gd name="connsiteX1" fmla="*/ 4161853 w 4232227"/>
-              <a:gd name="connsiteY1" fmla="*/ 0 h 6858000"/>
-              <a:gd name="connsiteX2" fmla="*/ 4197953 w 4232227"/>
-              <a:gd name="connsiteY2" fmla="*/ 284091 h 6858000"/>
-              <a:gd name="connsiteX3" fmla="*/ 4232227 w 4232227"/>
-              <a:gd name="connsiteY3" fmla="*/ 962844 h 6858000"/>
-              <a:gd name="connsiteX4" fmla="*/ 758007 w 4232227"/>
-              <a:gd name="connsiteY4" fmla="*/ 6800152 h 6858000"/>
-              <a:gd name="connsiteX5" fmla="*/ 645060 w 4232227"/>
-              <a:gd name="connsiteY5" fmla="*/ 6858000 h 6858000"/>
-              <a:gd name="connsiteX6" fmla="*/ 0 w 4232227"/>
-              <a:gd name="connsiteY6" fmla="*/ 6858000 h 6858000"/>
-            </a:gdLst>
-            <a:ahLst/>
-            <a:cxnLst>
-              <a:cxn ang="0">
-                <a:pos x="connsiteX0" y="connsiteY0"/>
-              </a:cxn>
-              <a:cxn ang="0">
-                <a:pos x="connsiteX1" y="connsiteY1"/>
-              </a:cxn>
-              <a:cxn ang="0">
-                <a:pos x="connsiteX2" y="connsiteY2"/>
-              </a:cxn>
-              <a:cxn ang="0">
-                <a:pos x="connsiteX3" y="connsiteY3"/>
-              </a:cxn>
-              <a:cxn ang="0">
-                <a:pos x="connsiteX4" y="connsiteY4"/>
-              </a:cxn>
-              <a:cxn ang="0">
-                <a:pos x="connsiteX5" y="connsiteY5"/>
-              </a:cxn>
-              <a:cxn ang="0">
-                <a:pos x="connsiteX6" y="connsiteY6"/>
-              </a:cxn>
-            </a:cxnLst>
-            <a:rect l="l" t="t" r="r" b="b"/>
-            <a:pathLst>
-              <a:path w="4232227" h="6858000">
-                <a:moveTo>
-                  <a:pt x="0" y="0"/>
-                </a:moveTo>
-                <a:lnTo>
-                  <a:pt x="4161853" y="0"/>
-                </a:lnTo>
-                <a:lnTo>
-                  <a:pt x="4197953" y="284091"/>
-                </a:lnTo>
-                <a:cubicBezTo>
-                  <a:pt x="4220617" y="507260"/>
-                  <a:pt x="4232227" y="733696"/>
-                  <a:pt x="4232227" y="962844"/>
-                </a:cubicBezTo>
-                <a:cubicBezTo>
-                  <a:pt x="4232227" y="3483472"/>
-                  <a:pt x="2827409" y="5675986"/>
-                  <a:pt x="758007" y="6800152"/>
-                </a:cubicBezTo>
-                <a:lnTo>
-                  <a:pt x="645060" y="6858000"/>
-                </a:lnTo>
-                <a:lnTo>
-                  <a:pt x="0" y="6858000"/>
-                </a:lnTo>
-                <a:close/>
-              </a:path>
-            </a:pathLst>
-          </a:custGeom>
-          <a:solidFill>
-            <a:srgbClr val="404040"/>
-          </a:solidFill>
-          <a:ln>
-            <a:noFill/>
-          </a:ln>
-        </p:spPr>
-        <p:style>
-          <a:lnRef idx="2">
-            <a:schemeClr val="accent1">
-              <a:shade val="50000"/>
-            </a:schemeClr>
-          </a:lnRef>
-          <a:fillRef idx="1">
-            <a:schemeClr val="accent1"/>
-          </a:fillRef>
-          <a:effectRef idx="0">
-            <a:schemeClr val="accent1"/>
-          </a:effectRef>
-          <a:fontRef idx="minor">
-            <a:schemeClr val="lt1"/>
-          </a:fontRef>
-        </p:style>
-        <p:txBody>
-          <a:bodyPr wrap="square" rtlCol="0" anchor="ctr">
-            <a:noAutofit/>
-          </a:bodyPr>
-          <a:lstStyle/>
-          <a:p>
-            <a:pPr marL="0" marR="0" lvl="0" indent="0" algn="ctr" defTabSz="914400" rtl="0" eaLnBrk="1" fontAlgn="auto" latinLnBrk="0" hangingPunct="1">
-              <a:lnSpc>
-                <a:spcPct val="100000"/>
-              </a:lnSpc>
-              <a:spcBef>
-                <a:spcPts val="0"/>
-              </a:spcBef>
-              <a:spcAft>
-                <a:spcPts val="0"/>
-              </a:spcAft>
-              <a:buClrTx/>
-              <a:buSzTx/>
-              <a:buFontTx/>
-              <a:buNone/>
-              <a:tabLst/>
-              <a:defRPr/>
-            </a:pPr>
-            <a:endParaRPr kumimoji="0" lang="en-US" sz="1800" b="0" i="0" u="none" strike="noStrike" kern="1200" cap="none" spc="0" normalizeH="0" baseline="0" noProof="0">
-              <a:ln>
-                <a:noFill/>
-              </a:ln>
-              <a:solidFill>
-                <a:prstClr val="white"/>
-              </a:solidFill>
-              <a:effectLst/>
-              <a:uLnTx/>
-              <a:uFillTx/>
-              <a:latin typeface="Calibri" panose="020F0502020204030204"/>
-              <a:ea typeface="+mn-ea"/>
-              <a:cs typeface="+mn-cs"/>
-            </a:endParaRPr>
-          </a:p>
-        </p:txBody>
-      </p:sp>
-      <p:sp>
-        <p:nvSpPr>
-          <p:cNvPr id="2" name="Titel 1">
-            <a:extLst>
-              <a:ext uri="{FF2B5EF4-FFF2-40B4-BE49-F238E27FC236}">
-                <a16:creationId xmlns:a16="http://schemas.microsoft.com/office/drawing/2014/main" id="{D60E8E75-EAE8-4B7C-BC77-B944EAC41998}"/>
-              </a:ext>
-            </a:extLst>
-          </p:cNvPr>
-          <p:cNvSpPr>
-            <a:spLocks noGrp="1"/>
-          </p:cNvSpPr>
-          <p:nvPr>
-            <p:ph type="title"/>
-          </p:nvPr>
-        </p:nvSpPr>
-        <p:spPr>
-          <a:xfrm>
-            <a:off x="804672" y="1412489"/>
-            <a:ext cx="2871095" cy="2156621"/>
-          </a:xfrm>
-        </p:spPr>
-        <p:txBody>
-          <a:bodyPr vert="horz" lIns="91440" tIns="45720" rIns="91440" bIns="45720" rtlCol="0" anchor="t">
-            <a:normAutofit/>
-          </a:bodyPr>
-          <a:lstStyle/>
-          <a:p>
-            <a:r>
-              <a:rPr lang="en-US" sz="3600" kern="1200">
-                <a:solidFill>
-                  <a:srgbClr val="FFFFFF"/>
-                </a:solidFill>
-                <a:latin typeface="+mj-lt"/>
-                <a:ea typeface="+mj-ea"/>
-                <a:cs typeface="+mj-cs"/>
-              </a:rPr>
-              <a:t>Bauteil Übersicht</a:t>
-            </a:r>
-          </a:p>
-        </p:txBody>
-      </p:sp>
-      <p:sp>
-        <p:nvSpPr>
-          <p:cNvPr id="3" name="Inhaltsplatzhalter 2">
-            <a:extLst>
-              <a:ext uri="{FF2B5EF4-FFF2-40B4-BE49-F238E27FC236}">
-                <a16:creationId xmlns:a16="http://schemas.microsoft.com/office/drawing/2014/main" id="{CEEA0397-6373-A44A-3183-062C109C5E09}"/>
-              </a:ext>
-            </a:extLst>
-          </p:cNvPr>
-          <p:cNvSpPr>
-            <a:spLocks noGrp="1"/>
-          </p:cNvSpPr>
-          <p:nvPr>
-            <p:ph idx="1"/>
-          </p:nvPr>
-        </p:nvSpPr>
-        <p:spPr>
-          <a:xfrm>
-            <a:off x="5198992" y="1412489"/>
-            <a:ext cx="6728847" cy="4363844"/>
-          </a:xfrm>
-        </p:spPr>
-        <p:txBody>
-          <a:bodyPr vert="horz" lIns="91440" tIns="45720" rIns="91440" bIns="45720" rtlCol="0">
-            <a:normAutofit/>
-          </a:bodyPr>
-          <a:lstStyle/>
-          <a:p>
-            <a:r>
-              <a:rPr lang="en-US" sz="2000" dirty="0" err="1"/>
-              <a:t>Gehäuse</a:t>
-            </a:r>
-            <a:r>
-              <a:rPr lang="en-US" sz="2000" dirty="0"/>
-              <a:t>: 3D </a:t>
-            </a:r>
-            <a:r>
-              <a:rPr lang="en-US" sz="2000" dirty="0" err="1"/>
-              <a:t>druck</a:t>
-            </a:r>
-            <a:r>
-              <a:rPr lang="en-US" sz="2000" dirty="0"/>
-              <a:t> </a:t>
-            </a:r>
-            <a:r>
-              <a:rPr lang="en-US" sz="2000" dirty="0" err="1"/>
-              <a:t>oder</a:t>
-            </a:r>
-            <a:r>
-              <a:rPr lang="en-US" sz="2000" dirty="0"/>
-              <a:t> CNC </a:t>
-            </a:r>
-            <a:r>
-              <a:rPr lang="en-US" sz="2000" dirty="0" err="1"/>
-              <a:t>gefräst</a:t>
-            </a:r>
-            <a:endParaRPr lang="en-US" sz="2000" dirty="0"/>
-          </a:p>
-        </p:txBody>
-      </p:sp>
-    </p:spTree>
-    <p:extLst>
-      <p:ext uri="{BB962C8B-B14F-4D97-AF65-F5344CB8AC3E}">
-        <p14:creationId xmlns:p14="http://schemas.microsoft.com/office/powerpoint/2010/main" val="2206358031"/>
       </p:ext>
     </p:extLst>
   </p:cSld>

--- a/Vorstellung.pptx
+++ b/Vorstellung.pptx
@@ -124,7 +124,7 @@
 <p1510:revInfo xmlns:a="http://schemas.openxmlformats.org/drawingml/2006/main" xmlns:r="http://schemas.openxmlformats.org/officeDocument/2006/relationships" xmlns:p1510="http://schemas.microsoft.com/office/powerpoint/2015/10/main">
   <p1510:revLst>
     <p1510:client id="{62AFA320-9B9E-4927-8852-63FFD396E194}" v="17" dt="2024-12-17T08:42:27.887"/>
-    <p1510:client id="{F285D1C5-361E-465F-986D-CAD6C187740B}" v="10" dt="2024-12-17T10:14:51.360"/>
+    <p1510:client id="{F285D1C5-361E-465F-986D-CAD6C187740B}" v="11" dt="2024-12-17T11:24:35.155"/>
   </p1510:revLst>
 </p1510:revInfo>
 </file>
@@ -134,7 +134,7 @@
   <pc:docChgLst>
     <pc:chgData name="Schranzhofer Daniel Benjamin" userId="896aed5a-a90e-49ae-b044-096ef6952a5d" providerId="ADAL" clId="{F285D1C5-361E-465F-986D-CAD6C187740B}"/>
     <pc:docChg chg="undo custSel addSld delSld modSld sldOrd">
-      <pc:chgData name="Schranzhofer Daniel Benjamin" userId="896aed5a-a90e-49ae-b044-096ef6952a5d" providerId="ADAL" clId="{F285D1C5-361E-465F-986D-CAD6C187740B}" dt="2024-12-17T10:16:42.823" v="376" actId="20577"/>
+      <pc:chgData name="Schranzhofer Daniel Benjamin" userId="896aed5a-a90e-49ae-b044-096ef6952a5d" providerId="ADAL" clId="{F285D1C5-361E-465F-986D-CAD6C187740B}" dt="2024-12-17T11:24:36.860" v="378" actId="478"/>
       <pc:docMkLst>
         <pc:docMk/>
       </pc:docMkLst>
@@ -587,7 +587,7 @@
         </pc:spChg>
       </pc:sldChg>
       <pc:sldChg chg="addSp delSp modSp new mod ord modClrScheme chgLayout">
-        <pc:chgData name="Schranzhofer Daniel Benjamin" userId="896aed5a-a90e-49ae-b044-096ef6952a5d" providerId="ADAL" clId="{F285D1C5-361E-465F-986D-CAD6C187740B}" dt="2024-12-17T10:04:54.927" v="103" actId="790"/>
+        <pc:chgData name="Schranzhofer Daniel Benjamin" userId="896aed5a-a90e-49ae-b044-096ef6952a5d" providerId="ADAL" clId="{F285D1C5-361E-465F-986D-CAD6C187740B}" dt="2024-12-17T11:24:36.860" v="378" actId="478"/>
         <pc:sldMkLst>
           <pc:docMk/>
           <pc:sldMk cId="3608403467" sldId="267"/>
@@ -632,6 +632,14 @@
             <ac:spMk id="6" creationId="{1230AD92-5B5F-D54B-FB73-B9F4390B32CD}"/>
           </ac:spMkLst>
         </pc:spChg>
+        <pc:graphicFrameChg chg="add del mod">
+          <ac:chgData name="Schranzhofer Daniel Benjamin" userId="896aed5a-a90e-49ae-b044-096ef6952a5d" providerId="ADAL" clId="{F285D1C5-361E-465F-986D-CAD6C187740B}" dt="2024-12-17T11:24:36.860" v="378" actId="478"/>
+          <ac:graphicFrameMkLst>
+            <pc:docMk/>
+            <pc:sldMk cId="3608403467" sldId="267"/>
+            <ac:graphicFrameMk id="2" creationId="{04FA92D2-B5C6-C5AD-C98C-7F030AF53DAE}"/>
+          </ac:graphicFrameMkLst>
+        </pc:graphicFrameChg>
         <pc:picChg chg="add del mod">
           <ac:chgData name="Schranzhofer Daniel Benjamin" userId="896aed5a-a90e-49ae-b044-096ef6952a5d" providerId="ADAL" clId="{F285D1C5-361E-465F-986D-CAD6C187740B}" dt="2024-12-17T10:03:23.877" v="97" actId="478"/>
           <ac:picMkLst>

--- a/Vorstellung.pptx
+++ b/Vorstellung.pptx
@@ -129,633 +129,6 @@
 </p1510:revInfo>
 </file>
 
-<file path=ppt/changesInfos/changesInfo1.xml><?xml version="1.0" encoding="utf-8"?>
-<pc:chgInfo xmlns:a="http://schemas.openxmlformats.org/drawingml/2006/main" xmlns:r="http://schemas.openxmlformats.org/officeDocument/2006/relationships" xmlns:ac="http://schemas.microsoft.com/office/drawing/2013/main/command" xmlns:pc="http://schemas.microsoft.com/office/powerpoint/2013/main/command">
-  <pc:docChgLst>
-    <pc:chgData name="Schranzhofer Daniel Benjamin" userId="896aed5a-a90e-49ae-b044-096ef6952a5d" providerId="ADAL" clId="{F285D1C5-361E-465F-986D-CAD6C187740B}"/>
-    <pc:docChg chg="undo custSel addSld delSld modSld sldOrd">
-      <pc:chgData name="Schranzhofer Daniel Benjamin" userId="896aed5a-a90e-49ae-b044-096ef6952a5d" providerId="ADAL" clId="{F285D1C5-361E-465F-986D-CAD6C187740B}" dt="2024-12-17T11:24:36.860" v="378" actId="478"/>
-      <pc:docMkLst>
-        <pc:docMk/>
-      </pc:docMkLst>
-      <pc:sldChg chg="modSp mod">
-        <pc:chgData name="Schranzhofer Daniel Benjamin" userId="896aed5a-a90e-49ae-b044-096ef6952a5d" providerId="ADAL" clId="{F285D1C5-361E-465F-986D-CAD6C187740B}" dt="2024-12-17T10:04:54.927" v="103" actId="790"/>
-        <pc:sldMkLst>
-          <pc:docMk/>
-          <pc:sldMk cId="61744048" sldId="256"/>
-        </pc:sldMkLst>
-        <pc:spChg chg="mod">
-          <ac:chgData name="Schranzhofer Daniel Benjamin" userId="896aed5a-a90e-49ae-b044-096ef6952a5d" providerId="ADAL" clId="{F285D1C5-361E-465F-986D-CAD6C187740B}" dt="2024-12-17T10:04:54.927" v="103" actId="790"/>
-          <ac:spMkLst>
-            <pc:docMk/>
-            <pc:sldMk cId="61744048" sldId="256"/>
-            <ac:spMk id="15" creationId="{7A31EF79-59DA-D68A-A542-0252D688B018}"/>
-          </ac:spMkLst>
-        </pc:spChg>
-        <pc:spChg chg="mod">
-          <ac:chgData name="Schranzhofer Daniel Benjamin" userId="896aed5a-a90e-49ae-b044-096ef6952a5d" providerId="ADAL" clId="{F285D1C5-361E-465F-986D-CAD6C187740B}" dt="2024-12-17T10:04:54.927" v="103" actId="790"/>
-          <ac:spMkLst>
-            <pc:docMk/>
-            <pc:sldMk cId="61744048" sldId="256"/>
-            <ac:spMk id="16" creationId="{26DAC35D-FA00-FB83-1572-CE21B0142A8C}"/>
-          </ac:spMkLst>
-        </pc:spChg>
-        <pc:spChg chg="mod">
-          <ac:chgData name="Schranzhofer Daniel Benjamin" userId="896aed5a-a90e-49ae-b044-096ef6952a5d" providerId="ADAL" clId="{F285D1C5-361E-465F-986D-CAD6C187740B}" dt="2024-12-17T10:04:54.927" v="103" actId="790"/>
-          <ac:spMkLst>
-            <pc:docMk/>
-            <pc:sldMk cId="61744048" sldId="256"/>
-            <ac:spMk id="17" creationId="{31F6B00F-72B9-3F4B-BC8C-8BBAB035F0B1}"/>
-          </ac:spMkLst>
-        </pc:spChg>
-        <pc:spChg chg="mod">
-          <ac:chgData name="Schranzhofer Daniel Benjamin" userId="896aed5a-a90e-49ae-b044-096ef6952a5d" providerId="ADAL" clId="{F285D1C5-361E-465F-986D-CAD6C187740B}" dt="2024-12-17T10:04:54.927" v="103" actId="790"/>
-          <ac:spMkLst>
-            <pc:docMk/>
-            <pc:sldMk cId="61744048" sldId="256"/>
-            <ac:spMk id="19" creationId="{961C55BD-6B58-EBB9-BCBB-080AE4A18C36}"/>
-          </ac:spMkLst>
-        </pc:spChg>
-      </pc:sldChg>
-      <pc:sldChg chg="modSp mod">
-        <pc:chgData name="Schranzhofer Daniel Benjamin" userId="896aed5a-a90e-49ae-b044-096ef6952a5d" providerId="ADAL" clId="{F285D1C5-361E-465F-986D-CAD6C187740B}" dt="2024-12-17T10:04:54.927" v="103" actId="790"/>
-        <pc:sldMkLst>
-          <pc:docMk/>
-          <pc:sldMk cId="1021443358" sldId="257"/>
-        </pc:sldMkLst>
-        <pc:spChg chg="mod">
-          <ac:chgData name="Schranzhofer Daniel Benjamin" userId="896aed5a-a90e-49ae-b044-096ef6952a5d" providerId="ADAL" clId="{F285D1C5-361E-465F-986D-CAD6C187740B}" dt="2024-12-17T10:04:54.927" v="103" actId="790"/>
-          <ac:spMkLst>
-            <pc:docMk/>
-            <pc:sldMk cId="1021443358" sldId="257"/>
-            <ac:spMk id="2" creationId="{3C4242E6-FB36-47B5-3312-2CF1F955B0B7}"/>
-          </ac:spMkLst>
-        </pc:spChg>
-        <pc:spChg chg="mod">
-          <ac:chgData name="Schranzhofer Daniel Benjamin" userId="896aed5a-a90e-49ae-b044-096ef6952a5d" providerId="ADAL" clId="{F285D1C5-361E-465F-986D-CAD6C187740B}" dt="2024-12-17T10:04:54.927" v="103" actId="790"/>
-          <ac:spMkLst>
-            <pc:docMk/>
-            <pc:sldMk cId="1021443358" sldId="257"/>
-            <ac:spMk id="14" creationId="{5A292AEA-2528-46C0-B426-95822B6141FB}"/>
-          </ac:spMkLst>
-        </pc:spChg>
-        <pc:spChg chg="mod">
-          <ac:chgData name="Schranzhofer Daniel Benjamin" userId="896aed5a-a90e-49ae-b044-096ef6952a5d" providerId="ADAL" clId="{F285D1C5-361E-465F-986D-CAD6C187740B}" dt="2024-12-17T10:04:54.927" v="103" actId="790"/>
-          <ac:spMkLst>
-            <pc:docMk/>
-            <pc:sldMk cId="1021443358" sldId="257"/>
-            <ac:spMk id="16" creationId="{D8B7B198-E4DF-43CD-AD8C-199884323745}"/>
-          </ac:spMkLst>
-        </pc:spChg>
-        <pc:spChg chg="mod">
-          <ac:chgData name="Schranzhofer Daniel Benjamin" userId="896aed5a-a90e-49ae-b044-096ef6952a5d" providerId="ADAL" clId="{F285D1C5-361E-465F-986D-CAD6C187740B}" dt="2024-12-17T10:04:54.927" v="103" actId="790"/>
-          <ac:spMkLst>
-            <pc:docMk/>
-            <pc:sldMk cId="1021443358" sldId="257"/>
-            <ac:spMk id="18" creationId="{2BE67753-EA0E-4819-8D22-0B6600CF7231}"/>
-          </ac:spMkLst>
-        </pc:spChg>
-        <pc:spChg chg="mod">
-          <ac:chgData name="Schranzhofer Daniel Benjamin" userId="896aed5a-a90e-49ae-b044-096ef6952a5d" providerId="ADAL" clId="{F285D1C5-361E-465F-986D-CAD6C187740B}" dt="2024-12-17T10:04:54.927" v="103" actId="790"/>
-          <ac:spMkLst>
-            <pc:docMk/>
-            <pc:sldMk cId="1021443358" sldId="257"/>
-            <ac:spMk id="21" creationId="{B997A32E-7032-4107-9C8B-99DB59EDD525}"/>
-          </ac:spMkLst>
-        </pc:spChg>
-        <pc:spChg chg="mod">
-          <ac:chgData name="Schranzhofer Daniel Benjamin" userId="896aed5a-a90e-49ae-b044-096ef6952a5d" providerId="ADAL" clId="{F285D1C5-361E-465F-986D-CAD6C187740B}" dt="2024-12-17T10:04:54.927" v="103" actId="790"/>
-          <ac:spMkLst>
-            <pc:docMk/>
-            <pc:sldMk cId="1021443358" sldId="257"/>
-            <ac:spMk id="22" creationId="{943BB27F-1470-42CA-91FF-D94BC691C8F2}"/>
-          </ac:spMkLst>
-        </pc:spChg>
-        <pc:spChg chg="mod">
-          <ac:chgData name="Schranzhofer Daniel Benjamin" userId="896aed5a-a90e-49ae-b044-096ef6952a5d" providerId="ADAL" clId="{F285D1C5-361E-465F-986D-CAD6C187740B}" dt="2024-12-17T10:04:54.927" v="103" actId="790"/>
-          <ac:spMkLst>
-            <pc:docMk/>
-            <pc:sldMk cId="1021443358" sldId="257"/>
-            <ac:spMk id="23" creationId="{E997B002-17FD-47B3-A06A-76802FE15CE7}"/>
-          </ac:spMkLst>
-        </pc:spChg>
-        <pc:spChg chg="mod">
-          <ac:chgData name="Schranzhofer Daniel Benjamin" userId="896aed5a-a90e-49ae-b044-096ef6952a5d" providerId="ADAL" clId="{F285D1C5-361E-465F-986D-CAD6C187740B}" dt="2024-12-17T10:04:54.927" v="103" actId="790"/>
-          <ac:spMkLst>
-            <pc:docMk/>
-            <pc:sldMk cId="1021443358" sldId="257"/>
-            <ac:spMk id="24" creationId="{E401EA35-9D2E-43B7-860F-EBB8A6C3E081}"/>
-          </ac:spMkLst>
-        </pc:spChg>
-        <pc:spChg chg="mod">
-          <ac:chgData name="Schranzhofer Daniel Benjamin" userId="896aed5a-a90e-49ae-b044-096ef6952a5d" providerId="ADAL" clId="{F285D1C5-361E-465F-986D-CAD6C187740B}" dt="2024-12-17T10:04:54.927" v="103" actId="790"/>
-          <ac:spMkLst>
-            <pc:docMk/>
-            <pc:sldMk cId="1021443358" sldId="257"/>
-            <ac:spMk id="25" creationId="{F8C44827-3D81-4FF9-B4A5-5650D1B20A29}"/>
-          </ac:spMkLst>
-        </pc:spChg>
-        <pc:spChg chg="mod">
-          <ac:chgData name="Schranzhofer Daniel Benjamin" userId="896aed5a-a90e-49ae-b044-096ef6952a5d" providerId="ADAL" clId="{F285D1C5-361E-465F-986D-CAD6C187740B}" dt="2024-12-17T10:04:54.927" v="103" actId="790"/>
-          <ac:spMkLst>
-            <pc:docMk/>
-            <pc:sldMk cId="1021443358" sldId="257"/>
-            <ac:spMk id="26" creationId="{F613D97F-F6DF-4D32-AD91-209A80E7A23C}"/>
-          </ac:spMkLst>
-        </pc:spChg>
-        <pc:spChg chg="mod">
-          <ac:chgData name="Schranzhofer Daniel Benjamin" userId="896aed5a-a90e-49ae-b044-096ef6952a5d" providerId="ADAL" clId="{F285D1C5-361E-465F-986D-CAD6C187740B}" dt="2024-12-17T10:04:54.927" v="103" actId="790"/>
-          <ac:spMkLst>
-            <pc:docMk/>
-            <pc:sldMk cId="1021443358" sldId="257"/>
-            <ac:spMk id="27" creationId="{82B0ED5C-927D-4C5F-8F27-1B403820B975}"/>
-          </ac:spMkLst>
-        </pc:spChg>
-        <pc:spChg chg="mod">
-          <ac:chgData name="Schranzhofer Daniel Benjamin" userId="896aed5a-a90e-49ae-b044-096ef6952a5d" providerId="ADAL" clId="{F285D1C5-361E-465F-986D-CAD6C187740B}" dt="2024-12-17T10:04:54.927" v="103" actId="790"/>
-          <ac:spMkLst>
-            <pc:docMk/>
-            <pc:sldMk cId="1021443358" sldId="257"/>
-            <ac:spMk id="30" creationId="{68B53067-4E48-4E71-A6A9-A8CAABAFBF69}"/>
-          </ac:spMkLst>
-        </pc:spChg>
-        <pc:spChg chg="mod">
-          <ac:chgData name="Schranzhofer Daniel Benjamin" userId="896aed5a-a90e-49ae-b044-096ef6952a5d" providerId="ADAL" clId="{F285D1C5-361E-465F-986D-CAD6C187740B}" dt="2024-12-17T10:04:54.927" v="103" actId="790"/>
-          <ac:spMkLst>
-            <pc:docMk/>
-            <pc:sldMk cId="1021443358" sldId="257"/>
-            <ac:spMk id="31" creationId="{06D1A0D3-4BB8-41D9-9CE7-2884C83F448B}"/>
-          </ac:spMkLst>
-        </pc:spChg>
-        <pc:spChg chg="mod">
-          <ac:chgData name="Schranzhofer Daniel Benjamin" userId="896aed5a-a90e-49ae-b044-096ef6952a5d" providerId="ADAL" clId="{F285D1C5-361E-465F-986D-CAD6C187740B}" dt="2024-12-17T10:04:54.927" v="103" actId="790"/>
-          <ac:spMkLst>
-            <pc:docMk/>
-            <pc:sldMk cId="1021443358" sldId="257"/>
-            <ac:spMk id="32" creationId="{81E20F06-3B09-4B89-A36B-AB8BFBCCA5D9}"/>
-          </ac:spMkLst>
-        </pc:spChg>
-        <pc:spChg chg="mod">
-          <ac:chgData name="Schranzhofer Daniel Benjamin" userId="896aed5a-a90e-49ae-b044-096ef6952a5d" providerId="ADAL" clId="{F285D1C5-361E-465F-986D-CAD6C187740B}" dt="2024-12-17T10:04:54.927" v="103" actId="790"/>
-          <ac:spMkLst>
-            <pc:docMk/>
-            <pc:sldMk cId="1021443358" sldId="257"/>
-            <ac:spMk id="33" creationId="{DAE6C3D7-7D5B-4926-877D-45F117BB6BF0}"/>
-          </ac:spMkLst>
-        </pc:spChg>
-        <pc:spChg chg="mod">
-          <ac:chgData name="Schranzhofer Daniel Benjamin" userId="896aed5a-a90e-49ae-b044-096ef6952a5d" providerId="ADAL" clId="{F285D1C5-361E-465F-986D-CAD6C187740B}" dt="2024-12-17T10:04:54.927" v="103" actId="790"/>
-          <ac:spMkLst>
-            <pc:docMk/>
-            <pc:sldMk cId="1021443358" sldId="257"/>
-            <ac:spMk id="36" creationId="{E1951533-A568-4765-AB1F-F71D9AFDEA9F}"/>
-          </ac:spMkLst>
-        </pc:spChg>
-        <pc:spChg chg="mod">
-          <ac:chgData name="Schranzhofer Daniel Benjamin" userId="896aed5a-a90e-49ae-b044-096ef6952a5d" providerId="ADAL" clId="{F285D1C5-361E-465F-986D-CAD6C187740B}" dt="2024-12-17T10:04:54.927" v="103" actId="790"/>
-          <ac:spMkLst>
-            <pc:docMk/>
-            <pc:sldMk cId="1021443358" sldId="257"/>
-            <ac:spMk id="37" creationId="{A7214F52-4F3F-4C96-A62E-F1401D6C04FA}"/>
-          </ac:spMkLst>
-        </pc:spChg>
-        <pc:spChg chg="mod">
-          <ac:chgData name="Schranzhofer Daniel Benjamin" userId="896aed5a-a90e-49ae-b044-096ef6952a5d" providerId="ADAL" clId="{F285D1C5-361E-465F-986D-CAD6C187740B}" dt="2024-12-17T10:04:54.927" v="103" actId="790"/>
-          <ac:spMkLst>
-            <pc:docMk/>
-            <pc:sldMk cId="1021443358" sldId="257"/>
-            <ac:spMk id="38" creationId="{023146A1-291C-4FA0-AB5B-EB04D4239812}"/>
-          </ac:spMkLst>
-        </pc:spChg>
-        <pc:spChg chg="mod">
-          <ac:chgData name="Schranzhofer Daniel Benjamin" userId="896aed5a-a90e-49ae-b044-096ef6952a5d" providerId="ADAL" clId="{F285D1C5-361E-465F-986D-CAD6C187740B}" dt="2024-12-17T10:04:54.927" v="103" actId="790"/>
-          <ac:spMkLst>
-            <pc:docMk/>
-            <pc:sldMk cId="1021443358" sldId="257"/>
-            <ac:spMk id="39" creationId="{62977932-2B03-4899-8306-5002CEE68E2C}"/>
-          </ac:spMkLst>
-        </pc:spChg>
-      </pc:sldChg>
-      <pc:sldChg chg="delSp modSp mod">
-        <pc:chgData name="Schranzhofer Daniel Benjamin" userId="896aed5a-a90e-49ae-b044-096ef6952a5d" providerId="ADAL" clId="{F285D1C5-361E-465F-986D-CAD6C187740B}" dt="2024-12-17T10:07:27.990" v="104" actId="478"/>
-        <pc:sldMkLst>
-          <pc:docMk/>
-          <pc:sldMk cId="1272570971" sldId="258"/>
-        </pc:sldMkLst>
-        <pc:spChg chg="mod">
-          <ac:chgData name="Schranzhofer Daniel Benjamin" userId="896aed5a-a90e-49ae-b044-096ef6952a5d" providerId="ADAL" clId="{F285D1C5-361E-465F-986D-CAD6C187740B}" dt="2024-12-17T10:04:54.927" v="103" actId="790"/>
-          <ac:spMkLst>
-            <pc:docMk/>
-            <pc:sldMk cId="1272570971" sldId="258"/>
-            <ac:spMk id="2" creationId="{77C0FBE6-3A73-32DF-055C-458B34C16060}"/>
-          </ac:spMkLst>
-        </pc:spChg>
-        <pc:spChg chg="del mod">
-          <ac:chgData name="Schranzhofer Daniel Benjamin" userId="896aed5a-a90e-49ae-b044-096ef6952a5d" providerId="ADAL" clId="{F285D1C5-361E-465F-986D-CAD6C187740B}" dt="2024-12-17T10:07:27.990" v="104" actId="478"/>
-          <ac:spMkLst>
-            <pc:docMk/>
-            <pc:sldMk cId="1272570971" sldId="258"/>
-            <ac:spMk id="3" creationId="{E9627B73-AD5A-D4AD-79E2-410C2663C736}"/>
-          </ac:spMkLst>
-        </pc:spChg>
-        <pc:spChg chg="mod">
-          <ac:chgData name="Schranzhofer Daniel Benjamin" userId="896aed5a-a90e-49ae-b044-096ef6952a5d" providerId="ADAL" clId="{F285D1C5-361E-465F-986D-CAD6C187740B}" dt="2024-12-17T10:04:54.927" v="103" actId="790"/>
-          <ac:spMkLst>
-            <pc:docMk/>
-            <pc:sldMk cId="1272570971" sldId="258"/>
-            <ac:spMk id="4" creationId="{69B80579-79A6-46E9-6667-09624969B3DA}"/>
-          </ac:spMkLst>
-        </pc:spChg>
-        <pc:spChg chg="mod">
-          <ac:chgData name="Schranzhofer Daniel Benjamin" userId="896aed5a-a90e-49ae-b044-096ef6952a5d" providerId="ADAL" clId="{F285D1C5-361E-465F-986D-CAD6C187740B}" dt="2024-12-17T10:04:54.927" v="103" actId="790"/>
-          <ac:spMkLst>
-            <pc:docMk/>
-            <pc:sldMk cId="1272570971" sldId="258"/>
-            <ac:spMk id="5" creationId="{D8DC8B67-1785-E6E1-D308-DCC85BFD665C}"/>
-          </ac:spMkLst>
-        </pc:spChg>
-        <pc:spChg chg="mod">
-          <ac:chgData name="Schranzhofer Daniel Benjamin" userId="896aed5a-a90e-49ae-b044-096ef6952a5d" providerId="ADAL" clId="{F285D1C5-361E-465F-986D-CAD6C187740B}" dt="2024-12-17T10:04:54.927" v="103" actId="790"/>
-          <ac:spMkLst>
-            <pc:docMk/>
-            <pc:sldMk cId="1272570971" sldId="258"/>
-            <ac:spMk id="10" creationId="{4C608BEB-860E-4094-8511-78603564A75E}"/>
-          </ac:spMkLst>
-        </pc:spChg>
-      </pc:sldChg>
-      <pc:sldChg chg="addSp delSp modSp mod ord">
-        <pc:chgData name="Schranzhofer Daniel Benjamin" userId="896aed5a-a90e-49ae-b044-096ef6952a5d" providerId="ADAL" clId="{F285D1C5-361E-465F-986D-CAD6C187740B}" dt="2024-12-17T10:04:54.927" v="103" actId="790"/>
-        <pc:sldMkLst>
-          <pc:docMk/>
-          <pc:sldMk cId="3495461466" sldId="259"/>
-        </pc:sldMkLst>
-        <pc:spChg chg="mod">
-          <ac:chgData name="Schranzhofer Daniel Benjamin" userId="896aed5a-a90e-49ae-b044-096ef6952a5d" providerId="ADAL" clId="{F285D1C5-361E-465F-986D-CAD6C187740B}" dt="2024-12-17T10:04:54.927" v="103" actId="790"/>
-          <ac:spMkLst>
-            <pc:docMk/>
-            <pc:sldMk cId="3495461466" sldId="259"/>
-            <ac:spMk id="2" creationId="{75CBCCD9-D2DF-DE01-EC57-3CEF21C37657}"/>
-          </ac:spMkLst>
-        </pc:spChg>
-        <pc:spChg chg="add del">
-          <ac:chgData name="Schranzhofer Daniel Benjamin" userId="896aed5a-a90e-49ae-b044-096ef6952a5d" providerId="ADAL" clId="{F285D1C5-361E-465F-986D-CAD6C187740B}" dt="2024-12-17T10:03:10.108" v="84" actId="22"/>
-          <ac:spMkLst>
-            <pc:docMk/>
-            <pc:sldMk cId="3495461466" sldId="259"/>
-            <ac:spMk id="4" creationId="{A9B9C816-B835-665E-B61D-6E3385258B4B}"/>
-          </ac:spMkLst>
-        </pc:spChg>
-        <pc:spChg chg="mod">
-          <ac:chgData name="Schranzhofer Daniel Benjamin" userId="896aed5a-a90e-49ae-b044-096ef6952a5d" providerId="ADAL" clId="{F285D1C5-361E-465F-986D-CAD6C187740B}" dt="2024-12-17T10:04:54.927" v="103" actId="790"/>
-          <ac:spMkLst>
-            <pc:docMk/>
-            <pc:sldMk cId="3495461466" sldId="259"/>
-            <ac:spMk id="10" creationId="{6753252F-4873-4F63-801D-CC719279A7D5}"/>
-          </ac:spMkLst>
-        </pc:spChg>
-        <pc:spChg chg="mod">
-          <ac:chgData name="Schranzhofer Daniel Benjamin" userId="896aed5a-a90e-49ae-b044-096ef6952a5d" providerId="ADAL" clId="{F285D1C5-361E-465F-986D-CAD6C187740B}" dt="2024-12-17T10:04:54.927" v="103" actId="790"/>
-          <ac:spMkLst>
-            <pc:docMk/>
-            <pc:sldMk cId="3495461466" sldId="259"/>
-            <ac:spMk id="12" creationId="{047C8CCB-F95D-4249-92DD-651249D3535A}"/>
-          </ac:spMkLst>
-        </pc:spChg>
-        <pc:picChg chg="del">
-          <ac:chgData name="Schranzhofer Daniel Benjamin" userId="896aed5a-a90e-49ae-b044-096ef6952a5d" providerId="ADAL" clId="{F285D1C5-361E-465F-986D-CAD6C187740B}" dt="2024-12-17T10:04:21.339" v="102" actId="478"/>
-          <ac:picMkLst>
-            <pc:docMk/>
-            <pc:sldMk cId="3495461466" sldId="259"/>
-            <ac:picMk id="5" creationId="{A0486A4E-2756-B40D-020B-AC4698F0FBAB}"/>
-          </ac:picMkLst>
-        </pc:picChg>
-      </pc:sldChg>
-      <pc:sldChg chg="modSp mod">
-        <pc:chgData name="Schranzhofer Daniel Benjamin" userId="896aed5a-a90e-49ae-b044-096ef6952a5d" providerId="ADAL" clId="{F285D1C5-361E-465F-986D-CAD6C187740B}" dt="2024-12-17T10:04:54.927" v="103" actId="790"/>
-        <pc:sldMkLst>
-          <pc:docMk/>
-          <pc:sldMk cId="2500380370" sldId="260"/>
-        </pc:sldMkLst>
-        <pc:spChg chg="mod">
-          <ac:chgData name="Schranzhofer Daniel Benjamin" userId="896aed5a-a90e-49ae-b044-096ef6952a5d" providerId="ADAL" clId="{F285D1C5-361E-465F-986D-CAD6C187740B}" dt="2024-12-17T10:04:54.927" v="103" actId="790"/>
-          <ac:spMkLst>
-            <pc:docMk/>
-            <pc:sldMk cId="2500380370" sldId="260"/>
-            <ac:spMk id="14" creationId="{A3C4E87F-6C57-776E-D414-F361ED65E477}"/>
-          </ac:spMkLst>
-        </pc:spChg>
-        <pc:spChg chg="mod">
-          <ac:chgData name="Schranzhofer Daniel Benjamin" userId="896aed5a-a90e-49ae-b044-096ef6952a5d" providerId="ADAL" clId="{F285D1C5-361E-465F-986D-CAD6C187740B}" dt="2024-12-17T10:04:54.927" v="103" actId="790"/>
-          <ac:spMkLst>
-            <pc:docMk/>
-            <pc:sldMk cId="2500380370" sldId="260"/>
-            <ac:spMk id="15" creationId="{C909CB2F-5E0B-AFE9-6073-4044D1DE43AA}"/>
-          </ac:spMkLst>
-        </pc:spChg>
-        <pc:spChg chg="mod">
-          <ac:chgData name="Schranzhofer Daniel Benjamin" userId="896aed5a-a90e-49ae-b044-096ef6952a5d" providerId="ADAL" clId="{F285D1C5-361E-465F-986D-CAD6C187740B}" dt="2024-12-17T10:04:54.927" v="103" actId="790"/>
-          <ac:spMkLst>
-            <pc:docMk/>
-            <pc:sldMk cId="2500380370" sldId="260"/>
-            <ac:spMk id="16" creationId="{D5C76C9B-2E3A-1CC2-FC51-9E760209AB52}"/>
-          </ac:spMkLst>
-        </pc:spChg>
-        <pc:spChg chg="mod">
-          <ac:chgData name="Schranzhofer Daniel Benjamin" userId="896aed5a-a90e-49ae-b044-096ef6952a5d" providerId="ADAL" clId="{F285D1C5-361E-465F-986D-CAD6C187740B}" dt="2024-12-17T10:04:54.927" v="103" actId="790"/>
-          <ac:spMkLst>
-            <pc:docMk/>
-            <pc:sldMk cId="2500380370" sldId="260"/>
-            <ac:spMk id="18" creationId="{F9ED096D-D4D2-AB3E-1E31-0DCDBDF8BA73}"/>
-          </ac:spMkLst>
-        </pc:spChg>
-      </pc:sldChg>
-      <pc:sldChg chg="modSp mod">
-        <pc:chgData name="Schranzhofer Daniel Benjamin" userId="896aed5a-a90e-49ae-b044-096ef6952a5d" providerId="ADAL" clId="{F285D1C5-361E-465F-986D-CAD6C187740B}" dt="2024-12-17T10:08:47.421" v="128" actId="14100"/>
-        <pc:sldMkLst>
-          <pc:docMk/>
-          <pc:sldMk cId="2610884737" sldId="263"/>
-        </pc:sldMkLst>
-        <pc:spChg chg="mod">
-          <ac:chgData name="Schranzhofer Daniel Benjamin" userId="896aed5a-a90e-49ae-b044-096ef6952a5d" providerId="ADAL" clId="{F285D1C5-361E-465F-986D-CAD6C187740B}" dt="2024-12-17T10:04:54.927" v="103" actId="790"/>
-          <ac:spMkLst>
-            <pc:docMk/>
-            <pc:sldMk cId="2610884737" sldId="263"/>
-            <ac:spMk id="4" creationId="{77E5C038-C919-680F-1F9D-1E85C868FEF1}"/>
-          </ac:spMkLst>
-        </pc:spChg>
-        <pc:spChg chg="mod">
-          <ac:chgData name="Schranzhofer Daniel Benjamin" userId="896aed5a-a90e-49ae-b044-096ef6952a5d" providerId="ADAL" clId="{F285D1C5-361E-465F-986D-CAD6C187740B}" dt="2024-12-17T10:04:54.927" v="103" actId="790"/>
-          <ac:spMkLst>
-            <pc:docMk/>
-            <pc:sldMk cId="2610884737" sldId="263"/>
-            <ac:spMk id="5" creationId="{1322140A-AF04-86A9-21AF-5A7189C810CE}"/>
-          </ac:spMkLst>
-        </pc:spChg>
-        <pc:spChg chg="mod">
-          <ac:chgData name="Schranzhofer Daniel Benjamin" userId="896aed5a-a90e-49ae-b044-096ef6952a5d" providerId="ADAL" clId="{F285D1C5-361E-465F-986D-CAD6C187740B}" dt="2024-12-17T10:08:47.421" v="128" actId="14100"/>
-          <ac:spMkLst>
-            <pc:docMk/>
-            <pc:sldMk cId="2610884737" sldId="263"/>
-            <ac:spMk id="8" creationId="{FB98F0C2-2352-D588-A51C-B6B2F63F8986}"/>
-          </ac:spMkLst>
-        </pc:spChg>
-        <pc:spChg chg="mod">
-          <ac:chgData name="Schranzhofer Daniel Benjamin" userId="896aed5a-a90e-49ae-b044-096ef6952a5d" providerId="ADAL" clId="{F285D1C5-361E-465F-986D-CAD6C187740B}" dt="2024-12-17T10:04:54.927" v="103" actId="790"/>
-          <ac:spMkLst>
-            <pc:docMk/>
-            <pc:sldMk cId="2610884737" sldId="263"/>
-            <ac:spMk id="13" creationId="{539B70CF-1BA7-2B83-6DE5-68726A3078D0}"/>
-          </ac:spMkLst>
-        </pc:spChg>
-      </pc:sldChg>
-      <pc:sldChg chg="modSp mod">
-        <pc:chgData name="Schranzhofer Daniel Benjamin" userId="896aed5a-a90e-49ae-b044-096ef6952a5d" providerId="ADAL" clId="{F285D1C5-361E-465F-986D-CAD6C187740B}" dt="2024-12-17T10:12:08.949" v="215" actId="20577"/>
-        <pc:sldMkLst>
-          <pc:docMk/>
-          <pc:sldMk cId="3791225581" sldId="265"/>
-        </pc:sldMkLst>
-        <pc:spChg chg="mod">
-          <ac:chgData name="Schranzhofer Daniel Benjamin" userId="896aed5a-a90e-49ae-b044-096ef6952a5d" providerId="ADAL" clId="{F285D1C5-361E-465F-986D-CAD6C187740B}" dt="2024-12-17T10:04:54.927" v="103" actId="790"/>
-          <ac:spMkLst>
-            <pc:docMk/>
-            <pc:sldMk cId="3791225581" sldId="265"/>
-            <ac:spMk id="4" creationId="{FAAF5FDC-CF01-E0B5-7DC8-64191E2A3A60}"/>
-          </ac:spMkLst>
-        </pc:spChg>
-        <pc:spChg chg="mod">
-          <ac:chgData name="Schranzhofer Daniel Benjamin" userId="896aed5a-a90e-49ae-b044-096ef6952a5d" providerId="ADAL" clId="{F285D1C5-361E-465F-986D-CAD6C187740B}" dt="2024-12-17T10:12:08.949" v="215" actId="20577"/>
-          <ac:spMkLst>
-            <pc:docMk/>
-            <pc:sldMk cId="3791225581" sldId="265"/>
-            <ac:spMk id="5" creationId="{C6FD9AE7-0439-967F-C46C-547786D0CDF0}"/>
-          </ac:spMkLst>
-        </pc:spChg>
-        <pc:spChg chg="mod">
-          <ac:chgData name="Schranzhofer Daniel Benjamin" userId="896aed5a-a90e-49ae-b044-096ef6952a5d" providerId="ADAL" clId="{F285D1C5-361E-465F-986D-CAD6C187740B}" dt="2024-12-17T10:04:54.927" v="103" actId="790"/>
-          <ac:spMkLst>
-            <pc:docMk/>
-            <pc:sldMk cId="3791225581" sldId="265"/>
-            <ac:spMk id="7" creationId="{E7A2FAD0-A01E-29E8-A071-D8648FF93774}"/>
-          </ac:spMkLst>
-        </pc:spChg>
-      </pc:sldChg>
-      <pc:sldChg chg="modSp del mod">
-        <pc:chgData name="Schranzhofer Daniel Benjamin" userId="896aed5a-a90e-49ae-b044-096ef6952a5d" providerId="ADAL" clId="{F285D1C5-361E-465F-986D-CAD6C187740B}" dt="2024-12-17T10:15:50.943" v="344" actId="2696"/>
-        <pc:sldMkLst>
-          <pc:docMk/>
-          <pc:sldMk cId="2206358031" sldId="266"/>
-        </pc:sldMkLst>
-        <pc:spChg chg="mod">
-          <ac:chgData name="Schranzhofer Daniel Benjamin" userId="896aed5a-a90e-49ae-b044-096ef6952a5d" providerId="ADAL" clId="{F285D1C5-361E-465F-986D-CAD6C187740B}" dt="2024-12-17T10:04:54.927" v="103" actId="790"/>
-          <ac:spMkLst>
-            <pc:docMk/>
-            <pc:sldMk cId="2206358031" sldId="266"/>
-            <ac:spMk id="2" creationId="{D60E8E75-EAE8-4B7C-BC77-B944EAC41998}"/>
-          </ac:spMkLst>
-        </pc:spChg>
-        <pc:spChg chg="mod">
-          <ac:chgData name="Schranzhofer Daniel Benjamin" userId="896aed5a-a90e-49ae-b044-096ef6952a5d" providerId="ADAL" clId="{F285D1C5-361E-465F-986D-CAD6C187740B}" dt="2024-12-17T10:04:54.927" v="103" actId="790"/>
-          <ac:spMkLst>
-            <pc:docMk/>
-            <pc:sldMk cId="2206358031" sldId="266"/>
-            <ac:spMk id="3" creationId="{CEEA0397-6373-A44A-3183-062C109C5E09}"/>
-          </ac:spMkLst>
-        </pc:spChg>
-        <pc:spChg chg="mod">
-          <ac:chgData name="Schranzhofer Daniel Benjamin" userId="896aed5a-a90e-49ae-b044-096ef6952a5d" providerId="ADAL" clId="{F285D1C5-361E-465F-986D-CAD6C187740B}" dt="2024-12-17T10:04:54.927" v="103" actId="790"/>
-          <ac:spMkLst>
-            <pc:docMk/>
-            <pc:sldMk cId="2206358031" sldId="266"/>
-            <ac:spMk id="10" creationId="{E35A04CF-97D4-4FF7-B359-C546B1F62E54}"/>
-          </ac:spMkLst>
-        </pc:spChg>
-        <pc:spChg chg="mod">
-          <ac:chgData name="Schranzhofer Daniel Benjamin" userId="896aed5a-a90e-49ae-b044-096ef6952a5d" providerId="ADAL" clId="{F285D1C5-361E-465F-986D-CAD6C187740B}" dt="2024-12-17T10:04:54.927" v="103" actId="790"/>
-          <ac:spMkLst>
-            <pc:docMk/>
-            <pc:sldMk cId="2206358031" sldId="266"/>
-            <ac:spMk id="12" creationId="{1DE7243B-5109-444B-8FAF-7437C66BC0E9}"/>
-          </ac:spMkLst>
-        </pc:spChg>
-        <pc:spChg chg="mod">
-          <ac:chgData name="Schranzhofer Daniel Benjamin" userId="896aed5a-a90e-49ae-b044-096ef6952a5d" providerId="ADAL" clId="{F285D1C5-361E-465F-986D-CAD6C187740B}" dt="2024-12-17T10:04:54.927" v="103" actId="790"/>
-          <ac:spMkLst>
-            <pc:docMk/>
-            <pc:sldMk cId="2206358031" sldId="266"/>
-            <ac:spMk id="14" creationId="{4C5D6221-DA7B-4611-AA26-7D8E349FDE96}"/>
-          </ac:spMkLst>
-        </pc:spChg>
-      </pc:sldChg>
-      <pc:sldChg chg="addSp delSp modSp new mod ord modClrScheme chgLayout">
-        <pc:chgData name="Schranzhofer Daniel Benjamin" userId="896aed5a-a90e-49ae-b044-096ef6952a5d" providerId="ADAL" clId="{F285D1C5-361E-465F-986D-CAD6C187740B}" dt="2024-12-17T11:24:36.860" v="378" actId="478"/>
-        <pc:sldMkLst>
-          <pc:docMk/>
-          <pc:sldMk cId="3608403467" sldId="267"/>
-        </pc:sldMkLst>
-        <pc:spChg chg="del">
-          <ac:chgData name="Schranzhofer Daniel Benjamin" userId="896aed5a-a90e-49ae-b044-096ef6952a5d" providerId="ADAL" clId="{F285D1C5-361E-465F-986D-CAD6C187740B}" dt="2024-12-17T10:03:16.482" v="86" actId="700"/>
-          <ac:spMkLst>
-            <pc:docMk/>
-            <pc:sldMk cId="3608403467" sldId="267"/>
-            <ac:spMk id="2" creationId="{A194FEE7-C4A0-E8D8-8B26-761AFDF20553}"/>
-          </ac:spMkLst>
-        </pc:spChg>
-        <pc:spChg chg="del">
-          <ac:chgData name="Schranzhofer Daniel Benjamin" userId="896aed5a-a90e-49ae-b044-096ef6952a5d" providerId="ADAL" clId="{F285D1C5-361E-465F-986D-CAD6C187740B}" dt="2024-12-17T10:03:16.482" v="86" actId="700"/>
-          <ac:spMkLst>
-            <pc:docMk/>
-            <pc:sldMk cId="3608403467" sldId="267"/>
-            <ac:spMk id="3" creationId="{4CDC247E-BDF1-20A3-2DAF-76787CDACB83}"/>
-          </ac:spMkLst>
-        </pc:spChg>
-        <pc:spChg chg="add mod">
-          <ac:chgData name="Schranzhofer Daniel Benjamin" userId="896aed5a-a90e-49ae-b044-096ef6952a5d" providerId="ADAL" clId="{F285D1C5-361E-465F-986D-CAD6C187740B}" dt="2024-12-17T10:04:54.927" v="103" actId="790"/>
-          <ac:spMkLst>
-            <pc:docMk/>
-            <pc:sldMk cId="3608403467" sldId="267"/>
-            <ac:spMk id="4" creationId="{3082BE1C-F9E0-7979-5571-F168D5B8C62A}"/>
-          </ac:spMkLst>
-        </pc:spChg>
-        <pc:spChg chg="add mod">
-          <ac:chgData name="Schranzhofer Daniel Benjamin" userId="896aed5a-a90e-49ae-b044-096ef6952a5d" providerId="ADAL" clId="{F285D1C5-361E-465F-986D-CAD6C187740B}" dt="2024-12-17T10:04:54.927" v="103" actId="790"/>
-          <ac:spMkLst>
-            <pc:docMk/>
-            <pc:sldMk cId="3608403467" sldId="267"/>
-            <ac:spMk id="5" creationId="{0D052B66-91DF-E73B-E565-5586234527EE}"/>
-          </ac:spMkLst>
-        </pc:spChg>
-        <pc:spChg chg="add mod">
-          <ac:chgData name="Schranzhofer Daniel Benjamin" userId="896aed5a-a90e-49ae-b044-096ef6952a5d" providerId="ADAL" clId="{F285D1C5-361E-465F-986D-CAD6C187740B}" dt="2024-12-17T10:04:54.927" v="103" actId="790"/>
-          <ac:spMkLst>
-            <pc:docMk/>
-            <pc:sldMk cId="3608403467" sldId="267"/>
-            <ac:spMk id="6" creationId="{1230AD92-5B5F-D54B-FB73-B9F4390B32CD}"/>
-          </ac:spMkLst>
-        </pc:spChg>
-        <pc:graphicFrameChg chg="add del mod">
-          <ac:chgData name="Schranzhofer Daniel Benjamin" userId="896aed5a-a90e-49ae-b044-096ef6952a5d" providerId="ADAL" clId="{F285D1C5-361E-465F-986D-CAD6C187740B}" dt="2024-12-17T11:24:36.860" v="378" actId="478"/>
-          <ac:graphicFrameMkLst>
-            <pc:docMk/>
-            <pc:sldMk cId="3608403467" sldId="267"/>
-            <ac:graphicFrameMk id="2" creationId="{04FA92D2-B5C6-C5AD-C98C-7F030AF53DAE}"/>
-          </ac:graphicFrameMkLst>
-        </pc:graphicFrameChg>
-        <pc:picChg chg="add del mod">
-          <ac:chgData name="Schranzhofer Daniel Benjamin" userId="896aed5a-a90e-49ae-b044-096ef6952a5d" providerId="ADAL" clId="{F285D1C5-361E-465F-986D-CAD6C187740B}" dt="2024-12-17T10:03:23.877" v="97" actId="478"/>
-          <ac:picMkLst>
-            <pc:docMk/>
-            <pc:sldMk cId="3608403467" sldId="267"/>
-            <ac:picMk id="7" creationId="{DABD408A-188D-73EC-4584-75BCC3B1511F}"/>
-          </ac:picMkLst>
-        </pc:picChg>
-      </pc:sldChg>
-      <pc:sldChg chg="addSp delSp modSp new del mod modClrScheme chgLayout">
-        <pc:chgData name="Schranzhofer Daniel Benjamin" userId="896aed5a-a90e-49ae-b044-096ef6952a5d" providerId="ADAL" clId="{F285D1C5-361E-465F-986D-CAD6C187740B}" dt="2024-12-17T10:15:40.870" v="343" actId="47"/>
-        <pc:sldMkLst>
-          <pc:docMk/>
-          <pc:sldMk cId="2811300541" sldId="268"/>
-        </pc:sldMkLst>
-        <pc:spChg chg="add del mod">
-          <ac:chgData name="Schranzhofer Daniel Benjamin" userId="896aed5a-a90e-49ae-b044-096ef6952a5d" providerId="ADAL" clId="{F285D1C5-361E-465F-986D-CAD6C187740B}" dt="2024-12-17T10:10:06.639" v="131" actId="478"/>
-          <ac:spMkLst>
-            <pc:docMk/>
-            <pc:sldMk cId="2811300541" sldId="268"/>
-            <ac:spMk id="2" creationId="{EE5AAF10-0BC2-A53A-E1C8-E032DF7DE67D}"/>
-          </ac:spMkLst>
-        </pc:spChg>
-        <pc:spChg chg="add del mod">
-          <ac:chgData name="Schranzhofer Daniel Benjamin" userId="896aed5a-a90e-49ae-b044-096ef6952a5d" providerId="ADAL" clId="{F285D1C5-361E-465F-986D-CAD6C187740B}" dt="2024-12-17T10:14:49.748" v="322" actId="21"/>
-          <ac:spMkLst>
-            <pc:docMk/>
-            <pc:sldMk cId="2811300541" sldId="268"/>
-            <ac:spMk id="3" creationId="{2CEB745C-8AD7-31A0-A4CC-BA83E78A166A}"/>
-          </ac:spMkLst>
-        </pc:spChg>
-        <pc:spChg chg="add del mod">
-          <ac:chgData name="Schranzhofer Daniel Benjamin" userId="896aed5a-a90e-49ae-b044-096ef6952a5d" providerId="ADAL" clId="{F285D1C5-361E-465F-986D-CAD6C187740B}" dt="2024-12-17T10:14:16.383" v="247" actId="21"/>
-          <ac:spMkLst>
-            <pc:docMk/>
-            <pc:sldMk cId="2811300541" sldId="268"/>
-            <ac:spMk id="4" creationId="{5F99C5C3-2029-E437-CEFD-37DF65AE1C22}"/>
-          </ac:spMkLst>
-        </pc:spChg>
-        <pc:spChg chg="add mod">
-          <ac:chgData name="Schranzhofer Daniel Benjamin" userId="896aed5a-a90e-49ae-b044-096ef6952a5d" providerId="ADAL" clId="{F285D1C5-361E-465F-986D-CAD6C187740B}" dt="2024-12-17T10:14:49.748" v="322" actId="21"/>
-          <ac:spMkLst>
-            <pc:docMk/>
-            <pc:sldMk cId="2811300541" sldId="268"/>
-            <ac:spMk id="6" creationId="{102E6A8D-E794-FEB8-2C72-23789C531D12}"/>
-          </ac:spMkLst>
-        </pc:spChg>
-      </pc:sldChg>
-      <pc:sldChg chg="addSp delSp modSp new mod">
-        <pc:chgData name="Schranzhofer Daniel Benjamin" userId="896aed5a-a90e-49ae-b044-096ef6952a5d" providerId="ADAL" clId="{F285D1C5-361E-465F-986D-CAD6C187740B}" dt="2024-12-17T10:16:42.823" v="376" actId="20577"/>
-        <pc:sldMkLst>
-          <pc:docMk/>
-          <pc:sldMk cId="2958476914" sldId="269"/>
-        </pc:sldMkLst>
-        <pc:spChg chg="add mod">
-          <ac:chgData name="Schranzhofer Daniel Benjamin" userId="896aed5a-a90e-49ae-b044-096ef6952a5d" providerId="ADAL" clId="{F285D1C5-361E-465F-986D-CAD6C187740B}" dt="2024-12-17T10:14:07.619" v="244"/>
-          <ac:spMkLst>
-            <pc:docMk/>
-            <pc:sldMk cId="2958476914" sldId="269"/>
-            <ac:spMk id="2" creationId="{527A7A93-C50F-D2B7-8F44-B39B2F161A37}"/>
-          </ac:spMkLst>
-        </pc:spChg>
-        <pc:spChg chg="add mod">
-          <ac:chgData name="Schranzhofer Daniel Benjamin" userId="896aed5a-a90e-49ae-b044-096ef6952a5d" providerId="ADAL" clId="{F285D1C5-361E-465F-986D-CAD6C187740B}" dt="2024-12-17T10:14:07.619" v="244"/>
-          <ac:spMkLst>
-            <pc:docMk/>
-            <pc:sldMk cId="2958476914" sldId="269"/>
-            <ac:spMk id="3" creationId="{CB3DD32B-773B-3004-D4A9-9A74FD8EB78C}"/>
-          </ac:spMkLst>
-        </pc:spChg>
-        <pc:spChg chg="add del mod">
-          <ac:chgData name="Schranzhofer Daniel Benjamin" userId="896aed5a-a90e-49ae-b044-096ef6952a5d" providerId="ADAL" clId="{F285D1C5-361E-465F-986D-CAD6C187740B}" dt="2024-12-17T10:14:10.523" v="245" actId="478"/>
-          <ac:spMkLst>
-            <pc:docMk/>
-            <pc:sldMk cId="2958476914" sldId="269"/>
-            <ac:spMk id="5" creationId="{0EC0FC5C-A3DC-ECED-826F-D95FC210B027}"/>
-          </ac:spMkLst>
-        </pc:spChg>
-        <pc:spChg chg="add del mod">
-          <ac:chgData name="Schranzhofer Daniel Benjamin" userId="896aed5a-a90e-49ae-b044-096ef6952a5d" providerId="ADAL" clId="{F285D1C5-361E-465F-986D-CAD6C187740B}" dt="2024-12-17T10:14:11.865" v="246" actId="478"/>
-          <ac:spMkLst>
-            <pc:docMk/>
-            <pc:sldMk cId="2958476914" sldId="269"/>
-            <ac:spMk id="6" creationId="{60FCB94A-323F-FE78-743B-2D4AD8221141}"/>
-          </ac:spMkLst>
-        </pc:spChg>
-        <pc:spChg chg="add mod">
-          <ac:chgData name="Schranzhofer Daniel Benjamin" userId="896aed5a-a90e-49ae-b044-096ef6952a5d" providerId="ADAL" clId="{F285D1C5-361E-465F-986D-CAD6C187740B}" dt="2024-12-17T10:16:42.823" v="376" actId="20577"/>
-          <ac:spMkLst>
-            <pc:docMk/>
-            <pc:sldMk cId="2958476914" sldId="269"/>
-            <ac:spMk id="7" creationId="{5F99C5C3-2029-E437-CEFD-37DF65AE1C22}"/>
-          </ac:spMkLst>
-        </pc:spChg>
-        <pc:spChg chg="add mod">
-          <ac:chgData name="Schranzhofer Daniel Benjamin" userId="896aed5a-a90e-49ae-b044-096ef6952a5d" providerId="ADAL" clId="{F285D1C5-361E-465F-986D-CAD6C187740B}" dt="2024-12-17T10:15:24.465" v="340" actId="113"/>
-          <ac:spMkLst>
-            <pc:docMk/>
-            <pc:sldMk cId="2958476914" sldId="269"/>
-            <ac:spMk id="8" creationId="{2CEB745C-8AD7-31A0-A4CC-BA83E78A166A}"/>
-          </ac:spMkLst>
-        </pc:spChg>
-        <pc:cxnChg chg="add mod">
-          <ac:chgData name="Schranzhofer Daniel Benjamin" userId="896aed5a-a90e-49ae-b044-096ef6952a5d" providerId="ADAL" clId="{F285D1C5-361E-465F-986D-CAD6C187740B}" dt="2024-12-17T10:14:07.619" v="244"/>
-          <ac:cxnSpMkLst>
-            <pc:docMk/>
-            <pc:sldMk cId="2958476914" sldId="269"/>
-            <ac:cxnSpMk id="4" creationId="{18E2F1B2-E1F9-A7B3-24D9-9A28C89170B8}"/>
-          </ac:cxnSpMkLst>
-        </pc:cxnChg>
-      </pc:sldChg>
-    </pc:docChg>
-  </pc:docChgLst>
-</pc:chgInfo>
-</file>
-
 <file path=ppt/slideLayouts/slideLayout1.xml><?xml version="1.0" encoding="utf-8"?>
 <p:sldLayout xmlns:a="http://schemas.openxmlformats.org/drawingml/2006/main" xmlns:r="http://schemas.openxmlformats.org/officeDocument/2006/relationships" xmlns:p="http://schemas.openxmlformats.org/presentationml/2006/main" type="title" preserve="1">
   <p:cSld name="Titelfolie">
@@ -903,7 +276,7 @@
           <a:p>
             <a:fld id="{909B4A3A-50F4-477C-A08F-9FEFB53D43FF}" type="datetimeFigureOut">
               <a:rPr lang="de-DE" smtClean="0"/>
-              <a:t>17.12.2024</a:t>
+              <a:t>17.12.24</a:t>
             </a:fld>
             <a:endParaRPr lang="de-DE"/>
           </a:p>
@@ -1101,7 +474,7 @@
           <a:p>
             <a:fld id="{909B4A3A-50F4-477C-A08F-9FEFB53D43FF}" type="datetimeFigureOut">
               <a:rPr lang="de-DE" smtClean="0"/>
-              <a:t>17.12.2024</a:t>
+              <a:t>17.12.24</a:t>
             </a:fld>
             <a:endParaRPr lang="de-DE"/>
           </a:p>
@@ -1309,7 +682,7 @@
           <a:p>
             <a:fld id="{909B4A3A-50F4-477C-A08F-9FEFB53D43FF}" type="datetimeFigureOut">
               <a:rPr lang="de-DE" smtClean="0"/>
-              <a:t>17.12.2024</a:t>
+              <a:t>17.12.24</a:t>
             </a:fld>
             <a:endParaRPr lang="de-DE"/>
           </a:p>
@@ -1507,7 +880,7 @@
           <a:p>
             <a:fld id="{909B4A3A-50F4-477C-A08F-9FEFB53D43FF}" type="datetimeFigureOut">
               <a:rPr lang="de-DE" smtClean="0"/>
-              <a:t>17.12.2024</a:t>
+              <a:t>17.12.24</a:t>
             </a:fld>
             <a:endParaRPr lang="de-DE"/>
           </a:p>
@@ -1782,7 +1155,7 @@
           <a:p>
             <a:fld id="{909B4A3A-50F4-477C-A08F-9FEFB53D43FF}" type="datetimeFigureOut">
               <a:rPr lang="de-DE" smtClean="0"/>
-              <a:t>17.12.2024</a:t>
+              <a:t>17.12.24</a:t>
             </a:fld>
             <a:endParaRPr lang="de-DE"/>
           </a:p>
@@ -2047,7 +1420,7 @@
           <a:p>
             <a:fld id="{909B4A3A-50F4-477C-A08F-9FEFB53D43FF}" type="datetimeFigureOut">
               <a:rPr lang="de-DE" smtClean="0"/>
-              <a:t>17.12.2024</a:t>
+              <a:t>17.12.24</a:t>
             </a:fld>
             <a:endParaRPr lang="de-DE"/>
           </a:p>
@@ -2459,7 +1832,7 @@
           <a:p>
             <a:fld id="{909B4A3A-50F4-477C-A08F-9FEFB53D43FF}" type="datetimeFigureOut">
               <a:rPr lang="de-DE" smtClean="0"/>
-              <a:t>17.12.2024</a:t>
+              <a:t>17.12.24</a:t>
             </a:fld>
             <a:endParaRPr lang="de-DE"/>
           </a:p>
@@ -2600,7 +1973,7 @@
           <a:p>
             <a:fld id="{909B4A3A-50F4-477C-A08F-9FEFB53D43FF}" type="datetimeFigureOut">
               <a:rPr lang="de-DE" smtClean="0"/>
-              <a:t>17.12.2024</a:t>
+              <a:t>17.12.24</a:t>
             </a:fld>
             <a:endParaRPr lang="de-DE"/>
           </a:p>
@@ -2713,7 +2086,7 @@
           <a:p>
             <a:fld id="{909B4A3A-50F4-477C-A08F-9FEFB53D43FF}" type="datetimeFigureOut">
               <a:rPr lang="de-DE" smtClean="0"/>
-              <a:t>17.12.2024</a:t>
+              <a:t>17.12.24</a:t>
             </a:fld>
             <a:endParaRPr lang="de-DE"/>
           </a:p>
@@ -3024,7 +2397,7 @@
           <a:p>
             <a:fld id="{909B4A3A-50F4-477C-A08F-9FEFB53D43FF}" type="datetimeFigureOut">
               <a:rPr lang="de-DE" smtClean="0"/>
-              <a:t>17.12.2024</a:t>
+              <a:t>17.12.24</a:t>
             </a:fld>
             <a:endParaRPr lang="de-DE"/>
           </a:p>
@@ -3312,7 +2685,7 @@
           <a:p>
             <a:fld id="{909B4A3A-50F4-477C-A08F-9FEFB53D43FF}" type="datetimeFigureOut">
               <a:rPr lang="de-DE" smtClean="0"/>
-              <a:t>17.12.2024</a:t>
+              <a:t>17.12.24</a:t>
             </a:fld>
             <a:endParaRPr lang="de-DE"/>
           </a:p>
@@ -3553,7 +2926,7 @@
           <a:p>
             <a:fld id="{909B4A3A-50F4-477C-A08F-9FEFB53D43FF}" type="datetimeFigureOut">
               <a:rPr lang="de-DE" smtClean="0"/>
-              <a:t>17.12.2024</a:t>
+              <a:t>17.12.24</a:t>
             </a:fld>
             <a:endParaRPr lang="de-DE"/>
           </a:p>
@@ -13576,6 +12949,35 @@
           </a:p>
         </p:txBody>
       </p:sp>
+      <p:pic>
+        <p:nvPicPr>
+          <p:cNvPr id="3" name="Grafik 2">
+            <a:extLst>
+              <a:ext uri="{FF2B5EF4-FFF2-40B4-BE49-F238E27FC236}">
+                <a16:creationId xmlns:a16="http://schemas.microsoft.com/office/drawing/2014/main" id="{42658B27-AA26-820A-871F-7B8A8FA36981}"/>
+              </a:ext>
+            </a:extLst>
+          </p:cNvPr>
+          <p:cNvPicPr>
+            <a:picLocks noChangeAspect="1"/>
+          </p:cNvPicPr>
+          <p:nvPr/>
+        </p:nvPicPr>
+        <p:blipFill>
+          <a:blip r:embed="rId2"/>
+          <a:srcRect l="9804" t="13607" r="31884" b="24075"/>
+          <a:stretch/>
+        </p:blipFill>
+        <p:spPr>
+          <a:xfrm>
+            <a:off x="3604593" y="438635"/>
+            <a:ext cx="8084621" cy="5980729"/>
+          </a:xfrm>
+          <a:prstGeom prst="rect">
+            <a:avLst/>
+          </a:prstGeom>
+        </p:spPr>
+      </p:pic>
     </p:spTree>
     <p:extLst>
       <p:ext uri="{BB962C8B-B14F-4D97-AF65-F5344CB8AC3E}">
@@ -13815,6 +13217,35 @@
           </a:p>
         </p:txBody>
       </p:sp>
+      <p:pic>
+        <p:nvPicPr>
+          <p:cNvPr id="6" name="Grafik 5">
+            <a:extLst>
+              <a:ext uri="{FF2B5EF4-FFF2-40B4-BE49-F238E27FC236}">
+                <a16:creationId xmlns:a16="http://schemas.microsoft.com/office/drawing/2014/main" id="{83B2813C-9DC7-B0E8-01CE-59003675744B}"/>
+              </a:ext>
+            </a:extLst>
+          </p:cNvPr>
+          <p:cNvPicPr>
+            <a:picLocks noChangeAspect="1"/>
+          </p:cNvPicPr>
+          <p:nvPr/>
+        </p:nvPicPr>
+        <p:blipFill>
+          <a:blip r:embed="rId2"/>
+          <a:srcRect l="11294" t="10322" r="13855" b="9206"/>
+          <a:stretch/>
+        </p:blipFill>
+        <p:spPr>
+          <a:xfrm>
+            <a:off x="3101118" y="241851"/>
+            <a:ext cx="8827495" cy="6374295"/>
+          </a:xfrm>
+          <a:prstGeom prst="rect">
+            <a:avLst/>
+          </a:prstGeom>
+        </p:spPr>
+      </p:pic>
     </p:spTree>
     <p:extLst>
       <p:ext uri="{BB962C8B-B14F-4D97-AF65-F5344CB8AC3E}">

--- a/Vorstellung.pptx
+++ b/Vorstellung.pptx
@@ -6,14 +6,13 @@
   </p:sldMasterIdLst>
   <p:sldIdLst>
     <p:sldId id="257" r:id="rId2"/>
-    <p:sldId id="267" r:id="rId3"/>
-    <p:sldId id="259" r:id="rId4"/>
-    <p:sldId id="258" r:id="rId5"/>
-    <p:sldId id="260" r:id="rId6"/>
-    <p:sldId id="263" r:id="rId7"/>
-    <p:sldId id="269" r:id="rId8"/>
-    <p:sldId id="256" r:id="rId9"/>
-    <p:sldId id="265" r:id="rId10"/>
+    <p:sldId id="258" r:id="rId3"/>
+    <p:sldId id="267" r:id="rId4"/>
+    <p:sldId id="263" r:id="rId5"/>
+    <p:sldId id="269" r:id="rId6"/>
+    <p:sldId id="256" r:id="rId7"/>
+    <p:sldId id="265" r:id="rId8"/>
+    <p:sldId id="259" r:id="rId9"/>
   </p:sldIdLst>
   <p:sldSz cx="12192000" cy="6858000"/>
   <p:notesSz cx="6858000" cy="9144000"/>
@@ -12731,537 +12730,6 @@
 <file path=ppt/slides/slide2.xml><?xml version="1.0" encoding="utf-8"?>
 <p:sld xmlns:a="http://schemas.openxmlformats.org/drawingml/2006/main" xmlns:r="http://schemas.openxmlformats.org/officeDocument/2006/relationships" xmlns:p="http://schemas.openxmlformats.org/presentationml/2006/main">
   <p:cSld>
-    <p:spTree>
-      <p:nvGrpSpPr>
-        <p:cNvPr id="1" name=""/>
-        <p:cNvGrpSpPr/>
-        <p:nvPr/>
-      </p:nvGrpSpPr>
-      <p:grpSpPr>
-        <a:xfrm>
-          <a:off x="0" y="0"/>
-          <a:ext cx="0" cy="0"/>
-          <a:chOff x="0" y="0"/>
-          <a:chExt cx="0" cy="0"/>
-        </a:xfrm>
-      </p:grpSpPr>
-      <p:sp>
-        <p:nvSpPr>
-          <p:cNvPr id="4" name="Rectangle 9">
-            <a:extLst>
-              <a:ext uri="{FF2B5EF4-FFF2-40B4-BE49-F238E27FC236}">
-                <a16:creationId xmlns:a16="http://schemas.microsoft.com/office/drawing/2014/main" id="{3082BE1C-F9E0-7979-5571-F168D5B8C62A}"/>
-              </a:ext>
-              <a:ext uri="{C183D7F6-B498-43B3-948B-1728B52AA6E4}">
-                <adec:decorative xmlns:adec="http://schemas.microsoft.com/office/drawing/2017/decorative" val="1"/>
-              </a:ext>
-            </a:extLst>
-          </p:cNvPr>
-          <p:cNvSpPr/>
-          <p:nvPr>
-            <p:extLst>
-              <p:ext uri="{386F3935-93C4-4BCD-93E2-E3B085C9AB24}">
-                <p16:designElem xmlns:p16="http://schemas.microsoft.com/office/powerpoint/2015/main" val="1"/>
-              </p:ext>
-            </p:extLst>
-          </p:nvPr>
-        </p:nvSpPr>
-        <p:spPr>
-          <a:xfrm>
-            <a:off x="0" y="0"/>
-            <a:ext cx="12192000" cy="6858000"/>
-          </a:xfrm>
-          <a:prstGeom prst="rect">
-            <a:avLst/>
-          </a:prstGeom>
-          <a:solidFill>
-            <a:srgbClr val="FFFFFF"/>
-          </a:solidFill>
-          <a:ln>
-            <a:noFill/>
-          </a:ln>
-        </p:spPr>
-        <p:style>
-          <a:lnRef idx="2">
-            <a:schemeClr val="accent1">
-              <a:shade val="50000"/>
-            </a:schemeClr>
-          </a:lnRef>
-          <a:fillRef idx="1">
-            <a:schemeClr val="accent1"/>
-          </a:fillRef>
-          <a:effectRef idx="0">
-            <a:schemeClr val="accent1"/>
-          </a:effectRef>
-          <a:fontRef idx="minor">
-            <a:schemeClr val="lt1"/>
-          </a:fontRef>
-        </p:style>
-        <p:txBody>
-          <a:bodyPr rtlCol="0" anchor="ctr"/>
-          <a:lstStyle/>
-          <a:p>
-            <a:pPr algn="ctr"/>
-            <a:endParaRPr lang="de-DE" noProof="0" dirty="0"/>
-          </a:p>
-        </p:txBody>
-      </p:sp>
-      <p:sp>
-        <p:nvSpPr>
-          <p:cNvPr id="5" name="Rectangle 11">
-            <a:extLst>
-              <a:ext uri="{FF2B5EF4-FFF2-40B4-BE49-F238E27FC236}">
-                <a16:creationId xmlns:a16="http://schemas.microsoft.com/office/drawing/2014/main" id="{0D052B66-91DF-E73B-E565-5586234527EE}"/>
-              </a:ext>
-              <a:ext uri="{C183D7F6-B498-43B3-948B-1728B52AA6E4}">
-                <adec:decorative xmlns:adec="http://schemas.microsoft.com/office/drawing/2017/decorative" val="1"/>
-              </a:ext>
-            </a:extLst>
-          </p:cNvPr>
-          <p:cNvSpPr/>
-          <p:nvPr>
-            <p:extLst>
-              <p:ext uri="{386F3935-93C4-4BCD-93E2-E3B085C9AB24}">
-                <p16:designElem xmlns:p16="http://schemas.microsoft.com/office/powerpoint/2015/main" val="1"/>
-              </p:ext>
-            </p:extLst>
-          </p:nvPr>
-        </p:nvSpPr>
-        <p:spPr>
-          <a:xfrm>
-            <a:off x="0" y="0"/>
-            <a:ext cx="2013557" cy="6858000"/>
-          </a:xfrm>
-          <a:prstGeom prst="rect">
-            <a:avLst/>
-          </a:prstGeom>
-          <a:solidFill>
-            <a:srgbClr val="7F7F7F"/>
-          </a:solidFill>
-          <a:ln>
-            <a:noFill/>
-          </a:ln>
-        </p:spPr>
-        <p:style>
-          <a:lnRef idx="2">
-            <a:schemeClr val="accent1">
-              <a:shade val="50000"/>
-            </a:schemeClr>
-          </a:lnRef>
-          <a:fillRef idx="1">
-            <a:schemeClr val="accent1"/>
-          </a:fillRef>
-          <a:effectRef idx="0">
-            <a:schemeClr val="accent1"/>
-          </a:effectRef>
-          <a:fontRef idx="minor">
-            <a:schemeClr val="lt1"/>
-          </a:fontRef>
-        </p:style>
-        <p:txBody>
-          <a:bodyPr rtlCol="0" anchor="ctr"/>
-          <a:lstStyle/>
-          <a:p>
-            <a:pPr algn="ctr"/>
-            <a:endParaRPr lang="de-DE" noProof="0" dirty="0"/>
-          </a:p>
-        </p:txBody>
-      </p:sp>
-      <p:sp>
-        <p:nvSpPr>
-          <p:cNvPr id="6" name="Titel 1">
-            <a:extLst>
-              <a:ext uri="{FF2B5EF4-FFF2-40B4-BE49-F238E27FC236}">
-                <a16:creationId xmlns:a16="http://schemas.microsoft.com/office/drawing/2014/main" id="{1230AD92-5B5F-D54B-FB73-B9F4390B32CD}"/>
-              </a:ext>
-            </a:extLst>
-          </p:cNvPr>
-          <p:cNvSpPr txBox="1">
-            <a:spLocks/>
-          </p:cNvSpPr>
-          <p:nvPr/>
-        </p:nvSpPr>
-        <p:spPr>
-          <a:xfrm>
-            <a:off x="132080" y="1910941"/>
-            <a:ext cx="3139440" cy="3036117"/>
-          </a:xfrm>
-          <a:prstGeom prst="ellipse">
-            <a:avLst/>
-          </a:prstGeom>
-          <a:solidFill>
-            <a:srgbClr val="262626"/>
-          </a:solidFill>
-          <a:ln w="174625" cmpd="thinThick">
-            <a:solidFill>
-              <a:srgbClr val="262626"/>
-            </a:solidFill>
-          </a:ln>
-        </p:spPr>
-        <p:txBody>
-          <a:bodyPr vert="horz" lIns="91440" tIns="45720" rIns="91440" bIns="45720" rtlCol="0" anchor="ctr">
-            <a:normAutofit/>
-          </a:bodyPr>
-          <a:lstStyle>
-            <a:lvl1pPr algn="l" defTabSz="914400" rtl="0" eaLnBrk="1" latinLnBrk="0" hangingPunct="1">
-              <a:lnSpc>
-                <a:spcPct val="90000"/>
-              </a:lnSpc>
-              <a:spcBef>
-                <a:spcPct val="0"/>
-              </a:spcBef>
-              <a:buNone/>
-              <a:defRPr sz="4400" kern="1200">
-                <a:solidFill>
-                  <a:schemeClr val="tx1"/>
-                </a:solidFill>
-                <a:latin typeface="+mj-lt"/>
-                <a:ea typeface="+mj-ea"/>
-                <a:cs typeface="+mj-cs"/>
-              </a:defRPr>
-            </a:lvl1pPr>
-          </a:lstStyle>
-          <a:p>
-            <a:pPr algn="ctr"/>
-            <a:r>
-              <a:rPr lang="de-DE" sz="2000" b="1" noProof="0" dirty="0">
-                <a:solidFill>
-                  <a:srgbClr val="FFFFFF"/>
-                </a:solidFill>
-              </a:rPr>
-              <a:t>Blockschaltbild</a:t>
-            </a:r>
-            <a:br>
-              <a:rPr lang="de-DE" sz="2000" b="1" noProof="0" dirty="0">
-                <a:solidFill>
-                  <a:srgbClr val="FFFFFF"/>
-                </a:solidFill>
-              </a:rPr>
-            </a:br>
-            <a:r>
-              <a:rPr lang="de-DE" sz="2000" b="1" noProof="0" dirty="0">
-                <a:solidFill>
-                  <a:srgbClr val="FFFFFF"/>
-                </a:solidFill>
-              </a:rPr>
-              <a:t>Minimaler Ausbau</a:t>
-            </a:r>
-          </a:p>
-        </p:txBody>
-      </p:sp>
-      <p:pic>
-        <p:nvPicPr>
-          <p:cNvPr id="3" name="Grafik 2">
-            <a:extLst>
-              <a:ext uri="{FF2B5EF4-FFF2-40B4-BE49-F238E27FC236}">
-                <a16:creationId xmlns:a16="http://schemas.microsoft.com/office/drawing/2014/main" id="{42658B27-AA26-820A-871F-7B8A8FA36981}"/>
-              </a:ext>
-            </a:extLst>
-          </p:cNvPr>
-          <p:cNvPicPr>
-            <a:picLocks noChangeAspect="1"/>
-          </p:cNvPicPr>
-          <p:nvPr/>
-        </p:nvPicPr>
-        <p:blipFill>
-          <a:blip r:embed="rId2"/>
-          <a:srcRect l="9804" t="13607" r="31884" b="24075"/>
-          <a:stretch/>
-        </p:blipFill>
-        <p:spPr>
-          <a:xfrm>
-            <a:off x="3604593" y="438635"/>
-            <a:ext cx="8084621" cy="5980729"/>
-          </a:xfrm>
-          <a:prstGeom prst="rect">
-            <a:avLst/>
-          </a:prstGeom>
-        </p:spPr>
-      </p:pic>
-    </p:spTree>
-    <p:extLst>
-      <p:ext uri="{BB962C8B-B14F-4D97-AF65-F5344CB8AC3E}">
-        <p14:creationId xmlns:p14="http://schemas.microsoft.com/office/powerpoint/2010/main" val="3608403467"/>
-      </p:ext>
-    </p:extLst>
-  </p:cSld>
-  <p:clrMapOvr>
-    <a:masterClrMapping/>
-  </p:clrMapOvr>
-</p:sld>
-</file>
-
-<file path=ppt/slides/slide3.xml><?xml version="1.0" encoding="utf-8"?>
-<p:sld xmlns:a="http://schemas.openxmlformats.org/drawingml/2006/main" xmlns:r="http://schemas.openxmlformats.org/officeDocument/2006/relationships" xmlns:p="http://schemas.openxmlformats.org/presentationml/2006/main">
-  <p:cSld>
-    <p:bg>
-      <p:bgPr>
-        <a:solidFill>
-          <a:schemeClr val="bg1"/>
-        </a:solidFill>
-        <a:effectLst/>
-      </p:bgPr>
-    </p:bg>
-    <p:spTree>
-      <p:nvGrpSpPr>
-        <p:cNvPr id="1" name=""/>
-        <p:cNvGrpSpPr/>
-        <p:nvPr/>
-      </p:nvGrpSpPr>
-      <p:grpSpPr>
-        <a:xfrm>
-          <a:off x="0" y="0"/>
-          <a:ext cx="0" cy="0"/>
-          <a:chOff x="0" y="0"/>
-          <a:chExt cx="0" cy="0"/>
-        </a:xfrm>
-      </p:grpSpPr>
-      <p:sp>
-        <p:nvSpPr>
-          <p:cNvPr id="10" name="Rectangle 9">
-            <a:extLst>
-              <a:ext uri="{FF2B5EF4-FFF2-40B4-BE49-F238E27FC236}">
-                <a16:creationId xmlns:a16="http://schemas.microsoft.com/office/drawing/2014/main" id="{6753252F-4873-4F63-801D-CC719279A7D5}"/>
-              </a:ext>
-              <a:ext uri="{C183D7F6-B498-43B3-948B-1728B52AA6E4}">
-                <adec:decorative xmlns:adec="http://schemas.microsoft.com/office/drawing/2017/decorative" val="1"/>
-              </a:ext>
-            </a:extLst>
-          </p:cNvPr>
-          <p:cNvSpPr>
-            <a:spLocks noGrp="1" noRot="1" noChangeAspect="1" noMove="1" noResize="1" noEditPoints="1" noAdjustHandles="1" noChangeArrowheads="1" noChangeShapeType="1" noTextEdit="1"/>
-          </p:cNvSpPr>
-          <p:nvPr>
-            <p:extLst>
-              <p:ext uri="{386F3935-93C4-4BCD-93E2-E3B085C9AB24}">
-                <p16:designElem xmlns:p16="http://schemas.microsoft.com/office/powerpoint/2015/main" val="1"/>
-              </p:ext>
-            </p:extLst>
-          </p:nvPr>
-        </p:nvSpPr>
-        <p:spPr>
-          <a:xfrm>
-            <a:off x="0" y="0"/>
-            <a:ext cx="12192000" cy="6858000"/>
-          </a:xfrm>
-          <a:prstGeom prst="rect">
-            <a:avLst/>
-          </a:prstGeom>
-          <a:solidFill>
-            <a:srgbClr val="FFFFFF"/>
-          </a:solidFill>
-          <a:ln>
-            <a:noFill/>
-          </a:ln>
-        </p:spPr>
-        <p:style>
-          <a:lnRef idx="2">
-            <a:schemeClr val="accent1">
-              <a:shade val="50000"/>
-            </a:schemeClr>
-          </a:lnRef>
-          <a:fillRef idx="1">
-            <a:schemeClr val="accent1"/>
-          </a:fillRef>
-          <a:effectRef idx="0">
-            <a:schemeClr val="accent1"/>
-          </a:effectRef>
-          <a:fontRef idx="minor">
-            <a:schemeClr val="lt1"/>
-          </a:fontRef>
-        </p:style>
-        <p:txBody>
-          <a:bodyPr rtlCol="0" anchor="ctr"/>
-          <a:lstStyle/>
-          <a:p>
-            <a:pPr algn="ctr"/>
-            <a:endParaRPr lang="de-DE" noProof="0" dirty="0"/>
-          </a:p>
-        </p:txBody>
-      </p:sp>
-      <p:sp>
-        <p:nvSpPr>
-          <p:cNvPr id="12" name="Rectangle 11">
-            <a:extLst>
-              <a:ext uri="{FF2B5EF4-FFF2-40B4-BE49-F238E27FC236}">
-                <a16:creationId xmlns:a16="http://schemas.microsoft.com/office/drawing/2014/main" id="{047C8CCB-F95D-4249-92DD-651249D3535A}"/>
-              </a:ext>
-              <a:ext uri="{C183D7F6-B498-43B3-948B-1728B52AA6E4}">
-                <adec:decorative xmlns:adec="http://schemas.microsoft.com/office/drawing/2017/decorative" val="1"/>
-              </a:ext>
-            </a:extLst>
-          </p:cNvPr>
-          <p:cNvSpPr>
-            <a:spLocks noGrp="1" noRot="1" noChangeAspect="1" noMove="1" noResize="1" noEditPoints="1" noAdjustHandles="1" noChangeArrowheads="1" noChangeShapeType="1" noTextEdit="1"/>
-          </p:cNvSpPr>
-          <p:nvPr>
-            <p:extLst>
-              <p:ext uri="{386F3935-93C4-4BCD-93E2-E3B085C9AB24}">
-                <p16:designElem xmlns:p16="http://schemas.microsoft.com/office/powerpoint/2015/main" val="1"/>
-              </p:ext>
-            </p:extLst>
-          </p:nvPr>
-        </p:nvSpPr>
-        <p:spPr>
-          <a:xfrm>
-            <a:off x="0" y="0"/>
-            <a:ext cx="2013557" cy="6858000"/>
-          </a:xfrm>
-          <a:prstGeom prst="rect">
-            <a:avLst/>
-          </a:prstGeom>
-          <a:solidFill>
-            <a:srgbClr val="7F7F7F"/>
-          </a:solidFill>
-          <a:ln>
-            <a:noFill/>
-          </a:ln>
-        </p:spPr>
-        <p:style>
-          <a:lnRef idx="2">
-            <a:schemeClr val="accent1">
-              <a:shade val="50000"/>
-            </a:schemeClr>
-          </a:lnRef>
-          <a:fillRef idx="1">
-            <a:schemeClr val="accent1"/>
-          </a:fillRef>
-          <a:effectRef idx="0">
-            <a:schemeClr val="accent1"/>
-          </a:effectRef>
-          <a:fontRef idx="minor">
-            <a:schemeClr val="lt1"/>
-          </a:fontRef>
-        </p:style>
-        <p:txBody>
-          <a:bodyPr rtlCol="0" anchor="ctr"/>
-          <a:lstStyle/>
-          <a:p>
-            <a:pPr algn="ctr"/>
-            <a:endParaRPr lang="de-DE" noProof="0" dirty="0"/>
-          </a:p>
-        </p:txBody>
-      </p:sp>
-      <p:sp>
-        <p:nvSpPr>
-          <p:cNvPr id="2" name="Titel 1">
-            <a:extLst>
-              <a:ext uri="{FF2B5EF4-FFF2-40B4-BE49-F238E27FC236}">
-                <a16:creationId xmlns:a16="http://schemas.microsoft.com/office/drawing/2014/main" id="{75CBCCD9-D2DF-DE01-EC57-3CEF21C37657}"/>
-              </a:ext>
-            </a:extLst>
-          </p:cNvPr>
-          <p:cNvSpPr>
-            <a:spLocks noGrp="1"/>
-          </p:cNvSpPr>
-          <p:nvPr>
-            <p:ph type="title"/>
-          </p:nvPr>
-        </p:nvSpPr>
-        <p:spPr>
-          <a:xfrm>
-            <a:off x="132080" y="1910941"/>
-            <a:ext cx="3139440" cy="3036117"/>
-          </a:xfrm>
-          <a:prstGeom prst="ellipse">
-            <a:avLst/>
-          </a:prstGeom>
-          <a:solidFill>
-            <a:srgbClr val="262626"/>
-          </a:solidFill>
-          <a:ln w="174625" cmpd="thinThick">
-            <a:solidFill>
-              <a:srgbClr val="262626"/>
-            </a:solidFill>
-          </a:ln>
-        </p:spPr>
-        <p:txBody>
-          <a:bodyPr vert="horz" lIns="91440" tIns="45720" rIns="91440" bIns="45720" rtlCol="0" anchor="ctr">
-            <a:normAutofit/>
-          </a:bodyPr>
-          <a:lstStyle/>
-          <a:p>
-            <a:pPr algn="ctr"/>
-            <a:r>
-              <a:rPr lang="de-DE" sz="2000" b="1" kern="1200" noProof="0" dirty="0">
-                <a:solidFill>
-                  <a:srgbClr val="FFFFFF"/>
-                </a:solidFill>
-                <a:latin typeface="+mj-lt"/>
-                <a:ea typeface="+mj-ea"/>
-                <a:cs typeface="+mj-cs"/>
-              </a:rPr>
-              <a:t>Blockschaltbild</a:t>
-            </a:r>
-            <a:br>
-              <a:rPr lang="de-DE" sz="2000" b="1" kern="1200" noProof="0" dirty="0">
-                <a:solidFill>
-                  <a:srgbClr val="FFFFFF"/>
-                </a:solidFill>
-                <a:latin typeface="+mj-lt"/>
-                <a:ea typeface="+mj-ea"/>
-                <a:cs typeface="+mj-cs"/>
-              </a:rPr>
-            </a:br>
-            <a:r>
-              <a:rPr lang="de-DE" sz="2000" b="1" kern="1200" noProof="0" dirty="0">
-                <a:solidFill>
-                  <a:srgbClr val="FFFFFF"/>
-                </a:solidFill>
-                <a:latin typeface="+mj-lt"/>
-                <a:ea typeface="+mj-ea"/>
-                <a:cs typeface="+mj-cs"/>
-              </a:rPr>
-              <a:t>Maximaler Ausbau</a:t>
-            </a:r>
-          </a:p>
-        </p:txBody>
-      </p:sp>
-      <p:pic>
-        <p:nvPicPr>
-          <p:cNvPr id="6" name="Grafik 5">
-            <a:extLst>
-              <a:ext uri="{FF2B5EF4-FFF2-40B4-BE49-F238E27FC236}">
-                <a16:creationId xmlns:a16="http://schemas.microsoft.com/office/drawing/2014/main" id="{83B2813C-9DC7-B0E8-01CE-59003675744B}"/>
-              </a:ext>
-            </a:extLst>
-          </p:cNvPr>
-          <p:cNvPicPr>
-            <a:picLocks noChangeAspect="1"/>
-          </p:cNvPicPr>
-          <p:nvPr/>
-        </p:nvPicPr>
-        <p:blipFill>
-          <a:blip r:embed="rId2"/>
-          <a:srcRect l="11294" t="10322" r="13855" b="9206"/>
-          <a:stretch/>
-        </p:blipFill>
-        <p:spPr>
-          <a:xfrm>
-            <a:off x="3101118" y="241851"/>
-            <a:ext cx="8827495" cy="6374295"/>
-          </a:xfrm>
-          <a:prstGeom prst="rect">
-            <a:avLst/>
-          </a:prstGeom>
-        </p:spPr>
-      </p:pic>
-    </p:spTree>
-    <p:extLst>
-      <p:ext uri="{BB962C8B-B14F-4D97-AF65-F5344CB8AC3E}">
-        <p14:creationId xmlns:p14="http://schemas.microsoft.com/office/powerpoint/2010/main" val="3495461466"/>
-      </p:ext>
-    </p:extLst>
-  </p:cSld>
-  <p:clrMapOvr>
-    <a:masterClrMapping/>
-  </p:clrMapOvr>
-</p:sld>
-</file>
-
-<file path=ppt/slides/slide4.xml><?xml version="1.0" encoding="utf-8"?>
-<p:sld xmlns:a="http://schemas.openxmlformats.org/drawingml/2006/main" xmlns:r="http://schemas.openxmlformats.org/officeDocument/2006/relationships" xmlns:p="http://schemas.openxmlformats.org/presentationml/2006/main">
-  <p:cSld>
     <p:bg>
       <p:bgPr>
         <a:solidFill>
@@ -13626,7 +13094,7 @@
 </p:sld>
 </file>
 
-<file path=ppt/slides/slide5.xml><?xml version="1.0" encoding="utf-8"?>
+<file path=ppt/slides/slide3.xml><?xml version="1.0" encoding="utf-8"?>
 <p:sld xmlns:a="http://schemas.openxmlformats.org/drawingml/2006/main" xmlns:r="http://schemas.openxmlformats.org/officeDocument/2006/relationships" xmlns:p="http://schemas.openxmlformats.org/presentationml/2006/main">
   <p:cSld>
     <p:spTree>
@@ -13645,10 +13113,10 @@
       </p:grpSpPr>
       <p:sp>
         <p:nvSpPr>
-          <p:cNvPr id="14" name="Rectangle 9">
+          <p:cNvPr id="4" name="Rectangle 9">
             <a:extLst>
               <a:ext uri="{FF2B5EF4-FFF2-40B4-BE49-F238E27FC236}">
-                <a16:creationId xmlns:a16="http://schemas.microsoft.com/office/drawing/2014/main" id="{A3C4E87F-6C57-776E-D414-F361ED65E477}"/>
+                <a16:creationId xmlns:a16="http://schemas.microsoft.com/office/drawing/2014/main" id="{3082BE1C-F9E0-7979-5571-F168D5B8C62A}"/>
               </a:ext>
               <a:ext uri="{C183D7F6-B498-43B3-948B-1728B52AA6E4}">
                 <adec:decorative xmlns:adec="http://schemas.microsoft.com/office/drawing/2017/decorative" val="1"/>
@@ -13667,13 +13135,13 @@
         <p:spPr>
           <a:xfrm>
             <a:off x="0" y="0"/>
-            <a:ext cx="4059050" cy="6858000"/>
+            <a:ext cx="12192000" cy="6858000"/>
           </a:xfrm>
           <a:prstGeom prst="rect">
             <a:avLst/>
           </a:prstGeom>
           <a:solidFill>
-            <a:srgbClr val="404040"/>
+            <a:srgbClr val="FFFFFF"/>
           </a:solidFill>
           <a:ln>
             <a:noFill/>
@@ -13699,146 +13167,24 @@
           <a:bodyPr rtlCol="0" anchor="ctr"/>
           <a:lstStyle/>
           <a:p>
-            <a:pPr marL="0" marR="0" lvl="0" indent="0" algn="ctr" defTabSz="914400" rtl="0" eaLnBrk="1" fontAlgn="auto" latinLnBrk="0" hangingPunct="1">
-              <a:lnSpc>
-                <a:spcPct val="100000"/>
-              </a:lnSpc>
-              <a:spcBef>
-                <a:spcPts val="0"/>
-              </a:spcBef>
-              <a:spcAft>
-                <a:spcPts val="0"/>
-              </a:spcAft>
-              <a:buClrTx/>
-              <a:buSzTx/>
-              <a:buFontTx/>
-              <a:buNone/>
-              <a:tabLst/>
-              <a:defRPr/>
-            </a:pPr>
-            <a:endParaRPr kumimoji="0" lang="de-DE" sz="1800" b="0" i="0" u="none" strike="noStrike" kern="1200" cap="none" spc="0" normalizeH="0" baseline="0" noProof="0" dirty="0">
-              <a:ln>
-                <a:noFill/>
-              </a:ln>
-              <a:solidFill>
-                <a:prstClr val="white"/>
-              </a:solidFill>
-              <a:effectLst/>
-              <a:uLnTx/>
-              <a:uFillTx/>
-              <a:latin typeface="Calibri" panose="020F0502020204030204"/>
-              <a:ea typeface="+mn-ea"/>
-              <a:cs typeface="+mn-cs"/>
-            </a:endParaRPr>
+            <a:pPr algn="ctr"/>
+            <a:endParaRPr lang="de-DE" noProof="0" dirty="0"/>
           </a:p>
         </p:txBody>
       </p:sp>
       <p:sp>
         <p:nvSpPr>
-          <p:cNvPr id="15" name="Titel 3">
+          <p:cNvPr id="5" name="Rectangle 11">
             <a:extLst>
               <a:ext uri="{FF2B5EF4-FFF2-40B4-BE49-F238E27FC236}">
-                <a16:creationId xmlns:a16="http://schemas.microsoft.com/office/drawing/2014/main" id="{C909CB2F-5E0B-AFE9-6073-4044D1DE43AA}"/>
-              </a:ext>
-            </a:extLst>
-          </p:cNvPr>
-          <p:cNvSpPr>
-            <a:spLocks noGrp="1"/>
-          </p:cNvSpPr>
-          <p:nvPr>
-            <p:ph type="title"/>
-          </p:nvPr>
-        </p:nvSpPr>
-        <p:spPr>
-          <a:xfrm>
-            <a:off x="0" y="1412488"/>
-            <a:ext cx="4059050" cy="4363844"/>
-          </a:xfrm>
-        </p:spPr>
-        <p:txBody>
-          <a:bodyPr anchor="t">
-            <a:normAutofit/>
-          </a:bodyPr>
-          <a:lstStyle/>
-          <a:p>
-            <a:pPr algn="ctr"/>
-            <a:r>
-              <a:rPr lang="de-DE" sz="4000" b="1" noProof="0" dirty="0">
-                <a:solidFill>
-                  <a:srgbClr val="FFFFFF"/>
-                </a:solidFill>
-              </a:rPr>
-              <a:t>Must2Haves</a:t>
-            </a:r>
-            <a:br>
-              <a:rPr lang="de-DE" sz="4000" b="1" noProof="0" dirty="0">
-                <a:solidFill>
-                  <a:srgbClr val="FFFFFF"/>
-                </a:solidFill>
-              </a:rPr>
-            </a:br>
-            <a:r>
-              <a:rPr lang="de-DE" sz="4000" b="1" noProof="0" dirty="0">
-                <a:solidFill>
-                  <a:srgbClr val="FFFFFF"/>
-                </a:solidFill>
-              </a:rPr>
-              <a:t>Berechnungen</a:t>
-            </a:r>
-          </a:p>
-        </p:txBody>
-      </p:sp>
-      <p:sp>
-        <p:nvSpPr>
-          <p:cNvPr id="16" name="Inhaltsplatzhalter 4">
-            <a:extLst>
-              <a:ext uri="{FF2B5EF4-FFF2-40B4-BE49-F238E27FC236}">
-                <a16:creationId xmlns:a16="http://schemas.microsoft.com/office/drawing/2014/main" id="{D5C76C9B-2E3A-1CC2-FC51-9E760209AB52}"/>
-              </a:ext>
-            </a:extLst>
-          </p:cNvPr>
-          <p:cNvSpPr>
-            <a:spLocks noGrp="1"/>
-          </p:cNvSpPr>
-          <p:nvPr>
-            <p:ph sz="half" idx="1"/>
-          </p:nvPr>
-        </p:nvSpPr>
-        <p:spPr>
-          <a:xfrm>
-            <a:off x="4380855" y="1412489"/>
-            <a:ext cx="3427283" cy="4363844"/>
-          </a:xfrm>
-        </p:spPr>
-        <p:txBody>
-          <a:bodyPr>
-            <a:normAutofit/>
-          </a:bodyPr>
-          <a:lstStyle/>
-          <a:p>
-            <a:pPr marL="0" indent="0">
-              <a:buNone/>
-            </a:pPr>
-            <a:r>
-              <a:rPr lang="de-DE" sz="2000" b="1" noProof="0" dirty="0"/>
-              <a:t>Indoor:</a:t>
-            </a:r>
-          </a:p>
-        </p:txBody>
-      </p:sp>
-      <p:cxnSp>
-        <p:nvCxnSpPr>
-          <p:cNvPr id="17" name="Straight Connector 11">
-            <a:extLst>
-              <a:ext uri="{FF2B5EF4-FFF2-40B4-BE49-F238E27FC236}">
-                <a16:creationId xmlns:a16="http://schemas.microsoft.com/office/drawing/2014/main" id="{7E34CF4B-A292-B140-A900-D50EE8BEACE7}"/>
+                <a16:creationId xmlns:a16="http://schemas.microsoft.com/office/drawing/2014/main" id="{0D052B66-91DF-E73B-E565-5586234527EE}"/>
               </a:ext>
               <a:ext uri="{C183D7F6-B498-43B3-948B-1728B52AA6E4}">
                 <adec:decorative xmlns:adec="http://schemas.microsoft.com/office/drawing/2017/decorative" val="1"/>
               </a:ext>
             </a:extLst>
           </p:cNvPr>
-          <p:cNvCxnSpPr/>
+          <p:cNvSpPr/>
           <p:nvPr>
             <p:extLst>
               <p:ext uri="{386F3935-93C4-4BCD-93E2-E3B085C9AB24}">
@@ -13846,45 +13192,53 @@
               </p:ext>
             </p:extLst>
           </p:nvPr>
-        </p:nvCxnSpPr>
+        </p:nvSpPr>
         <p:spPr>
           <a:xfrm>
-            <a:off x="8129871" y="1412488"/>
-            <a:ext cx="0" cy="3657600"/>
+            <a:off x="0" y="0"/>
+            <a:ext cx="2013557" cy="6858000"/>
           </a:xfrm>
-          <a:prstGeom prst="line">
+          <a:prstGeom prst="rect">
             <a:avLst/>
           </a:prstGeom>
-          <a:ln w="12700">
-            <a:solidFill>
-              <a:schemeClr val="tx1">
-                <a:lumMod val="50000"/>
-                <a:lumOff val="50000"/>
-              </a:schemeClr>
-            </a:solidFill>
+          <a:solidFill>
+            <a:srgbClr val="7F7F7F"/>
+          </a:solidFill>
+          <a:ln>
+            <a:noFill/>
           </a:ln>
         </p:spPr>
         <p:style>
-          <a:lnRef idx="1">
-            <a:schemeClr val="accent1"/>
+          <a:lnRef idx="2">
+            <a:schemeClr val="accent1">
+              <a:shade val="50000"/>
+            </a:schemeClr>
           </a:lnRef>
-          <a:fillRef idx="0">
+          <a:fillRef idx="1">
             <a:schemeClr val="accent1"/>
           </a:fillRef>
           <a:effectRef idx="0">
             <a:schemeClr val="accent1"/>
           </a:effectRef>
           <a:fontRef idx="minor">
-            <a:schemeClr val="tx1"/>
+            <a:schemeClr val="lt1"/>
           </a:fontRef>
         </p:style>
-      </p:cxnSp>
+        <p:txBody>
+          <a:bodyPr rtlCol="0" anchor="ctr"/>
+          <a:lstStyle/>
+          <a:p>
+            <a:pPr algn="ctr"/>
+            <a:endParaRPr lang="de-DE" noProof="0" dirty="0"/>
+          </a:p>
+        </p:txBody>
+      </p:sp>
       <p:sp>
         <p:nvSpPr>
-          <p:cNvPr id="18" name="Inhaltsplatzhalter 1">
+          <p:cNvPr id="6" name="Titel 1">
             <a:extLst>
               <a:ext uri="{FF2B5EF4-FFF2-40B4-BE49-F238E27FC236}">
-                <a16:creationId xmlns:a16="http://schemas.microsoft.com/office/drawing/2014/main" id="{F9ED096D-D4D2-AB3E-1E31-0DCDBDF8BA73}"/>
+                <a16:creationId xmlns:a16="http://schemas.microsoft.com/office/drawing/2014/main" id="{1230AD92-5B5F-D54B-FB73-B9F4390B32CD}"/>
               </a:ext>
             </a:extLst>
           </p:cNvPr>
@@ -13895,202 +13249,105 @@
         </p:nvSpPr>
         <p:spPr>
           <a:xfrm>
-            <a:off x="8451604" y="1412489"/>
-            <a:ext cx="3197701" cy="4363844"/>
+            <a:off x="132080" y="1910941"/>
+            <a:ext cx="3139440" cy="3036117"/>
+          </a:xfrm>
+          <a:prstGeom prst="ellipse">
+            <a:avLst/>
+          </a:prstGeom>
+          <a:solidFill>
+            <a:srgbClr val="262626"/>
+          </a:solidFill>
+          <a:ln w="174625" cmpd="thinThick">
+            <a:solidFill>
+              <a:srgbClr val="262626"/>
+            </a:solidFill>
+          </a:ln>
+        </p:spPr>
+        <p:txBody>
+          <a:bodyPr vert="horz" lIns="91440" tIns="45720" rIns="91440" bIns="45720" rtlCol="0" anchor="ctr">
+            <a:normAutofit/>
+          </a:bodyPr>
+          <a:lstStyle>
+            <a:lvl1pPr algn="l" defTabSz="914400" rtl="0" eaLnBrk="1" latinLnBrk="0" hangingPunct="1">
+              <a:lnSpc>
+                <a:spcPct val="90000"/>
+              </a:lnSpc>
+              <a:spcBef>
+                <a:spcPct val="0"/>
+              </a:spcBef>
+              <a:buNone/>
+              <a:defRPr sz="4400" kern="1200">
+                <a:solidFill>
+                  <a:schemeClr val="tx1"/>
+                </a:solidFill>
+                <a:latin typeface="+mj-lt"/>
+                <a:ea typeface="+mj-ea"/>
+                <a:cs typeface="+mj-cs"/>
+              </a:defRPr>
+            </a:lvl1pPr>
+          </a:lstStyle>
+          <a:p>
+            <a:pPr algn="ctr"/>
+            <a:r>
+              <a:rPr lang="de-DE" sz="2000" b="1" noProof="0" dirty="0">
+                <a:solidFill>
+                  <a:srgbClr val="FFFFFF"/>
+                </a:solidFill>
+              </a:rPr>
+              <a:t>Blockschaltbild</a:t>
+            </a:r>
+            <a:br>
+              <a:rPr lang="de-DE" sz="2000" b="1" noProof="0" dirty="0">
+                <a:solidFill>
+                  <a:srgbClr val="FFFFFF"/>
+                </a:solidFill>
+              </a:rPr>
+            </a:br>
+            <a:r>
+              <a:rPr lang="de-DE" sz="2000" b="1" noProof="0" dirty="0">
+                <a:solidFill>
+                  <a:srgbClr val="FFFFFF"/>
+                </a:solidFill>
+              </a:rPr>
+              <a:t>Minimaler Ausbau</a:t>
+            </a:r>
+          </a:p>
+        </p:txBody>
+      </p:sp>
+      <p:pic>
+        <p:nvPicPr>
+          <p:cNvPr id="3" name="Grafik 2">
+            <a:extLst>
+              <a:ext uri="{FF2B5EF4-FFF2-40B4-BE49-F238E27FC236}">
+                <a16:creationId xmlns:a16="http://schemas.microsoft.com/office/drawing/2014/main" id="{42658B27-AA26-820A-871F-7B8A8FA36981}"/>
+              </a:ext>
+            </a:extLst>
+          </p:cNvPr>
+          <p:cNvPicPr>
+            <a:picLocks noChangeAspect="1"/>
+          </p:cNvPicPr>
+          <p:nvPr/>
+        </p:nvPicPr>
+        <p:blipFill>
+          <a:blip r:embed="rId2"/>
+          <a:srcRect l="9804" t="13607" r="31884" b="24075"/>
+          <a:stretch/>
+        </p:blipFill>
+        <p:spPr>
+          <a:xfrm>
+            <a:off x="3604593" y="438635"/>
+            <a:ext cx="8084621" cy="5980729"/>
           </a:xfrm>
           <a:prstGeom prst="rect">
             <a:avLst/>
           </a:prstGeom>
         </p:spPr>
-        <p:txBody>
-          <a:bodyPr>
-            <a:normAutofit/>
-          </a:bodyPr>
-          <a:lstStyle>
-            <a:lvl1pPr marL="228600" indent="-228600" algn="l" defTabSz="914400" rtl="0" eaLnBrk="1" latinLnBrk="0" hangingPunct="1">
-              <a:lnSpc>
-                <a:spcPct val="90000"/>
-              </a:lnSpc>
-              <a:spcBef>
-                <a:spcPts val="1000"/>
-              </a:spcBef>
-              <a:buFont typeface="Arial" panose="020B0604020202020204" pitchFamily="34" charset="0"/>
-              <a:buChar char="•"/>
-              <a:defRPr sz="2800" kern="1200">
-                <a:solidFill>
-                  <a:schemeClr val="tx1"/>
-                </a:solidFill>
-                <a:latin typeface="+mn-lt"/>
-                <a:ea typeface="+mn-ea"/>
-                <a:cs typeface="+mn-cs"/>
-              </a:defRPr>
-            </a:lvl1pPr>
-            <a:lvl2pPr marL="685800" indent="-228600" algn="l" defTabSz="914400" rtl="0" eaLnBrk="1" latinLnBrk="0" hangingPunct="1">
-              <a:lnSpc>
-                <a:spcPct val="90000"/>
-              </a:lnSpc>
-              <a:spcBef>
-                <a:spcPts val="500"/>
-              </a:spcBef>
-              <a:buFont typeface="Arial" panose="020B0604020202020204" pitchFamily="34" charset="0"/>
-              <a:buChar char="•"/>
-              <a:defRPr sz="2400" kern="1200">
-                <a:solidFill>
-                  <a:schemeClr val="tx1"/>
-                </a:solidFill>
-                <a:latin typeface="+mn-lt"/>
-                <a:ea typeface="+mn-ea"/>
-                <a:cs typeface="+mn-cs"/>
-              </a:defRPr>
-            </a:lvl2pPr>
-            <a:lvl3pPr marL="1143000" indent="-228600" algn="l" defTabSz="914400" rtl="0" eaLnBrk="1" latinLnBrk="0" hangingPunct="1">
-              <a:lnSpc>
-                <a:spcPct val="90000"/>
-              </a:lnSpc>
-              <a:spcBef>
-                <a:spcPts val="500"/>
-              </a:spcBef>
-              <a:buFont typeface="Arial" panose="020B0604020202020204" pitchFamily="34" charset="0"/>
-              <a:buChar char="•"/>
-              <a:defRPr sz="2000" kern="1200">
-                <a:solidFill>
-                  <a:schemeClr val="tx1"/>
-                </a:solidFill>
-                <a:latin typeface="+mn-lt"/>
-                <a:ea typeface="+mn-ea"/>
-                <a:cs typeface="+mn-cs"/>
-              </a:defRPr>
-            </a:lvl3pPr>
-            <a:lvl4pPr marL="1600200" indent="-228600" algn="l" defTabSz="914400" rtl="0" eaLnBrk="1" latinLnBrk="0" hangingPunct="1">
-              <a:lnSpc>
-                <a:spcPct val="90000"/>
-              </a:lnSpc>
-              <a:spcBef>
-                <a:spcPts val="500"/>
-              </a:spcBef>
-              <a:buFont typeface="Arial" panose="020B0604020202020204" pitchFamily="34" charset="0"/>
-              <a:buChar char="•"/>
-              <a:defRPr sz="1800" kern="1200">
-                <a:solidFill>
-                  <a:schemeClr val="tx1"/>
-                </a:solidFill>
-                <a:latin typeface="+mn-lt"/>
-                <a:ea typeface="+mn-ea"/>
-                <a:cs typeface="+mn-cs"/>
-              </a:defRPr>
-            </a:lvl4pPr>
-            <a:lvl5pPr marL="2057400" indent="-228600" algn="l" defTabSz="914400" rtl="0" eaLnBrk="1" latinLnBrk="0" hangingPunct="1">
-              <a:lnSpc>
-                <a:spcPct val="90000"/>
-              </a:lnSpc>
-              <a:spcBef>
-                <a:spcPts val="500"/>
-              </a:spcBef>
-              <a:buFont typeface="Arial" panose="020B0604020202020204" pitchFamily="34" charset="0"/>
-              <a:buChar char="•"/>
-              <a:defRPr sz="1800" kern="1200">
-                <a:solidFill>
-                  <a:schemeClr val="tx1"/>
-                </a:solidFill>
-                <a:latin typeface="+mn-lt"/>
-                <a:ea typeface="+mn-ea"/>
-                <a:cs typeface="+mn-cs"/>
-              </a:defRPr>
-            </a:lvl5pPr>
-            <a:lvl6pPr marL="2514600" indent="-228600" algn="l" defTabSz="914400" rtl="0" eaLnBrk="1" latinLnBrk="0" hangingPunct="1">
-              <a:lnSpc>
-                <a:spcPct val="90000"/>
-              </a:lnSpc>
-              <a:spcBef>
-                <a:spcPts val="500"/>
-              </a:spcBef>
-              <a:buFont typeface="Arial" panose="020B0604020202020204" pitchFamily="34" charset="0"/>
-              <a:buChar char="•"/>
-              <a:defRPr sz="1800" kern="1200">
-                <a:solidFill>
-                  <a:schemeClr val="tx1"/>
-                </a:solidFill>
-                <a:latin typeface="+mn-lt"/>
-                <a:ea typeface="+mn-ea"/>
-                <a:cs typeface="+mn-cs"/>
-              </a:defRPr>
-            </a:lvl6pPr>
-            <a:lvl7pPr marL="2971800" indent="-228600" algn="l" defTabSz="914400" rtl="0" eaLnBrk="1" latinLnBrk="0" hangingPunct="1">
-              <a:lnSpc>
-                <a:spcPct val="90000"/>
-              </a:lnSpc>
-              <a:spcBef>
-                <a:spcPts val="500"/>
-              </a:spcBef>
-              <a:buFont typeface="Arial" panose="020B0604020202020204" pitchFamily="34" charset="0"/>
-              <a:buChar char="•"/>
-              <a:defRPr sz="1800" kern="1200">
-                <a:solidFill>
-                  <a:schemeClr val="tx1"/>
-                </a:solidFill>
-                <a:latin typeface="+mn-lt"/>
-                <a:ea typeface="+mn-ea"/>
-                <a:cs typeface="+mn-cs"/>
-              </a:defRPr>
-            </a:lvl7pPr>
-            <a:lvl8pPr marL="3429000" indent="-228600" algn="l" defTabSz="914400" rtl="0" eaLnBrk="1" latinLnBrk="0" hangingPunct="1">
-              <a:lnSpc>
-                <a:spcPct val="90000"/>
-              </a:lnSpc>
-              <a:spcBef>
-                <a:spcPts val="500"/>
-              </a:spcBef>
-              <a:buFont typeface="Arial" panose="020B0604020202020204" pitchFamily="34" charset="0"/>
-              <a:buChar char="•"/>
-              <a:defRPr sz="1800" kern="1200">
-                <a:solidFill>
-                  <a:schemeClr val="tx1"/>
-                </a:solidFill>
-                <a:latin typeface="+mn-lt"/>
-                <a:ea typeface="+mn-ea"/>
-                <a:cs typeface="+mn-cs"/>
-              </a:defRPr>
-            </a:lvl8pPr>
-            <a:lvl9pPr marL="3886200" indent="-228600" algn="l" defTabSz="914400" rtl="0" eaLnBrk="1" latinLnBrk="0" hangingPunct="1">
-              <a:lnSpc>
-                <a:spcPct val="90000"/>
-              </a:lnSpc>
-              <a:spcBef>
-                <a:spcPts val="500"/>
-              </a:spcBef>
-              <a:buFont typeface="Arial" panose="020B0604020202020204" pitchFamily="34" charset="0"/>
-              <a:buChar char="•"/>
-              <a:defRPr sz="1800" kern="1200">
-                <a:solidFill>
-                  <a:schemeClr val="tx1"/>
-                </a:solidFill>
-                <a:latin typeface="+mn-lt"/>
-                <a:ea typeface="+mn-ea"/>
-                <a:cs typeface="+mn-cs"/>
-              </a:defRPr>
-            </a:lvl9pPr>
-          </a:lstStyle>
-          <a:p>
-            <a:pPr marL="0" indent="0">
-              <a:buNone/>
-            </a:pPr>
-            <a:r>
-              <a:rPr lang="de-DE" sz="2000" b="1" noProof="0" dirty="0"/>
-              <a:t>Outdoor:</a:t>
-            </a:r>
-          </a:p>
-          <a:p>
-            <a:r>
-              <a:rPr lang="de-DE" sz="2000" noProof="0" dirty="0"/>
-              <a:t>Gefühlte Temperatur</a:t>
-            </a:r>
-          </a:p>
-        </p:txBody>
-      </p:sp>
+      </p:pic>
     </p:spTree>
     <p:extLst>
       <p:ext uri="{BB962C8B-B14F-4D97-AF65-F5344CB8AC3E}">
-        <p14:creationId xmlns:p14="http://schemas.microsoft.com/office/powerpoint/2010/main" val="2500380370"/>
+        <p14:creationId xmlns:p14="http://schemas.microsoft.com/office/powerpoint/2010/main" val="3608403467"/>
       </p:ext>
     </p:extLst>
   </p:cSld>
@@ -14100,7 +13357,7 @@
 </p:sld>
 </file>
 
-<file path=ppt/slides/slide6.xml><?xml version="1.0" encoding="utf-8"?>
+<file path=ppt/slides/slide4.xml><?xml version="1.0" encoding="utf-8"?>
 <p:sld xmlns:a="http://schemas.openxmlformats.org/drawingml/2006/main" xmlns:r="http://schemas.openxmlformats.org/officeDocument/2006/relationships" xmlns:p="http://schemas.openxmlformats.org/presentationml/2006/main">
   <p:cSld>
     <p:spTree>
@@ -14831,7 +14088,7 @@
 </p:sld>
 </file>
 
-<file path=ppt/slides/slide7.xml><?xml version="1.0" encoding="utf-8"?>
+<file path=ppt/slides/slide5.xml><?xml version="1.0" encoding="utf-8"?>
 <p:sld xmlns:a="http://schemas.openxmlformats.org/drawingml/2006/main" xmlns:r="http://schemas.openxmlformats.org/officeDocument/2006/relationships" xmlns:p="http://schemas.openxmlformats.org/presentationml/2006/main">
   <p:cSld>
     <p:spTree>
@@ -15270,17 +14527,20 @@
           </a:p>
           <a:p>
             <a:r>
-              <a:rPr lang="de-DE" sz="1900">
-                <a:sym typeface="Wingdings" panose="05000000000000000000" pitchFamily="2" charset="2"/>
-              </a:rPr>
-              <a:t>Windmessung </a:t>
-            </a:r>
-            <a:r>
               <a:rPr lang="de-DE" sz="1900" dirty="0">
                 <a:sym typeface="Wingdings" panose="05000000000000000000" pitchFamily="2" charset="2"/>
               </a:rPr>
-              <a:t>über Ultraschall</a:t>
+              <a:t>Windmessung über Ultraschall</a:t>
             </a:r>
+          </a:p>
+          <a:p>
+            <a:r>
+              <a:rPr lang="de-DE" sz="1800" noProof="0"/>
+              <a:t>Gefühlte Temperatur</a:t>
+            </a:r>
+            <a:endParaRPr lang="de-DE" sz="1900" dirty="0">
+              <a:sym typeface="Wingdings" panose="05000000000000000000" pitchFamily="2" charset="2"/>
+            </a:endParaRPr>
           </a:p>
           <a:p>
             <a:endParaRPr lang="de-DE" dirty="0">
@@ -15570,7 +14830,7 @@
 </p:sld>
 </file>
 
-<file path=ppt/slides/slide8.xml><?xml version="1.0" encoding="utf-8"?>
+<file path=ppt/slides/slide6.xml><?xml version="1.0" encoding="utf-8"?>
 <p:sld xmlns:a="http://schemas.openxmlformats.org/drawingml/2006/main" xmlns:r="http://schemas.openxmlformats.org/officeDocument/2006/relationships" xmlns:p="http://schemas.openxmlformats.org/presentationml/2006/main">
   <p:cSld>
     <p:spTree>
@@ -16077,7 +15337,7 @@
 </p:sld>
 </file>
 
-<file path=ppt/slides/slide9.xml><?xml version="1.0" encoding="utf-8"?>
+<file path=ppt/slides/slide7.xml><?xml version="1.0" encoding="utf-8"?>
 <p:sld xmlns:a="http://schemas.openxmlformats.org/drawingml/2006/main" xmlns:r="http://schemas.openxmlformats.org/officeDocument/2006/relationships" xmlns:p="http://schemas.openxmlformats.org/presentationml/2006/main">
   <p:cSld>
     <p:spTree>
@@ -16590,6 +15850,274 @@
     <p:extLst>
       <p:ext uri="{BB962C8B-B14F-4D97-AF65-F5344CB8AC3E}">
         <p14:creationId xmlns:p14="http://schemas.microsoft.com/office/powerpoint/2010/main" val="3791225581"/>
+      </p:ext>
+    </p:extLst>
+  </p:cSld>
+  <p:clrMapOvr>
+    <a:masterClrMapping/>
+  </p:clrMapOvr>
+</p:sld>
+</file>
+
+<file path=ppt/slides/slide8.xml><?xml version="1.0" encoding="utf-8"?>
+<p:sld xmlns:a="http://schemas.openxmlformats.org/drawingml/2006/main" xmlns:r="http://schemas.openxmlformats.org/officeDocument/2006/relationships" xmlns:p="http://schemas.openxmlformats.org/presentationml/2006/main">
+  <p:cSld>
+    <p:bg>
+      <p:bgPr>
+        <a:solidFill>
+          <a:schemeClr val="bg1"/>
+        </a:solidFill>
+        <a:effectLst/>
+      </p:bgPr>
+    </p:bg>
+    <p:spTree>
+      <p:nvGrpSpPr>
+        <p:cNvPr id="1" name=""/>
+        <p:cNvGrpSpPr/>
+        <p:nvPr/>
+      </p:nvGrpSpPr>
+      <p:grpSpPr>
+        <a:xfrm>
+          <a:off x="0" y="0"/>
+          <a:ext cx="0" cy="0"/>
+          <a:chOff x="0" y="0"/>
+          <a:chExt cx="0" cy="0"/>
+        </a:xfrm>
+      </p:grpSpPr>
+      <p:sp>
+        <p:nvSpPr>
+          <p:cNvPr id="10" name="Rectangle 9">
+            <a:extLst>
+              <a:ext uri="{FF2B5EF4-FFF2-40B4-BE49-F238E27FC236}">
+                <a16:creationId xmlns:a16="http://schemas.microsoft.com/office/drawing/2014/main" id="{6753252F-4873-4F63-801D-CC719279A7D5}"/>
+              </a:ext>
+              <a:ext uri="{C183D7F6-B498-43B3-948B-1728B52AA6E4}">
+                <adec:decorative xmlns:adec="http://schemas.microsoft.com/office/drawing/2017/decorative" val="1"/>
+              </a:ext>
+            </a:extLst>
+          </p:cNvPr>
+          <p:cNvSpPr>
+            <a:spLocks noGrp="1" noRot="1" noChangeAspect="1" noMove="1" noResize="1" noEditPoints="1" noAdjustHandles="1" noChangeArrowheads="1" noChangeShapeType="1" noTextEdit="1"/>
+          </p:cNvSpPr>
+          <p:nvPr>
+            <p:extLst>
+              <p:ext uri="{386F3935-93C4-4BCD-93E2-E3B085C9AB24}">
+                <p16:designElem xmlns:p16="http://schemas.microsoft.com/office/powerpoint/2015/main" val="1"/>
+              </p:ext>
+            </p:extLst>
+          </p:nvPr>
+        </p:nvSpPr>
+        <p:spPr>
+          <a:xfrm>
+            <a:off x="0" y="0"/>
+            <a:ext cx="12192000" cy="6858000"/>
+          </a:xfrm>
+          <a:prstGeom prst="rect">
+            <a:avLst/>
+          </a:prstGeom>
+          <a:solidFill>
+            <a:srgbClr val="FFFFFF"/>
+          </a:solidFill>
+          <a:ln>
+            <a:noFill/>
+          </a:ln>
+        </p:spPr>
+        <p:style>
+          <a:lnRef idx="2">
+            <a:schemeClr val="accent1">
+              <a:shade val="50000"/>
+            </a:schemeClr>
+          </a:lnRef>
+          <a:fillRef idx="1">
+            <a:schemeClr val="accent1"/>
+          </a:fillRef>
+          <a:effectRef idx="0">
+            <a:schemeClr val="accent1"/>
+          </a:effectRef>
+          <a:fontRef idx="minor">
+            <a:schemeClr val="lt1"/>
+          </a:fontRef>
+        </p:style>
+        <p:txBody>
+          <a:bodyPr rtlCol="0" anchor="ctr"/>
+          <a:lstStyle/>
+          <a:p>
+            <a:pPr algn="ctr"/>
+            <a:endParaRPr lang="de-DE" noProof="0" dirty="0"/>
+          </a:p>
+        </p:txBody>
+      </p:sp>
+      <p:sp>
+        <p:nvSpPr>
+          <p:cNvPr id="12" name="Rectangle 11">
+            <a:extLst>
+              <a:ext uri="{FF2B5EF4-FFF2-40B4-BE49-F238E27FC236}">
+                <a16:creationId xmlns:a16="http://schemas.microsoft.com/office/drawing/2014/main" id="{047C8CCB-F95D-4249-92DD-651249D3535A}"/>
+              </a:ext>
+              <a:ext uri="{C183D7F6-B498-43B3-948B-1728B52AA6E4}">
+                <adec:decorative xmlns:adec="http://schemas.microsoft.com/office/drawing/2017/decorative" val="1"/>
+              </a:ext>
+            </a:extLst>
+          </p:cNvPr>
+          <p:cNvSpPr>
+            <a:spLocks noGrp="1" noRot="1" noChangeAspect="1" noMove="1" noResize="1" noEditPoints="1" noAdjustHandles="1" noChangeArrowheads="1" noChangeShapeType="1" noTextEdit="1"/>
+          </p:cNvSpPr>
+          <p:nvPr>
+            <p:extLst>
+              <p:ext uri="{386F3935-93C4-4BCD-93E2-E3B085C9AB24}">
+                <p16:designElem xmlns:p16="http://schemas.microsoft.com/office/powerpoint/2015/main" val="1"/>
+              </p:ext>
+            </p:extLst>
+          </p:nvPr>
+        </p:nvSpPr>
+        <p:spPr>
+          <a:xfrm>
+            <a:off x="0" y="0"/>
+            <a:ext cx="2013557" cy="6858000"/>
+          </a:xfrm>
+          <a:prstGeom prst="rect">
+            <a:avLst/>
+          </a:prstGeom>
+          <a:solidFill>
+            <a:srgbClr val="7F7F7F"/>
+          </a:solidFill>
+          <a:ln>
+            <a:noFill/>
+          </a:ln>
+        </p:spPr>
+        <p:style>
+          <a:lnRef idx="2">
+            <a:schemeClr val="accent1">
+              <a:shade val="50000"/>
+            </a:schemeClr>
+          </a:lnRef>
+          <a:fillRef idx="1">
+            <a:schemeClr val="accent1"/>
+          </a:fillRef>
+          <a:effectRef idx="0">
+            <a:schemeClr val="accent1"/>
+          </a:effectRef>
+          <a:fontRef idx="minor">
+            <a:schemeClr val="lt1"/>
+          </a:fontRef>
+        </p:style>
+        <p:txBody>
+          <a:bodyPr rtlCol="0" anchor="ctr"/>
+          <a:lstStyle/>
+          <a:p>
+            <a:pPr algn="ctr"/>
+            <a:endParaRPr lang="de-DE" noProof="0" dirty="0"/>
+          </a:p>
+        </p:txBody>
+      </p:sp>
+      <p:sp>
+        <p:nvSpPr>
+          <p:cNvPr id="2" name="Titel 1">
+            <a:extLst>
+              <a:ext uri="{FF2B5EF4-FFF2-40B4-BE49-F238E27FC236}">
+                <a16:creationId xmlns:a16="http://schemas.microsoft.com/office/drawing/2014/main" id="{75CBCCD9-D2DF-DE01-EC57-3CEF21C37657}"/>
+              </a:ext>
+            </a:extLst>
+          </p:cNvPr>
+          <p:cNvSpPr>
+            <a:spLocks noGrp="1"/>
+          </p:cNvSpPr>
+          <p:nvPr>
+            <p:ph type="title"/>
+          </p:nvPr>
+        </p:nvSpPr>
+        <p:spPr>
+          <a:xfrm>
+            <a:off x="132080" y="1910941"/>
+            <a:ext cx="3139440" cy="3036117"/>
+          </a:xfrm>
+          <a:prstGeom prst="ellipse">
+            <a:avLst/>
+          </a:prstGeom>
+          <a:solidFill>
+            <a:srgbClr val="262626"/>
+          </a:solidFill>
+          <a:ln w="174625" cmpd="thinThick">
+            <a:solidFill>
+              <a:srgbClr val="262626"/>
+            </a:solidFill>
+          </a:ln>
+        </p:spPr>
+        <p:txBody>
+          <a:bodyPr vert="horz" lIns="91440" tIns="45720" rIns="91440" bIns="45720" rtlCol="0" anchor="ctr">
+            <a:normAutofit/>
+          </a:bodyPr>
+          <a:lstStyle/>
+          <a:p>
+            <a:pPr algn="ctr"/>
+            <a:r>
+              <a:rPr lang="de-DE" sz="2000" b="1" kern="1200" noProof="0" dirty="0">
+                <a:solidFill>
+                  <a:srgbClr val="FFFFFF"/>
+                </a:solidFill>
+                <a:latin typeface="+mj-lt"/>
+                <a:ea typeface="+mj-ea"/>
+                <a:cs typeface="+mj-cs"/>
+              </a:rPr>
+              <a:t>Blockschaltbild</a:t>
+            </a:r>
+            <a:br>
+              <a:rPr lang="de-DE" sz="2000" b="1" kern="1200" noProof="0" dirty="0">
+                <a:solidFill>
+                  <a:srgbClr val="FFFFFF"/>
+                </a:solidFill>
+                <a:latin typeface="+mj-lt"/>
+                <a:ea typeface="+mj-ea"/>
+                <a:cs typeface="+mj-cs"/>
+              </a:rPr>
+            </a:br>
+            <a:r>
+              <a:rPr lang="de-DE" sz="2000" b="1" kern="1200" noProof="0" dirty="0">
+                <a:solidFill>
+                  <a:srgbClr val="FFFFFF"/>
+                </a:solidFill>
+                <a:latin typeface="+mj-lt"/>
+                <a:ea typeface="+mj-ea"/>
+                <a:cs typeface="+mj-cs"/>
+              </a:rPr>
+              <a:t>Maximaler Ausbau</a:t>
+            </a:r>
+          </a:p>
+        </p:txBody>
+      </p:sp>
+      <p:pic>
+        <p:nvPicPr>
+          <p:cNvPr id="6" name="Grafik 5">
+            <a:extLst>
+              <a:ext uri="{FF2B5EF4-FFF2-40B4-BE49-F238E27FC236}">
+                <a16:creationId xmlns:a16="http://schemas.microsoft.com/office/drawing/2014/main" id="{83B2813C-9DC7-B0E8-01CE-59003675744B}"/>
+              </a:ext>
+            </a:extLst>
+          </p:cNvPr>
+          <p:cNvPicPr>
+            <a:picLocks noChangeAspect="1"/>
+          </p:cNvPicPr>
+          <p:nvPr/>
+        </p:nvPicPr>
+        <p:blipFill>
+          <a:blip r:embed="rId2"/>
+          <a:srcRect l="11294" t="10322" r="13855" b="9206"/>
+          <a:stretch/>
+        </p:blipFill>
+        <p:spPr>
+          <a:xfrm>
+            <a:off x="3101118" y="241851"/>
+            <a:ext cx="8827495" cy="6374295"/>
+          </a:xfrm>
+          <a:prstGeom prst="rect">
+            <a:avLst/>
+          </a:prstGeom>
+        </p:spPr>
+      </p:pic>
+    </p:spTree>
+    <p:extLst>
+      <p:ext uri="{BB962C8B-B14F-4D97-AF65-F5344CB8AC3E}">
+        <p14:creationId xmlns:p14="http://schemas.microsoft.com/office/powerpoint/2010/main" val="3495461466"/>
       </p:ext>
     </p:extLst>
   </p:cSld>

--- a/Vorstellung.pptx
+++ b/Vorstellung.pptx
@@ -8,9 +8,9 @@
     <p:sldId id="257" r:id="rId2"/>
     <p:sldId id="258" r:id="rId3"/>
     <p:sldId id="267" r:id="rId4"/>
-    <p:sldId id="263" r:id="rId5"/>
-    <p:sldId id="269" r:id="rId6"/>
-    <p:sldId id="256" r:id="rId7"/>
+    <p:sldId id="269" r:id="rId5"/>
+    <p:sldId id="256" r:id="rId6"/>
+    <p:sldId id="263" r:id="rId7"/>
     <p:sldId id="265" r:id="rId8"/>
     <p:sldId id="259" r:id="rId9"/>
   </p:sldIdLst>
@@ -12885,7 +12885,7 @@
                   <a:srgbClr val="FFFFFF"/>
                 </a:solidFill>
               </a:rPr>
-              <a:t>Must2Haves</a:t>
+              <a:t>Must2Have</a:t>
             </a:r>
           </a:p>
         </p:txBody>
@@ -12929,6 +12929,12 @@
           <a:p>
             <a:r>
               <a:rPr lang="de-DE" sz="2000" noProof="0" dirty="0"/>
+              <a:t>Temperatur</a:t>
+            </a:r>
+          </a:p>
+          <a:p>
+            <a:r>
+              <a:rPr lang="de-DE" sz="2000" noProof="0" dirty="0"/>
               <a:t>Luftfeuchtigkeit</a:t>
             </a:r>
           </a:p>
@@ -12936,12 +12942,6 @@
             <a:r>
               <a:rPr lang="de-DE" sz="2000" noProof="0" dirty="0"/>
               <a:t>Luftdruck</a:t>
-            </a:r>
-          </a:p>
-          <a:p>
-            <a:r>
-              <a:rPr lang="de-DE" sz="2000" noProof="0" dirty="0"/>
-              <a:t>Temperatur</a:t>
             </a:r>
           </a:p>
           <a:p>
@@ -13046,6 +13046,12 @@
           <a:p>
             <a:r>
               <a:rPr lang="de-DE" sz="2000" noProof="0" dirty="0"/>
+              <a:t>Temperatur</a:t>
+            </a:r>
+          </a:p>
+          <a:p>
+            <a:r>
+              <a:rPr lang="de-DE" sz="2000" noProof="0" dirty="0"/>
               <a:t>Luftfeuchtigkeit</a:t>
             </a:r>
           </a:p>
@@ -13053,12 +13059,6 @@
             <a:r>
               <a:rPr lang="de-DE" sz="2000" noProof="0" dirty="0"/>
               <a:t>Luftdruck</a:t>
-            </a:r>
-          </a:p>
-          <a:p>
-            <a:r>
-              <a:rPr lang="de-DE" sz="2000" noProof="0" dirty="0"/>
-              <a:t>Temperatur</a:t>
             </a:r>
           </a:p>
           <a:p>
@@ -13376,6 +13376,1192 @@
       </p:grpSpPr>
       <p:sp>
         <p:nvSpPr>
+          <p:cNvPr id="2" name="Rectangle 9">
+            <a:extLst>
+              <a:ext uri="{FF2B5EF4-FFF2-40B4-BE49-F238E27FC236}">
+                <a16:creationId xmlns:a16="http://schemas.microsoft.com/office/drawing/2014/main" id="{527A7A93-C50F-D2B7-8F44-B39B2F161A37}"/>
+              </a:ext>
+              <a:ext uri="{C183D7F6-B498-43B3-948B-1728B52AA6E4}">
+                <adec:decorative xmlns:adec="http://schemas.microsoft.com/office/drawing/2017/decorative" val="1"/>
+              </a:ext>
+            </a:extLst>
+          </p:cNvPr>
+          <p:cNvSpPr/>
+          <p:nvPr>
+            <p:extLst>
+              <p:ext uri="{386F3935-93C4-4BCD-93E2-E3B085C9AB24}">
+                <p16:designElem xmlns:p16="http://schemas.microsoft.com/office/powerpoint/2015/main" val="1"/>
+              </p:ext>
+            </p:extLst>
+          </p:nvPr>
+        </p:nvSpPr>
+        <p:spPr>
+          <a:xfrm>
+            <a:off x="0" y="0"/>
+            <a:ext cx="3489218" cy="6858000"/>
+          </a:xfrm>
+          <a:prstGeom prst="rect">
+            <a:avLst/>
+          </a:prstGeom>
+          <a:solidFill>
+            <a:srgbClr val="404040"/>
+          </a:solidFill>
+          <a:ln>
+            <a:noFill/>
+          </a:ln>
+        </p:spPr>
+        <p:style>
+          <a:lnRef idx="2">
+            <a:schemeClr val="accent1">
+              <a:shade val="50000"/>
+            </a:schemeClr>
+          </a:lnRef>
+          <a:fillRef idx="1">
+            <a:schemeClr val="accent1"/>
+          </a:fillRef>
+          <a:effectRef idx="0">
+            <a:schemeClr val="accent1"/>
+          </a:effectRef>
+          <a:fontRef idx="minor">
+            <a:schemeClr val="lt1"/>
+          </a:fontRef>
+        </p:style>
+        <p:txBody>
+          <a:bodyPr rtlCol="0" anchor="ctr"/>
+          <a:lstStyle/>
+          <a:p>
+            <a:pPr marL="0" marR="0" lvl="0" indent="0" algn="ctr" defTabSz="914400" rtl="0" eaLnBrk="1" fontAlgn="auto" latinLnBrk="0" hangingPunct="1">
+              <a:lnSpc>
+                <a:spcPct val="100000"/>
+              </a:lnSpc>
+              <a:spcBef>
+                <a:spcPts val="0"/>
+              </a:spcBef>
+              <a:spcAft>
+                <a:spcPts val="0"/>
+              </a:spcAft>
+              <a:buClrTx/>
+              <a:buSzTx/>
+              <a:buFontTx/>
+              <a:buNone/>
+              <a:tabLst/>
+              <a:defRPr/>
+            </a:pPr>
+            <a:endParaRPr kumimoji="0" lang="de-DE" sz="1800" b="0" i="0" u="none" strike="noStrike" kern="1200" cap="none" spc="0" normalizeH="0" baseline="0" noProof="0" dirty="0">
+              <a:ln>
+                <a:noFill/>
+              </a:ln>
+              <a:solidFill>
+                <a:prstClr val="white"/>
+              </a:solidFill>
+              <a:effectLst/>
+              <a:uLnTx/>
+              <a:uFillTx/>
+              <a:latin typeface="Calibri" panose="020F0502020204030204"/>
+              <a:ea typeface="+mn-ea"/>
+              <a:cs typeface="+mn-cs"/>
+            </a:endParaRPr>
+          </a:p>
+        </p:txBody>
+      </p:sp>
+      <p:sp>
+        <p:nvSpPr>
+          <p:cNvPr id="3" name="Titel 3">
+            <a:extLst>
+              <a:ext uri="{FF2B5EF4-FFF2-40B4-BE49-F238E27FC236}">
+                <a16:creationId xmlns:a16="http://schemas.microsoft.com/office/drawing/2014/main" id="{CB3DD32B-773B-3004-D4A9-9A74FD8EB78C}"/>
+              </a:ext>
+            </a:extLst>
+          </p:cNvPr>
+          <p:cNvSpPr txBox="1">
+            <a:spLocks/>
+          </p:cNvSpPr>
+          <p:nvPr/>
+        </p:nvSpPr>
+        <p:spPr>
+          <a:xfrm>
+            <a:off x="0" y="1412488"/>
+            <a:ext cx="3489218" cy="4363844"/>
+          </a:xfrm>
+          <a:prstGeom prst="rect">
+            <a:avLst/>
+          </a:prstGeom>
+        </p:spPr>
+        <p:txBody>
+          <a:bodyPr anchor="t">
+            <a:normAutofit/>
+          </a:bodyPr>
+          <a:lstStyle>
+            <a:lvl1pPr algn="l" defTabSz="914400" rtl="0" eaLnBrk="1" latinLnBrk="0" hangingPunct="1">
+              <a:lnSpc>
+                <a:spcPct val="90000"/>
+              </a:lnSpc>
+              <a:spcBef>
+                <a:spcPct val="0"/>
+              </a:spcBef>
+              <a:buNone/>
+              <a:defRPr sz="4400" kern="1200">
+                <a:solidFill>
+                  <a:schemeClr val="tx1"/>
+                </a:solidFill>
+                <a:latin typeface="+mj-lt"/>
+                <a:ea typeface="+mj-ea"/>
+                <a:cs typeface="+mj-cs"/>
+              </a:defRPr>
+            </a:lvl1pPr>
+          </a:lstStyle>
+          <a:p>
+            <a:pPr algn="ctr"/>
+            <a:r>
+              <a:rPr lang="de-DE" sz="4000" b="1" noProof="0" dirty="0">
+                <a:solidFill>
+                  <a:srgbClr val="FFFFFF"/>
+                </a:solidFill>
+              </a:rPr>
+              <a:t>Nice2Have</a:t>
+            </a:r>
+          </a:p>
+        </p:txBody>
+      </p:sp>
+      <p:cxnSp>
+        <p:nvCxnSpPr>
+          <p:cNvPr id="4" name="Straight Connector 11">
+            <a:extLst>
+              <a:ext uri="{FF2B5EF4-FFF2-40B4-BE49-F238E27FC236}">
+                <a16:creationId xmlns:a16="http://schemas.microsoft.com/office/drawing/2014/main" id="{18E2F1B2-E1F9-A7B3-24D9-9A28C89170B8}"/>
+              </a:ext>
+              <a:ext uri="{C183D7F6-B498-43B3-948B-1728B52AA6E4}">
+                <adec:decorative xmlns:adec="http://schemas.microsoft.com/office/drawing/2017/decorative" val="1"/>
+              </a:ext>
+            </a:extLst>
+          </p:cNvPr>
+          <p:cNvCxnSpPr>
+            <a:cxnSpLocks/>
+          </p:cNvCxnSpPr>
+          <p:nvPr>
+            <p:extLst>
+              <p:ext uri="{386F3935-93C4-4BCD-93E2-E3B085C9AB24}">
+                <p16:designElem xmlns:p16="http://schemas.microsoft.com/office/powerpoint/2015/main" val="1"/>
+              </p:ext>
+            </p:extLst>
+          </p:nvPr>
+        </p:nvCxnSpPr>
+        <p:spPr>
+          <a:xfrm flipH="1">
+            <a:off x="7696200" y="7726680"/>
+            <a:ext cx="1889760" cy="0"/>
+          </a:xfrm>
+          <a:prstGeom prst="line">
+            <a:avLst/>
+          </a:prstGeom>
+          <a:ln w="12700">
+            <a:solidFill>
+              <a:schemeClr val="tx1">
+                <a:lumMod val="50000"/>
+                <a:lumOff val="50000"/>
+              </a:schemeClr>
+            </a:solidFill>
+          </a:ln>
+        </p:spPr>
+        <p:style>
+          <a:lnRef idx="1">
+            <a:schemeClr val="accent1"/>
+          </a:lnRef>
+          <a:fillRef idx="0">
+            <a:schemeClr val="accent1"/>
+          </a:fillRef>
+          <a:effectRef idx="0">
+            <a:schemeClr val="accent1"/>
+          </a:effectRef>
+          <a:fontRef idx="minor">
+            <a:schemeClr val="tx1"/>
+          </a:fontRef>
+        </p:style>
+      </p:cxnSp>
+      <p:sp>
+        <p:nvSpPr>
+          <p:cNvPr id="7" name="Inhaltsplatzhalter 2">
+            <a:extLst>
+              <a:ext uri="{FF2B5EF4-FFF2-40B4-BE49-F238E27FC236}">
+                <a16:creationId xmlns:a16="http://schemas.microsoft.com/office/drawing/2014/main" id="{5F99C5C3-2029-E437-CEFD-37DF65AE1C22}"/>
+              </a:ext>
+            </a:extLst>
+          </p:cNvPr>
+          <p:cNvSpPr txBox="1">
+            <a:spLocks/>
+          </p:cNvSpPr>
+          <p:nvPr/>
+        </p:nvSpPr>
+        <p:spPr>
+          <a:xfrm>
+            <a:off x="3804178" y="3429000"/>
+            <a:ext cx="8387080" cy="2116455"/>
+          </a:xfrm>
+          <a:prstGeom prst="rect">
+            <a:avLst/>
+          </a:prstGeom>
+        </p:spPr>
+        <p:txBody>
+          <a:bodyPr vert="horz" lIns="91440" tIns="45720" rIns="91440" bIns="45720" rtlCol="0">
+            <a:normAutofit/>
+          </a:bodyPr>
+          <a:lstStyle>
+            <a:lvl1pPr marL="228600" indent="-228600" algn="l" defTabSz="914400" rtl="0" eaLnBrk="1" latinLnBrk="0" hangingPunct="1">
+              <a:lnSpc>
+                <a:spcPct val="90000"/>
+              </a:lnSpc>
+              <a:spcBef>
+                <a:spcPts val="1000"/>
+              </a:spcBef>
+              <a:buFont typeface="Arial" panose="020B0604020202020204" pitchFamily="34" charset="0"/>
+              <a:buChar char="•"/>
+              <a:defRPr sz="2800" kern="1200">
+                <a:solidFill>
+                  <a:schemeClr val="tx1"/>
+                </a:solidFill>
+                <a:latin typeface="+mn-lt"/>
+                <a:ea typeface="+mn-ea"/>
+                <a:cs typeface="+mn-cs"/>
+              </a:defRPr>
+            </a:lvl1pPr>
+            <a:lvl2pPr marL="685800" indent="-228600" algn="l" defTabSz="914400" rtl="0" eaLnBrk="1" latinLnBrk="0" hangingPunct="1">
+              <a:lnSpc>
+                <a:spcPct val="90000"/>
+              </a:lnSpc>
+              <a:spcBef>
+                <a:spcPts val="500"/>
+              </a:spcBef>
+              <a:buFont typeface="Arial" panose="020B0604020202020204" pitchFamily="34" charset="0"/>
+              <a:buChar char="•"/>
+              <a:defRPr sz="2400" kern="1200">
+                <a:solidFill>
+                  <a:schemeClr val="tx1"/>
+                </a:solidFill>
+                <a:latin typeface="+mn-lt"/>
+                <a:ea typeface="+mn-ea"/>
+                <a:cs typeface="+mn-cs"/>
+              </a:defRPr>
+            </a:lvl2pPr>
+            <a:lvl3pPr marL="1143000" indent="-228600" algn="l" defTabSz="914400" rtl="0" eaLnBrk="1" latinLnBrk="0" hangingPunct="1">
+              <a:lnSpc>
+                <a:spcPct val="90000"/>
+              </a:lnSpc>
+              <a:spcBef>
+                <a:spcPts val="500"/>
+              </a:spcBef>
+              <a:buFont typeface="Arial" panose="020B0604020202020204" pitchFamily="34" charset="0"/>
+              <a:buChar char="•"/>
+              <a:defRPr sz="2000" kern="1200">
+                <a:solidFill>
+                  <a:schemeClr val="tx1"/>
+                </a:solidFill>
+                <a:latin typeface="+mn-lt"/>
+                <a:ea typeface="+mn-ea"/>
+                <a:cs typeface="+mn-cs"/>
+              </a:defRPr>
+            </a:lvl3pPr>
+            <a:lvl4pPr marL="1600200" indent="-228600" algn="l" defTabSz="914400" rtl="0" eaLnBrk="1" latinLnBrk="0" hangingPunct="1">
+              <a:lnSpc>
+                <a:spcPct val="90000"/>
+              </a:lnSpc>
+              <a:spcBef>
+                <a:spcPts val="500"/>
+              </a:spcBef>
+              <a:buFont typeface="Arial" panose="020B0604020202020204" pitchFamily="34" charset="0"/>
+              <a:buChar char="•"/>
+              <a:defRPr sz="1800" kern="1200">
+                <a:solidFill>
+                  <a:schemeClr val="tx1"/>
+                </a:solidFill>
+                <a:latin typeface="+mn-lt"/>
+                <a:ea typeface="+mn-ea"/>
+                <a:cs typeface="+mn-cs"/>
+              </a:defRPr>
+            </a:lvl4pPr>
+            <a:lvl5pPr marL="2057400" indent="-228600" algn="l" defTabSz="914400" rtl="0" eaLnBrk="1" latinLnBrk="0" hangingPunct="1">
+              <a:lnSpc>
+                <a:spcPct val="90000"/>
+              </a:lnSpc>
+              <a:spcBef>
+                <a:spcPts val="500"/>
+              </a:spcBef>
+              <a:buFont typeface="Arial" panose="020B0604020202020204" pitchFamily="34" charset="0"/>
+              <a:buChar char="•"/>
+              <a:defRPr sz="1800" kern="1200">
+                <a:solidFill>
+                  <a:schemeClr val="tx1"/>
+                </a:solidFill>
+                <a:latin typeface="+mn-lt"/>
+                <a:ea typeface="+mn-ea"/>
+                <a:cs typeface="+mn-cs"/>
+              </a:defRPr>
+            </a:lvl5pPr>
+            <a:lvl6pPr marL="2514600" indent="-228600" algn="l" defTabSz="914400" rtl="0" eaLnBrk="1" latinLnBrk="0" hangingPunct="1">
+              <a:lnSpc>
+                <a:spcPct val="90000"/>
+              </a:lnSpc>
+              <a:spcBef>
+                <a:spcPts val="500"/>
+              </a:spcBef>
+              <a:buFont typeface="Arial" panose="020B0604020202020204" pitchFamily="34" charset="0"/>
+              <a:buChar char="•"/>
+              <a:defRPr sz="1800" kern="1200">
+                <a:solidFill>
+                  <a:schemeClr val="tx1"/>
+                </a:solidFill>
+                <a:latin typeface="+mn-lt"/>
+                <a:ea typeface="+mn-ea"/>
+                <a:cs typeface="+mn-cs"/>
+              </a:defRPr>
+            </a:lvl6pPr>
+            <a:lvl7pPr marL="2971800" indent="-228600" algn="l" defTabSz="914400" rtl="0" eaLnBrk="1" latinLnBrk="0" hangingPunct="1">
+              <a:lnSpc>
+                <a:spcPct val="90000"/>
+              </a:lnSpc>
+              <a:spcBef>
+                <a:spcPts val="500"/>
+              </a:spcBef>
+              <a:buFont typeface="Arial" panose="020B0604020202020204" pitchFamily="34" charset="0"/>
+              <a:buChar char="•"/>
+              <a:defRPr sz="1800" kern="1200">
+                <a:solidFill>
+                  <a:schemeClr val="tx1"/>
+                </a:solidFill>
+                <a:latin typeface="+mn-lt"/>
+                <a:ea typeface="+mn-ea"/>
+                <a:cs typeface="+mn-cs"/>
+              </a:defRPr>
+            </a:lvl7pPr>
+            <a:lvl8pPr marL="3429000" indent="-228600" algn="l" defTabSz="914400" rtl="0" eaLnBrk="1" latinLnBrk="0" hangingPunct="1">
+              <a:lnSpc>
+                <a:spcPct val="90000"/>
+              </a:lnSpc>
+              <a:spcBef>
+                <a:spcPts val="500"/>
+              </a:spcBef>
+              <a:buFont typeface="Arial" panose="020B0604020202020204" pitchFamily="34" charset="0"/>
+              <a:buChar char="•"/>
+              <a:defRPr sz="1800" kern="1200">
+                <a:solidFill>
+                  <a:schemeClr val="tx1"/>
+                </a:solidFill>
+                <a:latin typeface="+mn-lt"/>
+                <a:ea typeface="+mn-ea"/>
+                <a:cs typeface="+mn-cs"/>
+              </a:defRPr>
+            </a:lvl8pPr>
+            <a:lvl9pPr marL="3886200" indent="-228600" algn="l" defTabSz="914400" rtl="0" eaLnBrk="1" latinLnBrk="0" hangingPunct="1">
+              <a:lnSpc>
+                <a:spcPct val="90000"/>
+              </a:lnSpc>
+              <a:spcBef>
+                <a:spcPts val="500"/>
+              </a:spcBef>
+              <a:buFont typeface="Arial" panose="020B0604020202020204" pitchFamily="34" charset="0"/>
+              <a:buChar char="•"/>
+              <a:defRPr sz="1800" kern="1200">
+                <a:solidFill>
+                  <a:schemeClr val="tx1"/>
+                </a:solidFill>
+                <a:latin typeface="+mn-lt"/>
+                <a:ea typeface="+mn-ea"/>
+                <a:cs typeface="+mn-cs"/>
+              </a:defRPr>
+            </a:lvl9pPr>
+          </a:lstStyle>
+          <a:p>
+            <a:pPr marL="0" indent="0">
+              <a:buNone/>
+            </a:pPr>
+            <a:r>
+              <a:rPr lang="de-DE" sz="1900" b="1" dirty="0"/>
+              <a:t>Outdoor:</a:t>
+            </a:r>
+          </a:p>
+          <a:p>
+            <a:r>
+              <a:rPr lang="de-DE" sz="1900" dirty="0">
+                <a:sym typeface="Wingdings" panose="05000000000000000000" pitchFamily="2" charset="2"/>
+              </a:rPr>
+              <a:t>Luftpartikelsensor</a:t>
+            </a:r>
+          </a:p>
+          <a:p>
+            <a:r>
+              <a:rPr lang="de-DE" sz="1900" dirty="0">
+                <a:sym typeface="Wingdings" panose="05000000000000000000" pitchFamily="2" charset="2"/>
+              </a:rPr>
+              <a:t>Sonnenlichtabhängige Sensoren</a:t>
+            </a:r>
+          </a:p>
+          <a:p>
+            <a:r>
+              <a:rPr lang="de-DE" sz="1900" dirty="0">
+                <a:sym typeface="Wingdings" panose="05000000000000000000" pitchFamily="2" charset="2"/>
+              </a:rPr>
+              <a:t>Windmessung über Ultraschall</a:t>
+            </a:r>
+          </a:p>
+          <a:p>
+            <a:r>
+              <a:rPr lang="de-DE" sz="1800" noProof="0" dirty="0"/>
+              <a:t>Gefühlte Temperatur</a:t>
+            </a:r>
+            <a:endParaRPr lang="de-DE" sz="1900" dirty="0">
+              <a:sym typeface="Wingdings" panose="05000000000000000000" pitchFamily="2" charset="2"/>
+            </a:endParaRPr>
+          </a:p>
+          <a:p>
+            <a:endParaRPr lang="de-DE" dirty="0">
+              <a:sym typeface="Wingdings" panose="05000000000000000000" pitchFamily="2" charset="2"/>
+            </a:endParaRPr>
+          </a:p>
+          <a:p>
+            <a:endParaRPr lang="de-DE" dirty="0"/>
+          </a:p>
+          <a:p>
+            <a:endParaRPr lang="de-DE" dirty="0"/>
+          </a:p>
+        </p:txBody>
+      </p:sp>
+      <p:sp>
+        <p:nvSpPr>
+          <p:cNvPr id="8" name="Inhaltsplatzhalter 2">
+            <a:extLst>
+              <a:ext uri="{FF2B5EF4-FFF2-40B4-BE49-F238E27FC236}">
+                <a16:creationId xmlns:a16="http://schemas.microsoft.com/office/drawing/2014/main" id="{2CEB745C-8AD7-31A0-A4CC-BA83E78A166A}"/>
+              </a:ext>
+            </a:extLst>
+          </p:cNvPr>
+          <p:cNvSpPr txBox="1">
+            <a:spLocks/>
+          </p:cNvSpPr>
+          <p:nvPr/>
+        </p:nvSpPr>
+        <p:spPr>
+          <a:xfrm>
+            <a:off x="3804178" y="1312545"/>
+            <a:ext cx="10515600" cy="1009015"/>
+          </a:xfrm>
+          <a:prstGeom prst="rect">
+            <a:avLst/>
+          </a:prstGeom>
+        </p:spPr>
+        <p:txBody>
+          <a:bodyPr>
+            <a:normAutofit fontScale="70000" lnSpcReduction="20000"/>
+          </a:bodyPr>
+          <a:lstStyle>
+            <a:lvl1pPr marL="228600" indent="-228600" algn="l" defTabSz="914400" rtl="0" eaLnBrk="1" latinLnBrk="0" hangingPunct="1">
+              <a:lnSpc>
+                <a:spcPct val="90000"/>
+              </a:lnSpc>
+              <a:spcBef>
+                <a:spcPts val="1000"/>
+              </a:spcBef>
+              <a:buFont typeface="Arial" panose="020B0604020202020204" pitchFamily="34" charset="0"/>
+              <a:buChar char="•"/>
+              <a:defRPr sz="2800" kern="1200">
+                <a:solidFill>
+                  <a:schemeClr val="tx1"/>
+                </a:solidFill>
+                <a:latin typeface="+mn-lt"/>
+                <a:ea typeface="+mn-ea"/>
+                <a:cs typeface="+mn-cs"/>
+              </a:defRPr>
+            </a:lvl1pPr>
+            <a:lvl2pPr marL="685800" indent="-228600" algn="l" defTabSz="914400" rtl="0" eaLnBrk="1" latinLnBrk="0" hangingPunct="1">
+              <a:lnSpc>
+                <a:spcPct val="90000"/>
+              </a:lnSpc>
+              <a:spcBef>
+                <a:spcPts val="500"/>
+              </a:spcBef>
+              <a:buFont typeface="Arial" panose="020B0604020202020204" pitchFamily="34" charset="0"/>
+              <a:buChar char="•"/>
+              <a:defRPr sz="2400" kern="1200">
+                <a:solidFill>
+                  <a:schemeClr val="tx1"/>
+                </a:solidFill>
+                <a:latin typeface="+mn-lt"/>
+                <a:ea typeface="+mn-ea"/>
+                <a:cs typeface="+mn-cs"/>
+              </a:defRPr>
+            </a:lvl2pPr>
+            <a:lvl3pPr marL="1143000" indent="-228600" algn="l" defTabSz="914400" rtl="0" eaLnBrk="1" latinLnBrk="0" hangingPunct="1">
+              <a:lnSpc>
+                <a:spcPct val="90000"/>
+              </a:lnSpc>
+              <a:spcBef>
+                <a:spcPts val="500"/>
+              </a:spcBef>
+              <a:buFont typeface="Arial" panose="020B0604020202020204" pitchFamily="34" charset="0"/>
+              <a:buChar char="•"/>
+              <a:defRPr sz="2000" kern="1200">
+                <a:solidFill>
+                  <a:schemeClr val="tx1"/>
+                </a:solidFill>
+                <a:latin typeface="+mn-lt"/>
+                <a:ea typeface="+mn-ea"/>
+                <a:cs typeface="+mn-cs"/>
+              </a:defRPr>
+            </a:lvl3pPr>
+            <a:lvl4pPr marL="1600200" indent="-228600" algn="l" defTabSz="914400" rtl="0" eaLnBrk="1" latinLnBrk="0" hangingPunct="1">
+              <a:lnSpc>
+                <a:spcPct val="90000"/>
+              </a:lnSpc>
+              <a:spcBef>
+                <a:spcPts val="500"/>
+              </a:spcBef>
+              <a:buFont typeface="Arial" panose="020B0604020202020204" pitchFamily="34" charset="0"/>
+              <a:buChar char="•"/>
+              <a:defRPr sz="1800" kern="1200">
+                <a:solidFill>
+                  <a:schemeClr val="tx1"/>
+                </a:solidFill>
+                <a:latin typeface="+mn-lt"/>
+                <a:ea typeface="+mn-ea"/>
+                <a:cs typeface="+mn-cs"/>
+              </a:defRPr>
+            </a:lvl4pPr>
+            <a:lvl5pPr marL="2057400" indent="-228600" algn="l" defTabSz="914400" rtl="0" eaLnBrk="1" latinLnBrk="0" hangingPunct="1">
+              <a:lnSpc>
+                <a:spcPct val="90000"/>
+              </a:lnSpc>
+              <a:spcBef>
+                <a:spcPts val="500"/>
+              </a:spcBef>
+              <a:buFont typeface="Arial" panose="020B0604020202020204" pitchFamily="34" charset="0"/>
+              <a:buChar char="•"/>
+              <a:defRPr sz="1800" kern="1200">
+                <a:solidFill>
+                  <a:schemeClr val="tx1"/>
+                </a:solidFill>
+                <a:latin typeface="+mn-lt"/>
+                <a:ea typeface="+mn-ea"/>
+                <a:cs typeface="+mn-cs"/>
+              </a:defRPr>
+            </a:lvl5pPr>
+            <a:lvl6pPr marL="2514600" indent="-228600" algn="l" defTabSz="914400" rtl="0" eaLnBrk="1" latinLnBrk="0" hangingPunct="1">
+              <a:lnSpc>
+                <a:spcPct val="90000"/>
+              </a:lnSpc>
+              <a:spcBef>
+                <a:spcPts val="500"/>
+              </a:spcBef>
+              <a:buFont typeface="Arial" panose="020B0604020202020204" pitchFamily="34" charset="0"/>
+              <a:buChar char="•"/>
+              <a:defRPr sz="1800" kern="1200">
+                <a:solidFill>
+                  <a:schemeClr val="tx1"/>
+                </a:solidFill>
+                <a:latin typeface="+mn-lt"/>
+                <a:ea typeface="+mn-ea"/>
+                <a:cs typeface="+mn-cs"/>
+              </a:defRPr>
+            </a:lvl6pPr>
+            <a:lvl7pPr marL="2971800" indent="-228600" algn="l" defTabSz="914400" rtl="0" eaLnBrk="1" latinLnBrk="0" hangingPunct="1">
+              <a:lnSpc>
+                <a:spcPct val="90000"/>
+              </a:lnSpc>
+              <a:spcBef>
+                <a:spcPts val="500"/>
+              </a:spcBef>
+              <a:buFont typeface="Arial" panose="020B0604020202020204" pitchFamily="34" charset="0"/>
+              <a:buChar char="•"/>
+              <a:defRPr sz="1800" kern="1200">
+                <a:solidFill>
+                  <a:schemeClr val="tx1"/>
+                </a:solidFill>
+                <a:latin typeface="+mn-lt"/>
+                <a:ea typeface="+mn-ea"/>
+                <a:cs typeface="+mn-cs"/>
+              </a:defRPr>
+            </a:lvl7pPr>
+            <a:lvl8pPr marL="3429000" indent="-228600" algn="l" defTabSz="914400" rtl="0" eaLnBrk="1" latinLnBrk="0" hangingPunct="1">
+              <a:lnSpc>
+                <a:spcPct val="90000"/>
+              </a:lnSpc>
+              <a:spcBef>
+                <a:spcPts val="500"/>
+              </a:spcBef>
+              <a:buFont typeface="Arial" panose="020B0604020202020204" pitchFamily="34" charset="0"/>
+              <a:buChar char="•"/>
+              <a:defRPr sz="1800" kern="1200">
+                <a:solidFill>
+                  <a:schemeClr val="tx1"/>
+                </a:solidFill>
+                <a:latin typeface="+mn-lt"/>
+                <a:ea typeface="+mn-ea"/>
+                <a:cs typeface="+mn-cs"/>
+              </a:defRPr>
+            </a:lvl8pPr>
+            <a:lvl9pPr marL="3886200" indent="-228600" algn="l" defTabSz="914400" rtl="0" eaLnBrk="1" latinLnBrk="0" hangingPunct="1">
+              <a:lnSpc>
+                <a:spcPct val="90000"/>
+              </a:lnSpc>
+              <a:spcBef>
+                <a:spcPts val="500"/>
+              </a:spcBef>
+              <a:buFont typeface="Arial" panose="020B0604020202020204" pitchFamily="34" charset="0"/>
+              <a:buChar char="•"/>
+              <a:defRPr sz="1800" kern="1200">
+                <a:solidFill>
+                  <a:schemeClr val="tx1"/>
+                </a:solidFill>
+                <a:latin typeface="+mn-lt"/>
+                <a:ea typeface="+mn-ea"/>
+                <a:cs typeface="+mn-cs"/>
+              </a:defRPr>
+            </a:lvl9pPr>
+          </a:lstStyle>
+          <a:p>
+            <a:pPr marL="0" indent="0">
+              <a:buNone/>
+            </a:pPr>
+            <a:r>
+              <a:rPr lang="de-DE" sz="2700" b="1" dirty="0"/>
+              <a:t>Indoor:</a:t>
+            </a:r>
+          </a:p>
+          <a:p>
+            <a:r>
+              <a:rPr lang="de-DE" sz="2700" dirty="0" err="1">
+                <a:sym typeface="Wingdings" panose="05000000000000000000" pitchFamily="2" charset="2"/>
+              </a:rPr>
+              <a:t>LED‘s</a:t>
+            </a:r>
+            <a:r>
+              <a:rPr lang="de-DE" sz="2700" dirty="0">
+                <a:sym typeface="Wingdings" panose="05000000000000000000" pitchFamily="2" charset="2"/>
+              </a:rPr>
+              <a:t> Visualisierung von Optimal werten</a:t>
+            </a:r>
+          </a:p>
+          <a:p>
+            <a:r>
+              <a:rPr lang="de-DE" sz="2700" dirty="0">
+                <a:sym typeface="Wingdings" panose="05000000000000000000" pitchFamily="2" charset="2"/>
+              </a:rPr>
+              <a:t>Luftpartikel</a:t>
+            </a:r>
+          </a:p>
+          <a:p>
+            <a:endParaRPr lang="de-DE" dirty="0">
+              <a:sym typeface="Wingdings" panose="05000000000000000000" pitchFamily="2" charset="2"/>
+            </a:endParaRPr>
+          </a:p>
+          <a:p>
+            <a:endParaRPr lang="de-DE" dirty="0"/>
+          </a:p>
+          <a:p>
+            <a:endParaRPr lang="de-DE" dirty="0"/>
+          </a:p>
+        </p:txBody>
+      </p:sp>
+    </p:spTree>
+    <p:extLst>
+      <p:ext uri="{BB962C8B-B14F-4D97-AF65-F5344CB8AC3E}">
+        <p14:creationId xmlns:p14="http://schemas.microsoft.com/office/powerpoint/2010/main" val="2958476914"/>
+      </p:ext>
+    </p:extLst>
+  </p:cSld>
+  <p:clrMapOvr>
+    <a:masterClrMapping/>
+  </p:clrMapOvr>
+</p:sld>
+</file>
+
+<file path=ppt/slides/slide5.xml><?xml version="1.0" encoding="utf-8"?>
+<p:sld xmlns:a="http://schemas.openxmlformats.org/drawingml/2006/main" xmlns:r="http://schemas.openxmlformats.org/officeDocument/2006/relationships" xmlns:p="http://schemas.openxmlformats.org/presentationml/2006/main">
+  <p:cSld>
+    <p:spTree>
+      <p:nvGrpSpPr>
+        <p:cNvPr id="1" name=""/>
+        <p:cNvGrpSpPr/>
+        <p:nvPr/>
+      </p:nvGrpSpPr>
+      <p:grpSpPr>
+        <a:xfrm>
+          <a:off x="0" y="0"/>
+          <a:ext cx="0" cy="0"/>
+          <a:chOff x="0" y="0"/>
+          <a:chExt cx="0" cy="0"/>
+        </a:xfrm>
+      </p:grpSpPr>
+      <p:sp>
+        <p:nvSpPr>
+          <p:cNvPr id="15" name="Rectangle 9">
+            <a:extLst>
+              <a:ext uri="{FF2B5EF4-FFF2-40B4-BE49-F238E27FC236}">
+                <a16:creationId xmlns:a16="http://schemas.microsoft.com/office/drawing/2014/main" id="{7A31EF79-59DA-D68A-A542-0252D688B018}"/>
+              </a:ext>
+              <a:ext uri="{C183D7F6-B498-43B3-948B-1728B52AA6E4}">
+                <adec:decorative xmlns:adec="http://schemas.microsoft.com/office/drawing/2017/decorative" val="1"/>
+              </a:ext>
+            </a:extLst>
+          </p:cNvPr>
+          <p:cNvSpPr/>
+          <p:nvPr>
+            <p:extLst>
+              <p:ext uri="{386F3935-93C4-4BCD-93E2-E3B085C9AB24}">
+                <p16:designElem xmlns:p16="http://schemas.microsoft.com/office/powerpoint/2015/main" val="1"/>
+              </p:ext>
+            </p:extLst>
+          </p:nvPr>
+        </p:nvSpPr>
+        <p:spPr>
+          <a:xfrm>
+            <a:off x="0" y="0"/>
+            <a:ext cx="4059050" cy="6858000"/>
+          </a:xfrm>
+          <a:prstGeom prst="rect">
+            <a:avLst/>
+          </a:prstGeom>
+          <a:solidFill>
+            <a:srgbClr val="404040"/>
+          </a:solidFill>
+          <a:ln>
+            <a:noFill/>
+          </a:ln>
+        </p:spPr>
+        <p:style>
+          <a:lnRef idx="2">
+            <a:schemeClr val="accent1">
+              <a:shade val="50000"/>
+            </a:schemeClr>
+          </a:lnRef>
+          <a:fillRef idx="1">
+            <a:schemeClr val="accent1"/>
+          </a:fillRef>
+          <a:effectRef idx="0">
+            <a:schemeClr val="accent1"/>
+          </a:effectRef>
+          <a:fontRef idx="minor">
+            <a:schemeClr val="lt1"/>
+          </a:fontRef>
+        </p:style>
+        <p:txBody>
+          <a:bodyPr rtlCol="0" anchor="ctr"/>
+          <a:lstStyle/>
+          <a:p>
+            <a:pPr marL="0" marR="0" lvl="0" indent="0" algn="ctr" defTabSz="914400" rtl="0" eaLnBrk="1" fontAlgn="auto" latinLnBrk="0" hangingPunct="1">
+              <a:lnSpc>
+                <a:spcPct val="100000"/>
+              </a:lnSpc>
+              <a:spcBef>
+                <a:spcPts val="0"/>
+              </a:spcBef>
+              <a:spcAft>
+                <a:spcPts val="0"/>
+              </a:spcAft>
+              <a:buClrTx/>
+              <a:buSzTx/>
+              <a:buFontTx/>
+              <a:buNone/>
+              <a:tabLst/>
+              <a:defRPr/>
+            </a:pPr>
+            <a:endParaRPr kumimoji="0" lang="de-DE" sz="1800" b="0" i="0" u="none" strike="noStrike" kern="1200" cap="none" spc="0" normalizeH="0" baseline="0" noProof="0" dirty="0">
+              <a:ln>
+                <a:noFill/>
+              </a:ln>
+              <a:solidFill>
+                <a:prstClr val="white"/>
+              </a:solidFill>
+              <a:effectLst/>
+              <a:uLnTx/>
+              <a:uFillTx/>
+              <a:latin typeface="Calibri" panose="020F0502020204030204"/>
+              <a:ea typeface="+mn-ea"/>
+              <a:cs typeface="+mn-cs"/>
+            </a:endParaRPr>
+          </a:p>
+        </p:txBody>
+      </p:sp>
+      <p:sp>
+        <p:nvSpPr>
+          <p:cNvPr id="16" name="Titel 3">
+            <a:extLst>
+              <a:ext uri="{FF2B5EF4-FFF2-40B4-BE49-F238E27FC236}">
+                <a16:creationId xmlns:a16="http://schemas.microsoft.com/office/drawing/2014/main" id="{26DAC35D-FA00-FB83-1572-CE21B0142A8C}"/>
+              </a:ext>
+            </a:extLst>
+          </p:cNvPr>
+          <p:cNvSpPr>
+            <a:spLocks noGrp="1"/>
+          </p:cNvSpPr>
+          <p:nvPr>
+            <p:ph type="title"/>
+          </p:nvPr>
+        </p:nvSpPr>
+        <p:spPr>
+          <a:xfrm>
+            <a:off x="0" y="1412488"/>
+            <a:ext cx="4059050" cy="4363844"/>
+          </a:xfrm>
+        </p:spPr>
+        <p:txBody>
+          <a:bodyPr anchor="t">
+            <a:normAutofit/>
+          </a:bodyPr>
+          <a:lstStyle/>
+          <a:p>
+            <a:pPr algn="ctr"/>
+            <a:r>
+              <a:rPr lang="de-DE" sz="4000" b="1" noProof="0" dirty="0">
+                <a:solidFill>
+                  <a:srgbClr val="FFFFFF"/>
+                </a:solidFill>
+              </a:rPr>
+              <a:t>Nice2Have</a:t>
+            </a:r>
+            <a:br>
+              <a:rPr lang="de-DE" sz="4000" b="1" noProof="0" dirty="0">
+                <a:solidFill>
+                  <a:srgbClr val="FFFFFF"/>
+                </a:solidFill>
+              </a:rPr>
+            </a:br>
+            <a:r>
+              <a:rPr lang="de-DE" sz="4000" b="1" noProof="0" dirty="0">
+                <a:solidFill>
+                  <a:srgbClr val="FFFFFF"/>
+                </a:solidFill>
+              </a:rPr>
+              <a:t>Berechnungen</a:t>
+            </a:r>
+          </a:p>
+        </p:txBody>
+      </p:sp>
+      <p:cxnSp>
+        <p:nvCxnSpPr>
+          <p:cNvPr id="18" name="Straight Connector 11">
+            <a:extLst>
+              <a:ext uri="{FF2B5EF4-FFF2-40B4-BE49-F238E27FC236}">
+                <a16:creationId xmlns:a16="http://schemas.microsoft.com/office/drawing/2014/main" id="{E7D65A43-0D16-FB60-06D7-D8A3134FC8E6}"/>
+              </a:ext>
+              <a:ext uri="{C183D7F6-B498-43B3-948B-1728B52AA6E4}">
+                <adec:decorative xmlns:adec="http://schemas.microsoft.com/office/drawing/2017/decorative" val="1"/>
+              </a:ext>
+            </a:extLst>
+          </p:cNvPr>
+          <p:cNvCxnSpPr>
+            <a:cxnSpLocks/>
+          </p:cNvCxnSpPr>
+          <p:nvPr>
+            <p:extLst>
+              <p:ext uri="{386F3935-93C4-4BCD-93E2-E3B085C9AB24}">
+                <p16:designElem xmlns:p16="http://schemas.microsoft.com/office/powerpoint/2015/main" val="1"/>
+              </p:ext>
+            </p:extLst>
+          </p:nvPr>
+        </p:nvCxnSpPr>
+        <p:spPr>
+          <a:xfrm flipH="1">
+            <a:off x="7748337" y="7495674"/>
+            <a:ext cx="2117558" cy="264694"/>
+          </a:xfrm>
+          <a:prstGeom prst="line">
+            <a:avLst/>
+          </a:prstGeom>
+          <a:ln w="12700">
+            <a:solidFill>
+              <a:schemeClr val="tx1">
+                <a:lumMod val="50000"/>
+                <a:lumOff val="50000"/>
+              </a:schemeClr>
+            </a:solidFill>
+          </a:ln>
+        </p:spPr>
+        <p:style>
+          <a:lnRef idx="1">
+            <a:schemeClr val="accent1"/>
+          </a:lnRef>
+          <a:fillRef idx="0">
+            <a:schemeClr val="accent1"/>
+          </a:fillRef>
+          <a:effectRef idx="0">
+            <a:schemeClr val="accent1"/>
+          </a:effectRef>
+          <a:fontRef idx="minor">
+            <a:schemeClr val="tx1"/>
+          </a:fontRef>
+        </p:style>
+      </p:cxnSp>
+      <p:sp>
+        <p:nvSpPr>
+          <p:cNvPr id="19" name="Inhaltsplatzhalter 1">
+            <a:extLst>
+              <a:ext uri="{FF2B5EF4-FFF2-40B4-BE49-F238E27FC236}">
+                <a16:creationId xmlns:a16="http://schemas.microsoft.com/office/drawing/2014/main" id="{961C55BD-6B58-EBB9-BCBB-080AE4A18C36}"/>
+              </a:ext>
+            </a:extLst>
+          </p:cNvPr>
+          <p:cNvSpPr txBox="1">
+            <a:spLocks/>
+          </p:cNvSpPr>
+          <p:nvPr/>
+        </p:nvSpPr>
+        <p:spPr>
+          <a:xfrm>
+            <a:off x="4508723" y="1412488"/>
+            <a:ext cx="3197701" cy="4363844"/>
+          </a:xfrm>
+          <a:prstGeom prst="rect">
+            <a:avLst/>
+          </a:prstGeom>
+        </p:spPr>
+        <p:txBody>
+          <a:bodyPr>
+            <a:normAutofit/>
+          </a:bodyPr>
+          <a:lstStyle>
+            <a:lvl1pPr marL="228600" indent="-228600" algn="l" defTabSz="914400" rtl="0" eaLnBrk="1" latinLnBrk="0" hangingPunct="1">
+              <a:lnSpc>
+                <a:spcPct val="90000"/>
+              </a:lnSpc>
+              <a:spcBef>
+                <a:spcPts val="1000"/>
+              </a:spcBef>
+              <a:buFont typeface="Arial" panose="020B0604020202020204" pitchFamily="34" charset="0"/>
+              <a:buChar char="•"/>
+              <a:defRPr sz="2800" kern="1200">
+                <a:solidFill>
+                  <a:schemeClr val="tx1"/>
+                </a:solidFill>
+                <a:latin typeface="+mn-lt"/>
+                <a:ea typeface="+mn-ea"/>
+                <a:cs typeface="+mn-cs"/>
+              </a:defRPr>
+            </a:lvl1pPr>
+            <a:lvl2pPr marL="685800" indent="-228600" algn="l" defTabSz="914400" rtl="0" eaLnBrk="1" latinLnBrk="0" hangingPunct="1">
+              <a:lnSpc>
+                <a:spcPct val="90000"/>
+              </a:lnSpc>
+              <a:spcBef>
+                <a:spcPts val="500"/>
+              </a:spcBef>
+              <a:buFont typeface="Arial" panose="020B0604020202020204" pitchFamily="34" charset="0"/>
+              <a:buChar char="•"/>
+              <a:defRPr sz="2400" kern="1200">
+                <a:solidFill>
+                  <a:schemeClr val="tx1"/>
+                </a:solidFill>
+                <a:latin typeface="+mn-lt"/>
+                <a:ea typeface="+mn-ea"/>
+                <a:cs typeface="+mn-cs"/>
+              </a:defRPr>
+            </a:lvl2pPr>
+            <a:lvl3pPr marL="1143000" indent="-228600" algn="l" defTabSz="914400" rtl="0" eaLnBrk="1" latinLnBrk="0" hangingPunct="1">
+              <a:lnSpc>
+                <a:spcPct val="90000"/>
+              </a:lnSpc>
+              <a:spcBef>
+                <a:spcPts val="500"/>
+              </a:spcBef>
+              <a:buFont typeface="Arial" panose="020B0604020202020204" pitchFamily="34" charset="0"/>
+              <a:buChar char="•"/>
+              <a:defRPr sz="2000" kern="1200">
+                <a:solidFill>
+                  <a:schemeClr val="tx1"/>
+                </a:solidFill>
+                <a:latin typeface="+mn-lt"/>
+                <a:ea typeface="+mn-ea"/>
+                <a:cs typeface="+mn-cs"/>
+              </a:defRPr>
+            </a:lvl3pPr>
+            <a:lvl4pPr marL="1600200" indent="-228600" algn="l" defTabSz="914400" rtl="0" eaLnBrk="1" latinLnBrk="0" hangingPunct="1">
+              <a:lnSpc>
+                <a:spcPct val="90000"/>
+              </a:lnSpc>
+              <a:spcBef>
+                <a:spcPts val="500"/>
+              </a:spcBef>
+              <a:buFont typeface="Arial" panose="020B0604020202020204" pitchFamily="34" charset="0"/>
+              <a:buChar char="•"/>
+              <a:defRPr sz="1800" kern="1200">
+                <a:solidFill>
+                  <a:schemeClr val="tx1"/>
+                </a:solidFill>
+                <a:latin typeface="+mn-lt"/>
+                <a:ea typeface="+mn-ea"/>
+                <a:cs typeface="+mn-cs"/>
+              </a:defRPr>
+            </a:lvl4pPr>
+            <a:lvl5pPr marL="2057400" indent="-228600" algn="l" defTabSz="914400" rtl="0" eaLnBrk="1" latinLnBrk="0" hangingPunct="1">
+              <a:lnSpc>
+                <a:spcPct val="90000"/>
+              </a:lnSpc>
+              <a:spcBef>
+                <a:spcPts val="500"/>
+              </a:spcBef>
+              <a:buFont typeface="Arial" panose="020B0604020202020204" pitchFamily="34" charset="0"/>
+              <a:buChar char="•"/>
+              <a:defRPr sz="1800" kern="1200">
+                <a:solidFill>
+                  <a:schemeClr val="tx1"/>
+                </a:solidFill>
+                <a:latin typeface="+mn-lt"/>
+                <a:ea typeface="+mn-ea"/>
+                <a:cs typeface="+mn-cs"/>
+              </a:defRPr>
+            </a:lvl5pPr>
+            <a:lvl6pPr marL="2514600" indent="-228600" algn="l" defTabSz="914400" rtl="0" eaLnBrk="1" latinLnBrk="0" hangingPunct="1">
+              <a:lnSpc>
+                <a:spcPct val="90000"/>
+              </a:lnSpc>
+              <a:spcBef>
+                <a:spcPts val="500"/>
+              </a:spcBef>
+              <a:buFont typeface="Arial" panose="020B0604020202020204" pitchFamily="34" charset="0"/>
+              <a:buChar char="•"/>
+              <a:defRPr sz="1800" kern="1200">
+                <a:solidFill>
+                  <a:schemeClr val="tx1"/>
+                </a:solidFill>
+                <a:latin typeface="+mn-lt"/>
+                <a:ea typeface="+mn-ea"/>
+                <a:cs typeface="+mn-cs"/>
+              </a:defRPr>
+            </a:lvl6pPr>
+            <a:lvl7pPr marL="2971800" indent="-228600" algn="l" defTabSz="914400" rtl="0" eaLnBrk="1" latinLnBrk="0" hangingPunct="1">
+              <a:lnSpc>
+                <a:spcPct val="90000"/>
+              </a:lnSpc>
+              <a:spcBef>
+                <a:spcPts val="500"/>
+              </a:spcBef>
+              <a:buFont typeface="Arial" panose="020B0604020202020204" pitchFamily="34" charset="0"/>
+              <a:buChar char="•"/>
+              <a:defRPr sz="1800" kern="1200">
+                <a:solidFill>
+                  <a:schemeClr val="tx1"/>
+                </a:solidFill>
+                <a:latin typeface="+mn-lt"/>
+                <a:ea typeface="+mn-ea"/>
+                <a:cs typeface="+mn-cs"/>
+              </a:defRPr>
+            </a:lvl7pPr>
+            <a:lvl8pPr marL="3429000" indent="-228600" algn="l" defTabSz="914400" rtl="0" eaLnBrk="1" latinLnBrk="0" hangingPunct="1">
+              <a:lnSpc>
+                <a:spcPct val="90000"/>
+              </a:lnSpc>
+              <a:spcBef>
+                <a:spcPts val="500"/>
+              </a:spcBef>
+              <a:buFont typeface="Arial" panose="020B0604020202020204" pitchFamily="34" charset="0"/>
+              <a:buChar char="•"/>
+              <a:defRPr sz="1800" kern="1200">
+                <a:solidFill>
+                  <a:schemeClr val="tx1"/>
+                </a:solidFill>
+                <a:latin typeface="+mn-lt"/>
+                <a:ea typeface="+mn-ea"/>
+                <a:cs typeface="+mn-cs"/>
+              </a:defRPr>
+            </a:lvl8pPr>
+            <a:lvl9pPr marL="3886200" indent="-228600" algn="l" defTabSz="914400" rtl="0" eaLnBrk="1" latinLnBrk="0" hangingPunct="1">
+              <a:lnSpc>
+                <a:spcPct val="90000"/>
+              </a:lnSpc>
+              <a:spcBef>
+                <a:spcPts val="500"/>
+              </a:spcBef>
+              <a:buFont typeface="Arial" panose="020B0604020202020204" pitchFamily="34" charset="0"/>
+              <a:buChar char="•"/>
+              <a:defRPr sz="1800" kern="1200">
+                <a:solidFill>
+                  <a:schemeClr val="tx1"/>
+                </a:solidFill>
+                <a:latin typeface="+mn-lt"/>
+                <a:ea typeface="+mn-ea"/>
+                <a:cs typeface="+mn-cs"/>
+              </a:defRPr>
+            </a:lvl9pPr>
+          </a:lstStyle>
+          <a:p>
+            <a:pPr marL="0" indent="0">
+              <a:buNone/>
+            </a:pPr>
+            <a:r>
+              <a:rPr lang="de-DE" sz="2000" b="1" noProof="0" dirty="0"/>
+              <a:t>Outdoor:</a:t>
+            </a:r>
+          </a:p>
+          <a:p>
+            <a:r>
+              <a:rPr lang="de-DE" sz="2000" noProof="0" dirty="0"/>
+              <a:t>Sichtweite</a:t>
+            </a:r>
+          </a:p>
+          <a:p>
+            <a:r>
+              <a:rPr lang="de-DE" sz="2000" noProof="0" dirty="0"/>
+              <a:t>Einstrahlungsenergie pro m</a:t>
+            </a:r>
+            <a:r>
+              <a:rPr lang="de-DE" sz="2000" baseline="30000" noProof="0" dirty="0"/>
+              <a:t>2</a:t>
+            </a:r>
+          </a:p>
+          <a:p>
+            <a:r>
+              <a:rPr lang="de-DE" sz="2000" noProof="0" dirty="0"/>
+              <a:t>kWh/m</a:t>
+            </a:r>
+            <a:r>
+              <a:rPr lang="de-DE" sz="2000" baseline="30000" noProof="0" dirty="0"/>
+              <a:t>2</a:t>
+            </a:r>
+            <a:r>
+              <a:rPr lang="de-DE" sz="2000" noProof="0" dirty="0"/>
+              <a:t> (Sonneneinstrahlung)</a:t>
+            </a:r>
+          </a:p>
+          <a:p>
+            <a:r>
+              <a:rPr lang="de-DE" sz="2000" noProof="0" dirty="0"/>
+              <a:t>Taupunkt</a:t>
+            </a:r>
+          </a:p>
+          <a:p>
+            <a:endParaRPr lang="de-DE" sz="2000" b="1" noProof="0" dirty="0"/>
+          </a:p>
+        </p:txBody>
+      </p:sp>
+    </p:spTree>
+    <p:extLst>
+      <p:ext uri="{BB962C8B-B14F-4D97-AF65-F5344CB8AC3E}">
+        <p14:creationId xmlns:p14="http://schemas.microsoft.com/office/powerpoint/2010/main" val="61744048"/>
+      </p:ext>
+    </p:extLst>
+  </p:cSld>
+  <p:clrMapOvr>
+    <a:masterClrMapping/>
+  </p:clrMapOvr>
+</p:sld>
+</file>
+
+<file path=ppt/slides/slide6.xml><?xml version="1.0" encoding="utf-8"?>
+<p:sld xmlns:a="http://schemas.openxmlformats.org/drawingml/2006/main" xmlns:r="http://schemas.openxmlformats.org/officeDocument/2006/relationships" xmlns:p="http://schemas.openxmlformats.org/presentationml/2006/main">
+  <p:cSld>
+    <p:spTree>
+      <p:nvGrpSpPr>
+        <p:cNvPr id="1" name=""/>
+        <p:cNvGrpSpPr/>
+        <p:nvPr/>
+      </p:nvGrpSpPr>
+      <p:grpSpPr>
+        <a:xfrm>
+          <a:off x="0" y="0"/>
+          <a:ext cx="0" cy="0"/>
+          <a:chOff x="0" y="0"/>
+          <a:chExt cx="0" cy="0"/>
+        </a:xfrm>
+      </p:grpSpPr>
+      <p:sp>
+        <p:nvSpPr>
           <p:cNvPr id="4" name="Rectangle 9">
             <a:extLst>
               <a:ext uri="{FF2B5EF4-FFF2-40B4-BE49-F238E27FC236}">
@@ -13518,7 +14704,7 @@
                   <a:srgbClr val="FFFFFF"/>
                 </a:solidFill>
               </a:rPr>
-              <a:t>Nice2Haves</a:t>
+              <a:t>Nice2Have</a:t>
             </a:r>
           </a:p>
         </p:txBody>
@@ -13791,7 +14977,7 @@
             </a:r>
             <a:r>
               <a:rPr lang="de-DE" sz="2000" noProof="0" dirty="0"/>
-              <a:t>ermöglicht Updates von 						Anwendungen, Diensten 						und Konfigurationen über 						das Mobilfunknetz – ohne 						physischen Kontakt, also 						</a:t>
+              <a:t>ermöglicht Updates von 						Anwendungen, Diensten 						und Konfigurationen über 						ein Funknetz – ohne 						physischen Kontakt, also 						</a:t>
             </a:r>
             <a:r>
               <a:rPr lang="de-DE" sz="2000" noProof="0" dirty="0" err="1"/>
@@ -14064,7 +15250,7 @@
             </a:pPr>
             <a:r>
               <a:rPr lang="de-DE" sz="2000" b="1" noProof="0" dirty="0"/>
-              <a:t>Nice Nice2Haves für Outdoor:</a:t>
+              <a:t>Second Outdoor Sensor:</a:t>
             </a:r>
           </a:p>
           <a:p>
@@ -14079,1255 +15265,6 @@
     <p:extLst>
       <p:ext uri="{BB962C8B-B14F-4D97-AF65-F5344CB8AC3E}">
         <p14:creationId xmlns:p14="http://schemas.microsoft.com/office/powerpoint/2010/main" val="2610884737"/>
-      </p:ext>
-    </p:extLst>
-  </p:cSld>
-  <p:clrMapOvr>
-    <a:masterClrMapping/>
-  </p:clrMapOvr>
-</p:sld>
-</file>
-
-<file path=ppt/slides/slide5.xml><?xml version="1.0" encoding="utf-8"?>
-<p:sld xmlns:a="http://schemas.openxmlformats.org/drawingml/2006/main" xmlns:r="http://schemas.openxmlformats.org/officeDocument/2006/relationships" xmlns:p="http://schemas.openxmlformats.org/presentationml/2006/main">
-  <p:cSld>
-    <p:spTree>
-      <p:nvGrpSpPr>
-        <p:cNvPr id="1" name=""/>
-        <p:cNvGrpSpPr/>
-        <p:nvPr/>
-      </p:nvGrpSpPr>
-      <p:grpSpPr>
-        <a:xfrm>
-          <a:off x="0" y="0"/>
-          <a:ext cx="0" cy="0"/>
-          <a:chOff x="0" y="0"/>
-          <a:chExt cx="0" cy="0"/>
-        </a:xfrm>
-      </p:grpSpPr>
-      <p:sp>
-        <p:nvSpPr>
-          <p:cNvPr id="2" name="Rectangle 9">
-            <a:extLst>
-              <a:ext uri="{FF2B5EF4-FFF2-40B4-BE49-F238E27FC236}">
-                <a16:creationId xmlns:a16="http://schemas.microsoft.com/office/drawing/2014/main" id="{527A7A93-C50F-D2B7-8F44-B39B2F161A37}"/>
-              </a:ext>
-              <a:ext uri="{C183D7F6-B498-43B3-948B-1728B52AA6E4}">
-                <adec:decorative xmlns:adec="http://schemas.microsoft.com/office/drawing/2017/decorative" val="1"/>
-              </a:ext>
-            </a:extLst>
-          </p:cNvPr>
-          <p:cNvSpPr/>
-          <p:nvPr>
-            <p:extLst>
-              <p:ext uri="{386F3935-93C4-4BCD-93E2-E3B085C9AB24}">
-                <p16:designElem xmlns:p16="http://schemas.microsoft.com/office/powerpoint/2015/main" val="1"/>
-              </p:ext>
-            </p:extLst>
-          </p:nvPr>
-        </p:nvSpPr>
-        <p:spPr>
-          <a:xfrm>
-            <a:off x="0" y="0"/>
-            <a:ext cx="3489218" cy="6858000"/>
-          </a:xfrm>
-          <a:prstGeom prst="rect">
-            <a:avLst/>
-          </a:prstGeom>
-          <a:solidFill>
-            <a:srgbClr val="404040"/>
-          </a:solidFill>
-          <a:ln>
-            <a:noFill/>
-          </a:ln>
-        </p:spPr>
-        <p:style>
-          <a:lnRef idx="2">
-            <a:schemeClr val="accent1">
-              <a:shade val="50000"/>
-            </a:schemeClr>
-          </a:lnRef>
-          <a:fillRef idx="1">
-            <a:schemeClr val="accent1"/>
-          </a:fillRef>
-          <a:effectRef idx="0">
-            <a:schemeClr val="accent1"/>
-          </a:effectRef>
-          <a:fontRef idx="minor">
-            <a:schemeClr val="lt1"/>
-          </a:fontRef>
-        </p:style>
-        <p:txBody>
-          <a:bodyPr rtlCol="0" anchor="ctr"/>
-          <a:lstStyle/>
-          <a:p>
-            <a:pPr marL="0" marR="0" lvl="0" indent="0" algn="ctr" defTabSz="914400" rtl="0" eaLnBrk="1" fontAlgn="auto" latinLnBrk="0" hangingPunct="1">
-              <a:lnSpc>
-                <a:spcPct val="100000"/>
-              </a:lnSpc>
-              <a:spcBef>
-                <a:spcPts val="0"/>
-              </a:spcBef>
-              <a:spcAft>
-                <a:spcPts val="0"/>
-              </a:spcAft>
-              <a:buClrTx/>
-              <a:buSzTx/>
-              <a:buFontTx/>
-              <a:buNone/>
-              <a:tabLst/>
-              <a:defRPr/>
-            </a:pPr>
-            <a:endParaRPr kumimoji="0" lang="de-DE" sz="1800" b="0" i="0" u="none" strike="noStrike" kern="1200" cap="none" spc="0" normalizeH="0" baseline="0" noProof="0" dirty="0">
-              <a:ln>
-                <a:noFill/>
-              </a:ln>
-              <a:solidFill>
-                <a:prstClr val="white"/>
-              </a:solidFill>
-              <a:effectLst/>
-              <a:uLnTx/>
-              <a:uFillTx/>
-              <a:latin typeface="Calibri" panose="020F0502020204030204"/>
-              <a:ea typeface="+mn-ea"/>
-              <a:cs typeface="+mn-cs"/>
-            </a:endParaRPr>
-          </a:p>
-        </p:txBody>
-      </p:sp>
-      <p:sp>
-        <p:nvSpPr>
-          <p:cNvPr id="3" name="Titel 3">
-            <a:extLst>
-              <a:ext uri="{FF2B5EF4-FFF2-40B4-BE49-F238E27FC236}">
-                <a16:creationId xmlns:a16="http://schemas.microsoft.com/office/drawing/2014/main" id="{CB3DD32B-773B-3004-D4A9-9A74FD8EB78C}"/>
-              </a:ext>
-            </a:extLst>
-          </p:cNvPr>
-          <p:cNvSpPr txBox="1">
-            <a:spLocks/>
-          </p:cNvSpPr>
-          <p:nvPr/>
-        </p:nvSpPr>
-        <p:spPr>
-          <a:xfrm>
-            <a:off x="0" y="1412488"/>
-            <a:ext cx="3489218" cy="4363844"/>
-          </a:xfrm>
-          <a:prstGeom prst="rect">
-            <a:avLst/>
-          </a:prstGeom>
-        </p:spPr>
-        <p:txBody>
-          <a:bodyPr anchor="t">
-            <a:normAutofit/>
-          </a:bodyPr>
-          <a:lstStyle>
-            <a:lvl1pPr algn="l" defTabSz="914400" rtl="0" eaLnBrk="1" latinLnBrk="0" hangingPunct="1">
-              <a:lnSpc>
-                <a:spcPct val="90000"/>
-              </a:lnSpc>
-              <a:spcBef>
-                <a:spcPct val="0"/>
-              </a:spcBef>
-              <a:buNone/>
-              <a:defRPr sz="4400" kern="1200">
-                <a:solidFill>
-                  <a:schemeClr val="tx1"/>
-                </a:solidFill>
-                <a:latin typeface="+mj-lt"/>
-                <a:ea typeface="+mj-ea"/>
-                <a:cs typeface="+mj-cs"/>
-              </a:defRPr>
-            </a:lvl1pPr>
-          </a:lstStyle>
-          <a:p>
-            <a:pPr algn="ctr"/>
-            <a:r>
-              <a:rPr lang="de-DE" sz="4000" b="1" noProof="0" dirty="0">
-                <a:solidFill>
-                  <a:srgbClr val="FFFFFF"/>
-                </a:solidFill>
-              </a:rPr>
-              <a:t>Nice2Haves</a:t>
-            </a:r>
-          </a:p>
-        </p:txBody>
-      </p:sp>
-      <p:cxnSp>
-        <p:nvCxnSpPr>
-          <p:cNvPr id="4" name="Straight Connector 11">
-            <a:extLst>
-              <a:ext uri="{FF2B5EF4-FFF2-40B4-BE49-F238E27FC236}">
-                <a16:creationId xmlns:a16="http://schemas.microsoft.com/office/drawing/2014/main" id="{18E2F1B2-E1F9-A7B3-24D9-9A28C89170B8}"/>
-              </a:ext>
-              <a:ext uri="{C183D7F6-B498-43B3-948B-1728B52AA6E4}">
-                <adec:decorative xmlns:adec="http://schemas.microsoft.com/office/drawing/2017/decorative" val="1"/>
-              </a:ext>
-            </a:extLst>
-          </p:cNvPr>
-          <p:cNvCxnSpPr>
-            <a:cxnSpLocks/>
-          </p:cNvCxnSpPr>
-          <p:nvPr>
-            <p:extLst>
-              <p:ext uri="{386F3935-93C4-4BCD-93E2-E3B085C9AB24}">
-                <p16:designElem xmlns:p16="http://schemas.microsoft.com/office/powerpoint/2015/main" val="1"/>
-              </p:ext>
-            </p:extLst>
-          </p:nvPr>
-        </p:nvCxnSpPr>
-        <p:spPr>
-          <a:xfrm flipH="1">
-            <a:off x="7696200" y="7726680"/>
-            <a:ext cx="1889760" cy="0"/>
-          </a:xfrm>
-          <a:prstGeom prst="line">
-            <a:avLst/>
-          </a:prstGeom>
-          <a:ln w="12700">
-            <a:solidFill>
-              <a:schemeClr val="tx1">
-                <a:lumMod val="50000"/>
-                <a:lumOff val="50000"/>
-              </a:schemeClr>
-            </a:solidFill>
-          </a:ln>
-        </p:spPr>
-        <p:style>
-          <a:lnRef idx="1">
-            <a:schemeClr val="accent1"/>
-          </a:lnRef>
-          <a:fillRef idx="0">
-            <a:schemeClr val="accent1"/>
-          </a:fillRef>
-          <a:effectRef idx="0">
-            <a:schemeClr val="accent1"/>
-          </a:effectRef>
-          <a:fontRef idx="minor">
-            <a:schemeClr val="tx1"/>
-          </a:fontRef>
-        </p:style>
-      </p:cxnSp>
-      <p:sp>
-        <p:nvSpPr>
-          <p:cNvPr id="7" name="Inhaltsplatzhalter 2">
-            <a:extLst>
-              <a:ext uri="{FF2B5EF4-FFF2-40B4-BE49-F238E27FC236}">
-                <a16:creationId xmlns:a16="http://schemas.microsoft.com/office/drawing/2014/main" id="{5F99C5C3-2029-E437-CEFD-37DF65AE1C22}"/>
-              </a:ext>
-            </a:extLst>
-          </p:cNvPr>
-          <p:cNvSpPr txBox="1">
-            <a:spLocks/>
-          </p:cNvSpPr>
-          <p:nvPr/>
-        </p:nvSpPr>
-        <p:spPr>
-          <a:xfrm>
-            <a:off x="3804178" y="728345"/>
-            <a:ext cx="8387080" cy="2116455"/>
-          </a:xfrm>
-          <a:prstGeom prst="rect">
-            <a:avLst/>
-          </a:prstGeom>
-        </p:spPr>
-        <p:txBody>
-          <a:bodyPr vert="horz" lIns="91440" tIns="45720" rIns="91440" bIns="45720" rtlCol="0">
-            <a:normAutofit/>
-          </a:bodyPr>
-          <a:lstStyle>
-            <a:lvl1pPr marL="228600" indent="-228600" algn="l" defTabSz="914400" rtl="0" eaLnBrk="1" latinLnBrk="0" hangingPunct="1">
-              <a:lnSpc>
-                <a:spcPct val="90000"/>
-              </a:lnSpc>
-              <a:spcBef>
-                <a:spcPts val="1000"/>
-              </a:spcBef>
-              <a:buFont typeface="Arial" panose="020B0604020202020204" pitchFamily="34" charset="0"/>
-              <a:buChar char="•"/>
-              <a:defRPr sz="2800" kern="1200">
-                <a:solidFill>
-                  <a:schemeClr val="tx1"/>
-                </a:solidFill>
-                <a:latin typeface="+mn-lt"/>
-                <a:ea typeface="+mn-ea"/>
-                <a:cs typeface="+mn-cs"/>
-              </a:defRPr>
-            </a:lvl1pPr>
-            <a:lvl2pPr marL="685800" indent="-228600" algn="l" defTabSz="914400" rtl="0" eaLnBrk="1" latinLnBrk="0" hangingPunct="1">
-              <a:lnSpc>
-                <a:spcPct val="90000"/>
-              </a:lnSpc>
-              <a:spcBef>
-                <a:spcPts val="500"/>
-              </a:spcBef>
-              <a:buFont typeface="Arial" panose="020B0604020202020204" pitchFamily="34" charset="0"/>
-              <a:buChar char="•"/>
-              <a:defRPr sz="2400" kern="1200">
-                <a:solidFill>
-                  <a:schemeClr val="tx1"/>
-                </a:solidFill>
-                <a:latin typeface="+mn-lt"/>
-                <a:ea typeface="+mn-ea"/>
-                <a:cs typeface="+mn-cs"/>
-              </a:defRPr>
-            </a:lvl2pPr>
-            <a:lvl3pPr marL="1143000" indent="-228600" algn="l" defTabSz="914400" rtl="0" eaLnBrk="1" latinLnBrk="0" hangingPunct="1">
-              <a:lnSpc>
-                <a:spcPct val="90000"/>
-              </a:lnSpc>
-              <a:spcBef>
-                <a:spcPts val="500"/>
-              </a:spcBef>
-              <a:buFont typeface="Arial" panose="020B0604020202020204" pitchFamily="34" charset="0"/>
-              <a:buChar char="•"/>
-              <a:defRPr sz="2000" kern="1200">
-                <a:solidFill>
-                  <a:schemeClr val="tx1"/>
-                </a:solidFill>
-                <a:latin typeface="+mn-lt"/>
-                <a:ea typeface="+mn-ea"/>
-                <a:cs typeface="+mn-cs"/>
-              </a:defRPr>
-            </a:lvl3pPr>
-            <a:lvl4pPr marL="1600200" indent="-228600" algn="l" defTabSz="914400" rtl="0" eaLnBrk="1" latinLnBrk="0" hangingPunct="1">
-              <a:lnSpc>
-                <a:spcPct val="90000"/>
-              </a:lnSpc>
-              <a:spcBef>
-                <a:spcPts val="500"/>
-              </a:spcBef>
-              <a:buFont typeface="Arial" panose="020B0604020202020204" pitchFamily="34" charset="0"/>
-              <a:buChar char="•"/>
-              <a:defRPr sz="1800" kern="1200">
-                <a:solidFill>
-                  <a:schemeClr val="tx1"/>
-                </a:solidFill>
-                <a:latin typeface="+mn-lt"/>
-                <a:ea typeface="+mn-ea"/>
-                <a:cs typeface="+mn-cs"/>
-              </a:defRPr>
-            </a:lvl4pPr>
-            <a:lvl5pPr marL="2057400" indent="-228600" algn="l" defTabSz="914400" rtl="0" eaLnBrk="1" latinLnBrk="0" hangingPunct="1">
-              <a:lnSpc>
-                <a:spcPct val="90000"/>
-              </a:lnSpc>
-              <a:spcBef>
-                <a:spcPts val="500"/>
-              </a:spcBef>
-              <a:buFont typeface="Arial" panose="020B0604020202020204" pitchFamily="34" charset="0"/>
-              <a:buChar char="•"/>
-              <a:defRPr sz="1800" kern="1200">
-                <a:solidFill>
-                  <a:schemeClr val="tx1"/>
-                </a:solidFill>
-                <a:latin typeface="+mn-lt"/>
-                <a:ea typeface="+mn-ea"/>
-                <a:cs typeface="+mn-cs"/>
-              </a:defRPr>
-            </a:lvl5pPr>
-            <a:lvl6pPr marL="2514600" indent="-228600" algn="l" defTabSz="914400" rtl="0" eaLnBrk="1" latinLnBrk="0" hangingPunct="1">
-              <a:lnSpc>
-                <a:spcPct val="90000"/>
-              </a:lnSpc>
-              <a:spcBef>
-                <a:spcPts val="500"/>
-              </a:spcBef>
-              <a:buFont typeface="Arial" panose="020B0604020202020204" pitchFamily="34" charset="0"/>
-              <a:buChar char="•"/>
-              <a:defRPr sz="1800" kern="1200">
-                <a:solidFill>
-                  <a:schemeClr val="tx1"/>
-                </a:solidFill>
-                <a:latin typeface="+mn-lt"/>
-                <a:ea typeface="+mn-ea"/>
-                <a:cs typeface="+mn-cs"/>
-              </a:defRPr>
-            </a:lvl6pPr>
-            <a:lvl7pPr marL="2971800" indent="-228600" algn="l" defTabSz="914400" rtl="0" eaLnBrk="1" latinLnBrk="0" hangingPunct="1">
-              <a:lnSpc>
-                <a:spcPct val="90000"/>
-              </a:lnSpc>
-              <a:spcBef>
-                <a:spcPts val="500"/>
-              </a:spcBef>
-              <a:buFont typeface="Arial" panose="020B0604020202020204" pitchFamily="34" charset="0"/>
-              <a:buChar char="•"/>
-              <a:defRPr sz="1800" kern="1200">
-                <a:solidFill>
-                  <a:schemeClr val="tx1"/>
-                </a:solidFill>
-                <a:latin typeface="+mn-lt"/>
-                <a:ea typeface="+mn-ea"/>
-                <a:cs typeface="+mn-cs"/>
-              </a:defRPr>
-            </a:lvl7pPr>
-            <a:lvl8pPr marL="3429000" indent="-228600" algn="l" defTabSz="914400" rtl="0" eaLnBrk="1" latinLnBrk="0" hangingPunct="1">
-              <a:lnSpc>
-                <a:spcPct val="90000"/>
-              </a:lnSpc>
-              <a:spcBef>
-                <a:spcPts val="500"/>
-              </a:spcBef>
-              <a:buFont typeface="Arial" panose="020B0604020202020204" pitchFamily="34" charset="0"/>
-              <a:buChar char="•"/>
-              <a:defRPr sz="1800" kern="1200">
-                <a:solidFill>
-                  <a:schemeClr val="tx1"/>
-                </a:solidFill>
-                <a:latin typeface="+mn-lt"/>
-                <a:ea typeface="+mn-ea"/>
-                <a:cs typeface="+mn-cs"/>
-              </a:defRPr>
-            </a:lvl8pPr>
-            <a:lvl9pPr marL="3886200" indent="-228600" algn="l" defTabSz="914400" rtl="0" eaLnBrk="1" latinLnBrk="0" hangingPunct="1">
-              <a:lnSpc>
-                <a:spcPct val="90000"/>
-              </a:lnSpc>
-              <a:spcBef>
-                <a:spcPts val="500"/>
-              </a:spcBef>
-              <a:buFont typeface="Arial" panose="020B0604020202020204" pitchFamily="34" charset="0"/>
-              <a:buChar char="•"/>
-              <a:defRPr sz="1800" kern="1200">
-                <a:solidFill>
-                  <a:schemeClr val="tx1"/>
-                </a:solidFill>
-                <a:latin typeface="+mn-lt"/>
-                <a:ea typeface="+mn-ea"/>
-                <a:cs typeface="+mn-cs"/>
-              </a:defRPr>
-            </a:lvl9pPr>
-          </a:lstStyle>
-          <a:p>
-            <a:pPr marL="0" indent="0">
-              <a:buNone/>
-            </a:pPr>
-            <a:r>
-              <a:rPr lang="de-DE" sz="1900" b="1" dirty="0"/>
-              <a:t>Outdoor:</a:t>
-            </a:r>
-          </a:p>
-          <a:p>
-            <a:r>
-              <a:rPr lang="de-DE" sz="1900" dirty="0">
-                <a:sym typeface="Wingdings" panose="05000000000000000000" pitchFamily="2" charset="2"/>
-              </a:rPr>
-              <a:t>Luftpartikelsensor</a:t>
-            </a:r>
-          </a:p>
-          <a:p>
-            <a:r>
-              <a:rPr lang="de-DE" sz="1900" dirty="0">
-                <a:sym typeface="Wingdings" panose="05000000000000000000" pitchFamily="2" charset="2"/>
-              </a:rPr>
-              <a:t>Sonnenlichtabhängige Sensoren</a:t>
-            </a:r>
-          </a:p>
-          <a:p>
-            <a:r>
-              <a:rPr lang="de-DE" sz="1900" dirty="0">
-                <a:sym typeface="Wingdings" panose="05000000000000000000" pitchFamily="2" charset="2"/>
-              </a:rPr>
-              <a:t>Windmessung über Ultraschall</a:t>
-            </a:r>
-          </a:p>
-          <a:p>
-            <a:r>
-              <a:rPr lang="de-DE" sz="1800" noProof="0"/>
-              <a:t>Gefühlte Temperatur</a:t>
-            </a:r>
-            <a:endParaRPr lang="de-DE" sz="1900" dirty="0">
-              <a:sym typeface="Wingdings" panose="05000000000000000000" pitchFamily="2" charset="2"/>
-            </a:endParaRPr>
-          </a:p>
-          <a:p>
-            <a:endParaRPr lang="de-DE" dirty="0">
-              <a:sym typeface="Wingdings" panose="05000000000000000000" pitchFamily="2" charset="2"/>
-            </a:endParaRPr>
-          </a:p>
-          <a:p>
-            <a:endParaRPr lang="de-DE" dirty="0"/>
-          </a:p>
-          <a:p>
-            <a:endParaRPr lang="de-DE" dirty="0"/>
-          </a:p>
-        </p:txBody>
-      </p:sp>
-      <p:sp>
-        <p:nvSpPr>
-          <p:cNvPr id="8" name="Inhaltsplatzhalter 2">
-            <a:extLst>
-              <a:ext uri="{FF2B5EF4-FFF2-40B4-BE49-F238E27FC236}">
-                <a16:creationId xmlns:a16="http://schemas.microsoft.com/office/drawing/2014/main" id="{2CEB745C-8AD7-31A0-A4CC-BA83E78A166A}"/>
-              </a:ext>
-            </a:extLst>
-          </p:cNvPr>
-          <p:cNvSpPr txBox="1">
-            <a:spLocks/>
-          </p:cNvSpPr>
-          <p:nvPr/>
-        </p:nvSpPr>
-        <p:spPr>
-          <a:xfrm>
-            <a:off x="3804178" y="3525521"/>
-            <a:ext cx="10515600" cy="1009015"/>
-          </a:xfrm>
-          <a:prstGeom prst="rect">
-            <a:avLst/>
-          </a:prstGeom>
-        </p:spPr>
-        <p:txBody>
-          <a:bodyPr>
-            <a:normAutofit fontScale="70000" lnSpcReduction="20000"/>
-          </a:bodyPr>
-          <a:lstStyle>
-            <a:lvl1pPr marL="228600" indent="-228600" algn="l" defTabSz="914400" rtl="0" eaLnBrk="1" latinLnBrk="0" hangingPunct="1">
-              <a:lnSpc>
-                <a:spcPct val="90000"/>
-              </a:lnSpc>
-              <a:spcBef>
-                <a:spcPts val="1000"/>
-              </a:spcBef>
-              <a:buFont typeface="Arial" panose="020B0604020202020204" pitchFamily="34" charset="0"/>
-              <a:buChar char="•"/>
-              <a:defRPr sz="2800" kern="1200">
-                <a:solidFill>
-                  <a:schemeClr val="tx1"/>
-                </a:solidFill>
-                <a:latin typeface="+mn-lt"/>
-                <a:ea typeface="+mn-ea"/>
-                <a:cs typeface="+mn-cs"/>
-              </a:defRPr>
-            </a:lvl1pPr>
-            <a:lvl2pPr marL="685800" indent="-228600" algn="l" defTabSz="914400" rtl="0" eaLnBrk="1" latinLnBrk="0" hangingPunct="1">
-              <a:lnSpc>
-                <a:spcPct val="90000"/>
-              </a:lnSpc>
-              <a:spcBef>
-                <a:spcPts val="500"/>
-              </a:spcBef>
-              <a:buFont typeface="Arial" panose="020B0604020202020204" pitchFamily="34" charset="0"/>
-              <a:buChar char="•"/>
-              <a:defRPr sz="2400" kern="1200">
-                <a:solidFill>
-                  <a:schemeClr val="tx1"/>
-                </a:solidFill>
-                <a:latin typeface="+mn-lt"/>
-                <a:ea typeface="+mn-ea"/>
-                <a:cs typeface="+mn-cs"/>
-              </a:defRPr>
-            </a:lvl2pPr>
-            <a:lvl3pPr marL="1143000" indent="-228600" algn="l" defTabSz="914400" rtl="0" eaLnBrk="1" latinLnBrk="0" hangingPunct="1">
-              <a:lnSpc>
-                <a:spcPct val="90000"/>
-              </a:lnSpc>
-              <a:spcBef>
-                <a:spcPts val="500"/>
-              </a:spcBef>
-              <a:buFont typeface="Arial" panose="020B0604020202020204" pitchFamily="34" charset="0"/>
-              <a:buChar char="•"/>
-              <a:defRPr sz="2000" kern="1200">
-                <a:solidFill>
-                  <a:schemeClr val="tx1"/>
-                </a:solidFill>
-                <a:latin typeface="+mn-lt"/>
-                <a:ea typeface="+mn-ea"/>
-                <a:cs typeface="+mn-cs"/>
-              </a:defRPr>
-            </a:lvl3pPr>
-            <a:lvl4pPr marL="1600200" indent="-228600" algn="l" defTabSz="914400" rtl="0" eaLnBrk="1" latinLnBrk="0" hangingPunct="1">
-              <a:lnSpc>
-                <a:spcPct val="90000"/>
-              </a:lnSpc>
-              <a:spcBef>
-                <a:spcPts val="500"/>
-              </a:spcBef>
-              <a:buFont typeface="Arial" panose="020B0604020202020204" pitchFamily="34" charset="0"/>
-              <a:buChar char="•"/>
-              <a:defRPr sz="1800" kern="1200">
-                <a:solidFill>
-                  <a:schemeClr val="tx1"/>
-                </a:solidFill>
-                <a:latin typeface="+mn-lt"/>
-                <a:ea typeface="+mn-ea"/>
-                <a:cs typeface="+mn-cs"/>
-              </a:defRPr>
-            </a:lvl4pPr>
-            <a:lvl5pPr marL="2057400" indent="-228600" algn="l" defTabSz="914400" rtl="0" eaLnBrk="1" latinLnBrk="0" hangingPunct="1">
-              <a:lnSpc>
-                <a:spcPct val="90000"/>
-              </a:lnSpc>
-              <a:spcBef>
-                <a:spcPts val="500"/>
-              </a:spcBef>
-              <a:buFont typeface="Arial" panose="020B0604020202020204" pitchFamily="34" charset="0"/>
-              <a:buChar char="•"/>
-              <a:defRPr sz="1800" kern="1200">
-                <a:solidFill>
-                  <a:schemeClr val="tx1"/>
-                </a:solidFill>
-                <a:latin typeface="+mn-lt"/>
-                <a:ea typeface="+mn-ea"/>
-                <a:cs typeface="+mn-cs"/>
-              </a:defRPr>
-            </a:lvl5pPr>
-            <a:lvl6pPr marL="2514600" indent="-228600" algn="l" defTabSz="914400" rtl="0" eaLnBrk="1" latinLnBrk="0" hangingPunct="1">
-              <a:lnSpc>
-                <a:spcPct val="90000"/>
-              </a:lnSpc>
-              <a:spcBef>
-                <a:spcPts val="500"/>
-              </a:spcBef>
-              <a:buFont typeface="Arial" panose="020B0604020202020204" pitchFamily="34" charset="0"/>
-              <a:buChar char="•"/>
-              <a:defRPr sz="1800" kern="1200">
-                <a:solidFill>
-                  <a:schemeClr val="tx1"/>
-                </a:solidFill>
-                <a:latin typeface="+mn-lt"/>
-                <a:ea typeface="+mn-ea"/>
-                <a:cs typeface="+mn-cs"/>
-              </a:defRPr>
-            </a:lvl6pPr>
-            <a:lvl7pPr marL="2971800" indent="-228600" algn="l" defTabSz="914400" rtl="0" eaLnBrk="1" latinLnBrk="0" hangingPunct="1">
-              <a:lnSpc>
-                <a:spcPct val="90000"/>
-              </a:lnSpc>
-              <a:spcBef>
-                <a:spcPts val="500"/>
-              </a:spcBef>
-              <a:buFont typeface="Arial" panose="020B0604020202020204" pitchFamily="34" charset="0"/>
-              <a:buChar char="•"/>
-              <a:defRPr sz="1800" kern="1200">
-                <a:solidFill>
-                  <a:schemeClr val="tx1"/>
-                </a:solidFill>
-                <a:latin typeface="+mn-lt"/>
-                <a:ea typeface="+mn-ea"/>
-                <a:cs typeface="+mn-cs"/>
-              </a:defRPr>
-            </a:lvl7pPr>
-            <a:lvl8pPr marL="3429000" indent="-228600" algn="l" defTabSz="914400" rtl="0" eaLnBrk="1" latinLnBrk="0" hangingPunct="1">
-              <a:lnSpc>
-                <a:spcPct val="90000"/>
-              </a:lnSpc>
-              <a:spcBef>
-                <a:spcPts val="500"/>
-              </a:spcBef>
-              <a:buFont typeface="Arial" panose="020B0604020202020204" pitchFamily="34" charset="0"/>
-              <a:buChar char="•"/>
-              <a:defRPr sz="1800" kern="1200">
-                <a:solidFill>
-                  <a:schemeClr val="tx1"/>
-                </a:solidFill>
-                <a:latin typeface="+mn-lt"/>
-                <a:ea typeface="+mn-ea"/>
-                <a:cs typeface="+mn-cs"/>
-              </a:defRPr>
-            </a:lvl8pPr>
-            <a:lvl9pPr marL="3886200" indent="-228600" algn="l" defTabSz="914400" rtl="0" eaLnBrk="1" latinLnBrk="0" hangingPunct="1">
-              <a:lnSpc>
-                <a:spcPct val="90000"/>
-              </a:lnSpc>
-              <a:spcBef>
-                <a:spcPts val="500"/>
-              </a:spcBef>
-              <a:buFont typeface="Arial" panose="020B0604020202020204" pitchFamily="34" charset="0"/>
-              <a:buChar char="•"/>
-              <a:defRPr sz="1800" kern="1200">
-                <a:solidFill>
-                  <a:schemeClr val="tx1"/>
-                </a:solidFill>
-                <a:latin typeface="+mn-lt"/>
-                <a:ea typeface="+mn-ea"/>
-                <a:cs typeface="+mn-cs"/>
-              </a:defRPr>
-            </a:lvl9pPr>
-          </a:lstStyle>
-          <a:p>
-            <a:pPr marL="0" indent="0">
-              <a:buNone/>
-            </a:pPr>
-            <a:r>
-              <a:rPr lang="de-DE" sz="2700" b="1" dirty="0"/>
-              <a:t>Indoor:</a:t>
-            </a:r>
-          </a:p>
-          <a:p>
-            <a:r>
-              <a:rPr lang="de-DE" sz="2700" dirty="0"/>
-              <a:t>WS2812 (</a:t>
-            </a:r>
-            <a:r>
-              <a:rPr lang="de-DE" sz="2700" dirty="0" err="1"/>
-              <a:t>Wled</a:t>
-            </a:r>
-            <a:r>
-              <a:rPr lang="de-DE" sz="2700" dirty="0"/>
-              <a:t>)	</a:t>
-            </a:r>
-            <a:r>
-              <a:rPr lang="de-DE" sz="2700" dirty="0">
-                <a:sym typeface="Wingdings" panose="05000000000000000000" pitchFamily="2" charset="2"/>
-              </a:rPr>
-              <a:t> </a:t>
-            </a:r>
-            <a:r>
-              <a:rPr lang="de-DE" sz="2700" dirty="0" err="1">
-                <a:sym typeface="Wingdings" panose="05000000000000000000" pitchFamily="2" charset="2"/>
-              </a:rPr>
-              <a:t>visiulasierung</a:t>
-            </a:r>
-            <a:r>
-              <a:rPr lang="de-DE" sz="2700" dirty="0">
-                <a:sym typeface="Wingdings" panose="05000000000000000000" pitchFamily="2" charset="2"/>
-              </a:rPr>
-              <a:t> von ideal </a:t>
-            </a:r>
-            <a:r>
-              <a:rPr lang="de-DE" sz="2700" dirty="0" err="1">
-                <a:sym typeface="Wingdings" panose="05000000000000000000" pitchFamily="2" charset="2"/>
-              </a:rPr>
-              <a:t>status</a:t>
-            </a:r>
-            <a:endParaRPr lang="de-DE" sz="2700" dirty="0">
-              <a:sym typeface="Wingdings" panose="05000000000000000000" pitchFamily="2" charset="2"/>
-            </a:endParaRPr>
-          </a:p>
-          <a:p>
-            <a:r>
-              <a:rPr lang="de-DE" sz="2700" dirty="0">
-                <a:sym typeface="Wingdings" panose="05000000000000000000" pitchFamily="2" charset="2"/>
-              </a:rPr>
-              <a:t>Luftpartikel</a:t>
-            </a:r>
-          </a:p>
-          <a:p>
-            <a:endParaRPr lang="de-DE" dirty="0">
-              <a:sym typeface="Wingdings" panose="05000000000000000000" pitchFamily="2" charset="2"/>
-            </a:endParaRPr>
-          </a:p>
-          <a:p>
-            <a:endParaRPr lang="de-DE" dirty="0"/>
-          </a:p>
-          <a:p>
-            <a:endParaRPr lang="de-DE" dirty="0"/>
-          </a:p>
-        </p:txBody>
-      </p:sp>
-    </p:spTree>
-    <p:extLst>
-      <p:ext uri="{BB962C8B-B14F-4D97-AF65-F5344CB8AC3E}">
-        <p14:creationId xmlns:p14="http://schemas.microsoft.com/office/powerpoint/2010/main" val="2958476914"/>
-      </p:ext>
-    </p:extLst>
-  </p:cSld>
-  <p:clrMapOvr>
-    <a:masterClrMapping/>
-  </p:clrMapOvr>
-</p:sld>
-</file>
-
-<file path=ppt/slides/slide6.xml><?xml version="1.0" encoding="utf-8"?>
-<p:sld xmlns:a="http://schemas.openxmlformats.org/drawingml/2006/main" xmlns:r="http://schemas.openxmlformats.org/officeDocument/2006/relationships" xmlns:p="http://schemas.openxmlformats.org/presentationml/2006/main">
-  <p:cSld>
-    <p:spTree>
-      <p:nvGrpSpPr>
-        <p:cNvPr id="1" name=""/>
-        <p:cNvGrpSpPr/>
-        <p:nvPr/>
-      </p:nvGrpSpPr>
-      <p:grpSpPr>
-        <a:xfrm>
-          <a:off x="0" y="0"/>
-          <a:ext cx="0" cy="0"/>
-          <a:chOff x="0" y="0"/>
-          <a:chExt cx="0" cy="0"/>
-        </a:xfrm>
-      </p:grpSpPr>
-      <p:sp>
-        <p:nvSpPr>
-          <p:cNvPr id="15" name="Rectangle 9">
-            <a:extLst>
-              <a:ext uri="{FF2B5EF4-FFF2-40B4-BE49-F238E27FC236}">
-                <a16:creationId xmlns:a16="http://schemas.microsoft.com/office/drawing/2014/main" id="{7A31EF79-59DA-D68A-A542-0252D688B018}"/>
-              </a:ext>
-              <a:ext uri="{C183D7F6-B498-43B3-948B-1728B52AA6E4}">
-                <adec:decorative xmlns:adec="http://schemas.microsoft.com/office/drawing/2017/decorative" val="1"/>
-              </a:ext>
-            </a:extLst>
-          </p:cNvPr>
-          <p:cNvSpPr/>
-          <p:nvPr>
-            <p:extLst>
-              <p:ext uri="{386F3935-93C4-4BCD-93E2-E3B085C9AB24}">
-                <p16:designElem xmlns:p16="http://schemas.microsoft.com/office/powerpoint/2015/main" val="1"/>
-              </p:ext>
-            </p:extLst>
-          </p:nvPr>
-        </p:nvSpPr>
-        <p:spPr>
-          <a:xfrm>
-            <a:off x="0" y="0"/>
-            <a:ext cx="4059050" cy="6858000"/>
-          </a:xfrm>
-          <a:prstGeom prst="rect">
-            <a:avLst/>
-          </a:prstGeom>
-          <a:solidFill>
-            <a:srgbClr val="404040"/>
-          </a:solidFill>
-          <a:ln>
-            <a:noFill/>
-          </a:ln>
-        </p:spPr>
-        <p:style>
-          <a:lnRef idx="2">
-            <a:schemeClr val="accent1">
-              <a:shade val="50000"/>
-            </a:schemeClr>
-          </a:lnRef>
-          <a:fillRef idx="1">
-            <a:schemeClr val="accent1"/>
-          </a:fillRef>
-          <a:effectRef idx="0">
-            <a:schemeClr val="accent1"/>
-          </a:effectRef>
-          <a:fontRef idx="minor">
-            <a:schemeClr val="lt1"/>
-          </a:fontRef>
-        </p:style>
-        <p:txBody>
-          <a:bodyPr rtlCol="0" anchor="ctr"/>
-          <a:lstStyle/>
-          <a:p>
-            <a:pPr marL="0" marR="0" lvl="0" indent="0" algn="ctr" defTabSz="914400" rtl="0" eaLnBrk="1" fontAlgn="auto" latinLnBrk="0" hangingPunct="1">
-              <a:lnSpc>
-                <a:spcPct val="100000"/>
-              </a:lnSpc>
-              <a:spcBef>
-                <a:spcPts val="0"/>
-              </a:spcBef>
-              <a:spcAft>
-                <a:spcPts val="0"/>
-              </a:spcAft>
-              <a:buClrTx/>
-              <a:buSzTx/>
-              <a:buFontTx/>
-              <a:buNone/>
-              <a:tabLst/>
-              <a:defRPr/>
-            </a:pPr>
-            <a:endParaRPr kumimoji="0" lang="de-DE" sz="1800" b="0" i="0" u="none" strike="noStrike" kern="1200" cap="none" spc="0" normalizeH="0" baseline="0" noProof="0" dirty="0">
-              <a:ln>
-                <a:noFill/>
-              </a:ln>
-              <a:solidFill>
-                <a:prstClr val="white"/>
-              </a:solidFill>
-              <a:effectLst/>
-              <a:uLnTx/>
-              <a:uFillTx/>
-              <a:latin typeface="Calibri" panose="020F0502020204030204"/>
-              <a:ea typeface="+mn-ea"/>
-              <a:cs typeface="+mn-cs"/>
-            </a:endParaRPr>
-          </a:p>
-        </p:txBody>
-      </p:sp>
-      <p:sp>
-        <p:nvSpPr>
-          <p:cNvPr id="16" name="Titel 3">
-            <a:extLst>
-              <a:ext uri="{FF2B5EF4-FFF2-40B4-BE49-F238E27FC236}">
-                <a16:creationId xmlns:a16="http://schemas.microsoft.com/office/drawing/2014/main" id="{26DAC35D-FA00-FB83-1572-CE21B0142A8C}"/>
-              </a:ext>
-            </a:extLst>
-          </p:cNvPr>
-          <p:cNvSpPr>
-            <a:spLocks noGrp="1"/>
-          </p:cNvSpPr>
-          <p:nvPr>
-            <p:ph type="title"/>
-          </p:nvPr>
-        </p:nvSpPr>
-        <p:spPr>
-          <a:xfrm>
-            <a:off x="0" y="1412488"/>
-            <a:ext cx="4059050" cy="4363844"/>
-          </a:xfrm>
-        </p:spPr>
-        <p:txBody>
-          <a:bodyPr anchor="t">
-            <a:normAutofit/>
-          </a:bodyPr>
-          <a:lstStyle/>
-          <a:p>
-            <a:pPr algn="ctr"/>
-            <a:r>
-              <a:rPr lang="de-DE" sz="4000" b="1" noProof="0" dirty="0">
-                <a:solidFill>
-                  <a:srgbClr val="FFFFFF"/>
-                </a:solidFill>
-              </a:rPr>
-              <a:t>Nice2Haves</a:t>
-            </a:r>
-            <a:br>
-              <a:rPr lang="de-DE" sz="4000" b="1" noProof="0" dirty="0">
-                <a:solidFill>
-                  <a:srgbClr val="FFFFFF"/>
-                </a:solidFill>
-              </a:rPr>
-            </a:br>
-            <a:r>
-              <a:rPr lang="de-DE" sz="4000" b="1" noProof="0" dirty="0">
-                <a:solidFill>
-                  <a:srgbClr val="FFFFFF"/>
-                </a:solidFill>
-              </a:rPr>
-              <a:t>Berechnungen</a:t>
-            </a:r>
-          </a:p>
-        </p:txBody>
-      </p:sp>
-      <p:sp>
-        <p:nvSpPr>
-          <p:cNvPr id="17" name="Inhaltsplatzhalter 4">
-            <a:extLst>
-              <a:ext uri="{FF2B5EF4-FFF2-40B4-BE49-F238E27FC236}">
-                <a16:creationId xmlns:a16="http://schemas.microsoft.com/office/drawing/2014/main" id="{31F6B00F-72B9-3F4B-BC8C-8BBAB035F0B1}"/>
-              </a:ext>
-            </a:extLst>
-          </p:cNvPr>
-          <p:cNvSpPr>
-            <a:spLocks noGrp="1"/>
-          </p:cNvSpPr>
-          <p:nvPr>
-            <p:ph sz="half" idx="1"/>
-          </p:nvPr>
-        </p:nvSpPr>
-        <p:spPr>
-          <a:xfrm>
-            <a:off x="4380855" y="1412489"/>
-            <a:ext cx="3427283" cy="4363844"/>
-          </a:xfrm>
-        </p:spPr>
-        <p:txBody>
-          <a:bodyPr>
-            <a:normAutofit/>
-          </a:bodyPr>
-          <a:lstStyle/>
-          <a:p>
-            <a:pPr marL="0" indent="0">
-              <a:buNone/>
-            </a:pPr>
-            <a:r>
-              <a:rPr lang="de-DE" sz="2000" b="1" noProof="0" dirty="0"/>
-              <a:t>Indoor:</a:t>
-            </a:r>
-          </a:p>
-        </p:txBody>
-      </p:sp>
-      <p:cxnSp>
-        <p:nvCxnSpPr>
-          <p:cNvPr id="18" name="Straight Connector 11">
-            <a:extLst>
-              <a:ext uri="{FF2B5EF4-FFF2-40B4-BE49-F238E27FC236}">
-                <a16:creationId xmlns:a16="http://schemas.microsoft.com/office/drawing/2014/main" id="{E7D65A43-0D16-FB60-06D7-D8A3134FC8E6}"/>
-              </a:ext>
-              <a:ext uri="{C183D7F6-B498-43B3-948B-1728B52AA6E4}">
-                <adec:decorative xmlns:adec="http://schemas.microsoft.com/office/drawing/2017/decorative" val="1"/>
-              </a:ext>
-            </a:extLst>
-          </p:cNvPr>
-          <p:cNvCxnSpPr/>
-          <p:nvPr>
-            <p:extLst>
-              <p:ext uri="{386F3935-93C4-4BCD-93E2-E3B085C9AB24}">
-                <p16:designElem xmlns:p16="http://schemas.microsoft.com/office/powerpoint/2015/main" val="1"/>
-              </p:ext>
-            </p:extLst>
-          </p:nvPr>
-        </p:nvCxnSpPr>
-        <p:spPr>
-          <a:xfrm>
-            <a:off x="8129871" y="1412488"/>
-            <a:ext cx="0" cy="3657600"/>
-          </a:xfrm>
-          <a:prstGeom prst="line">
-            <a:avLst/>
-          </a:prstGeom>
-          <a:ln w="12700">
-            <a:solidFill>
-              <a:schemeClr val="tx1">
-                <a:lumMod val="50000"/>
-                <a:lumOff val="50000"/>
-              </a:schemeClr>
-            </a:solidFill>
-          </a:ln>
-        </p:spPr>
-        <p:style>
-          <a:lnRef idx="1">
-            <a:schemeClr val="accent1"/>
-          </a:lnRef>
-          <a:fillRef idx="0">
-            <a:schemeClr val="accent1"/>
-          </a:fillRef>
-          <a:effectRef idx="0">
-            <a:schemeClr val="accent1"/>
-          </a:effectRef>
-          <a:fontRef idx="minor">
-            <a:schemeClr val="tx1"/>
-          </a:fontRef>
-        </p:style>
-      </p:cxnSp>
-      <p:sp>
-        <p:nvSpPr>
-          <p:cNvPr id="19" name="Inhaltsplatzhalter 1">
-            <a:extLst>
-              <a:ext uri="{FF2B5EF4-FFF2-40B4-BE49-F238E27FC236}">
-                <a16:creationId xmlns:a16="http://schemas.microsoft.com/office/drawing/2014/main" id="{961C55BD-6B58-EBB9-BCBB-080AE4A18C36}"/>
-              </a:ext>
-            </a:extLst>
-          </p:cNvPr>
-          <p:cNvSpPr txBox="1">
-            <a:spLocks/>
-          </p:cNvSpPr>
-          <p:nvPr/>
-        </p:nvSpPr>
-        <p:spPr>
-          <a:xfrm>
-            <a:off x="8451604" y="1412489"/>
-            <a:ext cx="3197701" cy="4363844"/>
-          </a:xfrm>
-          <a:prstGeom prst="rect">
-            <a:avLst/>
-          </a:prstGeom>
-        </p:spPr>
-        <p:txBody>
-          <a:bodyPr>
-            <a:normAutofit/>
-          </a:bodyPr>
-          <a:lstStyle>
-            <a:lvl1pPr marL="228600" indent="-228600" algn="l" defTabSz="914400" rtl="0" eaLnBrk="1" latinLnBrk="0" hangingPunct="1">
-              <a:lnSpc>
-                <a:spcPct val="90000"/>
-              </a:lnSpc>
-              <a:spcBef>
-                <a:spcPts val="1000"/>
-              </a:spcBef>
-              <a:buFont typeface="Arial" panose="020B0604020202020204" pitchFamily="34" charset="0"/>
-              <a:buChar char="•"/>
-              <a:defRPr sz="2800" kern="1200">
-                <a:solidFill>
-                  <a:schemeClr val="tx1"/>
-                </a:solidFill>
-                <a:latin typeface="+mn-lt"/>
-                <a:ea typeface="+mn-ea"/>
-                <a:cs typeface="+mn-cs"/>
-              </a:defRPr>
-            </a:lvl1pPr>
-            <a:lvl2pPr marL="685800" indent="-228600" algn="l" defTabSz="914400" rtl="0" eaLnBrk="1" latinLnBrk="0" hangingPunct="1">
-              <a:lnSpc>
-                <a:spcPct val="90000"/>
-              </a:lnSpc>
-              <a:spcBef>
-                <a:spcPts val="500"/>
-              </a:spcBef>
-              <a:buFont typeface="Arial" panose="020B0604020202020204" pitchFamily="34" charset="0"/>
-              <a:buChar char="•"/>
-              <a:defRPr sz="2400" kern="1200">
-                <a:solidFill>
-                  <a:schemeClr val="tx1"/>
-                </a:solidFill>
-                <a:latin typeface="+mn-lt"/>
-                <a:ea typeface="+mn-ea"/>
-                <a:cs typeface="+mn-cs"/>
-              </a:defRPr>
-            </a:lvl2pPr>
-            <a:lvl3pPr marL="1143000" indent="-228600" algn="l" defTabSz="914400" rtl="0" eaLnBrk="1" latinLnBrk="0" hangingPunct="1">
-              <a:lnSpc>
-                <a:spcPct val="90000"/>
-              </a:lnSpc>
-              <a:spcBef>
-                <a:spcPts val="500"/>
-              </a:spcBef>
-              <a:buFont typeface="Arial" panose="020B0604020202020204" pitchFamily="34" charset="0"/>
-              <a:buChar char="•"/>
-              <a:defRPr sz="2000" kern="1200">
-                <a:solidFill>
-                  <a:schemeClr val="tx1"/>
-                </a:solidFill>
-                <a:latin typeface="+mn-lt"/>
-                <a:ea typeface="+mn-ea"/>
-                <a:cs typeface="+mn-cs"/>
-              </a:defRPr>
-            </a:lvl3pPr>
-            <a:lvl4pPr marL="1600200" indent="-228600" algn="l" defTabSz="914400" rtl="0" eaLnBrk="1" latinLnBrk="0" hangingPunct="1">
-              <a:lnSpc>
-                <a:spcPct val="90000"/>
-              </a:lnSpc>
-              <a:spcBef>
-                <a:spcPts val="500"/>
-              </a:spcBef>
-              <a:buFont typeface="Arial" panose="020B0604020202020204" pitchFamily="34" charset="0"/>
-              <a:buChar char="•"/>
-              <a:defRPr sz="1800" kern="1200">
-                <a:solidFill>
-                  <a:schemeClr val="tx1"/>
-                </a:solidFill>
-                <a:latin typeface="+mn-lt"/>
-                <a:ea typeface="+mn-ea"/>
-                <a:cs typeface="+mn-cs"/>
-              </a:defRPr>
-            </a:lvl4pPr>
-            <a:lvl5pPr marL="2057400" indent="-228600" algn="l" defTabSz="914400" rtl="0" eaLnBrk="1" latinLnBrk="0" hangingPunct="1">
-              <a:lnSpc>
-                <a:spcPct val="90000"/>
-              </a:lnSpc>
-              <a:spcBef>
-                <a:spcPts val="500"/>
-              </a:spcBef>
-              <a:buFont typeface="Arial" panose="020B0604020202020204" pitchFamily="34" charset="0"/>
-              <a:buChar char="•"/>
-              <a:defRPr sz="1800" kern="1200">
-                <a:solidFill>
-                  <a:schemeClr val="tx1"/>
-                </a:solidFill>
-                <a:latin typeface="+mn-lt"/>
-                <a:ea typeface="+mn-ea"/>
-                <a:cs typeface="+mn-cs"/>
-              </a:defRPr>
-            </a:lvl5pPr>
-            <a:lvl6pPr marL="2514600" indent="-228600" algn="l" defTabSz="914400" rtl="0" eaLnBrk="1" latinLnBrk="0" hangingPunct="1">
-              <a:lnSpc>
-                <a:spcPct val="90000"/>
-              </a:lnSpc>
-              <a:spcBef>
-                <a:spcPts val="500"/>
-              </a:spcBef>
-              <a:buFont typeface="Arial" panose="020B0604020202020204" pitchFamily="34" charset="0"/>
-              <a:buChar char="•"/>
-              <a:defRPr sz="1800" kern="1200">
-                <a:solidFill>
-                  <a:schemeClr val="tx1"/>
-                </a:solidFill>
-                <a:latin typeface="+mn-lt"/>
-                <a:ea typeface="+mn-ea"/>
-                <a:cs typeface="+mn-cs"/>
-              </a:defRPr>
-            </a:lvl6pPr>
-            <a:lvl7pPr marL="2971800" indent="-228600" algn="l" defTabSz="914400" rtl="0" eaLnBrk="1" latinLnBrk="0" hangingPunct="1">
-              <a:lnSpc>
-                <a:spcPct val="90000"/>
-              </a:lnSpc>
-              <a:spcBef>
-                <a:spcPts val="500"/>
-              </a:spcBef>
-              <a:buFont typeface="Arial" panose="020B0604020202020204" pitchFamily="34" charset="0"/>
-              <a:buChar char="•"/>
-              <a:defRPr sz="1800" kern="1200">
-                <a:solidFill>
-                  <a:schemeClr val="tx1"/>
-                </a:solidFill>
-                <a:latin typeface="+mn-lt"/>
-                <a:ea typeface="+mn-ea"/>
-                <a:cs typeface="+mn-cs"/>
-              </a:defRPr>
-            </a:lvl7pPr>
-            <a:lvl8pPr marL="3429000" indent="-228600" algn="l" defTabSz="914400" rtl="0" eaLnBrk="1" latinLnBrk="0" hangingPunct="1">
-              <a:lnSpc>
-                <a:spcPct val="90000"/>
-              </a:lnSpc>
-              <a:spcBef>
-                <a:spcPts val="500"/>
-              </a:spcBef>
-              <a:buFont typeface="Arial" panose="020B0604020202020204" pitchFamily="34" charset="0"/>
-              <a:buChar char="•"/>
-              <a:defRPr sz="1800" kern="1200">
-                <a:solidFill>
-                  <a:schemeClr val="tx1"/>
-                </a:solidFill>
-                <a:latin typeface="+mn-lt"/>
-                <a:ea typeface="+mn-ea"/>
-                <a:cs typeface="+mn-cs"/>
-              </a:defRPr>
-            </a:lvl8pPr>
-            <a:lvl9pPr marL="3886200" indent="-228600" algn="l" defTabSz="914400" rtl="0" eaLnBrk="1" latinLnBrk="0" hangingPunct="1">
-              <a:lnSpc>
-                <a:spcPct val="90000"/>
-              </a:lnSpc>
-              <a:spcBef>
-                <a:spcPts val="500"/>
-              </a:spcBef>
-              <a:buFont typeface="Arial" panose="020B0604020202020204" pitchFamily="34" charset="0"/>
-              <a:buChar char="•"/>
-              <a:defRPr sz="1800" kern="1200">
-                <a:solidFill>
-                  <a:schemeClr val="tx1"/>
-                </a:solidFill>
-                <a:latin typeface="+mn-lt"/>
-                <a:ea typeface="+mn-ea"/>
-                <a:cs typeface="+mn-cs"/>
-              </a:defRPr>
-            </a:lvl9pPr>
-          </a:lstStyle>
-          <a:p>
-            <a:pPr marL="0" indent="0">
-              <a:buNone/>
-            </a:pPr>
-            <a:r>
-              <a:rPr lang="de-DE" sz="2000" b="1" noProof="0" dirty="0"/>
-              <a:t>Outdoor:</a:t>
-            </a:r>
-          </a:p>
-          <a:p>
-            <a:r>
-              <a:rPr lang="de-DE" sz="2000" noProof="0" dirty="0"/>
-              <a:t>Sichtweite</a:t>
-            </a:r>
-          </a:p>
-          <a:p>
-            <a:r>
-              <a:rPr lang="de-DE" sz="2000" noProof="0" dirty="0"/>
-              <a:t>Einstrahlungsenergie pro m</a:t>
-            </a:r>
-            <a:r>
-              <a:rPr lang="de-DE" sz="2000" baseline="30000" noProof="0" dirty="0"/>
-              <a:t>2</a:t>
-            </a:r>
-          </a:p>
-          <a:p>
-            <a:r>
-              <a:rPr lang="de-DE" sz="2000" noProof="0" dirty="0"/>
-              <a:t>kWh/m</a:t>
-            </a:r>
-            <a:r>
-              <a:rPr lang="de-DE" sz="2000" baseline="30000" noProof="0" dirty="0"/>
-              <a:t>2</a:t>
-            </a:r>
-            <a:r>
-              <a:rPr lang="de-DE" sz="2000" noProof="0" dirty="0"/>
-              <a:t> (Sonneneinstrahlung)</a:t>
-            </a:r>
-          </a:p>
-          <a:p>
-            <a:r>
-              <a:rPr lang="de-DE" sz="2000" noProof="0" dirty="0"/>
-              <a:t>Taupunkt</a:t>
-            </a:r>
-          </a:p>
-          <a:p>
-            <a:endParaRPr lang="de-DE" sz="2000" b="1" noProof="0" dirty="0"/>
-          </a:p>
-        </p:txBody>
-      </p:sp>
-    </p:spTree>
-    <p:extLst>
-      <p:ext uri="{BB962C8B-B14F-4D97-AF65-F5344CB8AC3E}">
-        <p14:creationId xmlns:p14="http://schemas.microsoft.com/office/powerpoint/2010/main" val="61744048"/>
       </p:ext>
     </p:extLst>
   </p:cSld>
@@ -15823,7 +15760,7 @@
               <a:rPr lang="de-DE" sz="2000" noProof="0" dirty="0">
                 <a:sym typeface="Wingdings" panose="05000000000000000000" pitchFamily="2" charset="2"/>
               </a:rPr>
-              <a:t>IEEE 802.15.4 basiert			arbeitet in einem 						Frequenzbereich der weniger 					überlastet ist</a:t>
+              <a:t>arbeitet in einem Frequenzbereich der weniger überlastet ist</a:t>
             </a:r>
           </a:p>
           <a:p>
